--- a/sample/sample.pptx
+++ b/sample/sample.pptx
@@ -3888,49 +3888,112 @@
               <a:rPr>
                 <a:latin typeface="Courier"/>
               </a:rPr>
-              <a:t>docker run --detach --name te2018_eusdb \</a:t>
-            </a:r>
-            <a:br/>
-            <a:r>
-              <a:rPr>
-                <a:latin typeface="Courier"/>
-              </a:rPr>
-              <a:t>  --volume /data/docker/volumes/te2018_eusdb:/u01 \</a:t>
-            </a:r>
-            <a:br/>
-            <a:r>
-              <a:rPr>
-                <a:latin typeface="Courier"/>
-              </a:rPr>
-              <a:t>  -e ORACLE_SID=TE18EUS \</a:t>
-            </a:r>
-            <a:br/>
-            <a:r>
-              <a:rPr>
-                <a:latin typeface="Courier"/>
-              </a:rPr>
-              <a:t>  -p 1521:1521 -p 5500:5500 \</a:t>
-            </a:r>
-            <a:br/>
-            <a:r>
-              <a:rPr>
-                <a:latin typeface="Courier"/>
-              </a:rPr>
-              <a:t>  --hostname te2018_eusdb.postgasse.org \</a:t>
-            </a:r>
-            <a:br/>
-            <a:r>
-              <a:rPr>
-                <a:latin typeface="Courier"/>
-              </a:rPr>
-              <a:t>  --dns 192.168.56.70 \</a:t>
-            </a:r>
-            <a:br/>
-            <a:r>
-              <a:rPr>
-                <a:latin typeface="Courier"/>
-              </a:rPr>
-              <a:t>  --dns-search postgasse.org \</a:t>
+              <a:t>docker run --detach --name te2018_eusdb </a:t>
+            </a:r>
+            <a:r>
+              <a:rPr b="1">
+                <a:solidFill>
+                  <a:srgbClr val="007020"/>
+                </a:solidFill>
+                <a:latin typeface="Courier"/>
+              </a:rPr>
+              <a:t>\</a:t>
+            </a:r>
+            <a:br/>
+            <a:r>
+              <a:rPr>
+                <a:latin typeface="Courier"/>
+              </a:rPr>
+              <a:t>  --volume /data/docker/volumes/te2018_eusdb:/u01 </a:t>
+            </a:r>
+            <a:r>
+              <a:rPr b="1">
+                <a:solidFill>
+                  <a:srgbClr val="007020"/>
+                </a:solidFill>
+                <a:latin typeface="Courier"/>
+              </a:rPr>
+              <a:t>\</a:t>
+            </a:r>
+            <a:br/>
+            <a:r>
+              <a:rPr>
+                <a:latin typeface="Courier"/>
+              </a:rPr>
+              <a:t>  -e ORACLE_SID=TE18EUS </a:t>
+            </a:r>
+            <a:r>
+              <a:rPr b="1">
+                <a:solidFill>
+                  <a:srgbClr val="007020"/>
+                </a:solidFill>
+                <a:latin typeface="Courier"/>
+              </a:rPr>
+              <a:t>\</a:t>
+            </a:r>
+            <a:br/>
+            <a:r>
+              <a:rPr>
+                <a:latin typeface="Courier"/>
+              </a:rPr>
+              <a:t>  -p 1521:1521 -p 5500:5500 </a:t>
+            </a:r>
+            <a:r>
+              <a:rPr b="1">
+                <a:solidFill>
+                  <a:srgbClr val="007020"/>
+                </a:solidFill>
+                <a:latin typeface="Courier"/>
+              </a:rPr>
+              <a:t>\</a:t>
+            </a:r>
+            <a:br/>
+            <a:r>
+              <a:rPr>
+                <a:latin typeface="Courier"/>
+              </a:rPr>
+              <a:t>  --hostname te2018_eusdb.postgasse.org </a:t>
+            </a:r>
+            <a:r>
+              <a:rPr b="1">
+                <a:solidFill>
+                  <a:srgbClr val="007020"/>
+                </a:solidFill>
+                <a:latin typeface="Courier"/>
+              </a:rPr>
+              <a:t>\</a:t>
+            </a:r>
+            <a:br/>
+            <a:r>
+              <a:rPr>
+                <a:latin typeface="Courier"/>
+              </a:rPr>
+              <a:t>  --dns 192.168.56.70 </a:t>
+            </a:r>
+            <a:r>
+              <a:rPr b="1">
+                <a:solidFill>
+                  <a:srgbClr val="007020"/>
+                </a:solidFill>
+                <a:latin typeface="Courier"/>
+              </a:rPr>
+              <a:t>\</a:t>
+            </a:r>
+            <a:br/>
+            <a:r>
+              <a:rPr>
+                <a:latin typeface="Courier"/>
+              </a:rPr>
+              <a:t>  --dns-search postgasse.org </a:t>
+            </a:r>
+            <a:r>
+              <a:rPr b="1">
+                <a:solidFill>
+                  <a:srgbClr val="007020"/>
+                </a:solidFill>
+                <a:latin typeface="Courier"/>
+              </a:rPr>
+              <a:t>\</a:t>
             </a:r>
             <a:br/>
             <a:r>
@@ -7722,7 +7785,16 @@
                   <a:rPr>
                     <a:latin typeface="Courier"/>
                   </a:rPr>
-                  <a:t> \</a:t>
+                  <a:t> </a:t>
+                </a:r>
+                <a:r>
+                  <a:rPr b="1">
+                    <a:solidFill>
+                      <a:srgbClr val="007020"/>
+                    </a:solidFill>
+                    <a:latin typeface="Courier"/>
+                  </a:rPr>
+                  <a:t>\</a:t>
                 </a:r>
                 <a:br/>
                 <a:r>
@@ -7744,21 +7816,48 @@
                   <a:rPr>
                     <a:latin typeface="Courier"/>
                   </a:rPr>
-                  <a:t>:/u01 \</a:t>
+                  <a:t>:/u01 </a:t>
+                </a:r>
+                <a:r>
+                  <a:rPr b="1">
+                    <a:solidFill>
+                      <a:srgbClr val="007020"/>
+                    </a:solidFill>
+                    <a:latin typeface="Courier"/>
+                  </a:rPr>
+                  <a:t>\</a:t>
                 </a:r>
                 <a:br/>
                 <a:r>
                   <a:rPr>
                     <a:latin typeface="Courier"/>
                   </a:rPr>
-                  <a:t>    -p 1389:1389 -p 1636:1636 -p 4444:4444 \</a:t>
+                  <a:t>    -p 1389:1389 -p 1636:1636 -p 4444:4444 </a:t>
+                </a:r>
+                <a:r>
+                  <a:rPr b="1">
+                    <a:solidFill>
+                      <a:srgbClr val="007020"/>
+                    </a:solidFill>
+                    <a:latin typeface="Courier"/>
+                  </a:rPr>
+                  <a:t>\</a:t>
                 </a:r>
                 <a:br/>
                 <a:r>
                   <a:rPr>
                     <a:latin typeface="Courier"/>
                   </a:rPr>
-                  <a:t>    -e OUD_CUSTOM=TRUE \</a:t>
+                  <a:t>    -e OUD_CUSTOM=TRUE </a:t>
+                </a:r>
+                <a:r>
+                  <a:rPr b="1">
+                    <a:solidFill>
+                      <a:srgbClr val="007020"/>
+                    </a:solidFill>
+                    <a:latin typeface="Courier"/>
+                  </a:rPr>
+                  <a:t>\</a:t>
                 </a:r>
                 <a:br/>
                 <a:r>
@@ -7780,7 +7879,16 @@
                   <a:rPr>
                     <a:latin typeface="Courier"/>
                   </a:rPr>
-                  <a:t> \</a:t>
+                  <a:t> </a:t>
+                </a:r>
+                <a:r>
+                  <a:rPr b="1">
+                    <a:solidFill>
+                      <a:srgbClr val="007020"/>
+                    </a:solidFill>
+                    <a:latin typeface="Courier"/>
+                  </a:rPr>
+                  <a:t>\</a:t>
                 </a:r>
                 <a:br/>
                 <a:r>
@@ -7802,7 +7910,16 @@
                   <a:rPr>
                     <a:latin typeface="Courier"/>
                   </a:rPr>
-                  <a:t> \</a:t>
+                  <a:t> </a:t>
+                </a:r>
+                <a:r>
+                  <a:rPr b="1">
+                    <a:solidFill>
+                      <a:srgbClr val="007020"/>
+                    </a:solidFill>
+                    <a:latin typeface="Courier"/>
+                  </a:rPr>
+                  <a:t>\</a:t>
                 </a:r>
                 <a:br/>
                 <a:r>
@@ -7824,21 +7941,48 @@
                   <a:rPr>
                     <a:latin typeface="Courier"/>
                   </a:rPr>
-                  <a:t> \</a:t>
+                  <a:t> </a:t>
+                </a:r>
+                <a:r>
+                  <a:rPr b="1">
+                    <a:solidFill>
+                      <a:srgbClr val="007020"/>
+                    </a:solidFill>
+                    <a:latin typeface="Courier"/>
+                  </a:rPr>
+                  <a:t>\</a:t>
                 </a:r>
                 <a:br/>
                 <a:r>
                   <a:rPr>
                     <a:latin typeface="Courier"/>
                   </a:rPr>
-                  <a:t>    --dns 192.168.56.70 \</a:t>
+                  <a:t>    --dns 192.168.56.70 </a:t>
+                </a:r>
+                <a:r>
+                  <a:rPr b="1">
+                    <a:solidFill>
+                      <a:srgbClr val="007020"/>
+                    </a:solidFill>
+                    <a:latin typeface="Courier"/>
+                  </a:rPr>
+                  <a:t>\</a:t>
                 </a:r>
                 <a:br/>
                 <a:r>
                   <a:rPr>
                     <a:latin typeface="Courier"/>
                   </a:rPr>
-                  <a:t>    --dns-search postgasse.org \</a:t>
+                  <a:t>    --dns-search postgasse.org </a:t>
+                </a:r>
+                <a:r>
+                  <a:rPr b="1">
+                    <a:solidFill>
+                      <a:srgbClr val="007020"/>
+                    </a:solidFill>
+                    <a:latin typeface="Courier"/>
+                  </a:rPr>
+                  <a:t>\</a:t>
                 </a:r>
                 <a:br/>
                 <a:r>
@@ -7924,7 +8068,16 @@
                   <a:rPr>
                     <a:latin typeface="Courier"/>
                   </a:rPr>
-                  <a:t>docker cp \</a:t>
+                  <a:t>docker cp </a:t>
+                </a:r>
+                <a:r>
+                  <a:rPr b="1">
+                    <a:solidFill>
+                      <a:srgbClr val="007020"/>
+                    </a:solidFill>
+                    <a:latin typeface="Courier"/>
+                  </a:rPr>
+                  <a:t>\</a:t>
                 </a:r>
                 <a:br/>
                 <a:r>
@@ -7988,7 +8141,16 @@
                   <a:rPr>
                     <a:latin typeface="Courier"/>
                   </a:rPr>
-                  <a:t>:/u00/app/oracle/local/oudbase/templates/create/oud12c_eus_ad_proxy \</a:t>
+                  <a:t>:/u00/app/oracle/local/oudbase/templates/create/oud12c_eus_ad_proxy </a:t>
+                </a:r>
+                <a:r>
+                  <a:rPr b="1">
+                    <a:solidFill>
+                      <a:srgbClr val="007020"/>
+                    </a:solidFill>
+                    <a:latin typeface="Courier"/>
+                  </a:rPr>
+                  <a:t>\</a:t>
                 </a:r>
                 <a:br/>
                 <a:r>
@@ -8307,7 +8469,16 @@
                   <a:rPr>
                     <a:latin typeface="Courier"/>
                   </a:rPr>
-                  <a:t> \</a:t>
+                  <a:t> </a:t>
+                </a:r>
+                <a:r>
+                  <a:rPr b="1">
+                    <a:solidFill>
+                      <a:srgbClr val="007020"/>
+                    </a:solidFill>
+                    <a:latin typeface="Courier"/>
+                  </a:rPr>
+                  <a:t>\</a:t>
                 </a:r>
                 <a:br/>
                 <a:r>
@@ -8375,7 +8546,16 @@
                   <a:rPr>
                     <a:latin typeface="Courier"/>
                   </a:rPr>
-                  <a:t> \</a:t>
+                  <a:t> </a:t>
+                </a:r>
+                <a:r>
+                  <a:rPr b="1">
+                    <a:solidFill>
+                      <a:srgbClr val="007020"/>
+                    </a:solidFill>
+                    <a:latin typeface="Courier"/>
+                  </a:rPr>
+                  <a:t>\</a:t>
                 </a:r>
                 <a:br/>
                 <a:r>
@@ -8443,7 +8623,16 @@
                   <a:rPr>
                     <a:latin typeface="Courier"/>
                   </a:rPr>
-                  <a:t> \</a:t>
+                  <a:t> </a:t>
+                </a:r>
+                <a:r>
+                  <a:rPr b="1">
+                    <a:solidFill>
+                      <a:srgbClr val="007020"/>
+                    </a:solidFill>
+                    <a:latin typeface="Courier"/>
+                  </a:rPr>
+                  <a:t>\</a:t>
                 </a:r>
                 <a:br/>
                 <a:r>
@@ -8512,7 +8701,16 @@
                   <a:rPr>
                     <a:latin typeface="Courier"/>
                   </a:rPr>
-                  <a:t> \</a:t>
+                  <a:t> </a:t>
+                </a:r>
+                <a:r>
+                  <a:rPr b="1">
+                    <a:solidFill>
+                      <a:srgbClr val="007020"/>
+                    </a:solidFill>
+                    <a:latin typeface="Courier"/>
+                  </a:rPr>
+                  <a:t>\</a:t>
                 </a:r>
                 <a:br/>
                 <a:r>
@@ -8580,7 +8778,16 @@
                   <a:rPr>
                     <a:latin typeface="Courier"/>
                   </a:rPr>
-                  <a:t> \</a:t>
+                  <a:t> </a:t>
+                </a:r>
+                <a:r>
+                  <a:rPr b="1">
+                    <a:solidFill>
+                      <a:srgbClr val="007020"/>
+                    </a:solidFill>
+                    <a:latin typeface="Courier"/>
+                  </a:rPr>
+                  <a:t>\</a:t>
                 </a:r>
                 <a:br/>
                 <a:r>
@@ -8648,7 +8855,16 @@
                   <a:rPr>
                     <a:latin typeface="Courier"/>
                   </a:rPr>
-                  <a:t> \</a:t>
+                  <a:t> </a:t>
+                </a:r>
+                <a:r>
+                  <a:rPr b="1">
+                    <a:solidFill>
+                      <a:srgbClr val="007020"/>
+                    </a:solidFill>
+                    <a:latin typeface="Courier"/>
+                  </a:rPr>
+                  <a:t>\</a:t>
                 </a:r>
                 <a:br/>
                 <a:r>
@@ -8716,7 +8932,16 @@
                   <a:rPr>
                     <a:latin typeface="Courier"/>
                   </a:rPr>
-                  <a:t> \</a:t>
+                  <a:t> </a:t>
+                </a:r>
+                <a:r>
+                  <a:rPr b="1">
+                    <a:solidFill>
+                      <a:srgbClr val="007020"/>
+                    </a:solidFill>
+                    <a:latin typeface="Courier"/>
+                  </a:rPr>
+                  <a:t>\</a:t>
                 </a:r>
                 <a:br/>
                 <a:r>
@@ -8896,14 +9121,32 @@
                   <a:rPr>
                     <a:latin typeface="Courier"/>
                   </a:rPr>
-                  <a:t> \</a:t>
+                  <a:t> </a:t>
+                </a:r>
+                <a:r>
+                  <a:rPr b="1">
+                    <a:solidFill>
+                      <a:srgbClr val="007020"/>
+                    </a:solidFill>
+                    <a:latin typeface="Courier"/>
+                  </a:rPr>
+                  <a:t>\</a:t>
                 </a:r>
                 <a:br/>
                 <a:r>
                   <a:rPr>
                     <a:latin typeface="Courier"/>
                   </a:rPr>
-                  <a:t>    -registerWithDirService true \</a:t>
+                  <a:t>    -registerWithDirService true </a:t>
+                </a:r>
+                <a:r>
+                  <a:rPr b="1">
+                    <a:solidFill>
+                      <a:srgbClr val="007020"/>
+                    </a:solidFill>
+                    <a:latin typeface="Courier"/>
+                  </a:rPr>
+                  <a:t>\</a:t>
                 </a:r>
                 <a:br/>
                 <a:r>
@@ -8925,7 +9168,16 @@
                   <a:rPr>
                     <a:latin typeface="Courier"/>
                   </a:rPr>
-                  <a:t> -dirServicePassword manager \</a:t>
+                  <a:t> -dirServicePassword manager </a:t>
+                </a:r>
+                <a:r>
+                  <a:rPr b="1">
+                    <a:solidFill>
+                      <a:srgbClr val="007020"/>
+                    </a:solidFill>
+                    <a:latin typeface="Courier"/>
+                  </a:rPr>
+                  <a:t>\</a:t>
                 </a:r>
                 <a:br/>
                 <a:r>
@@ -9121,14 +9373,32 @@
                   <a:rPr>
                     <a:latin typeface="Courier"/>
                   </a:rPr>
-                  <a:t> \</a:t>
+                  <a:t> </a:t>
+                </a:r>
+                <a:r>
+                  <a:rPr b="1">
+                    <a:solidFill>
+                      <a:srgbClr val="007020"/>
+                    </a:solidFill>
+                    <a:latin typeface="Courier"/>
+                  </a:rPr>
+                  <a:t>\</a:t>
                 </a:r>
                 <a:br/>
                 <a:r>
                   <a:rPr>
                     <a:latin typeface="Courier"/>
                   </a:rPr>
-                  <a:t>    realm_dn=</a:t>
+                  <a:t>    </a:t>
+                </a:r>
+                <a:r>
+                  <a:rPr>
+                    <a:solidFill>
+                      <a:srgbClr val="19177C"/>
+                    </a:solidFill>
+                    <a:latin typeface="Courier"/>
+                  </a:rPr>
+                  <a:t>realm_dn=</a:t>
                 </a:r>
                 <a:r>
                   <a:rPr>
@@ -9143,14 +9413,47 @@
                   <a:rPr>
                     <a:latin typeface="Courier"/>
                   </a:rPr>
-                  <a:t> map_type=SUBTREE \</a:t>
+                  <a:t> </a:t>
+                </a:r>
+                <a:r>
+                  <a:rPr>
+                    <a:solidFill>
+                      <a:srgbClr val="19177C"/>
+                    </a:solidFill>
+                    <a:latin typeface="Courier"/>
+                  </a:rPr>
+                  <a:t>map_type=</a:t>
+                </a:r>
+                <a:r>
+                  <a:rPr>
+                    <a:latin typeface="Courier"/>
+                  </a:rPr>
+                  <a:t>SUBTREE </a:t>
+                </a:r>
+                <a:r>
+                  <a:rPr b="1">
+                    <a:solidFill>
+                      <a:srgbClr val="007020"/>
+                    </a:solidFill>
+                    <a:latin typeface="Courier"/>
+                  </a:rPr>
+                  <a:t>\</a:t>
                 </a:r>
                 <a:br/>
                 <a:r>
                   <a:rPr>
                     <a:latin typeface="Courier"/>
                   </a:rPr>
-                  <a:t>    map_dn=</a:t>
+                  <a:t>    </a:t>
+                </a:r>
+                <a:r>
+                  <a:rPr>
+                    <a:solidFill>
+                      <a:srgbClr val="19177C"/>
+                    </a:solidFill>
+                    <a:latin typeface="Courier"/>
+                  </a:rPr>
+                  <a:t>map_dn=</a:t>
                 </a:r>
                 <a:r>
                   <a:rPr>
@@ -9165,14 +9468,47 @@
                   <a:rPr>
                     <a:latin typeface="Courier"/>
                   </a:rPr>
-                  <a:t> schema=EUS_USERS \</a:t>
+                  <a:t> </a:t>
+                </a:r>
+                <a:r>
+                  <a:rPr>
+                    <a:solidFill>
+                      <a:srgbClr val="19177C"/>
+                    </a:solidFill>
+                    <a:latin typeface="Courier"/>
+                  </a:rPr>
+                  <a:t>schema=</a:t>
+                </a:r>
+                <a:r>
+                  <a:rPr>
+                    <a:latin typeface="Courier"/>
+                  </a:rPr>
+                  <a:t>EUS_USERS </a:t>
+                </a:r>
+                <a:r>
+                  <a:rPr b="1">
+                    <a:solidFill>
+                      <a:srgbClr val="007020"/>
+                    </a:solidFill>
+                    <a:latin typeface="Courier"/>
+                  </a:rPr>
+                  <a:t>\</a:t>
                 </a:r>
                 <a:br/>
                 <a:r>
                   <a:rPr>
                     <a:latin typeface="Courier"/>
                   </a:rPr>
-                  <a:t>    ldap_host=</a:t>
+                  <a:t>    </a:t>
+                </a:r>
+                <a:r>
+                  <a:rPr>
+                    <a:solidFill>
+                      <a:srgbClr val="19177C"/>
+                    </a:solidFill>
+                    <a:latin typeface="Courier"/>
+                  </a:rPr>
+                  <a:t>ldap_host=</a:t>
                 </a:r>
                 <a:r>
                   <a:rPr>
@@ -9187,14 +9523,47 @@
                   <a:rPr>
                     <a:latin typeface="Courier"/>
                   </a:rPr>
-                  <a:t> ldap_port=1389 \</a:t>
+                  <a:t> </a:t>
+                </a:r>
+                <a:r>
+                  <a:rPr>
+                    <a:solidFill>
+                      <a:srgbClr val="19177C"/>
+                    </a:solidFill>
+                    <a:latin typeface="Courier"/>
+                  </a:rPr>
+                  <a:t>ldap_port=</a:t>
+                </a:r>
+                <a:r>
+                  <a:rPr>
+                    <a:latin typeface="Courier"/>
+                  </a:rPr>
+                  <a:t>1389 </a:t>
+                </a:r>
+                <a:r>
+                  <a:rPr b="1">
+                    <a:solidFill>
+                      <a:srgbClr val="007020"/>
+                    </a:solidFill>
+                    <a:latin typeface="Courier"/>
+                  </a:rPr>
+                  <a:t>\</a:t>
                 </a:r>
                 <a:br/>
                 <a:r>
                   <a:rPr>
                     <a:latin typeface="Courier"/>
                   </a:rPr>
-                  <a:t>    ldap_user_dn=</a:t>
+                  <a:t>    </a:t>
+                </a:r>
+                <a:r>
+                  <a:rPr>
+                    <a:solidFill>
+                      <a:srgbClr val="19177C"/>
+                    </a:solidFill>
+                    <a:latin typeface="Courier"/>
+                  </a:rPr>
+                  <a:t>ldap_user_dn=</a:t>
                 </a:r>
                 <a:r>
                   <a:rPr>
@@ -9209,14 +9578,32 @@
                   <a:rPr>
                     <a:latin typeface="Courier"/>
                   </a:rPr>
-                  <a:t> \</a:t>
+                  <a:t> </a:t>
+                </a:r>
+                <a:r>
+                  <a:rPr b="1">
+                    <a:solidFill>
+                      <a:srgbClr val="007020"/>
+                    </a:solidFill>
+                    <a:latin typeface="Courier"/>
+                  </a:rPr>
+                  <a:t>\</a:t>
                 </a:r>
                 <a:br/>
                 <a:r>
                   <a:rPr>
                     <a:latin typeface="Courier"/>
                   </a:rPr>
-                  <a:t>    ldap_user_password=</a:t>
+                  <a:t>    </a:t>
+                </a:r>
+                <a:r>
+                  <a:rPr>
+                    <a:solidFill>
+                      <a:srgbClr val="19177C"/>
+                    </a:solidFill>
+                    <a:latin typeface="Courier"/>
+                  </a:rPr>
+                  <a:t>ldap_user_password=</a:t>
                 </a:r>
                 <a:r>
                   <a:rPr>
@@ -9275,14 +9662,32 @@
                   <a:rPr>
                     <a:latin typeface="Courier"/>
                   </a:rPr>
-                  <a:t> \</a:t>
+                  <a:t> </a:t>
+                </a:r>
+                <a:r>
+                  <a:rPr b="1">
+                    <a:solidFill>
+                      <a:srgbClr val="007020"/>
+                    </a:solidFill>
+                    <a:latin typeface="Courier"/>
+                  </a:rPr>
+                  <a:t>\</a:t>
                 </a:r>
                 <a:br/>
                 <a:r>
                   <a:rPr>
                     <a:latin typeface="Courier"/>
                   </a:rPr>
-                  <a:t>    realm_dn=</a:t>
+                  <a:t>    </a:t>
+                </a:r>
+                <a:r>
+                  <a:rPr>
+                    <a:solidFill>
+                      <a:srgbClr val="19177C"/>
+                    </a:solidFill>
+                    <a:latin typeface="Courier"/>
+                  </a:rPr>
+                  <a:t>realm_dn=</a:t>
                 </a:r>
                 <a:r>
                   <a:rPr>
@@ -9297,14 +9702,32 @@
                   <a:rPr>
                     <a:latin typeface="Courier"/>
                   </a:rPr>
-                  <a:t> \</a:t>
+                  <a:t> </a:t>
+                </a:r>
+                <a:r>
+                  <a:rPr b="1">
+                    <a:solidFill>
+                      <a:srgbClr val="007020"/>
+                    </a:solidFill>
+                    <a:latin typeface="Courier"/>
+                  </a:rPr>
+                  <a:t>\</a:t>
                 </a:r>
                 <a:br/>
                 <a:r>
                   <a:rPr>
                     <a:latin typeface="Courier"/>
                   </a:rPr>
-                  <a:t>    ldap_host=</a:t>
+                  <a:t>    </a:t>
+                </a:r>
+                <a:r>
+                  <a:rPr>
+                    <a:solidFill>
+                      <a:srgbClr val="19177C"/>
+                    </a:solidFill>
+                    <a:latin typeface="Courier"/>
+                  </a:rPr>
+                  <a:t>ldap_host=</a:t>
                 </a:r>
                 <a:r>
                   <a:rPr>
@@ -9319,14 +9742,47 @@
                   <a:rPr>
                     <a:latin typeface="Courier"/>
                   </a:rPr>
-                  <a:t> ldap_port=1389 \</a:t>
+                  <a:t> </a:t>
+                </a:r>
+                <a:r>
+                  <a:rPr>
+                    <a:solidFill>
+                      <a:srgbClr val="19177C"/>
+                    </a:solidFill>
+                    <a:latin typeface="Courier"/>
+                  </a:rPr>
+                  <a:t>ldap_port=</a:t>
+                </a:r>
+                <a:r>
+                  <a:rPr>
+                    <a:latin typeface="Courier"/>
+                  </a:rPr>
+                  <a:t>1389 </a:t>
+                </a:r>
+                <a:r>
+                  <a:rPr b="1">
+                    <a:solidFill>
+                      <a:srgbClr val="007020"/>
+                    </a:solidFill>
+                    <a:latin typeface="Courier"/>
+                  </a:rPr>
+                  <a:t>\</a:t>
                 </a:r>
                 <a:br/>
                 <a:r>
                   <a:rPr>
                     <a:latin typeface="Courier"/>
                   </a:rPr>
-                  <a:t>    ldap_user_dn=</a:t>
+                  <a:t>    </a:t>
+                </a:r>
+                <a:r>
+                  <a:rPr>
+                    <a:solidFill>
+                      <a:srgbClr val="19177C"/>
+                    </a:solidFill>
+                    <a:latin typeface="Courier"/>
+                  </a:rPr>
+                  <a:t>ldap_user_dn=</a:t>
                 </a:r>
                 <a:r>
                   <a:rPr>
@@ -9341,14 +9797,32 @@
                   <a:rPr>
                     <a:latin typeface="Courier"/>
                   </a:rPr>
-                  <a:t> \</a:t>
+                  <a:t> </a:t>
+                </a:r>
+                <a:r>
+                  <a:rPr b="1">
+                    <a:solidFill>
+                      <a:srgbClr val="007020"/>
+                    </a:solidFill>
+                    <a:latin typeface="Courier"/>
+                  </a:rPr>
+                  <a:t>\</a:t>
                 </a:r>
                 <a:br/>
                 <a:r>
                   <a:rPr>
                     <a:latin typeface="Courier"/>
                   </a:rPr>
-                  <a:t>    ldap_user_password=</a:t>
+                  <a:t>    </a:t>
+                </a:r>
+                <a:r>
+                  <a:rPr>
+                    <a:solidFill>
+                      <a:srgbClr val="19177C"/>
+                    </a:solidFill>
+                    <a:latin typeface="Courier"/>
+                  </a:rPr>
+                  <a:t>ldap_user_password=</a:t>
                 </a:r>
                 <a:r>
                   <a:rPr>

--- a/sample/sample.pptx
+++ b/sample/sample.pptx
@@ -3888,12 +3888,42 @@
               <a:rPr>
                 <a:latin typeface="Courier"/>
               </a:rPr>
-              <a:t>docker run --detach --name te2018_eusdb </a:t>
-            </a:r>
-            <a:r>
-              <a:rPr b="1">
-                <a:solidFill>
-                  <a:srgbClr val="007020"/>
+              <a:t>docker run </a:t>
+            </a:r>
+            <a:r>
+              <a:rPr>
+                <a:solidFill>
+                  <a:srgbClr val="7D9029"/>
+                </a:solidFill>
+                <a:latin typeface="Courier"/>
+              </a:rPr>
+              <a:t>--detach</a:t>
+            </a:r>
+            <a:r>
+              <a:rPr>
+                <a:latin typeface="Courier"/>
+              </a:rPr>
+              <a:t> </a:t>
+            </a:r>
+            <a:r>
+              <a:rPr>
+                <a:solidFill>
+                  <a:srgbClr val="7D9029"/>
+                </a:solidFill>
+                <a:latin typeface="Courier"/>
+              </a:rPr>
+              <a:t>--name</a:t>
+            </a:r>
+            <a:r>
+              <a:rPr>
+                <a:latin typeface="Courier"/>
+              </a:rPr>
+              <a:t> te2018_eusdb </a:t>
+            </a:r>
+            <a:r>
+              <a:rPr>
+                <a:solidFill>
+                  <a:srgbClr val="902000"/>
                 </a:solidFill>
                 <a:latin typeface="Courier"/>
               </a:rPr>
@@ -3904,12 +3934,27 @@
               <a:rPr>
                 <a:latin typeface="Courier"/>
               </a:rPr>
-              <a:t>  --volume /data/docker/volumes/te2018_eusdb:/u01 </a:t>
-            </a:r>
-            <a:r>
-              <a:rPr b="1">
-                <a:solidFill>
-                  <a:srgbClr val="007020"/>
+              <a:t>  </a:t>
+            </a:r>
+            <a:r>
+              <a:rPr>
+                <a:solidFill>
+                  <a:srgbClr val="7D9029"/>
+                </a:solidFill>
+                <a:latin typeface="Courier"/>
+              </a:rPr>
+              <a:t>--volume</a:t>
+            </a:r>
+            <a:r>
+              <a:rPr>
+                <a:latin typeface="Courier"/>
+              </a:rPr>
+              <a:t> /data/docker/volumes/te2018_eusdb:/u01 </a:t>
+            </a:r>
+            <a:r>
+              <a:rPr>
+                <a:solidFill>
+                  <a:srgbClr val="902000"/>
                 </a:solidFill>
                 <a:latin typeface="Courier"/>
               </a:rPr>
@@ -3920,12 +3965,27 @@
               <a:rPr>
                 <a:latin typeface="Courier"/>
               </a:rPr>
-              <a:t>  -e ORACLE_SID=TE18EUS </a:t>
-            </a:r>
-            <a:r>
-              <a:rPr b="1">
-                <a:solidFill>
-                  <a:srgbClr val="007020"/>
+              <a:t>  </a:t>
+            </a:r>
+            <a:r>
+              <a:rPr>
+                <a:solidFill>
+                  <a:srgbClr val="7D9029"/>
+                </a:solidFill>
+                <a:latin typeface="Courier"/>
+              </a:rPr>
+              <a:t>-e</a:t>
+            </a:r>
+            <a:r>
+              <a:rPr>
+                <a:latin typeface="Courier"/>
+              </a:rPr>
+              <a:t> ORACLE_SID=TE18EUS </a:t>
+            </a:r>
+            <a:r>
+              <a:rPr>
+                <a:solidFill>
+                  <a:srgbClr val="902000"/>
                 </a:solidFill>
                 <a:latin typeface="Courier"/>
               </a:rPr>
@@ -3936,12 +3996,42 @@
               <a:rPr>
                 <a:latin typeface="Courier"/>
               </a:rPr>
-              <a:t>  -p 1521:1521 -p 5500:5500 </a:t>
-            </a:r>
-            <a:r>
-              <a:rPr b="1">
-                <a:solidFill>
-                  <a:srgbClr val="007020"/>
+              <a:t>  </a:t>
+            </a:r>
+            <a:r>
+              <a:rPr>
+                <a:solidFill>
+                  <a:srgbClr val="7D9029"/>
+                </a:solidFill>
+                <a:latin typeface="Courier"/>
+              </a:rPr>
+              <a:t>-p</a:t>
+            </a:r>
+            <a:r>
+              <a:rPr>
+                <a:latin typeface="Courier"/>
+              </a:rPr>
+              <a:t> 1521:1521 </a:t>
+            </a:r>
+            <a:r>
+              <a:rPr>
+                <a:solidFill>
+                  <a:srgbClr val="7D9029"/>
+                </a:solidFill>
+                <a:latin typeface="Courier"/>
+              </a:rPr>
+              <a:t>-p</a:t>
+            </a:r>
+            <a:r>
+              <a:rPr>
+                <a:latin typeface="Courier"/>
+              </a:rPr>
+              <a:t> 5500:5500 </a:t>
+            </a:r>
+            <a:r>
+              <a:rPr>
+                <a:solidFill>
+                  <a:srgbClr val="902000"/>
                 </a:solidFill>
                 <a:latin typeface="Courier"/>
               </a:rPr>
@@ -3952,12 +4042,27 @@
               <a:rPr>
                 <a:latin typeface="Courier"/>
               </a:rPr>
-              <a:t>  --hostname te2018_eusdb.postgasse.org </a:t>
-            </a:r>
-            <a:r>
-              <a:rPr b="1">
-                <a:solidFill>
-                  <a:srgbClr val="007020"/>
+              <a:t>  </a:t>
+            </a:r>
+            <a:r>
+              <a:rPr>
+                <a:solidFill>
+                  <a:srgbClr val="7D9029"/>
+                </a:solidFill>
+                <a:latin typeface="Courier"/>
+              </a:rPr>
+              <a:t>--hostname</a:t>
+            </a:r>
+            <a:r>
+              <a:rPr>
+                <a:latin typeface="Courier"/>
+              </a:rPr>
+              <a:t> te2018_eusdb.postgasse.org </a:t>
+            </a:r>
+            <a:r>
+              <a:rPr>
+                <a:solidFill>
+                  <a:srgbClr val="902000"/>
                 </a:solidFill>
                 <a:latin typeface="Courier"/>
               </a:rPr>
@@ -3968,12 +4073,27 @@
               <a:rPr>
                 <a:latin typeface="Courier"/>
               </a:rPr>
-              <a:t>  --dns 192.168.56.70 </a:t>
-            </a:r>
-            <a:r>
-              <a:rPr b="1">
-                <a:solidFill>
-                  <a:srgbClr val="007020"/>
+              <a:t>  </a:t>
+            </a:r>
+            <a:r>
+              <a:rPr>
+                <a:solidFill>
+                  <a:srgbClr val="7D9029"/>
+                </a:solidFill>
+                <a:latin typeface="Courier"/>
+              </a:rPr>
+              <a:t>--dns</a:t>
+            </a:r>
+            <a:r>
+              <a:rPr>
+                <a:latin typeface="Courier"/>
+              </a:rPr>
+              <a:t> 192.168.56.70 </a:t>
+            </a:r>
+            <a:r>
+              <a:rPr>
+                <a:solidFill>
+                  <a:srgbClr val="902000"/>
                 </a:solidFill>
                 <a:latin typeface="Courier"/>
               </a:rPr>
@@ -3984,12 +4104,27 @@
               <a:rPr>
                 <a:latin typeface="Courier"/>
               </a:rPr>
-              <a:t>  --dns-search postgasse.org </a:t>
-            </a:r>
-            <a:r>
-              <a:rPr b="1">
-                <a:solidFill>
-                  <a:srgbClr val="007020"/>
+              <a:t>  </a:t>
+            </a:r>
+            <a:r>
+              <a:rPr>
+                <a:solidFill>
+                  <a:srgbClr val="7D9029"/>
+                </a:solidFill>
+                <a:latin typeface="Courier"/>
+              </a:rPr>
+              <a:t>--dns-search</a:t>
+            </a:r>
+            <a:r>
+              <a:rPr>
+                <a:latin typeface="Courier"/>
+              </a:rPr>
+              <a:t> postgasse.org </a:t>
+            </a:r>
+            <a:r>
+              <a:rPr>
+                <a:solidFill>
+                  <a:srgbClr val="902000"/>
                 </a:solidFill>
                 <a:latin typeface="Courier"/>
               </a:rPr>
@@ -6736,7 +6871,52 @@
               <a:rPr>
                 <a:latin typeface="Courier"/>
               </a:rPr>
-              <a:t> -i -A 11 -B 2 </a:t>
+              <a:t> </a:t>
+            </a:r>
+            <a:r>
+              <a:rPr>
+                <a:solidFill>
+                  <a:srgbClr val="7D9029"/>
+                </a:solidFill>
+                <a:latin typeface="Courier"/>
+              </a:rPr>
+              <a:t>-i</a:t>
+            </a:r>
+            <a:r>
+              <a:rPr>
+                <a:latin typeface="Courier"/>
+              </a:rPr>
+              <a:t> </a:t>
+            </a:r>
+            <a:r>
+              <a:rPr>
+                <a:solidFill>
+                  <a:srgbClr val="7D9029"/>
+                </a:solidFill>
+                <a:latin typeface="Courier"/>
+              </a:rPr>
+              <a:t>-A</a:t>
+            </a:r>
+            <a:r>
+              <a:rPr>
+                <a:latin typeface="Courier"/>
+              </a:rPr>
+              <a:t> 11 </a:t>
+            </a:r>
+            <a:r>
+              <a:rPr>
+                <a:solidFill>
+                  <a:srgbClr val="7D9029"/>
+                </a:solidFill>
+                <a:latin typeface="Courier"/>
+              </a:rPr>
+              <a:t>-B</a:t>
+            </a:r>
+            <a:r>
+              <a:rPr>
+                <a:latin typeface="Courier"/>
+              </a:rPr>
+              <a:t> 2 </a:t>
             </a:r>
             <a:r>
               <a:rPr>
@@ -6804,7 +6984,31 @@
               <a:rPr>
                 <a:latin typeface="Courier"/>
               </a:rPr>
-              <a:t>SQLNET.AUTHENTICATION_SERVICES = (BEQ,KERBEROS5)</a:t>
+              <a:t>SQLNET.AUTHENTICATION_SERVICES = </a:t>
+            </a:r>
+            <a:r>
+              <a:rPr b="1">
+                <a:solidFill>
+                  <a:srgbClr val="FF0000"/>
+                </a:solidFill>
+                <a:latin typeface="Courier"/>
+              </a:rPr>
+              <a:t>(</a:t>
+            </a:r>
+            <a:r>
+              <a:rPr>
+                <a:latin typeface="Courier"/>
+              </a:rPr>
+              <a:t>BEQ,KERBEROS5</a:t>
+            </a:r>
+            <a:r>
+              <a:rPr b="1">
+                <a:solidFill>
+                  <a:srgbClr val="007020"/>
+                </a:solidFill>
+                <a:latin typeface="Courier"/>
+              </a:rPr>
+              <a:t>)</a:t>
             </a:r>
             <a:br/>
             <a:r>
@@ -7053,7 +7257,10 @@
             </a:r>
             <a:br/>
             <a:r>
-              <a:rPr>
+              <a:rPr b="1">
+                <a:solidFill>
+                  <a:srgbClr val="FF0000"/>
+                </a:solidFill>
                 <a:latin typeface="Courier"/>
               </a:rPr>
               <a:t>}</a:t>
@@ -7770,7 +7977,22 @@
                   <a:rPr>
                     <a:latin typeface="Courier"/>
                   </a:rPr>
-                  <a:t>docker container create --name </a:t>
+                  <a:t>docker container create </a:t>
+                </a:r>
+                <a:r>
+                  <a:rPr>
+                    <a:solidFill>
+                      <a:srgbClr val="7D9029"/>
+                    </a:solidFill>
+                    <a:latin typeface="Courier"/>
+                  </a:rPr>
+                  <a:t>--name</a:t>
+                </a:r>
+                <a:r>
+                  <a:rPr>
+                    <a:latin typeface="Courier"/>
+                  </a:rPr>
+                  <a:t> </a:t>
                 </a:r>
                 <a:r>
                   <a:rPr>
@@ -7788,9 +8010,9 @@
                   <a:t> </a:t>
                 </a:r>
                 <a:r>
-                  <a:rPr b="1">
-                    <a:solidFill>
-                      <a:srgbClr val="007020"/>
+                  <a:rPr>
+                    <a:solidFill>
+                      <a:srgbClr val="902000"/>
                     </a:solidFill>
                     <a:latin typeface="Courier"/>
                   </a:rPr>
@@ -7801,7 +8023,22 @@
                   <a:rPr>
                     <a:latin typeface="Courier"/>
                   </a:rPr>
-                  <a:t>    --volume </a:t>
+                  <a:t>    </a:t>
+                </a:r>
+                <a:r>
+                  <a:rPr>
+                    <a:solidFill>
+                      <a:srgbClr val="7D9029"/>
+                    </a:solidFill>
+                    <a:latin typeface="Courier"/>
+                  </a:rPr>
+                  <a:t>--volume</a:t>
+                </a:r>
+                <a:r>
+                  <a:rPr>
+                    <a:latin typeface="Courier"/>
+                  </a:rPr>
+                  <a:t> </a:t>
                 </a:r>
                 <a:r>
                   <a:rPr>
@@ -7819,9 +8056,9 @@
                   <a:t>:/u01 </a:t>
                 </a:r>
                 <a:r>
-                  <a:rPr b="1">
-                    <a:solidFill>
-                      <a:srgbClr val="007020"/>
+                  <a:rPr>
+                    <a:solidFill>
+                      <a:srgbClr val="902000"/>
                     </a:solidFill>
                     <a:latin typeface="Courier"/>
                   </a:rPr>
@@ -7832,12 +8069,57 @@
                   <a:rPr>
                     <a:latin typeface="Courier"/>
                   </a:rPr>
-                  <a:t>    -p 1389:1389 -p 1636:1636 -p 4444:4444 </a:t>
-                </a:r>
-                <a:r>
-                  <a:rPr b="1">
-                    <a:solidFill>
-                      <a:srgbClr val="007020"/>
+                  <a:t>    </a:t>
+                </a:r>
+                <a:r>
+                  <a:rPr>
+                    <a:solidFill>
+                      <a:srgbClr val="7D9029"/>
+                    </a:solidFill>
+                    <a:latin typeface="Courier"/>
+                  </a:rPr>
+                  <a:t>-p</a:t>
+                </a:r>
+                <a:r>
+                  <a:rPr>
+                    <a:latin typeface="Courier"/>
+                  </a:rPr>
+                  <a:t> 1389:1389 </a:t>
+                </a:r>
+                <a:r>
+                  <a:rPr>
+                    <a:solidFill>
+                      <a:srgbClr val="7D9029"/>
+                    </a:solidFill>
+                    <a:latin typeface="Courier"/>
+                  </a:rPr>
+                  <a:t>-p</a:t>
+                </a:r>
+                <a:r>
+                  <a:rPr>
+                    <a:latin typeface="Courier"/>
+                  </a:rPr>
+                  <a:t> 1636:1636 </a:t>
+                </a:r>
+                <a:r>
+                  <a:rPr>
+                    <a:solidFill>
+                      <a:srgbClr val="7D9029"/>
+                    </a:solidFill>
+                    <a:latin typeface="Courier"/>
+                  </a:rPr>
+                  <a:t>-p</a:t>
+                </a:r>
+                <a:r>
+                  <a:rPr>
+                    <a:latin typeface="Courier"/>
+                  </a:rPr>
+                  <a:t> 4444:4444 </a:t>
+                </a:r>
+                <a:r>
+                  <a:rPr>
+                    <a:solidFill>
+                      <a:srgbClr val="902000"/>
                     </a:solidFill>
                     <a:latin typeface="Courier"/>
                   </a:rPr>
@@ -7848,12 +8130,27 @@
                   <a:rPr>
                     <a:latin typeface="Courier"/>
                   </a:rPr>
-                  <a:t>    -e OUD_CUSTOM=TRUE </a:t>
-                </a:r>
-                <a:r>
-                  <a:rPr b="1">
-                    <a:solidFill>
-                      <a:srgbClr val="007020"/>
+                  <a:t>    </a:t>
+                </a:r>
+                <a:r>
+                  <a:rPr>
+                    <a:solidFill>
+                      <a:srgbClr val="7D9029"/>
+                    </a:solidFill>
+                    <a:latin typeface="Courier"/>
+                  </a:rPr>
+                  <a:t>-e</a:t>
+                </a:r>
+                <a:r>
+                  <a:rPr>
+                    <a:latin typeface="Courier"/>
+                  </a:rPr>
+                  <a:t> OUD_CUSTOM=TRUE </a:t>
+                </a:r>
+                <a:r>
+                  <a:rPr>
+                    <a:solidFill>
+                      <a:srgbClr val="902000"/>
                     </a:solidFill>
                     <a:latin typeface="Courier"/>
                   </a:rPr>
@@ -7864,7 +8161,22 @@
                   <a:rPr>
                     <a:latin typeface="Courier"/>
                   </a:rPr>
-                  <a:t>    -e BASEDN=</a:t>
+                  <a:t>    </a:t>
+                </a:r>
+                <a:r>
+                  <a:rPr>
+                    <a:solidFill>
+                      <a:srgbClr val="7D9029"/>
+                    </a:solidFill>
+                    <a:latin typeface="Courier"/>
+                  </a:rPr>
+                  <a:t>-e</a:t>
+                </a:r>
+                <a:r>
+                  <a:rPr>
+                    <a:latin typeface="Courier"/>
+                  </a:rPr>
+                  <a:t> BASEDN=</a:t>
                 </a:r>
                 <a:r>
                   <a:rPr>
@@ -7882,9 +8194,9 @@
                   <a:t> </a:t>
                 </a:r>
                 <a:r>
-                  <a:rPr b="1">
-                    <a:solidFill>
-                      <a:srgbClr val="007020"/>
+                  <a:rPr>
+                    <a:solidFill>
+                      <a:srgbClr val="902000"/>
                     </a:solidFill>
                     <a:latin typeface="Courier"/>
                   </a:rPr>
@@ -7895,7 +8207,22 @@
                   <a:rPr>
                     <a:latin typeface="Courier"/>
                   </a:rPr>
-                  <a:t>    -e OUD_INSTANCE=</a:t>
+                  <a:t>    </a:t>
+                </a:r>
+                <a:r>
+                  <a:rPr>
+                    <a:solidFill>
+                      <a:srgbClr val="7D9029"/>
+                    </a:solidFill>
+                    <a:latin typeface="Courier"/>
+                  </a:rPr>
+                  <a:t>-e</a:t>
+                </a:r>
+                <a:r>
+                  <a:rPr>
+                    <a:latin typeface="Courier"/>
+                  </a:rPr>
+                  <a:t> OUD_INSTANCE=</a:t>
                 </a:r>
                 <a:r>
                   <a:rPr>
@@ -7913,9 +8240,9 @@
                   <a:t> </a:t>
                 </a:r>
                 <a:r>
-                  <a:rPr b="1">
-                    <a:solidFill>
-                      <a:srgbClr val="007020"/>
+                  <a:rPr>
+                    <a:solidFill>
+                      <a:srgbClr val="902000"/>
                     </a:solidFill>
                     <a:latin typeface="Courier"/>
                   </a:rPr>
@@ -7926,7 +8253,22 @@
                   <a:rPr>
                     <a:latin typeface="Courier"/>
                   </a:rPr>
-                  <a:t>    --hostname </a:t>
+                  <a:t>    </a:t>
+                </a:r>
+                <a:r>
+                  <a:rPr>
+                    <a:solidFill>
+                      <a:srgbClr val="7D9029"/>
+                    </a:solidFill>
+                    <a:latin typeface="Courier"/>
+                  </a:rPr>
+                  <a:t>--hostname</a:t>
+                </a:r>
+                <a:r>
+                  <a:rPr>
+                    <a:latin typeface="Courier"/>
+                  </a:rPr>
+                  <a:t> </a:t>
                 </a:r>
                 <a:r>
                   <a:rPr>
@@ -7944,9 +8286,9 @@
                   <a:t> </a:t>
                 </a:r>
                 <a:r>
-                  <a:rPr b="1">
-                    <a:solidFill>
-                      <a:srgbClr val="007020"/>
+                  <a:rPr>
+                    <a:solidFill>
+                      <a:srgbClr val="902000"/>
                     </a:solidFill>
                     <a:latin typeface="Courier"/>
                   </a:rPr>
@@ -7957,12 +8299,27 @@
                   <a:rPr>
                     <a:latin typeface="Courier"/>
                   </a:rPr>
-                  <a:t>    --dns 192.168.56.70 </a:t>
-                </a:r>
-                <a:r>
-                  <a:rPr b="1">
-                    <a:solidFill>
-                      <a:srgbClr val="007020"/>
+                  <a:t>    </a:t>
+                </a:r>
+                <a:r>
+                  <a:rPr>
+                    <a:solidFill>
+                      <a:srgbClr val="7D9029"/>
+                    </a:solidFill>
+                    <a:latin typeface="Courier"/>
+                  </a:rPr>
+                  <a:t>--dns</a:t>
+                </a:r>
+                <a:r>
+                  <a:rPr>
+                    <a:latin typeface="Courier"/>
+                  </a:rPr>
+                  <a:t> 192.168.56.70 </a:t>
+                </a:r>
+                <a:r>
+                  <a:rPr>
+                    <a:solidFill>
+                      <a:srgbClr val="902000"/>
                     </a:solidFill>
                     <a:latin typeface="Courier"/>
                   </a:rPr>
@@ -7973,12 +8330,27 @@
                   <a:rPr>
                     <a:latin typeface="Courier"/>
                   </a:rPr>
-                  <a:t>    --dns-search postgasse.org </a:t>
-                </a:r>
-                <a:r>
-                  <a:rPr b="1">
-                    <a:solidFill>
-                      <a:srgbClr val="007020"/>
+                  <a:t>    </a:t>
+                </a:r>
+                <a:r>
+                  <a:rPr>
+                    <a:solidFill>
+                      <a:srgbClr val="7D9029"/>
+                    </a:solidFill>
+                    <a:latin typeface="Courier"/>
+                  </a:rPr>
+                  <a:t>--dns-search</a:t>
+                </a:r>
+                <a:r>
+                  <a:rPr>
+                    <a:latin typeface="Courier"/>
+                  </a:rPr>
+                  <a:t> postgasse.org </a:t>
+                </a:r>
+                <a:r>
+                  <a:rPr>
+                    <a:solidFill>
+                      <a:srgbClr val="902000"/>
                     </a:solidFill>
                     <a:latin typeface="Courier"/>
                   </a:rPr>
@@ -8037,7 +8409,22 @@
                   <a:rPr>
                     <a:latin typeface="Courier"/>
                   </a:rPr>
-                  <a:t> -p </a:t>
+                  <a:t> </a:t>
+                </a:r>
+                <a:r>
+                  <a:rPr>
+                    <a:solidFill>
+                      <a:srgbClr val="7D9029"/>
+                    </a:solidFill>
+                    <a:latin typeface="Courier"/>
+                  </a:rPr>
+                  <a:t>-p</a:t>
+                </a:r>
+                <a:r>
+                  <a:rPr>
+                    <a:latin typeface="Courier"/>
+                  </a:rPr>
+                  <a:t> </a:t>
                 </a:r>
                 <a:r>
                   <a:rPr>
@@ -8071,9 +8458,9 @@
                   <a:t>docker cp </a:t>
                 </a:r>
                 <a:r>
-                  <a:rPr b="1">
-                    <a:solidFill>
-                      <a:srgbClr val="007020"/>
+                  <a:rPr>
+                    <a:solidFill>
+                      <a:srgbClr val="902000"/>
                     </a:solidFill>
                     <a:latin typeface="Courier"/>
                   </a:rPr>
@@ -8099,7 +8486,22 @@
                   <a:rPr>
                     <a:latin typeface="Courier"/>
                   </a:rPr>
-                  <a:t>docker ps -aqf </a:t>
+                  <a:t>docker ps </a:t>
+                </a:r>
+                <a:r>
+                  <a:rPr>
+                    <a:solidFill>
+                      <a:srgbClr val="7D9029"/>
+                    </a:solidFill>
+                    <a:latin typeface="Courier"/>
+                  </a:rPr>
+                  <a:t>-aqf</a:t>
+                </a:r>
+                <a:r>
+                  <a:rPr>
+                    <a:latin typeface="Courier"/>
+                  </a:rPr>
+                  <a:t> </a:t>
                 </a:r>
                 <a:r>
                   <a:rPr>
@@ -8144,9 +8546,9 @@
                   <a:t>:/u00/app/oracle/local/oudbase/templates/create/oud12c_eus_ad_proxy </a:t>
                 </a:r>
                 <a:r>
-                  <a:rPr b="1">
-                    <a:solidFill>
-                      <a:srgbClr val="007020"/>
+                  <a:rPr>
+                    <a:solidFill>
+                      <a:srgbClr val="902000"/>
                     </a:solidFill>
                     <a:latin typeface="Courier"/>
                   </a:rPr>
@@ -8273,7 +8675,22 @@
                   <a:rPr>
                     <a:latin typeface="Courier"/>
                   </a:rPr>
-                  <a:t> -p </a:t>
+                  <a:t> </a:t>
+                </a:r>
+                <a:r>
+                  <a:rPr>
+                    <a:solidFill>
+                      <a:srgbClr val="7D9029"/>
+                    </a:solidFill>
+                    <a:latin typeface="Courier"/>
+                  </a:rPr>
+                  <a:t>-p</a:t>
+                </a:r>
+                <a:r>
+                  <a:rPr>
+                    <a:latin typeface="Courier"/>
+                  </a:rPr>
+                  <a:t> </a:t>
                 </a:r>
                 <a:r>
                   <a:rPr>
@@ -8454,7 +8871,37 @@
                   <a:rPr>
                     <a:latin typeface="Courier"/>
                   </a:rPr>
-                  <a:t> -i -e </a:t>
+                  <a:t> </a:t>
+                </a:r>
+                <a:r>
+                  <a:rPr>
+                    <a:solidFill>
+                      <a:srgbClr val="7D9029"/>
+                    </a:solidFill>
+                    <a:latin typeface="Courier"/>
+                  </a:rPr>
+                  <a:t>-i</a:t>
+                </a:r>
+                <a:r>
+                  <a:rPr>
+                    <a:latin typeface="Courier"/>
+                  </a:rPr>
+                  <a:t> </a:t>
+                </a:r>
+                <a:r>
+                  <a:rPr>
+                    <a:solidFill>
+                      <a:srgbClr val="7D9029"/>
+                    </a:solidFill>
+                    <a:latin typeface="Courier"/>
+                  </a:rPr>
+                  <a:t>-e</a:t>
+                </a:r>
+                <a:r>
+                  <a:rPr>
+                    <a:latin typeface="Courier"/>
+                  </a:rPr>
+                  <a:t> </a:t>
                 </a:r>
                 <a:r>
                   <a:rPr>
@@ -8472,9 +8919,9 @@
                   <a:t> </a:t>
                 </a:r>
                 <a:r>
-                  <a:rPr b="1">
-                    <a:solidFill>
-                      <a:srgbClr val="007020"/>
+                  <a:rPr>
+                    <a:solidFill>
+                      <a:srgbClr val="902000"/>
                     </a:solidFill>
                     <a:latin typeface="Courier"/>
                   </a:rPr>
@@ -8531,7 +8978,37 @@
                   <a:rPr>
                     <a:latin typeface="Courier"/>
                   </a:rPr>
-                  <a:t> -i -e </a:t>
+                  <a:t> </a:t>
+                </a:r>
+                <a:r>
+                  <a:rPr>
+                    <a:solidFill>
+                      <a:srgbClr val="7D9029"/>
+                    </a:solidFill>
+                    <a:latin typeface="Courier"/>
+                  </a:rPr>
+                  <a:t>-i</a:t>
+                </a:r>
+                <a:r>
+                  <a:rPr>
+                    <a:latin typeface="Courier"/>
+                  </a:rPr>
+                  <a:t> </a:t>
+                </a:r>
+                <a:r>
+                  <a:rPr>
+                    <a:solidFill>
+                      <a:srgbClr val="7D9029"/>
+                    </a:solidFill>
+                    <a:latin typeface="Courier"/>
+                  </a:rPr>
+                  <a:t>-e</a:t>
+                </a:r>
+                <a:r>
+                  <a:rPr>
+                    <a:latin typeface="Courier"/>
+                  </a:rPr>
+                  <a:t> </a:t>
                 </a:r>
                 <a:r>
                   <a:rPr>
@@ -8549,9 +9026,9 @@
                   <a:t> </a:t>
                 </a:r>
                 <a:r>
-                  <a:rPr b="1">
-                    <a:solidFill>
-                      <a:srgbClr val="007020"/>
+                  <a:rPr>
+                    <a:solidFill>
+                      <a:srgbClr val="902000"/>
                     </a:solidFill>
                     <a:latin typeface="Courier"/>
                   </a:rPr>
@@ -8608,7 +9085,37 @@
                   <a:rPr>
                     <a:latin typeface="Courier"/>
                   </a:rPr>
-                  <a:t> -i -e </a:t>
+                  <a:t> </a:t>
+                </a:r>
+                <a:r>
+                  <a:rPr>
+                    <a:solidFill>
+                      <a:srgbClr val="7D9029"/>
+                    </a:solidFill>
+                    <a:latin typeface="Courier"/>
+                  </a:rPr>
+                  <a:t>-i</a:t>
+                </a:r>
+                <a:r>
+                  <a:rPr>
+                    <a:latin typeface="Courier"/>
+                  </a:rPr>
+                  <a:t> </a:t>
+                </a:r>
+                <a:r>
+                  <a:rPr>
+                    <a:solidFill>
+                      <a:srgbClr val="7D9029"/>
+                    </a:solidFill>
+                    <a:latin typeface="Courier"/>
+                  </a:rPr>
+                  <a:t>-e</a:t>
+                </a:r>
+                <a:r>
+                  <a:rPr>
+                    <a:latin typeface="Courier"/>
+                  </a:rPr>
+                  <a:t> </a:t>
                 </a:r>
                 <a:r>
                   <a:rPr>
@@ -8626,9 +9133,9 @@
                   <a:t> </a:t>
                 </a:r>
                 <a:r>
-                  <a:rPr b="1">
-                    <a:solidFill>
-                      <a:srgbClr val="007020"/>
+                  <a:rPr>
+                    <a:solidFill>
+                      <a:srgbClr val="902000"/>
                     </a:solidFill>
                     <a:latin typeface="Courier"/>
                   </a:rPr>
@@ -8686,7 +9193,37 @@
                   <a:rPr>
                     <a:latin typeface="Courier"/>
                   </a:rPr>
-                  <a:t> -i -e </a:t>
+                  <a:t> </a:t>
+                </a:r>
+                <a:r>
+                  <a:rPr>
+                    <a:solidFill>
+                      <a:srgbClr val="7D9029"/>
+                    </a:solidFill>
+                    <a:latin typeface="Courier"/>
+                  </a:rPr>
+                  <a:t>-i</a:t>
+                </a:r>
+                <a:r>
+                  <a:rPr>
+                    <a:latin typeface="Courier"/>
+                  </a:rPr>
+                  <a:t> </a:t>
+                </a:r>
+                <a:r>
+                  <a:rPr>
+                    <a:solidFill>
+                      <a:srgbClr val="7D9029"/>
+                    </a:solidFill>
+                    <a:latin typeface="Courier"/>
+                  </a:rPr>
+                  <a:t>-e</a:t>
+                </a:r>
+                <a:r>
+                  <a:rPr>
+                    <a:latin typeface="Courier"/>
+                  </a:rPr>
+                  <a:t> </a:t>
                 </a:r>
                 <a:r>
                   <a:rPr>
@@ -8704,9 +9241,9 @@
                   <a:t> </a:t>
                 </a:r>
                 <a:r>
-                  <a:rPr b="1">
-                    <a:solidFill>
-                      <a:srgbClr val="007020"/>
+                  <a:rPr>
+                    <a:solidFill>
+                      <a:srgbClr val="902000"/>
                     </a:solidFill>
                     <a:latin typeface="Courier"/>
                   </a:rPr>
@@ -8763,7 +9300,37 @@
                   <a:rPr>
                     <a:latin typeface="Courier"/>
                   </a:rPr>
-                  <a:t> -i -e </a:t>
+                  <a:t> </a:t>
+                </a:r>
+                <a:r>
+                  <a:rPr>
+                    <a:solidFill>
+                      <a:srgbClr val="7D9029"/>
+                    </a:solidFill>
+                    <a:latin typeface="Courier"/>
+                  </a:rPr>
+                  <a:t>-i</a:t>
+                </a:r>
+                <a:r>
+                  <a:rPr>
+                    <a:latin typeface="Courier"/>
+                  </a:rPr>
+                  <a:t> </a:t>
+                </a:r>
+                <a:r>
+                  <a:rPr>
+                    <a:solidFill>
+                      <a:srgbClr val="7D9029"/>
+                    </a:solidFill>
+                    <a:latin typeface="Courier"/>
+                  </a:rPr>
+                  <a:t>-e</a:t>
+                </a:r>
+                <a:r>
+                  <a:rPr>
+                    <a:latin typeface="Courier"/>
+                  </a:rPr>
+                  <a:t> </a:t>
                 </a:r>
                 <a:r>
                   <a:rPr>
@@ -8781,9 +9348,9 @@
                   <a:t> </a:t>
                 </a:r>
                 <a:r>
-                  <a:rPr b="1">
-                    <a:solidFill>
-                      <a:srgbClr val="007020"/>
+                  <a:rPr>
+                    <a:solidFill>
+                      <a:srgbClr val="902000"/>
                     </a:solidFill>
                     <a:latin typeface="Courier"/>
                   </a:rPr>
@@ -8840,7 +9407,37 @@
                   <a:rPr>
                     <a:latin typeface="Courier"/>
                   </a:rPr>
-                  <a:t> -i -e </a:t>
+                  <a:t> </a:t>
+                </a:r>
+                <a:r>
+                  <a:rPr>
+                    <a:solidFill>
+                      <a:srgbClr val="7D9029"/>
+                    </a:solidFill>
+                    <a:latin typeface="Courier"/>
+                  </a:rPr>
+                  <a:t>-i</a:t>
+                </a:r>
+                <a:r>
+                  <a:rPr>
+                    <a:latin typeface="Courier"/>
+                  </a:rPr>
+                  <a:t> </a:t>
+                </a:r>
+                <a:r>
+                  <a:rPr>
+                    <a:solidFill>
+                      <a:srgbClr val="7D9029"/>
+                    </a:solidFill>
+                    <a:latin typeface="Courier"/>
+                  </a:rPr>
+                  <a:t>-e</a:t>
+                </a:r>
+                <a:r>
+                  <a:rPr>
+                    <a:latin typeface="Courier"/>
+                  </a:rPr>
+                  <a:t> </a:t>
                 </a:r>
                 <a:r>
                   <a:rPr>
@@ -8858,9 +9455,9 @@
                   <a:t> </a:t>
                 </a:r>
                 <a:r>
-                  <a:rPr b="1">
-                    <a:solidFill>
-                      <a:srgbClr val="007020"/>
+                  <a:rPr>
+                    <a:solidFill>
+                      <a:srgbClr val="902000"/>
                     </a:solidFill>
                     <a:latin typeface="Courier"/>
                   </a:rPr>
@@ -8917,7 +9514,37 @@
                   <a:rPr>
                     <a:latin typeface="Courier"/>
                   </a:rPr>
-                  <a:t> -i -e </a:t>
+                  <a:t> </a:t>
+                </a:r>
+                <a:r>
+                  <a:rPr>
+                    <a:solidFill>
+                      <a:srgbClr val="7D9029"/>
+                    </a:solidFill>
+                    <a:latin typeface="Courier"/>
+                  </a:rPr>
+                  <a:t>-i</a:t>
+                </a:r>
+                <a:r>
+                  <a:rPr>
+                    <a:latin typeface="Courier"/>
+                  </a:rPr>
+                  <a:t> </a:t>
+                </a:r>
+                <a:r>
+                  <a:rPr>
+                    <a:solidFill>
+                      <a:srgbClr val="7D9029"/>
+                    </a:solidFill>
+                    <a:latin typeface="Courier"/>
+                  </a:rPr>
+                  <a:t>-e</a:t>
+                </a:r>
+                <a:r>
+                  <a:rPr>
+                    <a:latin typeface="Courier"/>
+                  </a:rPr>
+                  <a:t> </a:t>
                 </a:r>
                 <a:r>
                   <a:rPr>
@@ -8935,9 +9562,9 @@
                   <a:t> </a:t>
                 </a:r>
                 <a:r>
-                  <a:rPr b="1">
-                    <a:solidFill>
-                      <a:srgbClr val="007020"/>
+                  <a:rPr>
+                    <a:solidFill>
+                      <a:srgbClr val="902000"/>
                     </a:solidFill>
                     <a:latin typeface="Courier"/>
                   </a:rPr>
@@ -9074,7 +9701,22 @@
                   <a:rPr>
                     <a:latin typeface="Courier"/>
                   </a:rPr>
-                  <a:t>docker logs -f </a:t>
+                  <a:t>docker logs </a:t>
+                </a:r>
+                <a:r>
+                  <a:rPr>
+                    <a:solidFill>
+                      <a:srgbClr val="7D9029"/>
+                    </a:solidFill>
+                    <a:latin typeface="Courier"/>
+                  </a:rPr>
+                  <a:t>-f</a:t>
+                </a:r>
+                <a:r>
+                  <a:rPr>
+                    <a:latin typeface="Courier"/>
+                  </a:rPr>
+                  <a:t> </a:t>
                 </a:r>
                 <a:r>
                   <a:rPr>
@@ -9106,7 +9748,37 @@
                   <a:rPr>
                     <a:latin typeface="Courier"/>
                   </a:rPr>
-                  <a:t>dbca -configureDatabase -sourceDB </a:t>
+                  <a:t>dbca </a:t>
+                </a:r>
+                <a:r>
+                  <a:rPr>
+                    <a:solidFill>
+                      <a:srgbClr val="7D9029"/>
+                    </a:solidFill>
+                    <a:latin typeface="Courier"/>
+                  </a:rPr>
+                  <a:t>-configureDatabase</a:t>
+                </a:r>
+                <a:r>
+                  <a:rPr>
+                    <a:latin typeface="Courier"/>
+                  </a:rPr>
+                  <a:t> </a:t>
+                </a:r>
+                <a:r>
+                  <a:rPr>
+                    <a:solidFill>
+                      <a:srgbClr val="7D9029"/>
+                    </a:solidFill>
+                    <a:latin typeface="Courier"/>
+                  </a:rPr>
+                  <a:t>-sourceDB</a:t>
+                </a:r>
+                <a:r>
+                  <a:rPr>
+                    <a:latin typeface="Courier"/>
+                  </a:rPr>
+                  <a:t> </a:t>
                 </a:r>
                 <a:r>
                   <a:rPr>
@@ -9124,9 +9796,9 @@
                   <a:t> </a:t>
                 </a:r>
                 <a:r>
-                  <a:rPr b="1">
-                    <a:solidFill>
-                      <a:srgbClr val="007020"/>
+                  <a:rPr>
+                    <a:solidFill>
+                      <a:srgbClr val="902000"/>
                     </a:solidFill>
                     <a:latin typeface="Courier"/>
                   </a:rPr>
@@ -9137,12 +9809,27 @@
                   <a:rPr>
                     <a:latin typeface="Courier"/>
                   </a:rPr>
-                  <a:t>    -registerWithDirService true </a:t>
-                </a:r>
-                <a:r>
-                  <a:rPr b="1">
-                    <a:solidFill>
-                      <a:srgbClr val="007020"/>
+                  <a:t>    </a:t>
+                </a:r>
+                <a:r>
+                  <a:rPr>
+                    <a:solidFill>
+                      <a:srgbClr val="7D9029"/>
+                    </a:solidFill>
+                    <a:latin typeface="Courier"/>
+                  </a:rPr>
+                  <a:t>-registerWithDirService</a:t>
+                </a:r>
+                <a:r>
+                  <a:rPr>
+                    <a:latin typeface="Courier"/>
+                  </a:rPr>
+                  <a:t> true </a:t>
+                </a:r>
+                <a:r>
+                  <a:rPr>
+                    <a:solidFill>
+                      <a:srgbClr val="902000"/>
                     </a:solidFill>
                     <a:latin typeface="Courier"/>
                   </a:rPr>
@@ -9153,7 +9840,22 @@
                   <a:rPr>
                     <a:latin typeface="Courier"/>
                   </a:rPr>
-                  <a:t>    -dirServiceUserName </a:t>
+                  <a:t>    </a:t>
+                </a:r>
+                <a:r>
+                  <a:rPr>
+                    <a:solidFill>
+                      <a:srgbClr val="7D9029"/>
+                    </a:solidFill>
+                    <a:latin typeface="Courier"/>
+                  </a:rPr>
+                  <a:t>-dirServiceUserName</a:t>
+                </a:r>
+                <a:r>
+                  <a:rPr>
+                    <a:latin typeface="Courier"/>
+                  </a:rPr>
+                  <a:t> </a:t>
                 </a:r>
                 <a:r>
                   <a:rPr>
@@ -9168,12 +9870,27 @@
                   <a:rPr>
                     <a:latin typeface="Courier"/>
                   </a:rPr>
-                  <a:t> -dirServicePassword manager </a:t>
-                </a:r>
-                <a:r>
-                  <a:rPr b="1">
-                    <a:solidFill>
-                      <a:srgbClr val="007020"/>
+                  <a:t> </a:t>
+                </a:r>
+                <a:r>
+                  <a:rPr>
+                    <a:solidFill>
+                      <a:srgbClr val="7D9029"/>
+                    </a:solidFill>
+                    <a:latin typeface="Courier"/>
+                  </a:rPr>
+                  <a:t>-dirServicePassword</a:t>
+                </a:r>
+                <a:r>
+                  <a:rPr>
+                    <a:latin typeface="Courier"/>
+                  </a:rPr>
+                  <a:t> manager </a:t>
+                </a:r>
+                <a:r>
+                  <a:rPr>
+                    <a:solidFill>
+                      <a:srgbClr val="902000"/>
                     </a:solidFill>
                     <a:latin typeface="Courier"/>
                   </a:rPr>
@@ -9184,7 +9901,31 @@
                   <a:rPr>
                     <a:latin typeface="Courier"/>
                   </a:rPr>
-                  <a:t>    -walletPassword TVD04manager -silent</a:t>
+                  <a:t>    </a:t>
+                </a:r>
+                <a:r>
+                  <a:rPr>
+                    <a:solidFill>
+                      <a:srgbClr val="7D9029"/>
+                    </a:solidFill>
+                    <a:latin typeface="Courier"/>
+                  </a:rPr>
+                  <a:t>-walletPassword</a:t>
+                </a:r>
+                <a:r>
+                  <a:rPr>
+                    <a:latin typeface="Courier"/>
+                  </a:rPr>
+                  <a:t> TVD04manager </a:t>
+                </a:r>
+                <a:r>
+                  <a:rPr>
+                    <a:solidFill>
+                      <a:srgbClr val="7D9029"/>
+                    </a:solidFill>
+                    <a:latin typeface="Courier"/>
+                  </a:rPr>
+                  <a:t>-silent</a:t>
                 </a:r>
               </a:p>
               <a:p>
@@ -9376,9 +10117,9 @@
                   <a:t> </a:t>
                 </a:r>
                 <a:r>
-                  <a:rPr b="1">
-                    <a:solidFill>
-                      <a:srgbClr val="007020"/>
+                  <a:rPr>
+                    <a:solidFill>
+                      <a:srgbClr val="902000"/>
                     </a:solidFill>
                     <a:latin typeface="Courier"/>
                   </a:rPr>
@@ -9389,16 +10130,7 @@
                   <a:rPr>
                     <a:latin typeface="Courier"/>
                   </a:rPr>
-                  <a:t>    </a:t>
-                </a:r>
-                <a:r>
-                  <a:rPr>
-                    <a:solidFill>
-                      <a:srgbClr val="19177C"/>
-                    </a:solidFill>
-                    <a:latin typeface="Courier"/>
-                  </a:rPr>
-                  <a:t>realm_dn=</a:t>
+                  <a:t>    realm_dn=</a:t>
                 </a:r>
                 <a:r>
                   <a:rPr>
@@ -9413,27 +10145,105 @@
                   <a:rPr>
                     <a:latin typeface="Courier"/>
                   </a:rPr>
+                  <a:t> map_type=SUBTREE </a:t>
+                </a:r>
+                <a:r>
+                  <a:rPr>
+                    <a:solidFill>
+                      <a:srgbClr val="902000"/>
+                    </a:solidFill>
+                    <a:latin typeface="Courier"/>
+                  </a:rPr>
+                  <a:t>\</a:t>
+                </a:r>
+                <a:br/>
+                <a:r>
+                  <a:rPr>
+                    <a:latin typeface="Courier"/>
+                  </a:rPr>
+                  <a:t>    map_dn=</a:t>
+                </a:r>
+                <a:r>
+                  <a:rPr>
+                    <a:solidFill>
+                      <a:srgbClr val="4070A0"/>
+                    </a:solidFill>
+                    <a:latin typeface="Courier"/>
+                  </a:rPr>
+                  <a:t>"ou=People,dc=postgasse,dc=org"</a:t>
+                </a:r>
+                <a:r>
+                  <a:rPr>
+                    <a:latin typeface="Courier"/>
+                  </a:rPr>
+                  <a:t> schema=EUS_USERS </a:t>
+                </a:r>
+                <a:r>
+                  <a:rPr>
+                    <a:solidFill>
+                      <a:srgbClr val="902000"/>
+                    </a:solidFill>
+                    <a:latin typeface="Courier"/>
+                  </a:rPr>
+                  <a:t>\</a:t>
+                </a:r>
+                <a:br/>
+                <a:r>
+                  <a:rPr>
+                    <a:latin typeface="Courier"/>
+                  </a:rPr>
+                  <a:t>    ldap_host=</a:t>
+                </a:r>
+                <a:r>
+                  <a:rPr>
+                    <a:solidFill>
+                      <a:srgbClr val="4070A0"/>
+                    </a:solidFill>
+                    <a:latin typeface="Courier"/>
+                  </a:rPr>
+                  <a:t>"te2018_oud.postgasse.org"</a:t>
+                </a:r>
+                <a:r>
+                  <a:rPr>
+                    <a:latin typeface="Courier"/>
+                  </a:rPr>
+                  <a:t> ldap_port=1389 </a:t>
+                </a:r>
+                <a:r>
+                  <a:rPr>
+                    <a:solidFill>
+                      <a:srgbClr val="902000"/>
+                    </a:solidFill>
+                    <a:latin typeface="Courier"/>
+                  </a:rPr>
+                  <a:t>\</a:t>
+                </a:r>
+                <a:br/>
+                <a:r>
+                  <a:rPr>
+                    <a:latin typeface="Courier"/>
+                  </a:rPr>
+                  <a:t>    ldap_user_dn=</a:t>
+                </a:r>
+                <a:r>
+                  <a:rPr>
+                    <a:solidFill>
+                      <a:srgbClr val="4070A0"/>
+                    </a:solidFill>
+                    <a:latin typeface="Courier"/>
+                  </a:rPr>
+                  <a:t>"cn=eusadmin"</a:t>
+                </a:r>
+                <a:r>
+                  <a:rPr>
+                    <a:latin typeface="Courier"/>
+                  </a:rPr>
                   <a:t> </a:t>
                 </a:r>
                 <a:r>
                   <a:rPr>
                     <a:solidFill>
-                      <a:srgbClr val="19177C"/>
-                    </a:solidFill>
-                    <a:latin typeface="Courier"/>
-                  </a:rPr>
-                  <a:t>map_type=</a:t>
-                </a:r>
-                <a:r>
-                  <a:rPr>
-                    <a:latin typeface="Courier"/>
-                  </a:rPr>
-                  <a:t>SUBTREE </a:t>
-                </a:r>
-                <a:r>
-                  <a:rPr b="1">
-                    <a:solidFill>
-                      <a:srgbClr val="007020"/>
+                      <a:srgbClr val="902000"/>
                     </a:solidFill>
                     <a:latin typeface="Courier"/>
                   </a:rPr>
@@ -9444,166 +10254,7 @@
                   <a:rPr>
                     <a:latin typeface="Courier"/>
                   </a:rPr>
-                  <a:t>    </a:t>
-                </a:r>
-                <a:r>
-                  <a:rPr>
-                    <a:solidFill>
-                      <a:srgbClr val="19177C"/>
-                    </a:solidFill>
-                    <a:latin typeface="Courier"/>
-                  </a:rPr>
-                  <a:t>map_dn=</a:t>
-                </a:r>
-                <a:r>
-                  <a:rPr>
-                    <a:solidFill>
-                      <a:srgbClr val="4070A0"/>
-                    </a:solidFill>
-                    <a:latin typeface="Courier"/>
-                  </a:rPr>
-                  <a:t>"ou=People,dc=postgasse,dc=org"</a:t>
-                </a:r>
-                <a:r>
-                  <a:rPr>
-                    <a:latin typeface="Courier"/>
-                  </a:rPr>
-                  <a:t> </a:t>
-                </a:r>
-                <a:r>
-                  <a:rPr>
-                    <a:solidFill>
-                      <a:srgbClr val="19177C"/>
-                    </a:solidFill>
-                    <a:latin typeface="Courier"/>
-                  </a:rPr>
-                  <a:t>schema=</a:t>
-                </a:r>
-                <a:r>
-                  <a:rPr>
-                    <a:latin typeface="Courier"/>
-                  </a:rPr>
-                  <a:t>EUS_USERS </a:t>
-                </a:r>
-                <a:r>
-                  <a:rPr b="1">
-                    <a:solidFill>
-                      <a:srgbClr val="007020"/>
-                    </a:solidFill>
-                    <a:latin typeface="Courier"/>
-                  </a:rPr>
-                  <a:t>\</a:t>
-                </a:r>
-                <a:br/>
-                <a:r>
-                  <a:rPr>
-                    <a:latin typeface="Courier"/>
-                  </a:rPr>
-                  <a:t>    </a:t>
-                </a:r>
-                <a:r>
-                  <a:rPr>
-                    <a:solidFill>
-                      <a:srgbClr val="19177C"/>
-                    </a:solidFill>
-                    <a:latin typeface="Courier"/>
-                  </a:rPr>
-                  <a:t>ldap_host=</a:t>
-                </a:r>
-                <a:r>
-                  <a:rPr>
-                    <a:solidFill>
-                      <a:srgbClr val="4070A0"/>
-                    </a:solidFill>
-                    <a:latin typeface="Courier"/>
-                  </a:rPr>
-                  <a:t>"te2018_oud.postgasse.org"</a:t>
-                </a:r>
-                <a:r>
-                  <a:rPr>
-                    <a:latin typeface="Courier"/>
-                  </a:rPr>
-                  <a:t> </a:t>
-                </a:r>
-                <a:r>
-                  <a:rPr>
-                    <a:solidFill>
-                      <a:srgbClr val="19177C"/>
-                    </a:solidFill>
-                    <a:latin typeface="Courier"/>
-                  </a:rPr>
-                  <a:t>ldap_port=</a:t>
-                </a:r>
-                <a:r>
-                  <a:rPr>
-                    <a:latin typeface="Courier"/>
-                  </a:rPr>
-                  <a:t>1389 </a:t>
-                </a:r>
-                <a:r>
-                  <a:rPr b="1">
-                    <a:solidFill>
-                      <a:srgbClr val="007020"/>
-                    </a:solidFill>
-                    <a:latin typeface="Courier"/>
-                  </a:rPr>
-                  <a:t>\</a:t>
-                </a:r>
-                <a:br/>
-                <a:r>
-                  <a:rPr>
-                    <a:latin typeface="Courier"/>
-                  </a:rPr>
-                  <a:t>    </a:t>
-                </a:r>
-                <a:r>
-                  <a:rPr>
-                    <a:solidFill>
-                      <a:srgbClr val="19177C"/>
-                    </a:solidFill>
-                    <a:latin typeface="Courier"/>
-                  </a:rPr>
-                  <a:t>ldap_user_dn=</a:t>
-                </a:r>
-                <a:r>
-                  <a:rPr>
-                    <a:solidFill>
-                      <a:srgbClr val="4070A0"/>
-                    </a:solidFill>
-                    <a:latin typeface="Courier"/>
-                  </a:rPr>
-                  <a:t>"cn=eusadmin"</a:t>
-                </a:r>
-                <a:r>
-                  <a:rPr>
-                    <a:latin typeface="Courier"/>
-                  </a:rPr>
-                  <a:t> </a:t>
-                </a:r>
-                <a:r>
-                  <a:rPr b="1">
-                    <a:solidFill>
-                      <a:srgbClr val="007020"/>
-                    </a:solidFill>
-                    <a:latin typeface="Courier"/>
-                  </a:rPr>
-                  <a:t>\</a:t>
-                </a:r>
-                <a:br/>
-                <a:r>
-                  <a:rPr>
-                    <a:latin typeface="Courier"/>
-                  </a:rPr>
-                  <a:t>    </a:t>
-                </a:r>
-                <a:r>
-                  <a:rPr>
-                    <a:solidFill>
-                      <a:srgbClr val="19177C"/>
-                    </a:solidFill>
-                    <a:latin typeface="Courier"/>
-                  </a:rPr>
-                  <a:t>ldap_user_password=</a:t>
+                  <a:t>    ldap_user_password=</a:t>
                 </a:r>
                 <a:r>
                   <a:rPr>
@@ -9665,9 +10316,9 @@
                   <a:t> </a:t>
                 </a:r>
                 <a:r>
-                  <a:rPr b="1">
-                    <a:solidFill>
-                      <a:srgbClr val="007020"/>
+                  <a:rPr>
+                    <a:solidFill>
+                      <a:srgbClr val="902000"/>
                     </a:solidFill>
                     <a:latin typeface="Courier"/>
                   </a:rPr>
@@ -9678,16 +10329,7 @@
                   <a:rPr>
                     <a:latin typeface="Courier"/>
                   </a:rPr>
-                  <a:t>    </a:t>
-                </a:r>
-                <a:r>
-                  <a:rPr>
-                    <a:solidFill>
-                      <a:srgbClr val="19177C"/>
-                    </a:solidFill>
-                    <a:latin typeface="Courier"/>
-                  </a:rPr>
-                  <a:t>realm_dn=</a:t>
+                  <a:t>    realm_dn=</a:t>
                 </a:r>
                 <a:r>
                   <a:rPr>
@@ -9705,9 +10347,9 @@
                   <a:t> </a:t>
                 </a:r>
                 <a:r>
-                  <a:rPr b="1">
-                    <a:solidFill>
-                      <a:srgbClr val="007020"/>
+                  <a:rPr>
+                    <a:solidFill>
+                      <a:srgbClr val="902000"/>
                     </a:solidFill>
                     <a:latin typeface="Courier"/>
                   </a:rPr>
@@ -9718,16 +10360,7 @@
                   <a:rPr>
                     <a:latin typeface="Courier"/>
                   </a:rPr>
-                  <a:t>    </a:t>
-                </a:r>
-                <a:r>
-                  <a:rPr>
-                    <a:solidFill>
-                      <a:srgbClr val="19177C"/>
-                    </a:solidFill>
-                    <a:latin typeface="Courier"/>
-                  </a:rPr>
-                  <a:t>ldap_host=</a:t>
+                  <a:t>    ldap_host=</a:t>
                 </a:r>
                 <a:r>
                   <a:rPr>
@@ -9742,27 +10375,43 @@
                   <a:rPr>
                     <a:latin typeface="Courier"/>
                   </a:rPr>
+                  <a:t> ldap_port=1389 </a:t>
+                </a:r>
+                <a:r>
+                  <a:rPr>
+                    <a:solidFill>
+                      <a:srgbClr val="902000"/>
+                    </a:solidFill>
+                    <a:latin typeface="Courier"/>
+                  </a:rPr>
+                  <a:t>\</a:t>
+                </a:r>
+                <a:br/>
+                <a:r>
+                  <a:rPr>
+                    <a:latin typeface="Courier"/>
+                  </a:rPr>
+                  <a:t>    ldap_user_dn=</a:t>
+                </a:r>
+                <a:r>
+                  <a:rPr>
+                    <a:solidFill>
+                      <a:srgbClr val="4070A0"/>
+                    </a:solidFill>
+                    <a:latin typeface="Courier"/>
+                  </a:rPr>
+                  <a:t>"cn=eusadmin"</a:t>
+                </a:r>
+                <a:r>
+                  <a:rPr>
+                    <a:latin typeface="Courier"/>
+                  </a:rPr>
                   <a:t> </a:t>
                 </a:r>
                 <a:r>
                   <a:rPr>
                     <a:solidFill>
-                      <a:srgbClr val="19177C"/>
-                    </a:solidFill>
-                    <a:latin typeface="Courier"/>
-                  </a:rPr>
-                  <a:t>ldap_port=</a:t>
-                </a:r>
-                <a:r>
-                  <a:rPr>
-                    <a:latin typeface="Courier"/>
-                  </a:rPr>
-                  <a:t>1389 </a:t>
-                </a:r>
-                <a:r>
-                  <a:rPr b="1">
-                    <a:solidFill>
-                      <a:srgbClr val="007020"/>
+                      <a:srgbClr val="902000"/>
                     </a:solidFill>
                     <a:latin typeface="Courier"/>
                   </a:rPr>
@@ -9773,56 +10422,7 @@
                   <a:rPr>
                     <a:latin typeface="Courier"/>
                   </a:rPr>
-                  <a:t>    </a:t>
-                </a:r>
-                <a:r>
-                  <a:rPr>
-                    <a:solidFill>
-                      <a:srgbClr val="19177C"/>
-                    </a:solidFill>
-                    <a:latin typeface="Courier"/>
-                  </a:rPr>
-                  <a:t>ldap_user_dn=</a:t>
-                </a:r>
-                <a:r>
-                  <a:rPr>
-                    <a:solidFill>
-                      <a:srgbClr val="4070A0"/>
-                    </a:solidFill>
-                    <a:latin typeface="Courier"/>
-                  </a:rPr>
-                  <a:t>"cn=eusadmin"</a:t>
-                </a:r>
-                <a:r>
-                  <a:rPr>
-                    <a:latin typeface="Courier"/>
-                  </a:rPr>
-                  <a:t> </a:t>
-                </a:r>
-                <a:r>
-                  <a:rPr b="1">
-                    <a:solidFill>
-                      <a:srgbClr val="007020"/>
-                    </a:solidFill>
-                    <a:latin typeface="Courier"/>
-                  </a:rPr>
-                  <a:t>\</a:t>
-                </a:r>
-                <a:br/>
-                <a:r>
-                  <a:rPr>
-                    <a:latin typeface="Courier"/>
-                  </a:rPr>
-                  <a:t>    </a:t>
-                </a:r>
-                <a:r>
-                  <a:rPr>
-                    <a:solidFill>
-                      <a:srgbClr val="19177C"/>
-                    </a:solidFill>
-                    <a:latin typeface="Courier"/>
-                  </a:rPr>
-                  <a:t>ldap_user_password=</a:t>
+                  <a:t>    ldap_user_password=</a:t>
                 </a:r>
                 <a:r>
                   <a:rPr>
@@ -9893,6 +10493,9 @@
                       <m:t>H</m:t>
                     </m:r>
                     <m:r>
+                      <m:rPr>
+                        <m:sty m:val="p"/>
+                      </m:rPr>
                       <m:t>/</m:t>
                     </m:r>
                     <m:r>
@@ -9911,6 +10514,9 @@
                       <m:t>n</m:t>
                     </m:r>
                     <m:r>
+                      <m:rPr>
+                        <m:sty m:val="p"/>
+                      </m:rPr>
                       <m:t>/</m:t>
                     </m:r>
                   </m:oMath>

--- a/sample/sample.pptx
+++ b/sample/sample.pptx
@@ -1,6 +1,6 @@
 
 <file path=ppt/presentation.xml><?xml version="1.0" encoding="utf-8"?>
-<p:presentation xmlns:a="http://schemas.openxmlformats.org/drawingml/2006/main" xmlns:r="http://schemas.openxmlformats.org/officeDocument/2006/relationships" xmlns:p="http://schemas.openxmlformats.org/presentationml/2006/main" saveSubsetFonts="1" autoCompressPictures="0">
+<p:presentation xmlns:a="http://schemas.openxmlformats.org/drawingml/2006/main" xmlns:r="http://schemas.openxmlformats.org/officeDocument/2006/relationships" xmlns:p="http://schemas.openxmlformats.org/presentationml/2006/main" showSpecialPlsOnTitleSld="0" saveSubsetFonts="1" autoCompressPictures="0">
   <p:sldMasterIdLst>
     <p:sldMasterId id="2147483648" r:id="rId1"/>
   </p:sldMasterIdLst>
@@ -344,10 +344,10 @@
       </p:sp>
       <p:pic>
         <p:nvPicPr>
-          <p:cNvPr id="7" name="Grafik 20">
+          <p:cNvPr id="10" name="Grafik 16">
             <a:extLst>
               <a:ext uri="{FF2B5EF4-FFF2-40B4-BE49-F238E27FC236}">
-                <a16:creationId xmlns:a16="http://schemas.microsoft.com/office/drawing/2014/main" id="{B6AF2B3C-B9FB-0341-B129-7F9DAF81D7A6}"/>
+                <a16:creationId xmlns:a16="http://schemas.microsoft.com/office/drawing/2014/main" id="{4C8577FF-A172-2346-A4C6-6FFAA783B6C1}"/>
               </a:ext>
             </a:extLst>
           </p:cNvPr>
@@ -362,83 +362,8 @@
               <a:ext uri="{28A0092B-C50C-407E-A947-70E740481C1C}">
                 <a14:useLocalDpi xmlns:a14="http://schemas.microsoft.com/office/drawing/2010/main"/>
               </a:ext>
-            </a:extLst>
-          </a:blip>
-          <a:stretch>
-            <a:fillRect/>
-          </a:stretch>
-        </p:blipFill>
-        <p:spPr>
-          <a:xfrm>
-            <a:off x="499035" y="4736175"/>
-            <a:ext cx="5562600" cy="266700"/>
-          </a:xfrm>
-          <a:prstGeom prst="rect">
-            <a:avLst/>
-          </a:prstGeom>
-        </p:spPr>
-      </p:pic>
-      <p:pic>
-        <p:nvPicPr>
-          <p:cNvPr id="9" name="Grafik 24">
-            <a:extLst>
-              <a:ext uri="{FF2B5EF4-FFF2-40B4-BE49-F238E27FC236}">
-                <a16:creationId xmlns:a16="http://schemas.microsoft.com/office/drawing/2014/main" id="{B42EC0B1-617C-FC43-AB85-CD3E7BCA69B0}"/>
-              </a:ext>
-            </a:extLst>
-          </p:cNvPr>
-          <p:cNvPicPr>
-            <a:picLocks noChangeAspect="1"/>
-          </p:cNvPicPr>
-          <p:nvPr userDrawn="1"/>
-        </p:nvPicPr>
-        <p:blipFill>
-          <a:blip r:embed="rId4">
-            <a:extLst>
-              <a:ext uri="{28A0092B-C50C-407E-A947-70E740481C1C}">
-                <a14:useLocalDpi xmlns:a14="http://schemas.microsoft.com/office/drawing/2010/main"/>
-              </a:ext>
               <a:ext uri="{96DAC541-7B7A-43D3-8B79-37D633B846F1}">
-                <asvg:svgBlip xmlns:asvg="http://schemas.microsoft.com/office/drawing/2016/SVG/main" r:embed="rId5"/>
-              </a:ext>
-            </a:extLst>
-          </a:blip>
-          <a:stretch>
-            <a:fillRect/>
-          </a:stretch>
-        </p:blipFill>
-        <p:spPr>
-          <a:xfrm>
-            <a:off x="7579128" y="4711969"/>
-            <a:ext cx="1378800" cy="273992"/>
-          </a:xfrm>
-          <a:prstGeom prst="rect">
-            <a:avLst/>
-          </a:prstGeom>
-        </p:spPr>
-      </p:pic>
-      <p:pic>
-        <p:nvPicPr>
-          <p:cNvPr id="10" name="Grafik 16">
-            <a:extLst>
-              <a:ext uri="{FF2B5EF4-FFF2-40B4-BE49-F238E27FC236}">
-                <a16:creationId xmlns:a16="http://schemas.microsoft.com/office/drawing/2014/main" id="{4C8577FF-A172-2346-A4C6-6FFAA783B6C1}"/>
-              </a:ext>
-            </a:extLst>
-          </p:cNvPr>
-          <p:cNvPicPr>
-            <a:picLocks noChangeAspect="1"/>
-          </p:cNvPicPr>
-          <p:nvPr userDrawn="1"/>
-        </p:nvPicPr>
-        <p:blipFill>
-          <a:blip r:embed="rId6">
-            <a:extLst>
-              <a:ext uri="{28A0092B-C50C-407E-A947-70E740481C1C}">
-                <a14:useLocalDpi xmlns:a14="http://schemas.microsoft.com/office/drawing/2010/main"/>
-              </a:ext>
-              <a:ext uri="{96DAC541-7B7A-43D3-8B79-37D633B846F1}">
-                <asvg:svgBlip xmlns:asvg="http://schemas.microsoft.com/office/drawing/2016/SVG/main" r:embed="rId7"/>
+                <asvg:svgBlip xmlns:asvg="http://schemas.microsoft.com/office/drawing/2016/SVG/main" r:embed="rId4"/>
               </a:ext>
             </a:extLst>
           </a:blip>
@@ -471,13 +396,13 @@
           <p:nvPr userDrawn="1"/>
         </p:nvPicPr>
         <p:blipFill>
-          <a:blip r:embed="rId8">
+          <a:blip r:embed="rId5">
             <a:extLst>
               <a:ext uri="{28A0092B-C50C-407E-A947-70E740481C1C}">
                 <a14:useLocalDpi xmlns:a14="http://schemas.microsoft.com/office/drawing/2010/main"/>
               </a:ext>
               <a:ext uri="{96DAC541-7B7A-43D3-8B79-37D633B846F1}">
-                <asvg:svgBlip xmlns:asvg="http://schemas.microsoft.com/office/drawing/2016/SVG/main" r:embed="rId9"/>
+                <asvg:svgBlip xmlns:asvg="http://schemas.microsoft.com/office/drawing/2016/SVG/main" r:embed="rId6"/>
               </a:ext>
             </a:extLst>
           </a:blip>
@@ -495,94 +420,6 @@
           </a:prstGeom>
         </p:spPr>
       </p:pic>
-      <p:sp>
-        <p:nvSpPr>
-          <p:cNvPr id="12" name="Textplatzhalter 22">
-            <a:extLst>
-              <a:ext uri="{FF2B5EF4-FFF2-40B4-BE49-F238E27FC236}">
-                <a16:creationId xmlns:a16="http://schemas.microsoft.com/office/drawing/2014/main" id="{16AA5A72-F3B9-584E-9B49-B8E851F94DDF}"/>
-              </a:ext>
-            </a:extLst>
-          </p:cNvPr>
-          <p:cNvSpPr>
-            <a:spLocks noGrp="1"/>
-          </p:cNvSpPr>
-          <p:nvPr>
-            <p:ph type="body" sz="quarter" idx="20" hasCustomPrompt="1"/>
-          </p:nvPr>
-        </p:nvSpPr>
-        <p:spPr>
-          <a:xfrm>
-            <a:off x="3531333" y="3439779"/>
-            <a:ext cx="2195957" cy="396008"/>
-          </a:xfrm>
-        </p:spPr>
-        <p:txBody>
-          <a:bodyPr lIns="108000"/>
-          <a:lstStyle>
-            <a:lvl1pPr marL="0" indent="0">
-              <a:buNone/>
-              <a:defRPr sz="2000" b="0" i="0" baseline="0">
-                <a:solidFill>
-                  <a:srgbClr val="FFFFFF"/>
-                </a:solidFill>
-                <a:effectLst/>
-              </a:defRPr>
-            </a:lvl1pPr>
-          </a:lstStyle>
-          <a:p>
-            <a:pPr lvl="0"/>
-            <a:r>
-              <a:rPr lang="de-CH" noProof="0"/>
-              <a:t>Blog</a:t>
-            </a:r>
-          </a:p>
-        </p:txBody>
-      </p:sp>
-      <p:sp>
-        <p:nvSpPr>
-          <p:cNvPr id="13" name="Textplatzhalter 22">
-            <a:extLst>
-              <a:ext uri="{FF2B5EF4-FFF2-40B4-BE49-F238E27FC236}">
-                <a16:creationId xmlns:a16="http://schemas.microsoft.com/office/drawing/2014/main" id="{9E97F1EA-8D8C-A94E-846A-646858F47BEB}"/>
-              </a:ext>
-            </a:extLst>
-          </p:cNvPr>
-          <p:cNvSpPr>
-            <a:spLocks noGrp="1"/>
-          </p:cNvSpPr>
-          <p:nvPr>
-            <p:ph type="body" sz="quarter" idx="19" hasCustomPrompt="1"/>
-          </p:nvPr>
-        </p:nvSpPr>
-        <p:spPr>
-          <a:xfrm>
-            <a:off x="735504" y="3439779"/>
-            <a:ext cx="2195957" cy="396008"/>
-          </a:xfrm>
-        </p:spPr>
-        <p:txBody>
-          <a:bodyPr lIns="108000"/>
-          <a:lstStyle>
-            <a:lvl1pPr marL="0" indent="0">
-              <a:buNone/>
-              <a:defRPr sz="2000" b="0" i="0" baseline="0">
-                <a:solidFill>
-                  <a:srgbClr val="FFFFFF"/>
-                </a:solidFill>
-                <a:effectLst/>
-              </a:defRPr>
-            </a:lvl1pPr>
-          </a:lstStyle>
-          <a:p>
-            <a:pPr lvl="0"/>
-            <a:r>
-              <a:rPr lang="de-CH" noProof="0"/>
-              <a:t>@Twitter</a:t>
-            </a:r>
-          </a:p>
-        </p:txBody>
-      </p:sp>
       <p:sp>
         <p:nvSpPr>
           <p:cNvPr id="18" name="Textplatzhalter 22">
@@ -626,6 +463,124 @@
             <a:r>
               <a:rPr lang="de-CH" noProof="0" dirty="0"/>
               <a:t>Referent(en) nur Vorname</a:t>
+            </a:r>
+          </a:p>
+        </p:txBody>
+      </p:sp>
+      <p:pic>
+        <p:nvPicPr>
+          <p:cNvPr id="15" name="Picture 14">
+            <a:extLst>
+              <a:ext uri="{FF2B5EF4-FFF2-40B4-BE49-F238E27FC236}">
+                <a16:creationId xmlns:a16="http://schemas.microsoft.com/office/drawing/2014/main" id="{702A07D1-F3EC-F348-A551-6FF3EFD438FD}"/>
+              </a:ext>
+            </a:extLst>
+          </p:cNvPr>
+          <p:cNvPicPr>
+            <a:picLocks noChangeAspect="1"/>
+          </p:cNvPicPr>
+          <p:nvPr userDrawn="1"/>
+        </p:nvPicPr>
+        <p:blipFill>
+          <a:blip r:embed="rId7"/>
+          <a:stretch>
+            <a:fillRect/>
+          </a:stretch>
+        </p:blipFill>
+        <p:spPr>
+          <a:xfrm>
+            <a:off x="499036" y="4736175"/>
+            <a:ext cx="5046212" cy="266699"/>
+          </a:xfrm>
+          <a:prstGeom prst="rect">
+            <a:avLst/>
+          </a:prstGeom>
+        </p:spPr>
+      </p:pic>
+      <p:sp>
+        <p:nvSpPr>
+          <p:cNvPr id="16" name="Textplatzhalter 22">
+            <a:extLst>
+              <a:ext uri="{FF2B5EF4-FFF2-40B4-BE49-F238E27FC236}">
+                <a16:creationId xmlns:a16="http://schemas.microsoft.com/office/drawing/2014/main" id="{89EAFE61-06E4-3D4E-932E-1640DFE9A7E2}"/>
+              </a:ext>
+            </a:extLst>
+          </p:cNvPr>
+          <p:cNvSpPr>
+            <a:spLocks noGrp="1"/>
+          </p:cNvSpPr>
+          <p:nvPr>
+            <p:ph type="body" sz="quarter" idx="20" hasCustomPrompt="1"/>
+          </p:nvPr>
+        </p:nvSpPr>
+        <p:spPr>
+          <a:xfrm>
+            <a:off x="3531332" y="3439779"/>
+            <a:ext cx="2195957" cy="396008"/>
+          </a:xfrm>
+        </p:spPr>
+        <p:txBody>
+          <a:bodyPr lIns="108000"/>
+          <a:lstStyle>
+            <a:lvl1pPr marL="0" indent="0">
+              <a:buNone/>
+              <a:defRPr sz="2000" b="0" i="0" baseline="0">
+                <a:solidFill>
+                  <a:srgbClr val="FFFFFF"/>
+                </a:solidFill>
+                <a:effectLst/>
+              </a:defRPr>
+            </a:lvl1pPr>
+          </a:lstStyle>
+          <a:p>
+            <a:pPr lvl="0"/>
+            <a:r>
+              <a:rPr lang="de-CH" noProof="0"/>
+              <a:t>Blog</a:t>
+            </a:r>
+          </a:p>
+        </p:txBody>
+      </p:sp>
+      <p:sp>
+        <p:nvSpPr>
+          <p:cNvPr id="17" name="Textplatzhalter 22">
+            <a:extLst>
+              <a:ext uri="{FF2B5EF4-FFF2-40B4-BE49-F238E27FC236}">
+                <a16:creationId xmlns:a16="http://schemas.microsoft.com/office/drawing/2014/main" id="{8639980A-F29D-174D-AC99-A64D87468A16}"/>
+              </a:ext>
+            </a:extLst>
+          </p:cNvPr>
+          <p:cNvSpPr>
+            <a:spLocks noGrp="1"/>
+          </p:cNvSpPr>
+          <p:nvPr>
+            <p:ph type="body" sz="quarter" idx="19" hasCustomPrompt="1"/>
+          </p:nvPr>
+        </p:nvSpPr>
+        <p:spPr>
+          <a:xfrm>
+            <a:off x="735503" y="3439779"/>
+            <a:ext cx="2195957" cy="396008"/>
+          </a:xfrm>
+        </p:spPr>
+        <p:txBody>
+          <a:bodyPr lIns="108000"/>
+          <a:lstStyle>
+            <a:lvl1pPr marL="0" indent="0">
+              <a:buNone/>
+              <a:defRPr sz="2000" b="0" i="0" baseline="0">
+                <a:solidFill>
+                  <a:srgbClr val="FFFFFF"/>
+                </a:solidFill>
+                <a:effectLst/>
+              </a:defRPr>
+            </a:lvl1pPr>
+          </a:lstStyle>
+          <a:p>
+            <a:pPr lvl="0"/>
+            <a:r>
+              <a:rPr lang="de-CH" noProof="0"/>
+              <a:t>@Twitter</a:t>
             </a:r>
           </a:p>
         </p:txBody>
@@ -748,9 +703,9 @@
           <a:bodyPr/>
           <a:lstStyle/>
           <a:p>
-            <a:fld id="{241EB5C9-1307-BA42-ABA2-0BC069CD8E7F}" type="datetimeFigureOut">
-              <a:rPr lang="en-US" smtClean="0"/>
-              <a:t>10/7/19</a:t>
+            <a:fld id="{2D4B57A1-731A-4645-8FA8-45F2583A07A5}" type="datetime1">
+              <a:rPr lang="de-CH" smtClean="0"/>
+              <a:t>01.03.21</a:t>
             </a:fld>
             <a:endParaRPr lang="en-US"/>
           </a:p>
@@ -926,9 +881,9 @@
           <a:bodyPr/>
           <a:lstStyle/>
           <a:p>
-            <a:fld id="{241EB5C9-1307-BA42-ABA2-0BC069CD8E7F}" type="datetimeFigureOut">
-              <a:rPr lang="en-US" smtClean="0"/>
-              <a:t>10/7/19</a:t>
+            <a:fld id="{975A0BE2-4D2F-ED48-8BC0-248235B9C6F4}" type="datetime1">
+              <a:rPr lang="de-CH" smtClean="0"/>
+              <a:t>01.03.21</a:t>
             </a:fld>
             <a:endParaRPr lang="en-US"/>
           </a:p>
@@ -1122,9 +1077,9 @@
           <a:bodyPr/>
           <a:lstStyle/>
           <a:p>
-            <a:fld id="{241EB5C9-1307-BA42-ABA2-0BC069CD8E7F}" type="datetimeFigureOut">
-              <a:rPr lang="en-US" smtClean="0"/>
-              <a:t>10/7/19</a:t>
+            <a:fld id="{D4B9611F-6BA5-0048-8392-92F1B38493E7}" type="datetime1">
+              <a:rPr lang="de-CH" smtClean="0"/>
+              <a:t>01.03.21</a:t>
             </a:fld>
             <a:endParaRPr lang="en-US"/>
           </a:p>
@@ -1305,127 +1260,6 @@
       </p:sp>
       <p:sp>
         <p:nvSpPr>
-          <p:cNvPr id="3" name="Text Placeholder 2"/>
-          <p:cNvSpPr>
-            <a:spLocks noGrp="1"/>
-          </p:cNvSpPr>
-          <p:nvPr>
-            <p:ph type="body" idx="1"/>
-          </p:nvPr>
-        </p:nvSpPr>
-        <p:spPr>
-          <a:xfrm>
-            <a:off x="722313" y="2180035"/>
-            <a:ext cx="7772400" cy="1125140"/>
-          </a:xfrm>
-        </p:spPr>
-        <p:txBody>
-          <a:bodyPr anchor="b"/>
-          <a:lstStyle>
-            <a:lvl1pPr marL="0" indent="0" algn="ctr">
-              <a:buNone/>
-              <a:defRPr lang="en-US" sz="2000" b="0" i="0" kern="1200" baseline="0" smtClean="0">
-                <a:solidFill>
-                  <a:srgbClr val="FFFFFF"/>
-                </a:solidFill>
-                <a:effectLst/>
-                <a:latin typeface="+mn-lt"/>
-                <a:ea typeface="+mn-ea"/>
-                <a:cs typeface="+mn-cs"/>
-              </a:defRPr>
-            </a:lvl1pPr>
-            <a:lvl2pPr marL="342900" indent="0">
-              <a:buNone/>
-              <a:defRPr sz="1350">
-                <a:solidFill>
-                  <a:schemeClr val="tx1">
-                    <a:tint val="75000"/>
-                  </a:schemeClr>
-                </a:solidFill>
-              </a:defRPr>
-            </a:lvl2pPr>
-            <a:lvl3pPr marL="685800" indent="0">
-              <a:buNone/>
-              <a:defRPr sz="1200">
-                <a:solidFill>
-                  <a:schemeClr val="tx1">
-                    <a:tint val="75000"/>
-                  </a:schemeClr>
-                </a:solidFill>
-              </a:defRPr>
-            </a:lvl3pPr>
-            <a:lvl4pPr marL="1028700" indent="0">
-              <a:buNone/>
-              <a:defRPr sz="1050">
-                <a:solidFill>
-                  <a:schemeClr val="tx1">
-                    <a:tint val="75000"/>
-                  </a:schemeClr>
-                </a:solidFill>
-              </a:defRPr>
-            </a:lvl4pPr>
-            <a:lvl5pPr marL="1371600" indent="0">
-              <a:buNone/>
-              <a:defRPr sz="1050">
-                <a:solidFill>
-                  <a:schemeClr val="tx1">
-                    <a:tint val="75000"/>
-                  </a:schemeClr>
-                </a:solidFill>
-              </a:defRPr>
-            </a:lvl5pPr>
-            <a:lvl6pPr marL="1714500" indent="0">
-              <a:buNone/>
-              <a:defRPr sz="1050">
-                <a:solidFill>
-                  <a:schemeClr val="tx1">
-                    <a:tint val="75000"/>
-                  </a:schemeClr>
-                </a:solidFill>
-              </a:defRPr>
-            </a:lvl6pPr>
-            <a:lvl7pPr marL="2057400" indent="0">
-              <a:buNone/>
-              <a:defRPr sz="1050">
-                <a:solidFill>
-                  <a:schemeClr val="tx1">
-                    <a:tint val="75000"/>
-                  </a:schemeClr>
-                </a:solidFill>
-              </a:defRPr>
-            </a:lvl7pPr>
-            <a:lvl8pPr marL="2400300" indent="0">
-              <a:buNone/>
-              <a:defRPr sz="1050">
-                <a:solidFill>
-                  <a:schemeClr val="tx1">
-                    <a:tint val="75000"/>
-                  </a:schemeClr>
-                </a:solidFill>
-              </a:defRPr>
-            </a:lvl8pPr>
-            <a:lvl9pPr marL="2743200" indent="0">
-              <a:buNone/>
-              <a:defRPr sz="1050">
-                <a:solidFill>
-                  <a:schemeClr val="tx1">
-                    <a:tint val="75000"/>
-                  </a:schemeClr>
-                </a:solidFill>
-              </a:defRPr>
-            </a:lvl9pPr>
-          </a:lstStyle>
-          <a:p>
-            <a:pPr lvl="0"/>
-            <a:r>
-              <a:rPr lang="en-US" dirty="0"/>
-              <a:t>Click to edit Master text styles</a:t>
-            </a:r>
-          </a:p>
-        </p:txBody>
-      </p:sp>
-      <p:sp>
-        <p:nvSpPr>
           <p:cNvPr id="4" name="Date Placeholder 3"/>
           <p:cNvSpPr>
             <a:spLocks noGrp="1"/>
@@ -1439,9 +1273,9 @@
           <a:bodyPr/>
           <a:lstStyle/>
           <a:p>
-            <a:fld id="{241EB5C9-1307-BA42-ABA2-0BC069CD8E7F}" type="datetimeFigureOut">
-              <a:rPr lang="en-US" smtClean="0"/>
-              <a:t>10/7/19</a:t>
+            <a:fld id="{E48C1A4C-7A2A-7E47-B513-AA9B6E35088F}" type="datetime1">
+              <a:rPr lang="de-CH" smtClean="0"/>
+              <a:t>01.03.21</a:t>
             </a:fld>
             <a:endParaRPr lang="en-US"/>
           </a:p>
@@ -1489,45 +1323,6 @@
           </a:p>
         </p:txBody>
       </p:sp>
-      <p:pic>
-        <p:nvPicPr>
-          <p:cNvPr id="8" name="Grafik 17">
-            <a:extLst>
-              <a:ext uri="{FF2B5EF4-FFF2-40B4-BE49-F238E27FC236}">
-                <a16:creationId xmlns:a16="http://schemas.microsoft.com/office/drawing/2014/main" id="{ED3190D5-0FC7-BF4B-8452-4A5B6EBEED12}"/>
-              </a:ext>
-            </a:extLst>
-          </p:cNvPr>
-          <p:cNvPicPr>
-            <a:picLocks noChangeAspect="1"/>
-          </p:cNvPicPr>
-          <p:nvPr userDrawn="1"/>
-        </p:nvPicPr>
-        <p:blipFill>
-          <a:blip r:embed="rId2" cstate="print">
-            <a:extLst>
-              <a:ext uri="{28A0092B-C50C-407E-A947-70E740481C1C}">
-                <a14:useLocalDpi xmlns:a14="http://schemas.microsoft.com/office/drawing/2010/main"/>
-              </a:ext>
-              <a:ext uri="{96DAC541-7B7A-43D3-8B79-37D633B846F1}">
-                <asvg:svgBlip xmlns:asvg="http://schemas.microsoft.com/office/drawing/2016/SVG/main" r:embed="rId3"/>
-              </a:ext>
-            </a:extLst>
-          </a:blip>
-          <a:stretch>
-            <a:fillRect/>
-          </a:stretch>
-        </p:blipFill>
-        <p:spPr>
-          <a:xfrm>
-            <a:off x="7578000" y="183600"/>
-            <a:ext cx="1378800" cy="275760"/>
-          </a:xfrm>
-          <a:prstGeom prst="rect">
-            <a:avLst/>
-          </a:prstGeom>
-        </p:spPr>
-      </p:pic>
     </p:spTree>
     <p:extLst>
       <p:ext uri="{BB962C8B-B14F-4D97-AF65-F5344CB8AC3E}">
@@ -1618,9 +1413,9 @@
           <a:bodyPr/>
           <a:lstStyle/>
           <a:p>
-            <a:fld id="{241EB5C9-1307-BA42-ABA2-0BC069CD8E7F}" type="datetimeFigureOut">
-              <a:rPr lang="en-US" smtClean="0"/>
-              <a:t>10/7/19</a:t>
+            <a:fld id="{8EE1534C-AFA4-894A-A196-C8C5D2CADB83}" type="datetime1">
+              <a:rPr lang="de-CH" smtClean="0"/>
+              <a:t>01.03.21</a:t>
             </a:fld>
             <a:endParaRPr lang="en-US"/>
           </a:p>
@@ -1902,9 +1697,9 @@
           <a:bodyPr/>
           <a:lstStyle/>
           <a:p>
-            <a:fld id="{241EB5C9-1307-BA42-ABA2-0BC069CD8E7F}" type="datetimeFigureOut">
-              <a:rPr lang="en-US" smtClean="0"/>
-              <a:t>10/7/19</a:t>
+            <a:fld id="{CFDBA69C-5834-4942-A499-A18EB51C73D4}" type="datetime1">
+              <a:rPr lang="de-CH" smtClean="0"/>
+              <a:t>01.03.21</a:t>
             </a:fld>
             <a:endParaRPr lang="en-US"/>
           </a:p>
@@ -2268,9 +2063,9 @@
           <a:bodyPr/>
           <a:lstStyle/>
           <a:p>
-            <a:fld id="{241EB5C9-1307-BA42-ABA2-0BC069CD8E7F}" type="datetimeFigureOut">
-              <a:rPr lang="en-US" smtClean="0"/>
-              <a:t>10/7/19</a:t>
+            <a:fld id="{3AE092CF-8504-474B-A72C-41725B2DF3AA}" type="datetime1">
+              <a:rPr lang="de-CH" smtClean="0"/>
+              <a:t>01.03.21</a:t>
             </a:fld>
             <a:endParaRPr lang="en-US"/>
           </a:p>
@@ -2363,9 +2158,9 @@
           <a:bodyPr/>
           <a:lstStyle/>
           <a:p>
-            <a:fld id="{241EB5C9-1307-BA42-ABA2-0BC069CD8E7F}" type="datetimeFigureOut">
-              <a:rPr lang="en-US" smtClean="0"/>
-              <a:t>10/7/19</a:t>
+            <a:fld id="{45605BA1-25DE-EE45-AC87-C10FEAB4A299}" type="datetime1">
+              <a:rPr lang="de-CH" smtClean="0"/>
+              <a:t>01.03.21</a:t>
             </a:fld>
             <a:endParaRPr lang="en-US"/>
           </a:p>
@@ -2638,9 +2433,9 @@
           <a:bodyPr/>
           <a:lstStyle/>
           <a:p>
-            <a:fld id="{241EB5C9-1307-BA42-ABA2-0BC069CD8E7F}" type="datetimeFigureOut">
-              <a:rPr lang="en-US" smtClean="0"/>
-              <a:t>10/7/19</a:t>
+            <a:fld id="{BFB35FA8-0076-0E4D-B40A-04A78EA57A96}" type="datetime1">
+              <a:rPr lang="de-CH" smtClean="0"/>
+              <a:t>01.03.21</a:t>
             </a:fld>
             <a:endParaRPr lang="en-US"/>
           </a:p>
@@ -2890,9 +2685,9 @@
           <a:bodyPr/>
           <a:lstStyle/>
           <a:p>
-            <a:fld id="{241EB5C9-1307-BA42-ABA2-0BC069CD8E7F}" type="datetimeFigureOut">
-              <a:rPr lang="en-US" smtClean="0"/>
-              <a:t>10/7/19</a:t>
+            <a:fld id="{35143240-5293-4641-B0B8-C5912A8D3A4D}" type="datetime1">
+              <a:rPr lang="de-CH" smtClean="0"/>
+              <a:t>01.03.21</a:t>
             </a:fld>
             <a:endParaRPr lang="en-US"/>
           </a:p>
@@ -3129,10 +2924,9 @@
             </a:lvl1pPr>
           </a:lstStyle>
           <a:p>
-            <a:fld id="{241EB5C9-1307-BA42-ABA2-0BC069CD8E7F}" type="datetimeFigureOut">
-              <a:rPr lang="en-US" smtClean="0"/>
-              <a:pPr/>
-              <a:t>10/7/19</a:t>
+            <a:fld id="{4DC8F4E5-F6D1-D74A-8C39-BBFE9EBFB1A6}" type="datetime1">
+              <a:rPr lang="de-CH" smtClean="0"/>
+              <a:t>01.03.21</a:t>
             </a:fld>
             <a:endParaRPr lang="en-US" dirty="0"/>
           </a:p>
@@ -3151,7 +2945,7 @@
         <p:spPr>
           <a:xfrm>
             <a:off x="1911600" y="4716000"/>
-            <a:ext cx="7048799" cy="273844"/>
+            <a:ext cx="5595701" cy="273844"/>
           </a:xfrm>
           <a:prstGeom prst="rect">
             <a:avLst/>
@@ -3248,7 +3042,7 @@
         </p:blipFill>
         <p:spPr>
           <a:xfrm>
-            <a:off x="7577418" y="182947"/>
+            <a:off x="7576290" y="4721439"/>
             <a:ext cx="1380510" cy="274332"/>
           </a:xfrm>
           <a:prstGeom prst="rect">
@@ -3277,6 +3071,7 @@
     <p:sldLayoutId id="2147483658" r:id="rId10"/>
     <p:sldLayoutId id="2147483659" r:id="rId11"/>
   </p:sldLayoutIdLst>
+  <p:hf hdr="0" ftr="0"/>
   <p:txStyles>
     <p:titleStyle>
       <a:lvl1pPr algn="l" defTabSz="342900" rtl="0" eaLnBrk="1" latinLnBrk="0" hangingPunct="1">

--- a/sample/sample.pptx
+++ b/sample/sample.pptx
@@ -1,6 +1,6 @@
 
 <file path=ppt/presentation.xml><?xml version="1.0" encoding="utf-8"?>
-<p:presentation xmlns:a="http://schemas.openxmlformats.org/drawingml/2006/main" xmlns:r="http://schemas.openxmlformats.org/officeDocument/2006/relationships" xmlns:p="http://schemas.openxmlformats.org/presentationml/2006/main" showSpecialPlsOnTitleSld="0" saveSubsetFonts="1" autoCompressPictures="0">
+<p:presentation xmlns:a="http://schemas.openxmlformats.org/drawingml/2006/main" xmlns:p="http://schemas.openxmlformats.org/presentationml/2006/main" xmlns:r="http://schemas.openxmlformats.org/officeDocument/2006/relationships" autoCompressPictures="0" saveSubsetFonts="1" showSpecialPlsOnTitleSld="0">
   <p:sldMasterIdLst>
     <p:sldMasterId id="2147483648" r:id="rId1"/>
   </p:sldMasterIdLst>
@@ -16,8 +16,8 @@
     <a:defPPr>
       <a:defRPr lang="en-US"/>
     </a:defPPr>
-    <a:lvl1pPr marL="0" algn="l" defTabSz="342900" rtl="0" eaLnBrk="1" latinLnBrk="0" hangingPunct="1">
-      <a:defRPr sz="1350" kern="1200">
+    <a:lvl1pPr algn="l" defTabSz="342900" eaLnBrk="1" hangingPunct="1" latinLnBrk="0" marL="0" rtl="0">
+      <a:defRPr kern="1200" sz="1350">
         <a:solidFill>
           <a:schemeClr val="tx1"/>
         </a:solidFill>
@@ -26,8 +26,8 @@
         <a:cs typeface="+mn-cs"/>
       </a:defRPr>
     </a:lvl1pPr>
-    <a:lvl2pPr marL="342900" algn="l" defTabSz="342900" rtl="0" eaLnBrk="1" latinLnBrk="0" hangingPunct="1">
-      <a:defRPr sz="1350" kern="1200">
+    <a:lvl2pPr algn="l" defTabSz="342900" eaLnBrk="1" hangingPunct="1" latinLnBrk="0" marL="342900" rtl="0">
+      <a:defRPr kern="1200" sz="1350">
         <a:solidFill>
           <a:schemeClr val="tx1"/>
         </a:solidFill>
@@ -36,8 +36,8 @@
         <a:cs typeface="+mn-cs"/>
       </a:defRPr>
     </a:lvl2pPr>
-    <a:lvl3pPr marL="685800" algn="l" defTabSz="342900" rtl="0" eaLnBrk="1" latinLnBrk="0" hangingPunct="1">
-      <a:defRPr sz="1350" kern="1200">
+    <a:lvl3pPr algn="l" defTabSz="342900" eaLnBrk="1" hangingPunct="1" latinLnBrk="0" marL="685800" rtl="0">
+      <a:defRPr kern="1200" sz="1350">
         <a:solidFill>
           <a:schemeClr val="tx1"/>
         </a:solidFill>
@@ -46,8 +46,8 @@
         <a:cs typeface="+mn-cs"/>
       </a:defRPr>
     </a:lvl3pPr>
-    <a:lvl4pPr marL="1028700" algn="l" defTabSz="342900" rtl="0" eaLnBrk="1" latinLnBrk="0" hangingPunct="1">
-      <a:defRPr sz="1350" kern="1200">
+    <a:lvl4pPr algn="l" defTabSz="342900" eaLnBrk="1" hangingPunct="1" latinLnBrk="0" marL="1028700" rtl="0">
+      <a:defRPr kern="1200" sz="1350">
         <a:solidFill>
           <a:schemeClr val="tx1"/>
         </a:solidFill>
@@ -56,8 +56,8 @@
         <a:cs typeface="+mn-cs"/>
       </a:defRPr>
     </a:lvl4pPr>
-    <a:lvl5pPr marL="1371600" algn="l" defTabSz="342900" rtl="0" eaLnBrk="1" latinLnBrk="0" hangingPunct="1">
-      <a:defRPr sz="1350" kern="1200">
+    <a:lvl5pPr algn="l" defTabSz="342900" eaLnBrk="1" hangingPunct="1" latinLnBrk="0" marL="1371600" rtl="0">
+      <a:defRPr kern="1200" sz="1350">
         <a:solidFill>
           <a:schemeClr val="tx1"/>
         </a:solidFill>
@@ -66,8 +66,8 @@
         <a:cs typeface="+mn-cs"/>
       </a:defRPr>
     </a:lvl5pPr>
-    <a:lvl6pPr marL="1714500" algn="l" defTabSz="342900" rtl="0" eaLnBrk="1" latinLnBrk="0" hangingPunct="1">
-      <a:defRPr sz="1350" kern="1200">
+    <a:lvl6pPr algn="l" defTabSz="342900" eaLnBrk="1" hangingPunct="1" latinLnBrk="0" marL="1714500" rtl="0">
+      <a:defRPr kern="1200" sz="1350">
         <a:solidFill>
           <a:schemeClr val="tx1"/>
         </a:solidFill>
@@ -76,8 +76,8 @@
         <a:cs typeface="+mn-cs"/>
       </a:defRPr>
     </a:lvl6pPr>
-    <a:lvl7pPr marL="2057400" algn="l" defTabSz="342900" rtl="0" eaLnBrk="1" latinLnBrk="0" hangingPunct="1">
-      <a:defRPr sz="1350" kern="1200">
+    <a:lvl7pPr algn="l" defTabSz="342900" eaLnBrk="1" hangingPunct="1" latinLnBrk="0" marL="2057400" rtl="0">
+      <a:defRPr kern="1200" sz="1350">
         <a:solidFill>
           <a:schemeClr val="tx1"/>
         </a:solidFill>
@@ -86,8 +86,8 @@
         <a:cs typeface="+mn-cs"/>
       </a:defRPr>
     </a:lvl7pPr>
-    <a:lvl8pPr marL="2400300" algn="l" defTabSz="342900" rtl="0" eaLnBrk="1" latinLnBrk="0" hangingPunct="1">
-      <a:defRPr sz="1350" kern="1200">
+    <a:lvl8pPr algn="l" defTabSz="342900" eaLnBrk="1" hangingPunct="1" latinLnBrk="0" marL="2400300" rtl="0">
+      <a:defRPr kern="1200" sz="1350">
         <a:solidFill>
           <a:schemeClr val="tx1"/>
         </a:solidFill>
@@ -96,8 +96,8 @@
         <a:cs typeface="+mn-cs"/>
       </a:defRPr>
     </a:lvl8pPr>
-    <a:lvl9pPr marL="2743200" algn="l" defTabSz="342900" rtl="0" eaLnBrk="1" latinLnBrk="0" hangingPunct="1">
-      <a:defRPr sz="1350" kern="1200">
+    <a:lvl9pPr algn="l" defTabSz="342900" eaLnBrk="1" hangingPunct="1" latinLnBrk="0" marL="2743200" rtl="0">
+      <a:defRPr kern="1200" sz="1350">
         <a:solidFill>
           <a:schemeClr val="tx1"/>
         </a:solidFill>
@@ -3457,7 +3457,7 @@
             <a:spLocks noGrp="1"/>
           </p:cNvSpPr>
           <p:nvPr>
-            <p:ph type="subTitle" idx="1" hasCustomPrompt="1"/>
+            <p:ph hasCustomPrompt="1" idx="1" type="subTitle"/>
           </p:nvPr>
         </p:nvSpPr>
         <p:spPr>
@@ -6939,7 +6939,16 @@
                 </a:solidFill>
                 <a:latin typeface="Courier"/>
               </a:rPr>
-              <a:t>kdc=</a:t>
+              <a:t>kdc</a:t>
+            </a:r>
+            <a:r>
+              <a:rPr>
+                <a:solidFill>
+                  <a:srgbClr val="666666"/>
+                </a:solidFill>
+                <a:latin typeface="Courier"/>
+              </a:rPr>
+              <a:t>=</a:t>
             </a:r>
             <a:r>
               <a:rPr>
@@ -6955,7 +6964,16 @@
                 </a:solidFill>
                 <a:latin typeface="Courier"/>
               </a:rPr>
-              <a:t>admin_server=</a:t>
+              <a:t>admin_server</a:t>
+            </a:r>
+            <a:r>
+              <a:rPr>
+                <a:solidFill>
+                  <a:srgbClr val="666666"/>
+                </a:solidFill>
+                <a:latin typeface="Courier"/>
+              </a:rPr>
+              <a:t>=</a:t>
             </a:r>
             <a:r>
               <a:rPr>
@@ -6992,7 +7010,16 @@
                 </a:solidFill>
                 <a:latin typeface="Courier"/>
               </a:rPr>
-              <a:t>clockskew=</a:t>
+              <a:t>clockskew</a:t>
+            </a:r>
+            <a:r>
+              <a:rPr>
+                <a:solidFill>
+                  <a:srgbClr val="666666"/>
+                </a:solidFill>
+                <a:latin typeface="Courier"/>
+              </a:rPr>
+              <a:t>=</a:t>
             </a:r>
             <a:r>
               <a:rPr>
@@ -7620,7 +7647,16 @@
                     </a:solidFill>
                     <a:latin typeface="Courier"/>
                   </a:rPr>
-                  <a:t>MY_CONTAINER=</a:t>
+                  <a:t>MY_CONTAINER</a:t>
+                </a:r>
+                <a:r>
+                  <a:rPr>
+                    <a:solidFill>
+                      <a:srgbClr val="666666"/>
+                    </a:solidFill>
+                    <a:latin typeface="Courier"/>
+                  </a:rPr>
+                  <a:t>=</a:t>
                 </a:r>
                 <a:r>
                   <a:rPr>
@@ -7645,7 +7681,16 @@
                     </a:solidFill>
                     <a:latin typeface="Courier"/>
                   </a:rPr>
-                  <a:t>MY_VOLUME_PATH=</a:t>
+                  <a:t>MY_VOLUME_PATH</a:t>
+                </a:r>
+                <a:r>
+                  <a:rPr>
+                    <a:solidFill>
+                      <a:srgbClr val="666666"/>
+                    </a:solidFill>
+                    <a:latin typeface="Courier"/>
+                  </a:rPr>
+                  <a:t>=</a:t>
                 </a:r>
                 <a:r>
                   <a:rPr>
@@ -7688,7 +7733,16 @@
                     </a:solidFill>
                     <a:latin typeface="Courier"/>
                   </a:rPr>
-                  <a:t>MY_HOST=</a:t>
+                  <a:t>MY_HOST</a:t>
+                </a:r>
+                <a:r>
+                  <a:rPr>
+                    <a:solidFill>
+                      <a:srgbClr val="666666"/>
+                    </a:solidFill>
+                    <a:latin typeface="Courier"/>
+                  </a:rPr>
+                  <a:t>=</a:t>
                 </a:r>
                 <a:r>
                   <a:rPr>
@@ -7731,7 +7785,16 @@
                     </a:solidFill>
                     <a:latin typeface="Courier"/>
                   </a:rPr>
-                  <a:t>MY_OUD_INSTANCE=</a:t>
+                  <a:t>MY_OUD_INSTANCE</a:t>
+                </a:r>
+                <a:r>
+                  <a:rPr>
+                    <a:solidFill>
+                      <a:srgbClr val="666666"/>
+                    </a:solidFill>
+                    <a:latin typeface="Courier"/>
+                  </a:rPr>
+                  <a:t>=</a:t>
                 </a:r>
                 <a:r>
                   <a:rPr>

--- a/sample/sample.pptx
+++ b/sample/sample.pptx
@@ -5184,6 +5184,89 @@
               <a:t>Fusce aliquet augue sapien, non efficitur mi ornare sed. Morbi at dictum felis. Pellentesque tortor lacus, semper et neque vitae, egestas commodo nisl.</a:t>
             </a:r>
           </a:p>
+          <a:p>
+            <a:pPr lvl="0" marL="0" indent="0">
+              <a:spcBef>
+                <a:spcPts val="3000"/>
+              </a:spcBef>
+              <a:buNone/>
+            </a:pPr>
+            <a:r>
+              <a:rPr b="1"/>
+              <a:t>Custom Box</a:t>
+            </a:r>
+          </a:p>
+          <a:p>
+            <a:pPr lvl="0" marL="0" indent="0">
+              <a:buNone/>
+            </a:pPr>
+            <a:r>
+              <a:rPr/>
+              <a:t>One can define custom boxes in the LaTeX preamble with the variable </a:t>
+            </a:r>
+            <a:r>
+              <a:rPr>
+                <a:latin typeface="Courier New"/>
+              </a:rPr>
+              <a:t>header-includes</a:t>
+            </a:r>
+            <a:r>
+              <a:rPr/>
+              <a:t> at the top of this document.</a:t>
+            </a:r>
+          </a:p>
+          <a:p>
+            <a:pPr lvl="0" marL="0" indent="0">
+              <a:buNone/>
+            </a:pPr>
+            <a:r>
+              <a:rPr b="1"/>
+              <a:t>Info</a:t>
+            </a:r>
+            <a:r>
+              <a:rPr/>
+              <a:t>: This is a custom box that may be used to show info messages in your document.</a:t>
+            </a:r>
+          </a:p>
+          <a:p>
+            <a:pPr lvl="0" marL="0" indent="0">
+              <a:buNone/>
+            </a:pPr>
+            <a:r>
+              <a:rPr b="1"/>
+              <a:t>Warning</a:t>
+            </a:r>
+            <a:r>
+              <a:rPr/>
+              <a:t>: This is a custom box that may be used to show warning messages in your document.</a:t>
+            </a:r>
+          </a:p>
+          <a:p>
+            <a:pPr lvl="0" marL="0" indent="0">
+              <a:buNone/>
+            </a:pPr>
+            <a:r>
+              <a:rPr b="1"/>
+              <a:t>Error</a:t>
+            </a:r>
+            <a:r>
+              <a:rPr/>
+              <a:t>: This is a custom box that may be used to show error messages in your document.</a:t>
+            </a:r>
+          </a:p>
+          <a:p>
+            <a:pPr lvl="0" marL="0" indent="0">
+              <a:buNone/>
+            </a:pPr>
+            <a:r>
+              <a:rPr b="1"/>
+              <a:t>Error</a:t>
+            </a:r>
+            <a:r>
+              <a:rPr/>
+              <a:t>: This is a custom box that may be used to show error messages in your document.</a:t>
+            </a:r>
+          </a:p>
         </p:txBody>
       </p:sp>
     </p:spTree>

--- a/sample/sample.pptx
+++ b/sample/sample.pptx
@@ -2753,7 +2753,7 @@
 </file>
 
 <file path=ppt/slideMasters/slideMaster1.xml><?xml version="1.0" encoding="utf-8"?>
-<p:sldMaster xmlns:a="http://schemas.openxmlformats.org/drawingml/2006/main" xmlns:r="http://schemas.openxmlformats.org/officeDocument/2006/relationships" xmlns:p="http://schemas.openxmlformats.org/presentationml/2006/main">
+<p:sldMaster xmlns:a="http://schemas.openxmlformats.org/drawingml/2006/main" xmlns:p="http://schemas.openxmlformats.org/presentationml/2006/main" xmlns:r="http://schemas.openxmlformats.org/officeDocument/2006/relationships">
   <p:cSld>
     <p:bg>
       <p:bgRef idx="1001">
@@ -2794,13 +2794,13 @@
           </a:prstGeom>
         </p:spPr>
         <p:txBody>
-          <a:bodyPr vert="horz" lIns="90000" tIns="45720" rIns="91440" bIns="45720" rtlCol="0" anchor="ctr">
+          <a:bodyPr anchor="ctr" bIns="45720" lIns="90000" rIns="91440" rtlCol="0" tIns="45720" vert="horz">
             <a:noAutofit/>
           </a:bodyPr>
           <a:lstStyle/>
           <a:p>
             <a:r>
-              <a:rPr lang="en-US" dirty="0"/>
+              <a:rPr dirty="0" lang="en-US"/>
               <a:t>Click to edit Master title style</a:t>
             </a:r>
           </a:p>
@@ -2813,7 +2813,7 @@
             <a:spLocks noGrp="1"/>
           </p:cNvSpPr>
           <p:nvPr>
-            <p:ph type="body" idx="1"/>
+            <p:ph idx="1" type="body"/>
           </p:nvPr>
         </p:nvSpPr>
         <p:spPr>
@@ -2826,70 +2826,70 @@
           </a:prstGeom>
         </p:spPr>
         <p:txBody>
-          <a:bodyPr vert="horz" lIns="91440" tIns="45720" rIns="91440" bIns="45720" rtlCol="0">
+          <a:bodyPr bIns="45720" lIns="91440" rIns="91440" rtlCol="0" tIns="45720" vert="horz">
             <a:normAutofit/>
           </a:bodyPr>
           <a:lstStyle/>
           <a:p>
             <a:pPr lvl="0"/>
             <a:r>
-              <a:rPr lang="en-US" dirty="0"/>
+              <a:rPr dirty="0" lang="en-US"/>
               <a:t>Click to edit Master text styles</a:t>
             </a:r>
           </a:p>
           <a:p>
             <a:pPr lvl="1"/>
             <a:r>
-              <a:rPr lang="en-US" dirty="0"/>
+              <a:rPr dirty="0" lang="en-US"/>
               <a:t>Second level</a:t>
             </a:r>
           </a:p>
           <a:p>
             <a:pPr lvl="2"/>
             <a:r>
-              <a:rPr lang="en-US" dirty="0"/>
+              <a:rPr dirty="0" lang="en-US"/>
               <a:t>Third level</a:t>
             </a:r>
           </a:p>
           <a:p>
             <a:pPr lvl="3"/>
             <a:r>
-              <a:rPr lang="en-US" dirty="0"/>
+              <a:rPr dirty="0" lang="en-US"/>
               <a:t>Fourth level</a:t>
             </a:r>
           </a:p>
           <a:p>
             <a:pPr lvl="4"/>
             <a:r>
-              <a:rPr lang="en-US" dirty="0"/>
+              <a:rPr dirty="0" lang="en-US"/>
               <a:t>Fifth level</a:t>
             </a:r>
           </a:p>
           <a:p>
             <a:pPr lvl="5"/>
             <a:r>
-              <a:rPr lang="en-US" dirty="0"/>
+              <a:rPr dirty="0" lang="en-US"/>
               <a:t>Sixth level</a:t>
             </a:r>
           </a:p>
           <a:p>
             <a:pPr lvl="6"/>
             <a:r>
-              <a:rPr lang="en-US" dirty="0"/>
+              <a:rPr dirty="0" lang="en-US"/>
               <a:t>Seventh level</a:t>
             </a:r>
           </a:p>
           <a:p>
             <a:pPr lvl="7"/>
             <a:r>
-              <a:rPr lang="en-US" dirty="0"/>
+              <a:rPr dirty="0" lang="en-US"/>
               <a:t>Eighth level</a:t>
             </a:r>
           </a:p>
           <a:p>
             <a:pPr lvl="8"/>
             <a:r>
-              <a:rPr lang="en-US" dirty="0"/>
+              <a:rPr dirty="0" lang="en-US"/>
               <a:t>Ninth level</a:t>
             </a:r>
           </a:p>
@@ -2902,7 +2902,7 @@
             <a:spLocks noGrp="1"/>
           </p:cNvSpPr>
           <p:nvPr>
-            <p:ph type="dt" sz="half" idx="2"/>
+            <p:ph idx="2" sz="half" type="dt"/>
           </p:nvPr>
         </p:nvSpPr>
         <p:spPr>
@@ -2915,7 +2915,7 @@
           </a:prstGeom>
         </p:spPr>
         <p:txBody>
-          <a:bodyPr vert="horz" lIns="91440" tIns="45720" rIns="91440" bIns="45720" rtlCol="0" anchor="ctr"/>
+          <a:bodyPr anchor="ctr" bIns="45720" lIns="91440" rIns="91440" rtlCol="0" tIns="45720" vert="horz"/>
           <a:lstStyle>
             <a:lvl1pPr algn="l">
               <a:defRPr sz="1200">
@@ -2932,7 +2932,7 @@
               <a:rPr lang="de-CH" smtClean="0"/>
               <a:t>01.03.21</a:t>
             </a:fld>
-            <a:endParaRPr lang="en-US" dirty="0"/>
+            <a:endParaRPr dirty="0" lang="en-US"/>
           </a:p>
         </p:txBody>
       </p:sp>
@@ -2943,7 +2943,7 @@
             <a:spLocks noGrp="1"/>
           </p:cNvSpPr>
           <p:nvPr>
-            <p:ph type="ftr" sz="quarter" idx="3"/>
+            <p:ph idx="3" sz="quarter" type="ftr"/>
           </p:nvPr>
         </p:nvSpPr>
         <p:spPr>
@@ -2956,7 +2956,7 @@
           </a:prstGeom>
         </p:spPr>
         <p:txBody>
-          <a:bodyPr vert="horz" lIns="91440" tIns="45720" rIns="91440" bIns="45720" rtlCol="0" anchor="ctr"/>
+          <a:bodyPr anchor="ctr" bIns="45720" lIns="91440" rIns="91440" rtlCol="0" tIns="45720" vert="horz"/>
           <a:lstStyle>
             <a:lvl1pPr algn="l">
               <a:defRPr sz="1200">
@@ -2969,7 +2969,7 @@
             </a:lvl1pPr>
           </a:lstStyle>
           <a:p>
-            <a:endParaRPr lang="en-US" dirty="0"/>
+            <a:endParaRPr dirty="0" lang="en-US"/>
           </a:p>
         </p:txBody>
       </p:sp>
@@ -2980,7 +2980,7 @@
             <a:spLocks noGrp="1"/>
           </p:cNvSpPr>
           <p:nvPr>
-            <p:ph type="sldNum" sz="quarter" idx="4"/>
+            <p:ph idx="4" sz="quarter" type="sldNum"/>
           </p:nvPr>
         </p:nvSpPr>
         <p:spPr>
@@ -2993,7 +2993,7 @@
           </a:prstGeom>
         </p:spPr>
         <p:txBody>
-          <a:bodyPr vert="horz" lIns="91440" tIns="45720" rIns="91440" bIns="45720" rtlCol="0" anchor="ctr"/>
+          <a:bodyPr anchor="ctr" bIns="45720" lIns="91440" rIns="91440" rtlCol="0" tIns="45720" vert="horz"/>
           <a:lstStyle>
             <a:lvl1pPr algn="r">
               <a:defRPr sz="1200">
@@ -3011,7 +3011,7 @@
               <a:pPr/>
               <a:t>‹#›</a:t>
             </a:fld>
-            <a:endParaRPr lang="en-US" dirty="0"/>
+            <a:endParaRPr dirty="0" lang="en-US"/>
           </a:p>
         </p:txBody>
       </p:sp>
@@ -3061,7 +3061,7 @@
       </p:ext>
     </p:extLst>
   </p:cSld>
-  <p:clrMap bg1="lt1" tx1="dk1" bg2="lt2" tx2="dk2" accent1="accent1" accent2="accent2" accent3="accent3" accent4="accent4" accent5="accent5" accent6="accent6" hlink="hlink" folHlink="folHlink"/>
+  <p:clrMap accent1="accent1" accent2="accent2" accent3="accent3" accent4="accent4" accent5="accent5" accent6="accent6" bg1="lt1" bg2="lt2" folHlink="folHlink" hlink="hlink" tx1="dk1" tx2="dk2"/>
   <p:sldLayoutIdLst>
     <p:sldLayoutId id="2147483649" r:id="rId1"/>
     <p:sldLayoutId id="2147483650" r:id="rId2"/>
@@ -3075,10 +3075,10 @@
     <p:sldLayoutId id="2147483658" r:id="rId10"/>
     <p:sldLayoutId id="2147483659" r:id="rId11"/>
   </p:sldLayoutIdLst>
-  <p:hf hdr="0" ftr="0"/>
+  <p:hf ftr="0" hdr="0"/>
   <p:txStyles>
     <p:titleStyle>
-      <a:lvl1pPr algn="l" defTabSz="342900" rtl="0" eaLnBrk="1" latinLnBrk="0" hangingPunct="1">
+      <a:lvl1pPr algn="l" defTabSz="342900" eaLnBrk="1" hangingPunct="1" latinLnBrk="0" rtl="0">
         <a:lnSpc>
           <a:spcPct val="90000"/>
         </a:lnSpc>
@@ -3086,7 +3086,7 @@
           <a:spcPct val="0"/>
         </a:spcBef>
         <a:buNone/>
-        <a:defRPr sz="2100" kern="1200">
+        <a:defRPr kern="1200" sz="2100">
           <a:solidFill>
             <a:schemeClr val="tx1"/>
           </a:solidFill>
@@ -3097,16 +3097,16 @@
       </a:lvl1pPr>
     </p:titleStyle>
     <p:bodyStyle>
-      <a:lvl1pPr marL="172800" indent="-172800" algn="l" defTabSz="342900" rtl="0" eaLnBrk="1" latinLnBrk="0" hangingPunct="1">
+      <a:lvl1pPr algn="l" defTabSz="342900" eaLnBrk="1" hangingPunct="1" indent="-172800" latinLnBrk="0" marL="172800" rtl="0">
         <a:lnSpc>
           <a:spcPct val="90000"/>
         </a:lnSpc>
         <a:spcBef>
           <a:spcPts val="750"/>
         </a:spcBef>
-        <a:buFont typeface="Arial" panose="020B0604020202020204" pitchFamily="34" charset="0"/>
+        <a:buFont charset="0" panose="020B0604020202020204" pitchFamily="34" typeface="Arial"/>
         <a:buChar char="•"/>
-        <a:defRPr sz="1600" kern="1200">
+        <a:defRPr kern="1200" sz="1600">
           <a:solidFill>
             <a:schemeClr val="tx1"/>
           </a:solidFill>
@@ -3115,16 +3115,16 @@
           <a:cs typeface="+mn-cs"/>
         </a:defRPr>
       </a:lvl1pPr>
-      <a:lvl2pPr marL="513000" indent="-172800" algn="l" defTabSz="342900" rtl="0" eaLnBrk="1" latinLnBrk="0" hangingPunct="1">
+      <a:lvl2pPr algn="l" defTabSz="342900" eaLnBrk="1" hangingPunct="1" indent="-172800" latinLnBrk="0" marL="513000" rtl="0">
         <a:lnSpc>
           <a:spcPct val="90000"/>
         </a:lnSpc>
         <a:spcBef>
           <a:spcPts val="375"/>
         </a:spcBef>
-        <a:buFont typeface="Arial" panose="020B0604020202020204" pitchFamily="34" charset="0"/>
+        <a:buFont charset="0" panose="020B0604020202020204" pitchFamily="34" typeface="Arial"/>
         <a:buChar char="•"/>
-        <a:defRPr sz="1600" kern="1200">
+        <a:defRPr kern="1200" sz="1600">
           <a:solidFill>
             <a:schemeClr val="tx1"/>
           </a:solidFill>
@@ -3133,16 +3133,16 @@
           <a:cs typeface="+mn-cs"/>
         </a:defRPr>
       </a:lvl2pPr>
-      <a:lvl3pPr marL="858600" indent="-172800" algn="l" defTabSz="342900" rtl="0" eaLnBrk="1" latinLnBrk="0" hangingPunct="1">
+      <a:lvl3pPr algn="l" defTabSz="342900" eaLnBrk="1" hangingPunct="1" indent="-172800" latinLnBrk="0" marL="858600" rtl="0">
         <a:lnSpc>
           <a:spcPct val="90000"/>
         </a:lnSpc>
         <a:spcBef>
           <a:spcPts val="375"/>
         </a:spcBef>
-        <a:buFont typeface="Arial" panose="020B0604020202020204" pitchFamily="34" charset="0"/>
+        <a:buFont charset="0" panose="020B0604020202020204" pitchFamily="34" typeface="Arial"/>
         <a:buChar char="•"/>
-        <a:defRPr sz="1600" kern="1200">
+        <a:defRPr kern="1200" sz="1600">
           <a:solidFill>
             <a:schemeClr val="tx1"/>
           </a:solidFill>
@@ -3151,16 +3151,16 @@
           <a:cs typeface="+mn-cs"/>
         </a:defRPr>
       </a:lvl3pPr>
-      <a:lvl4pPr marL="1200150" indent="-172800" algn="l" defTabSz="342900" rtl="0" eaLnBrk="1" latinLnBrk="0" hangingPunct="1">
+      <a:lvl4pPr algn="l" defTabSz="342900" eaLnBrk="1" hangingPunct="1" indent="-172800" latinLnBrk="0" marL="1200150" rtl="0">
         <a:lnSpc>
           <a:spcPct val="90000"/>
         </a:lnSpc>
         <a:spcBef>
           <a:spcPts val="375"/>
         </a:spcBef>
-        <a:buFont typeface="Arial" panose="020B0604020202020204" pitchFamily="34" charset="0"/>
+        <a:buFont charset="0" panose="020B0604020202020204" pitchFamily="34" typeface="Arial"/>
         <a:buChar char="•"/>
-        <a:defRPr sz="1600" kern="1200">
+        <a:defRPr kern="1200" sz="1600">
           <a:solidFill>
             <a:schemeClr val="tx1"/>
           </a:solidFill>
@@ -3169,16 +3169,16 @@
           <a:cs typeface="+mn-cs"/>
         </a:defRPr>
       </a:lvl4pPr>
-      <a:lvl5pPr marL="1543050" indent="-172800" algn="l" defTabSz="342900" rtl="0" eaLnBrk="1" latinLnBrk="0" hangingPunct="1">
+      <a:lvl5pPr algn="l" defTabSz="342900" eaLnBrk="1" hangingPunct="1" indent="-172800" latinLnBrk="0" marL="1543050" rtl="0">
         <a:lnSpc>
           <a:spcPct val="90000"/>
         </a:lnSpc>
         <a:spcBef>
           <a:spcPts val="375"/>
         </a:spcBef>
-        <a:buFont typeface="Arial" panose="020B0604020202020204" pitchFamily="34" charset="0"/>
+        <a:buFont charset="0" panose="020B0604020202020204" pitchFamily="34" typeface="Arial"/>
         <a:buChar char="•"/>
-        <a:defRPr sz="1600" kern="1200">
+        <a:defRPr kern="1200" sz="1600">
           <a:solidFill>
             <a:schemeClr val="tx1"/>
           </a:solidFill>
@@ -3187,7 +3187,7 @@
           <a:cs typeface="+mn-cs"/>
         </a:defRPr>
       </a:lvl5pPr>
-      <a:lvl6pPr marL="1885950" indent="-172800" algn="l" defTabSz="342900" rtl="0" eaLnBrk="1" latinLnBrk="0" hangingPunct="1">
+      <a:lvl6pPr algn="l" defTabSz="342900" eaLnBrk="1" hangingPunct="1" indent="-172800" latinLnBrk="0" marL="1885950" rtl="0">
         <a:lnSpc>
           <a:spcPct val="90000"/>
         </a:lnSpc>
@@ -3196,7 +3196,7 @@
         </a:spcBef>
         <a:buFont typeface="Arial"/>
         <a:buChar char="•"/>
-        <a:defRPr sz="1600" kern="1200">
+        <a:defRPr kern="1200" sz="1600">
           <a:solidFill>
             <a:schemeClr val="tx1"/>
           </a:solidFill>
@@ -3205,7 +3205,7 @@
           <a:cs typeface="+mn-cs"/>
         </a:defRPr>
       </a:lvl6pPr>
-      <a:lvl7pPr marL="2228850" indent="-172800" algn="l" defTabSz="342900" rtl="0" eaLnBrk="1" latinLnBrk="0" hangingPunct="1">
+      <a:lvl7pPr algn="l" defTabSz="342900" eaLnBrk="1" hangingPunct="1" indent="-172800" latinLnBrk="0" marL="2228850" rtl="0">
         <a:lnSpc>
           <a:spcPct val="90000"/>
         </a:lnSpc>
@@ -3214,7 +3214,7 @@
         </a:spcBef>
         <a:buFont typeface="Arial"/>
         <a:buChar char="•"/>
-        <a:defRPr sz="1600" kern="1200">
+        <a:defRPr kern="1200" sz="1600">
           <a:solidFill>
             <a:schemeClr val="tx1"/>
           </a:solidFill>
@@ -3223,7 +3223,7 @@
           <a:cs typeface="+mn-cs"/>
         </a:defRPr>
       </a:lvl7pPr>
-      <a:lvl8pPr marL="2571750" indent="-172800" algn="l" defTabSz="342900" rtl="0" eaLnBrk="1" latinLnBrk="0" hangingPunct="1">
+      <a:lvl8pPr algn="l" defTabSz="342900" eaLnBrk="1" hangingPunct="1" indent="-172800" latinLnBrk="0" marL="2571750" rtl="0">
         <a:lnSpc>
           <a:spcPct val="90000"/>
         </a:lnSpc>
@@ -3232,7 +3232,7 @@
         </a:spcBef>
         <a:buFont typeface="Arial"/>
         <a:buChar char="•"/>
-        <a:defRPr sz="1600" kern="1200">
+        <a:defRPr kern="1200" sz="1600">
           <a:solidFill>
             <a:schemeClr val="tx1"/>
           </a:solidFill>
@@ -3241,7 +3241,7 @@
           <a:cs typeface="+mn-cs"/>
         </a:defRPr>
       </a:lvl8pPr>
-      <a:lvl9pPr marL="2914650" indent="-172800" algn="l" defTabSz="342900" rtl="0" eaLnBrk="1" latinLnBrk="0" hangingPunct="1">
+      <a:lvl9pPr algn="l" defTabSz="342900" eaLnBrk="1" hangingPunct="1" indent="-172800" latinLnBrk="0" marL="2914650" rtl="0">
         <a:lnSpc>
           <a:spcPct val="90000"/>
         </a:lnSpc>
@@ -3250,7 +3250,7 @@
         </a:spcBef>
         <a:buFont typeface="Arial"/>
         <a:buChar char="•"/>
-        <a:defRPr sz="1600" kern="1200">
+        <a:defRPr kern="1200" sz="1600">
           <a:solidFill>
             <a:schemeClr val="tx1"/>
           </a:solidFill>
@@ -3264,8 +3264,8 @@
       <a:defPPr>
         <a:defRPr lang="en-US"/>
       </a:defPPr>
-      <a:lvl1pPr marL="0" algn="l" defTabSz="342900" rtl="0" eaLnBrk="1" latinLnBrk="0" hangingPunct="1">
-        <a:defRPr sz="1350" kern="1200">
+      <a:lvl1pPr algn="l" defTabSz="342900" eaLnBrk="1" hangingPunct="1" latinLnBrk="0" marL="0" rtl="0">
+        <a:defRPr kern="1200" sz="1350">
           <a:solidFill>
             <a:schemeClr val="tx1"/>
           </a:solidFill>
@@ -3274,8 +3274,8 @@
           <a:cs typeface="+mn-cs"/>
         </a:defRPr>
       </a:lvl1pPr>
-      <a:lvl2pPr marL="342900" algn="l" defTabSz="342900" rtl="0" eaLnBrk="1" latinLnBrk="0" hangingPunct="1">
-        <a:defRPr sz="1350" kern="1200">
+      <a:lvl2pPr algn="l" defTabSz="342900" eaLnBrk="1" hangingPunct="1" latinLnBrk="0" marL="342900" rtl="0">
+        <a:defRPr kern="1200" sz="1350">
           <a:solidFill>
             <a:schemeClr val="tx1"/>
           </a:solidFill>
@@ -3284,8 +3284,8 @@
           <a:cs typeface="+mn-cs"/>
         </a:defRPr>
       </a:lvl2pPr>
-      <a:lvl3pPr marL="685800" algn="l" defTabSz="342900" rtl="0" eaLnBrk="1" latinLnBrk="0" hangingPunct="1">
-        <a:defRPr sz="1350" kern="1200">
+      <a:lvl3pPr algn="l" defTabSz="342900" eaLnBrk="1" hangingPunct="1" latinLnBrk="0" marL="685800" rtl="0">
+        <a:defRPr kern="1200" sz="1350">
           <a:solidFill>
             <a:schemeClr val="tx1"/>
           </a:solidFill>
@@ -3294,8 +3294,8 @@
           <a:cs typeface="+mn-cs"/>
         </a:defRPr>
       </a:lvl3pPr>
-      <a:lvl4pPr marL="1028700" algn="l" defTabSz="342900" rtl="0" eaLnBrk="1" latinLnBrk="0" hangingPunct="1">
-        <a:defRPr sz="1350" kern="1200">
+      <a:lvl4pPr algn="l" defTabSz="342900" eaLnBrk="1" hangingPunct="1" latinLnBrk="0" marL="1028700" rtl="0">
+        <a:defRPr kern="1200" sz="1350">
           <a:solidFill>
             <a:schemeClr val="tx1"/>
           </a:solidFill>
@@ -3304,8 +3304,8 @@
           <a:cs typeface="+mn-cs"/>
         </a:defRPr>
       </a:lvl4pPr>
-      <a:lvl5pPr marL="1371600" algn="l" defTabSz="342900" rtl="0" eaLnBrk="1" latinLnBrk="0" hangingPunct="1">
-        <a:defRPr sz="1350" kern="1200">
+      <a:lvl5pPr algn="l" defTabSz="342900" eaLnBrk="1" hangingPunct="1" latinLnBrk="0" marL="1371600" rtl="0">
+        <a:defRPr kern="1200" sz="1350">
           <a:solidFill>
             <a:schemeClr val="tx1"/>
           </a:solidFill>
@@ -3314,8 +3314,8 @@
           <a:cs typeface="+mn-cs"/>
         </a:defRPr>
       </a:lvl5pPr>
-      <a:lvl6pPr marL="1714500" algn="l" defTabSz="342900" rtl="0" eaLnBrk="1" latinLnBrk="0" hangingPunct="1">
-        <a:defRPr sz="1350" kern="1200">
+      <a:lvl6pPr algn="l" defTabSz="342900" eaLnBrk="1" hangingPunct="1" latinLnBrk="0" marL="1714500" rtl="0">
+        <a:defRPr kern="1200" sz="1350">
           <a:solidFill>
             <a:schemeClr val="tx1"/>
           </a:solidFill>
@@ -3324,8 +3324,8 @@
           <a:cs typeface="+mn-cs"/>
         </a:defRPr>
       </a:lvl6pPr>
-      <a:lvl7pPr marL="2057400" algn="l" defTabSz="342900" rtl="0" eaLnBrk="1" latinLnBrk="0" hangingPunct="1">
-        <a:defRPr sz="1350" kern="1200">
+      <a:lvl7pPr algn="l" defTabSz="342900" eaLnBrk="1" hangingPunct="1" latinLnBrk="0" marL="2057400" rtl="0">
+        <a:defRPr kern="1200" sz="1350">
           <a:solidFill>
             <a:schemeClr val="tx1"/>
           </a:solidFill>
@@ -3334,8 +3334,8 @@
           <a:cs typeface="+mn-cs"/>
         </a:defRPr>
       </a:lvl7pPr>
-      <a:lvl8pPr marL="2400300" algn="l" defTabSz="342900" rtl="0" eaLnBrk="1" latinLnBrk="0" hangingPunct="1">
-        <a:defRPr sz="1350" kern="1200">
+      <a:lvl8pPr algn="l" defTabSz="342900" eaLnBrk="1" hangingPunct="1" latinLnBrk="0" marL="2400300" rtl="0">
+        <a:defRPr kern="1200" sz="1350">
           <a:solidFill>
             <a:schemeClr val="tx1"/>
           </a:solidFill>
@@ -3344,8 +3344,8 @@
           <a:cs typeface="+mn-cs"/>
         </a:defRPr>
       </a:lvl8pPr>
-      <a:lvl9pPr marL="2743200" algn="l" defTabSz="342900" rtl="0" eaLnBrk="1" latinLnBrk="0" hangingPunct="1">
-        <a:defRPr sz="1350" kern="1200">
+      <a:lvl9pPr algn="l" defTabSz="342900" eaLnBrk="1" hangingPunct="1" latinLnBrk="0" marL="2743200" rtl="0">
+        <a:defRPr kern="1200" sz="1350">
           <a:solidFill>
             <a:schemeClr val="tx1"/>
           </a:solidFill>
@@ -3409,7 +3409,7 @@
             </a:r>
             <a:r>
               <a:rPr/>
-              <a:t>Sample</a:t>
+              <a:t>Markdown</a:t>
             </a:r>
             <a:r>
               <a:rPr/>
@@ -3417,7 +3417,15 @@
             </a:r>
             <a:r>
               <a:rPr/>
-              <a:t>File</a:t>
+              <a:t>Doc</a:t>
+            </a:r>
+            <a:r>
+              <a:rPr/>
+              <a:t> </a:t>
+            </a:r>
+            <a:r>
+              <a:rPr/>
+              <a:t>Template</a:t>
             </a:r>
           </a:p>
         </p:txBody>
@@ -3455,7 +3463,7 @@
             </a:r>
             <a:r>
               <a:rPr/>
-              <a:t>example</a:t>
+              <a:t>template</a:t>
             </a:r>
             <a:r>
               <a:rPr/>
@@ -3463,7 +3471,7 @@
             </a:r>
             <a:r>
               <a:rPr/>
-              <a:t>file</a:t>
+              <a:t>for</a:t>
             </a:r>
             <a:r>
               <a:rPr/>
@@ -3471,7 +3479,7 @@
             </a:r>
             <a:r>
               <a:rPr/>
-              <a:t>to</a:t>
+              <a:t>markdown</a:t>
             </a:r>
             <a:r>
               <a:rPr/>
@@ -3479,7 +3487,7 @@
             </a:r>
             <a:r>
               <a:rPr/>
-              <a:t>verify</a:t>
+              <a:t>based</a:t>
             </a:r>
             <a:r>
               <a:rPr/>
@@ -3487,7 +3495,7 @@
             </a:r>
             <a:r>
               <a:rPr/>
-              <a:t>Pandoc</a:t>
+              <a:t>documentation</a:t>
             </a:r>
             <a:br/>
             <a:br/>
@@ -4021,7 +4029,7 @@
       </p:grpSpPr>
       <p:pic>
         <p:nvPicPr>
-          <p:cNvPr descr="CMU_overview.png" id="0" name="Picture 1"/>
+          <p:cNvPr descr="fig:  CMU_overview.png" id="0" name="Picture 1"/>
           <p:cNvPicPr>
             <a:picLocks noGrp="1" noChangeAspect="1"/>
           </p:cNvPicPr>
@@ -5186,14 +5194,15 @@
           </a:p>
           <a:p>
             <a:pPr lvl="0" marL="0" indent="0">
-              <a:spcBef>
-                <a:spcPts val="3000"/>
-              </a:spcBef>
               <a:buNone/>
             </a:pPr>
             <a:r>
               <a:rPr b="1"/>
-              <a:t>Custom Box</a:t>
+              <a:t>Trivadis</a:t>
+            </a:r>
+            <a:r>
+              <a:rPr/>
+              <a:t> Lorem ipsum dolor sit amet, consectetur adipiscing elit. Nam aliquet libero quis lectus elementum fermentum.</a:t>
             </a:r>
           </a:p>
           <a:p>
@@ -5202,69 +5211,7 @@
             </a:pPr>
             <a:r>
               <a:rPr/>
-              <a:t>One can define custom boxes in the LaTeX preamble with the variable </a:t>
-            </a:r>
-            <a:r>
-              <a:rPr>
-                <a:latin typeface="Courier New"/>
-              </a:rPr>
-              <a:t>header-includes</a:t>
-            </a:r>
-            <a:r>
-              <a:rPr/>
-              <a:t> at the top of this document.</a:t>
-            </a:r>
-          </a:p>
-          <a:p>
-            <a:pPr lvl="0" marL="0" indent="0">
-              <a:buNone/>
-            </a:pPr>
-            <a:r>
-              <a:rPr b="1"/>
-              <a:t>Info</a:t>
-            </a:r>
-            <a:r>
-              <a:rPr/>
-              <a:t>: This is a custom box that may be used to show info messages in your document.</a:t>
-            </a:r>
-          </a:p>
-          <a:p>
-            <a:pPr lvl="0" marL="0" indent="0">
-              <a:buNone/>
-            </a:pPr>
-            <a:r>
-              <a:rPr b="1"/>
-              <a:t>Warning</a:t>
-            </a:r>
-            <a:r>
-              <a:rPr/>
-              <a:t>: This is a custom box that may be used to show warning messages in your document.</a:t>
-            </a:r>
-          </a:p>
-          <a:p>
-            <a:pPr lvl="0" marL="0" indent="0">
-              <a:buNone/>
-            </a:pPr>
-            <a:r>
-              <a:rPr b="1"/>
-              <a:t>Error</a:t>
-            </a:r>
-            <a:r>
-              <a:rPr/>
-              <a:t>: This is a custom box that may be used to show error messages in your document.</a:t>
-            </a:r>
-          </a:p>
-          <a:p>
-            <a:pPr lvl="0" marL="0" indent="0">
-              <a:buNone/>
-            </a:pPr>
-            <a:r>
-              <a:rPr b="1"/>
-              <a:t>Error</a:t>
-            </a:r>
-            <a:r>
-              <a:rPr/>
-              <a:t>: This is a custom box that may be used to show error messages in your document.</a:t>
+              <a:t>Fusce aliquet augue sapien, non efficitur mi ornare sed. Morbi at dictum felis. Pellentesque tortor lacus, semper et neque vitae, egestas commodo nisl.</a:t>
             </a:r>
           </a:p>
         </p:txBody>

--- a/sample/sample.pptx
+++ b/sample/sample.pptx
@@ -1,6 +1,6 @@
 
 <file path=ppt/presentation.xml><?xml version="1.0" encoding="utf-8"?>
-<p:presentation xmlns:a="http://schemas.openxmlformats.org/drawingml/2006/main" xmlns:p="http://schemas.openxmlformats.org/presentationml/2006/main" xmlns:r="http://schemas.openxmlformats.org/officeDocument/2006/relationships" autoCompressPictures="0" saveSubsetFonts="1" showSpecialPlsOnTitleSld="0">
+<p:presentation xmlns:a="http://schemas.openxmlformats.org/drawingml/2006/main" xmlns:p="http://schemas.openxmlformats.org/presentationml/2006/main" xmlns:r="http://schemas.openxmlformats.org/officeDocument/2006/relationships" autoCompressPictures="0" saveSubsetFonts="1">
   <p:sldMasterIdLst>
     <p:sldMasterId id="2147483648" r:id="rId1"/>
   </p:sldMasterIdLst>
@@ -133,6 +133,20 @@
 <file path=ppt/slideLayouts/slideLayout1.xml><?xml version="1.0" encoding="utf-8"?>
 <p:sldLayout xmlns:a="http://schemas.openxmlformats.org/drawingml/2006/main" xmlns:r="http://schemas.openxmlformats.org/officeDocument/2006/relationships" xmlns:p="http://schemas.openxmlformats.org/presentationml/2006/main" preserve="1" userDrawn="1">
   <p:cSld name="Title Slide">
+    <p:bg>
+      <p:bgPr>
+        <a:blipFill dpi="0" rotWithShape="1">
+          <a:blip r:embed="rId2">
+            <a:lum/>
+          </a:blip>
+          <a:srcRect/>
+          <a:stretch>
+            <a:fillRect/>
+          </a:stretch>
+        </a:blipFill>
+        <a:effectLst/>
+      </p:bgPr>
+    </p:bg>
     <p:spTree>
       <p:nvGrpSpPr>
         <p:cNvPr id="1" name=""/>
@@ -147,42 +161,6 @@
           <a:chExt cx="0" cy="0"/>
         </a:xfrm>
       </p:grpSpPr>
-      <p:pic>
-        <p:nvPicPr>
-          <p:cNvPr id="14" name="Grafik 15">
-            <a:extLst>
-              <a:ext uri="{FF2B5EF4-FFF2-40B4-BE49-F238E27FC236}">
-                <a16:creationId xmlns:a16="http://schemas.microsoft.com/office/drawing/2014/main" id="{7C0C8B30-35EF-C749-B642-B39423C7C09C}"/>
-              </a:ext>
-            </a:extLst>
-          </p:cNvPr>
-          <p:cNvPicPr>
-            <a:picLocks noChangeAspect="1"/>
-          </p:cNvPicPr>
-          <p:nvPr userDrawn="1"/>
-        </p:nvPicPr>
-        <p:blipFill>
-          <a:blip r:embed="rId2">
-            <a:extLst>
-              <a:ext uri="{28A0092B-C50C-407E-A947-70E740481C1C}">
-                <a14:useLocalDpi xmlns:a14="http://schemas.microsoft.com/office/drawing/2010/main"/>
-              </a:ext>
-            </a:extLst>
-          </a:blip>
-          <a:stretch>
-            <a:fillRect/>
-          </a:stretch>
-        </p:blipFill>
-        <p:spPr>
-          <a:xfrm>
-            <a:off x="0" y="1"/>
-            <a:ext cx="9144000" cy="3924299"/>
-          </a:xfrm>
-          <a:prstGeom prst="rect">
-            <a:avLst/>
-          </a:prstGeom>
-        </p:spPr>
-      </p:pic>
       <p:sp>
         <p:nvSpPr>
           <p:cNvPr id="2" name="Title 1"/>
@@ -195,8 +173,8 @@
         </p:nvSpPr>
         <p:spPr>
           <a:xfrm>
-            <a:off x="389023" y="233153"/>
-            <a:ext cx="8568905" cy="581828"/>
+            <a:off x="685800" y="1597820"/>
+            <a:ext cx="7772400" cy="1102519"/>
           </a:xfrm>
         </p:spPr>
         <p:txBody>
@@ -205,21 +183,32 @@
           </a:bodyPr>
           <a:lstStyle>
             <a:lvl1pPr>
-              <a:defRPr lang="en-US" sz="3500" b="0" i="0" kern="1200" baseline="0" dirty="0">
+              <a:defRPr lang="en-US" sz="3000" b="1" i="0" kern="1200" dirty="0">
                 <a:solidFill>
                   <a:schemeClr val="bg1"/>
                 </a:solidFill>
-                <a:latin typeface="Impact" panose="020B0806030902050204" pitchFamily="34" charset="0"/>
-                <a:ea typeface="+mj-ea"/>
-                <a:cs typeface="+mj-cs"/>
+                <a:latin typeface="Montserrat SemiBold" pitchFamily="2" charset="77"/>
+                <a:ea typeface="+mn-ea"/>
+                <a:cs typeface="+mn-cs"/>
               </a:defRPr>
             </a:lvl1pPr>
           </a:lstStyle>
           <a:p>
-            <a:r>
-              <a:rPr lang="en-US" dirty="0"/>
+            <a:pPr marL="0" lvl="0" indent="0" algn="ctr" defTabSz="685800" rtl="0" eaLnBrk="1" latinLnBrk="0" hangingPunct="1">
+              <a:lnSpc>
+                <a:spcPct val="90000"/>
+              </a:lnSpc>
+              <a:spcBef>
+                <a:spcPts val="750"/>
+              </a:spcBef>
+              <a:buFont typeface="Arial" panose="020B0604020202020204" pitchFamily="34" charset="0"/>
+              <a:buNone/>
+            </a:pPr>
+            <a:r>
+              <a:rPr lang="en-GB"/>
               <a:t>Click to edit Master title style</a:t>
             </a:r>
+            <a:endParaRPr lang="en-US" dirty="0"/>
           </a:p>
         </p:txBody>
       </p:sp>
@@ -230,13 +219,13 @@
             <a:spLocks noGrp="1"/>
           </p:cNvSpPr>
           <p:nvPr>
-            <p:ph type="subTitle" idx="1" hasCustomPrompt="1"/>
+            <p:ph type="subTitle" idx="1"/>
           </p:nvPr>
         </p:nvSpPr>
         <p:spPr>
           <a:xfrm>
-            <a:off x="389024" y="875215"/>
-            <a:ext cx="8696654" cy="396008"/>
+            <a:off x="685800" y="2914650"/>
+            <a:ext cx="7772400" cy="428625"/>
           </a:xfrm>
         </p:spPr>
         <p:txBody>
@@ -244,14 +233,13 @@
             <a:normAutofit/>
           </a:bodyPr>
           <a:lstStyle>
-            <a:lvl1pPr marL="0" indent="0" algn="l">
-              <a:buNone/>
-              <a:defRPr lang="en-US" sz="2000" b="0" i="0" kern="1200" baseline="0" dirty="0">
-                <a:solidFill>
-                  <a:srgbClr val="FFFFFF"/>
-                </a:solidFill>
-                <a:effectLst/>
-                <a:latin typeface="+mn-lt"/>
+            <a:lvl1pPr marL="0" indent="0" algn="ctr">
+              <a:buNone/>
+              <a:defRPr lang="en-US" sz="1500" b="0" i="0" kern="1200" dirty="0">
+                <a:solidFill>
+                  <a:schemeClr val="bg1"/>
+                </a:solidFill>
+                <a:latin typeface="Montserrat" pitchFamily="2" charset="77"/>
                 <a:ea typeface="+mn-ea"/>
                 <a:cs typeface="+mn-cs"/>
               </a:defRPr>
@@ -338,20 +326,20 @@
             </a:lvl9pPr>
           </a:lstStyle>
           <a:p>
-            <a:pPr lvl="0"/>
-            <a:r>
-              <a:rPr lang="de-CH" noProof="0" dirty="0"/>
-              <a:t>Untertitel optional</a:t>
-            </a:r>
+            <a:r>
+              <a:rPr lang="en-GB"/>
+              <a:t>Click to edit Master subtitle style</a:t>
+            </a:r>
+            <a:endParaRPr lang="en-US" dirty="0"/>
           </a:p>
         </p:txBody>
       </p:sp>
       <p:pic>
         <p:nvPicPr>
-          <p:cNvPr id="10" name="Grafik 16">
+          <p:cNvPr id="9" name="Grafik 6">
             <a:extLst>
               <a:ext uri="{FF2B5EF4-FFF2-40B4-BE49-F238E27FC236}">
-                <a16:creationId xmlns:a16="http://schemas.microsoft.com/office/drawing/2014/main" id="{4C8577FF-A172-2346-A4C6-6FFAA783B6C1}"/>
+                <a16:creationId xmlns:a16="http://schemas.microsoft.com/office/drawing/2014/main" id="{831D9137-EED9-064E-A932-4B446A543436}"/>
               </a:ext>
             </a:extLst>
           </p:cNvPr>
@@ -364,10 +352,7 @@
           <a:blip r:embed="rId3">
             <a:extLst>
               <a:ext uri="{28A0092B-C50C-407E-A947-70E740481C1C}">
-                <a14:useLocalDpi xmlns:a14="http://schemas.microsoft.com/office/drawing/2010/main"/>
-              </a:ext>
-              <a:ext uri="{96DAC541-7B7A-43D3-8B79-37D633B846F1}">
-                <asvg:svgBlip xmlns:asvg="http://schemas.microsoft.com/office/drawing/2016/SVG/main" r:embed="rId4"/>
+                <a14:useLocalDpi xmlns:a14="http://schemas.microsoft.com/office/drawing/2010/main" val="0"/>
               </a:ext>
             </a:extLst>
           </a:blip>
@@ -377,47 +362,8 @@
         </p:blipFill>
         <p:spPr>
           <a:xfrm>
-            <a:off x="499035" y="3472182"/>
-            <a:ext cx="309880" cy="250288"/>
-          </a:xfrm>
-          <a:prstGeom prst="rect">
-            <a:avLst/>
-          </a:prstGeom>
-        </p:spPr>
-      </p:pic>
-      <p:pic>
-        <p:nvPicPr>
-          <p:cNvPr id="11" name="Grafik 17">
-            <a:extLst>
-              <a:ext uri="{FF2B5EF4-FFF2-40B4-BE49-F238E27FC236}">
-                <a16:creationId xmlns:a16="http://schemas.microsoft.com/office/drawing/2014/main" id="{C0525424-4A76-6F4B-BD22-0C9A9CBF4CA2}"/>
-              </a:ext>
-            </a:extLst>
-          </p:cNvPr>
-          <p:cNvPicPr>
-            <a:picLocks noChangeAspect="1"/>
-          </p:cNvPicPr>
-          <p:nvPr userDrawn="1"/>
-        </p:nvPicPr>
-        <p:blipFill>
-          <a:blip r:embed="rId5">
-            <a:extLst>
-              <a:ext uri="{28A0092B-C50C-407E-A947-70E740481C1C}">
-                <a14:useLocalDpi xmlns:a14="http://schemas.microsoft.com/office/drawing/2010/main"/>
-              </a:ext>
-              <a:ext uri="{96DAC541-7B7A-43D3-8B79-37D633B846F1}">
-                <asvg:svgBlip xmlns:asvg="http://schemas.microsoft.com/office/drawing/2016/SVG/main" r:embed="rId6"/>
-              </a:ext>
-            </a:extLst>
-          </a:blip>
-          <a:stretch>
-            <a:fillRect/>
-          </a:stretch>
-        </p:blipFill>
-        <p:spPr>
-          <a:xfrm rot="2700000">
-            <a:off x="3161516" y="3442167"/>
-            <a:ext cx="383625" cy="277063"/>
+            <a:off x="7835259" y="4626159"/>
+            <a:ext cx="851541" cy="282209"/>
           </a:xfrm>
           <a:prstGeom prst="rect">
             <a:avLst/>
@@ -426,10 +372,10 @@
       </p:pic>
       <p:sp>
         <p:nvSpPr>
-          <p:cNvPr id="18" name="Textplatzhalter 22">
+          <p:cNvPr id="8" name="Date Placeholder 3">
             <a:extLst>
               <a:ext uri="{FF2B5EF4-FFF2-40B4-BE49-F238E27FC236}">
-                <a16:creationId xmlns:a16="http://schemas.microsoft.com/office/drawing/2014/main" id="{7003A06A-9C64-1748-A2A8-7FE33A7BCA54}"/>
+                <a16:creationId xmlns:a16="http://schemas.microsoft.com/office/drawing/2014/main" id="{ACE13F44-3358-ED47-A754-FA45EA46C504}"/>
               </a:ext>
             </a:extLst>
           </p:cNvPr>
@@ -437,155 +383,37 @@
             <a:spLocks noGrp="1"/>
           </p:cNvSpPr>
           <p:nvPr>
-            <p:ph type="body" sz="quarter" idx="18" hasCustomPrompt="1"/>
+            <p:ph type="dt" sz="half" idx="10"/>
           </p:nvPr>
         </p:nvSpPr>
         <p:spPr>
           <a:xfrm>
-            <a:off x="389023" y="1245688"/>
-            <a:ext cx="8696654" cy="396008"/>
-          </a:xfrm>
-          <a:effectLst/>
-        </p:spPr>
-        <p:txBody>
-          <a:bodyPr lIns="108000">
-            <a:noAutofit/>
-          </a:bodyPr>
-          <a:lstStyle>
-            <a:lvl1pPr marL="0" indent="0">
-              <a:buNone/>
-              <a:defRPr sz="2000" b="0" i="0" baseline="0">
-                <a:solidFill>
-                  <a:srgbClr val="FFFFFF"/>
-                </a:solidFill>
-                <a:effectLst/>
-              </a:defRPr>
-            </a:lvl1pPr>
-          </a:lstStyle>
-          <a:p>
-            <a:pPr lvl="0"/>
-            <a:r>
-              <a:rPr lang="de-CH" noProof="0" dirty="0"/>
-              <a:t>Referent(en) nur Vorname</a:t>
-            </a:r>
-          </a:p>
-        </p:txBody>
-      </p:sp>
-      <p:pic>
-        <p:nvPicPr>
-          <p:cNvPr id="15" name="Picture 14">
-            <a:extLst>
-              <a:ext uri="{FF2B5EF4-FFF2-40B4-BE49-F238E27FC236}">
-                <a16:creationId xmlns:a16="http://schemas.microsoft.com/office/drawing/2014/main" id="{702A07D1-F3EC-F348-A551-6FF3EFD438FD}"/>
-              </a:ext>
-            </a:extLst>
-          </p:cNvPr>
-          <p:cNvPicPr>
-            <a:picLocks noChangeAspect="1"/>
-          </p:cNvPicPr>
-          <p:nvPr userDrawn="1"/>
-        </p:nvPicPr>
-        <p:blipFill>
-          <a:blip r:embed="rId7"/>
-          <a:stretch>
-            <a:fillRect/>
-          </a:stretch>
-        </p:blipFill>
-        <p:spPr>
-          <a:xfrm>
-            <a:off x="499036" y="4736175"/>
-            <a:ext cx="5046212" cy="266699"/>
+            <a:off x="685800" y="3557587"/>
+            <a:ext cx="7772400" cy="273844"/>
           </a:xfrm>
           <a:prstGeom prst="rect">
             <a:avLst/>
           </a:prstGeom>
         </p:spPr>
-      </p:pic>
-      <p:sp>
-        <p:nvSpPr>
-          <p:cNvPr id="16" name="Textplatzhalter 22">
-            <a:extLst>
-              <a:ext uri="{FF2B5EF4-FFF2-40B4-BE49-F238E27FC236}">
-                <a16:creationId xmlns:a16="http://schemas.microsoft.com/office/drawing/2014/main" id="{89EAFE61-06E4-3D4E-932E-1640DFE9A7E2}"/>
-              </a:ext>
-            </a:extLst>
-          </p:cNvPr>
-          <p:cNvSpPr>
-            <a:spLocks noGrp="1"/>
-          </p:cNvSpPr>
-          <p:nvPr>
-            <p:ph type="body" sz="quarter" idx="20" hasCustomPrompt="1"/>
-          </p:nvPr>
-        </p:nvSpPr>
-        <p:spPr>
-          <a:xfrm>
-            <a:off x="3531332" y="3439779"/>
-            <a:ext cx="2195957" cy="396008"/>
-          </a:xfrm>
-        </p:spPr>
         <p:txBody>
-          <a:bodyPr lIns="108000"/>
+          <a:bodyPr/>
           <a:lstStyle>
-            <a:lvl1pPr marL="0" indent="0">
-              <a:buNone/>
-              <a:defRPr sz="2000" b="0" i="0" baseline="0">
-                <a:solidFill>
-                  <a:srgbClr val="FFFFFF"/>
-                </a:solidFill>
-                <a:effectLst/>
+            <a:lvl1pPr algn="ctr">
+              <a:defRPr b="0" i="0">
+                <a:solidFill>
+                  <a:srgbClr val="F2F2F2"/>
+                </a:solidFill>
+                <a:latin typeface="Montserrat" pitchFamily="2" charset="77"/>
               </a:defRPr>
             </a:lvl1pPr>
           </a:lstStyle>
           <a:p>
-            <a:pPr lvl="0"/>
-            <a:r>
-              <a:rPr lang="de-CH" noProof="0"/>
-              <a:t>Blog</a:t>
-            </a:r>
-          </a:p>
-        </p:txBody>
-      </p:sp>
-      <p:sp>
-        <p:nvSpPr>
-          <p:cNvPr id="17" name="Textplatzhalter 22">
-            <a:extLst>
-              <a:ext uri="{FF2B5EF4-FFF2-40B4-BE49-F238E27FC236}">
-                <a16:creationId xmlns:a16="http://schemas.microsoft.com/office/drawing/2014/main" id="{8639980A-F29D-174D-AC99-A64D87468A16}"/>
-              </a:ext>
-            </a:extLst>
-          </p:cNvPr>
-          <p:cNvSpPr>
-            <a:spLocks noGrp="1"/>
-          </p:cNvSpPr>
-          <p:nvPr>
-            <p:ph type="body" sz="quarter" idx="19" hasCustomPrompt="1"/>
-          </p:nvPr>
-        </p:nvSpPr>
-        <p:spPr>
-          <a:xfrm>
-            <a:off x="735503" y="3439779"/>
-            <a:ext cx="2195957" cy="396008"/>
-          </a:xfrm>
-        </p:spPr>
-        <p:txBody>
-          <a:bodyPr lIns="108000"/>
-          <a:lstStyle>
-            <a:lvl1pPr marL="0" indent="0">
-              <a:buNone/>
-              <a:defRPr sz="2000" b="0" i="0" baseline="0">
-                <a:solidFill>
-                  <a:srgbClr val="FFFFFF"/>
-                </a:solidFill>
-                <a:effectLst/>
-              </a:defRPr>
-            </a:lvl1pPr>
-          </a:lstStyle>
-          <a:p>
-            <a:pPr lvl="0"/>
-            <a:r>
-              <a:rPr lang="de-CH" noProof="0"/>
-              <a:t>@Twitter</a:t>
-            </a:r>
+            <a:fld id="{241EB5C9-1307-BA42-ABA2-0BC069CD8E7F}" type="datetimeFigureOut">
+              <a:rPr lang="en-US" smtClean="0"/>
+              <a:pPr/>
+              <a:t>10/13/21</a:t>
+            </a:fld>
+            <a:endParaRPr lang="en-US" dirty="0"/>
           </a:p>
         </p:txBody>
       </p:sp>
@@ -603,8 +431,8 @@
 </file>
 
 <file path=ppt/slideLayouts/slideLayout10.xml><?xml version="1.0" encoding="utf-8"?>
-<p:sldLayout xmlns:a="http://schemas.openxmlformats.org/drawingml/2006/main" xmlns:r="http://schemas.openxmlformats.org/officeDocument/2006/relationships" xmlns:p="http://schemas.openxmlformats.org/presentationml/2006/main" type="vertTx" preserve="1">
-  <p:cSld name="Title and Vertical Text">
+<p:sldLayout xmlns:a="http://schemas.openxmlformats.org/drawingml/2006/main" xmlns:r="http://schemas.openxmlformats.org/officeDocument/2006/relationships" xmlns:p="http://schemas.openxmlformats.org/presentationml/2006/main" preserve="1" userDrawn="1">
+  <p:cSld name="Comparison">
     <p:spTree>
       <p:nvGrpSpPr>
         <p:cNvPr id="1" name=""/>
@@ -632,1131 +460,267 @@
         <p:spPr/>
         <p:txBody>
           <a:bodyPr/>
-          <a:lstStyle/>
-          <a:p>
-            <a:r>
-              <a:rPr lang="en-US"/>
+          <a:lstStyle>
+            <a:lvl1pPr algn="l">
+              <a:defRPr/>
+            </a:lvl1pPr>
+          </a:lstStyle>
+          <a:p>
+            <a:r>
+              <a:rPr lang="en-GB"/>
               <a:t>Click to edit Master title style</a:t>
             </a:r>
+            <a:endParaRPr lang="en-US"/>
           </a:p>
         </p:txBody>
       </p:sp>
       <p:sp>
         <p:nvSpPr>
-          <p:cNvPr id="3" name="Vertical Text Placeholder 2"/>
+          <p:cNvPr id="3" name="Text Placeholder 2"/>
           <p:cNvSpPr>
             <a:spLocks noGrp="1"/>
           </p:cNvSpPr>
           <p:nvPr>
-            <p:ph type="body" orient="vert" idx="1"/>
+            <p:ph type="body" idx="1"/>
           </p:nvPr>
         </p:nvSpPr>
-        <p:spPr/>
+        <p:spPr>
+          <a:xfrm>
+            <a:off x="283334" y="1320299"/>
+            <a:ext cx="4184374" cy="479822"/>
+          </a:xfrm>
+        </p:spPr>
         <p:txBody>
-          <a:bodyPr vert="eaVert"/>
-          <a:lstStyle/>
+          <a:bodyPr anchor="b">
+            <a:normAutofit/>
+          </a:bodyPr>
+          <a:lstStyle>
+            <a:lvl1pPr marL="0" indent="0">
+              <a:buNone/>
+              <a:defRPr lang="en-US" sz="1350" b="0" kern="1200" baseline="0" dirty="0" smtClean="0">
+                <a:solidFill>
+                  <a:srgbClr val="1E2846"/>
+                </a:solidFill>
+                <a:latin typeface="Open Sans Light" panose="020B0306030504020204" pitchFamily="34" charset="0"/>
+                <a:ea typeface="Open Sans Light" panose="020B0306030504020204" pitchFamily="34" charset="0"/>
+                <a:cs typeface="Open Sans Light" panose="020B0306030504020204" pitchFamily="34" charset="0"/>
+              </a:defRPr>
+            </a:lvl1pPr>
+            <a:lvl2pPr marL="342900" indent="0">
+              <a:buNone/>
+              <a:defRPr sz="1500" b="1"/>
+            </a:lvl2pPr>
+            <a:lvl3pPr marL="685800" indent="0">
+              <a:buNone/>
+              <a:defRPr sz="1350" b="1"/>
+            </a:lvl3pPr>
+            <a:lvl4pPr marL="1028700" indent="0">
+              <a:buNone/>
+              <a:defRPr sz="1200" b="1"/>
+            </a:lvl4pPr>
+            <a:lvl5pPr marL="1371600" indent="0">
+              <a:buNone/>
+              <a:defRPr sz="1200" b="1"/>
+            </a:lvl5pPr>
+            <a:lvl6pPr marL="1714500" indent="0">
+              <a:buNone/>
+              <a:defRPr sz="1200" b="1"/>
+            </a:lvl6pPr>
+            <a:lvl7pPr marL="2057400" indent="0">
+              <a:buNone/>
+              <a:defRPr sz="1200" b="1"/>
+            </a:lvl7pPr>
+            <a:lvl8pPr marL="2400300" indent="0">
+              <a:buNone/>
+              <a:defRPr sz="1200" b="1"/>
+            </a:lvl8pPr>
+            <a:lvl9pPr marL="2743200" indent="0">
+              <a:buNone/>
+              <a:defRPr sz="1200" b="1"/>
+            </a:lvl9pPr>
+          </a:lstStyle>
           <a:p>
             <a:pPr lvl="0"/>
             <a:r>
-              <a:rPr lang="en-US"/>
+              <a:rPr lang="en-GB"/>
               <a:t>Click to edit Master text styles</a:t>
-            </a:r>
-          </a:p>
-          <a:p>
-            <a:pPr lvl="1"/>
-            <a:r>
-              <a:rPr lang="en-US"/>
-              <a:t>Second level</a:t>
-            </a:r>
-          </a:p>
-          <a:p>
-            <a:pPr lvl="2"/>
-            <a:r>
-              <a:rPr lang="en-US"/>
-              <a:t>Third level</a:t>
-            </a:r>
-          </a:p>
-          <a:p>
-            <a:pPr lvl="3"/>
-            <a:r>
-              <a:rPr lang="en-US"/>
-              <a:t>Fourth level</a:t>
-            </a:r>
-          </a:p>
-          <a:p>
-            <a:pPr lvl="4"/>
-            <a:r>
-              <a:rPr lang="en-US"/>
-              <a:t>Fifth level</a:t>
             </a:r>
           </a:p>
         </p:txBody>
       </p:sp>
       <p:sp>
         <p:nvSpPr>
-          <p:cNvPr id="4" name="Date Placeholder 3"/>
+          <p:cNvPr id="4" name="Content Placeholder 3"/>
           <p:cNvSpPr>
             <a:spLocks noGrp="1"/>
           </p:cNvSpPr>
           <p:nvPr>
-            <p:ph type="dt" sz="half" idx="10"/>
+            <p:ph sz="half" idx="2"/>
           </p:nvPr>
         </p:nvSpPr>
-        <p:spPr/>
+        <p:spPr>
+          <a:xfrm>
+            <a:off x="283334" y="1800121"/>
+            <a:ext cx="4184373" cy="3042920"/>
+          </a:xfrm>
+        </p:spPr>
         <p:txBody>
-          <a:bodyPr/>
-          <a:lstStyle/>
-          <a:p>
-            <a:fld id="{2D4B57A1-731A-4645-8FA8-45F2583A07A5}" type="datetime1">
-              <a:rPr lang="de-CH" smtClean="0"/>
-              <a:t>01.03.21</a:t>
-            </a:fld>
-            <a:endParaRPr lang="en-US"/>
+          <a:bodyPr>
+            <a:normAutofit/>
+          </a:bodyPr>
+          <a:lstStyle>
+            <a:lvl1pPr indent="-171450" algn="l" defTabSz="685800" rtl="0" eaLnBrk="1" latinLnBrk="0" hangingPunct="1">
+              <a:lnSpc>
+                <a:spcPct val="90000"/>
+              </a:lnSpc>
+              <a:spcBef>
+                <a:spcPct val="20000"/>
+              </a:spcBef>
+              <a:buClr>
+                <a:srgbClr val="9600FF"/>
+              </a:buClr>
+              <a:defRPr lang="en-US" sz="1350" b="0" kern="1200" baseline="0" dirty="0" smtClean="0">
+                <a:solidFill>
+                  <a:srgbClr val="1E2846"/>
+                </a:solidFill>
+                <a:latin typeface="Open Sans Light" panose="020B0306030504020204" pitchFamily="34" charset="0"/>
+                <a:ea typeface="Open Sans Light" panose="020B0306030504020204" pitchFamily="34" charset="0"/>
+                <a:cs typeface="Open Sans Light" panose="020B0306030504020204" pitchFamily="34" charset="0"/>
+              </a:defRPr>
+            </a:lvl1pPr>
+            <a:lvl2pPr indent="-171450" algn="l" defTabSz="685800" rtl="0" eaLnBrk="1" latinLnBrk="0" hangingPunct="1">
+              <a:lnSpc>
+                <a:spcPct val="90000"/>
+              </a:lnSpc>
+              <a:spcBef>
+                <a:spcPct val="20000"/>
+              </a:spcBef>
+              <a:buClr>
+                <a:srgbClr val="9600FF"/>
+              </a:buClr>
+              <a:defRPr lang="en-US" sz="1350" b="0" kern="1200" baseline="0" dirty="0" smtClean="0">
+                <a:solidFill>
+                  <a:srgbClr val="1E2846"/>
+                </a:solidFill>
+                <a:latin typeface="Open Sans Light" panose="020B0306030504020204" pitchFamily="34" charset="0"/>
+                <a:ea typeface="Open Sans Light" panose="020B0306030504020204" pitchFamily="34" charset="0"/>
+                <a:cs typeface="Open Sans Light" panose="020B0306030504020204" pitchFamily="34" charset="0"/>
+              </a:defRPr>
+            </a:lvl2pPr>
+            <a:lvl3pPr indent="-171450" algn="l" defTabSz="685800" rtl="0" eaLnBrk="1" latinLnBrk="0" hangingPunct="1">
+              <a:lnSpc>
+                <a:spcPct val="90000"/>
+              </a:lnSpc>
+              <a:spcBef>
+                <a:spcPct val="20000"/>
+              </a:spcBef>
+              <a:buClr>
+                <a:srgbClr val="9600FF"/>
+              </a:buClr>
+              <a:defRPr lang="en-US" sz="1350" b="0" kern="1200" baseline="0" dirty="0" smtClean="0">
+                <a:solidFill>
+                  <a:srgbClr val="1E2846"/>
+                </a:solidFill>
+                <a:latin typeface="Open Sans Light" panose="020B0306030504020204" pitchFamily="34" charset="0"/>
+                <a:ea typeface="Open Sans Light" panose="020B0306030504020204" pitchFamily="34" charset="0"/>
+                <a:cs typeface="Open Sans Light" panose="020B0306030504020204" pitchFamily="34" charset="0"/>
+              </a:defRPr>
+            </a:lvl3pPr>
+            <a:lvl4pPr indent="-171450" algn="l" defTabSz="685800" rtl="0" eaLnBrk="1" latinLnBrk="0" hangingPunct="1">
+              <a:lnSpc>
+                <a:spcPct val="90000"/>
+              </a:lnSpc>
+              <a:spcBef>
+                <a:spcPct val="20000"/>
+              </a:spcBef>
+              <a:buClr>
+                <a:srgbClr val="9600FF"/>
+              </a:buClr>
+              <a:defRPr lang="en-US" sz="1350" b="0" kern="1200" baseline="0" dirty="0" smtClean="0">
+                <a:solidFill>
+                  <a:srgbClr val="1E2846"/>
+                </a:solidFill>
+                <a:latin typeface="Open Sans Light" panose="020B0306030504020204" pitchFamily="34" charset="0"/>
+                <a:ea typeface="Open Sans Light" panose="020B0306030504020204" pitchFamily="34" charset="0"/>
+                <a:cs typeface="Open Sans Light" panose="020B0306030504020204" pitchFamily="34" charset="0"/>
+              </a:defRPr>
+            </a:lvl4pPr>
+            <a:lvl5pPr indent="-171450" algn="l" defTabSz="685800" rtl="0" eaLnBrk="1" latinLnBrk="0" hangingPunct="1">
+              <a:lnSpc>
+                <a:spcPct val="90000"/>
+              </a:lnSpc>
+              <a:spcBef>
+                <a:spcPct val="20000"/>
+              </a:spcBef>
+              <a:buClr>
+                <a:srgbClr val="9600FF"/>
+              </a:buClr>
+              <a:defRPr lang="en-US" sz="1350" b="0" kern="1200" baseline="0" dirty="0">
+                <a:solidFill>
+                  <a:srgbClr val="1E2846"/>
+                </a:solidFill>
+                <a:latin typeface="Open Sans Light" panose="020B0306030504020204" pitchFamily="34" charset="0"/>
+                <a:ea typeface="Open Sans Light" panose="020B0306030504020204" pitchFamily="34" charset="0"/>
+                <a:cs typeface="Open Sans Light" panose="020B0306030504020204" pitchFamily="34" charset="0"/>
+              </a:defRPr>
+            </a:lvl5pPr>
+            <a:lvl6pPr>
+              <a:defRPr sz="1200"/>
+            </a:lvl6pPr>
+            <a:lvl7pPr>
+              <a:defRPr sz="1200"/>
+            </a:lvl7pPr>
+            <a:lvl8pPr>
+              <a:defRPr sz="1200"/>
+            </a:lvl8pPr>
+            <a:lvl9pPr>
+              <a:defRPr sz="1200"/>
+            </a:lvl9pPr>
+          </a:lstStyle>
+          <a:p>
+            <a:pPr lvl="0"/>
+            <a:r>
+              <a:rPr lang="en-GB"/>
+              <a:t>Click to edit Master text styles</a:t>
+            </a:r>
+          </a:p>
+          <a:p>
+            <a:pPr lvl="1"/>
+            <a:r>
+              <a:rPr lang="en-GB"/>
+              <a:t>Second level</a:t>
+            </a:r>
+          </a:p>
+          <a:p>
+            <a:pPr lvl="2"/>
+            <a:r>
+              <a:rPr lang="en-GB"/>
+              <a:t>Third level</a:t>
+            </a:r>
+          </a:p>
+          <a:p>
+            <a:pPr lvl="3"/>
+            <a:r>
+              <a:rPr lang="en-GB"/>
+              <a:t>Fourth level</a:t>
+            </a:r>
+          </a:p>
+          <a:p>
+            <a:pPr lvl="4"/>
+            <a:r>
+              <a:rPr lang="en-GB"/>
+              <a:t>Fifth level</a:t>
+            </a:r>
+            <a:endParaRPr lang="en-US" dirty="0"/>
           </a:p>
         </p:txBody>
       </p:sp>
       <p:sp>
         <p:nvSpPr>
-          <p:cNvPr id="5" name="Footer Placeholder 4"/>
-          <p:cNvSpPr>
-            <a:spLocks noGrp="1"/>
-          </p:cNvSpPr>
-          <p:nvPr>
-            <p:ph type="ftr" sz="quarter" idx="11"/>
-          </p:nvPr>
-        </p:nvSpPr>
-        <p:spPr/>
-        <p:txBody>
-          <a:bodyPr/>
-          <a:lstStyle/>
-          <a:p>
-            <a:endParaRPr lang="en-US"/>
-          </a:p>
-        </p:txBody>
-      </p:sp>
-      <p:sp>
-        <p:nvSpPr>
-          <p:cNvPr id="6" name="Slide Number Placeholder 5"/>
-          <p:cNvSpPr>
-            <a:spLocks noGrp="1"/>
-          </p:cNvSpPr>
-          <p:nvPr>
-            <p:ph type="sldNum" sz="quarter" idx="12"/>
-          </p:nvPr>
-        </p:nvSpPr>
-        <p:spPr/>
-        <p:txBody>
-          <a:bodyPr/>
-          <a:lstStyle/>
-          <a:p>
-            <a:fld id="{C5EF2332-01BF-834F-8236-50238282D533}" type="slidenum">
-              <a:rPr lang="en-US" smtClean="0"/>
-              <a:t>‹#›</a:t>
-            </a:fld>
-            <a:endParaRPr lang="en-US"/>
-          </a:p>
-        </p:txBody>
-      </p:sp>
-    </p:spTree>
-    <p:extLst>
-      <p:ext uri="{BB962C8B-B14F-4D97-AF65-F5344CB8AC3E}">
-        <p14:creationId xmlns:p14="http://schemas.microsoft.com/office/powerpoint/2010/main" val="313914798"/>
-      </p:ext>
-    </p:extLst>
-  </p:cSld>
-  <p:clrMapOvr>
-    <a:masterClrMapping/>
-  </p:clrMapOvr>
-</p:sldLayout>
-</file>
-
-<file path=ppt/slideLayouts/slideLayout11.xml><?xml version="1.0" encoding="utf-8"?>
-<p:sldLayout xmlns:a="http://schemas.openxmlformats.org/drawingml/2006/main" xmlns:r="http://schemas.openxmlformats.org/officeDocument/2006/relationships" xmlns:p="http://schemas.openxmlformats.org/presentationml/2006/main" type="vertTitleAndTx" preserve="1">
-  <p:cSld name="Vertical Title and Text">
-    <p:spTree>
-      <p:nvGrpSpPr>
-        <p:cNvPr id="1" name=""/>
-        <p:cNvGrpSpPr/>
-        <p:nvPr/>
-      </p:nvGrpSpPr>
-      <p:grpSpPr>
-        <a:xfrm>
-          <a:off x="0" y="0"/>
-          <a:ext cx="0" cy="0"/>
-          <a:chOff x="0" y="0"/>
-          <a:chExt cx="0" cy="0"/>
-        </a:xfrm>
-      </p:grpSpPr>
-      <p:sp>
-        <p:nvSpPr>
-          <p:cNvPr id="2" name="Vertical Title 1"/>
-          <p:cNvSpPr>
-            <a:spLocks noGrp="1"/>
-          </p:cNvSpPr>
-          <p:nvPr>
-            <p:ph type="title" orient="vert"/>
-          </p:nvPr>
-        </p:nvSpPr>
-        <p:spPr>
-          <a:xfrm>
-            <a:off x="6629400" y="205980"/>
-            <a:ext cx="2057400" cy="4388644"/>
-          </a:xfrm>
-        </p:spPr>
-        <p:txBody>
-          <a:bodyPr vert="eaVert"/>
-          <a:lstStyle/>
-          <a:p>
-            <a:r>
-              <a:rPr lang="en-US"/>
-              <a:t>Click to edit Master title style</a:t>
-            </a:r>
-          </a:p>
-        </p:txBody>
-      </p:sp>
-      <p:sp>
-        <p:nvSpPr>
-          <p:cNvPr id="3" name="Vertical Text Placeholder 2"/>
-          <p:cNvSpPr>
-            <a:spLocks noGrp="1"/>
-          </p:cNvSpPr>
-          <p:nvPr>
-            <p:ph type="body" orient="vert" idx="1"/>
-          </p:nvPr>
-        </p:nvSpPr>
-        <p:spPr>
-          <a:xfrm>
-            <a:off x="457200" y="205980"/>
-            <a:ext cx="6019800" cy="4388644"/>
-          </a:xfrm>
-        </p:spPr>
-        <p:txBody>
-          <a:bodyPr vert="eaVert"/>
-          <a:lstStyle/>
-          <a:p>
-            <a:pPr lvl="0"/>
-            <a:r>
-              <a:rPr lang="en-US"/>
-              <a:t>Click to edit Master text styles</a:t>
-            </a:r>
-          </a:p>
-          <a:p>
-            <a:pPr lvl="1"/>
-            <a:r>
-              <a:rPr lang="en-US"/>
-              <a:t>Second level</a:t>
-            </a:r>
-          </a:p>
-          <a:p>
-            <a:pPr lvl="2"/>
-            <a:r>
-              <a:rPr lang="en-US"/>
-              <a:t>Third level</a:t>
-            </a:r>
-          </a:p>
-          <a:p>
-            <a:pPr lvl="3"/>
-            <a:r>
-              <a:rPr lang="en-US"/>
-              <a:t>Fourth level</a:t>
-            </a:r>
-          </a:p>
-          <a:p>
-            <a:pPr lvl="4"/>
-            <a:r>
-              <a:rPr lang="en-US"/>
-              <a:t>Fifth level</a:t>
-            </a:r>
-          </a:p>
-        </p:txBody>
-      </p:sp>
-      <p:sp>
-        <p:nvSpPr>
-          <p:cNvPr id="4" name="Date Placeholder 3"/>
-          <p:cNvSpPr>
-            <a:spLocks noGrp="1"/>
-          </p:cNvSpPr>
-          <p:nvPr>
-            <p:ph type="dt" sz="half" idx="10"/>
-          </p:nvPr>
-        </p:nvSpPr>
-        <p:spPr/>
-        <p:txBody>
-          <a:bodyPr/>
-          <a:lstStyle/>
-          <a:p>
-            <a:fld id="{975A0BE2-4D2F-ED48-8BC0-248235B9C6F4}" type="datetime1">
-              <a:rPr lang="de-CH" smtClean="0"/>
-              <a:t>01.03.21</a:t>
-            </a:fld>
-            <a:endParaRPr lang="en-US"/>
-          </a:p>
-        </p:txBody>
-      </p:sp>
-      <p:sp>
-        <p:nvSpPr>
-          <p:cNvPr id="5" name="Footer Placeholder 4"/>
-          <p:cNvSpPr>
-            <a:spLocks noGrp="1"/>
-          </p:cNvSpPr>
-          <p:nvPr>
-            <p:ph type="ftr" sz="quarter" idx="11"/>
-          </p:nvPr>
-        </p:nvSpPr>
-        <p:spPr/>
-        <p:txBody>
-          <a:bodyPr/>
-          <a:lstStyle/>
-          <a:p>
-            <a:endParaRPr lang="en-US"/>
-          </a:p>
-        </p:txBody>
-      </p:sp>
-      <p:sp>
-        <p:nvSpPr>
-          <p:cNvPr id="6" name="Slide Number Placeholder 5"/>
-          <p:cNvSpPr>
-            <a:spLocks noGrp="1"/>
-          </p:cNvSpPr>
-          <p:nvPr>
-            <p:ph type="sldNum" sz="quarter" idx="12"/>
-          </p:nvPr>
-        </p:nvSpPr>
-        <p:spPr/>
-        <p:txBody>
-          <a:bodyPr/>
-          <a:lstStyle/>
-          <a:p>
-            <a:fld id="{C5EF2332-01BF-834F-8236-50238282D533}" type="slidenum">
-              <a:rPr lang="en-US" smtClean="0"/>
-              <a:t>‹#›</a:t>
-            </a:fld>
-            <a:endParaRPr lang="en-US"/>
-          </a:p>
-        </p:txBody>
-      </p:sp>
-    </p:spTree>
-    <p:extLst>
-      <p:ext uri="{BB962C8B-B14F-4D97-AF65-F5344CB8AC3E}">
-        <p14:creationId xmlns:p14="http://schemas.microsoft.com/office/powerpoint/2010/main" val="2581529045"/>
-      </p:ext>
-    </p:extLst>
-  </p:cSld>
-  <p:clrMapOvr>
-    <a:masterClrMapping/>
-  </p:clrMapOvr>
-</p:sldLayout>
-</file>
-
-<file path=ppt/slideLayouts/slideLayout2.xml><?xml version="1.0" encoding="utf-8"?>
-<p:sldLayout xmlns:a="http://schemas.openxmlformats.org/drawingml/2006/main" xmlns:r="http://schemas.openxmlformats.org/officeDocument/2006/relationships" xmlns:p="http://schemas.openxmlformats.org/presentationml/2006/main" type="obj" preserve="1">
-  <p:cSld name="Title and Content">
-    <p:spTree>
-      <p:nvGrpSpPr>
-        <p:cNvPr id="1" name=""/>
-        <p:cNvGrpSpPr/>
-        <p:nvPr/>
-      </p:nvGrpSpPr>
-      <p:grpSpPr>
-        <a:xfrm>
-          <a:off x="0" y="0"/>
-          <a:ext cx="0" cy="0"/>
-          <a:chOff x="0" y="0"/>
-          <a:chExt cx="0" cy="0"/>
-        </a:xfrm>
-      </p:grpSpPr>
-      <p:sp>
-        <p:nvSpPr>
-          <p:cNvPr id="2" name="Title 1"/>
-          <p:cNvSpPr>
-            <a:spLocks noGrp="1"/>
-          </p:cNvSpPr>
-          <p:nvPr>
-            <p:ph type="title"/>
-          </p:nvPr>
-        </p:nvSpPr>
-        <p:spPr>
-          <a:xfrm>
-            <a:off x="266399" y="122400"/>
-            <a:ext cx="7236000" cy="586800"/>
-          </a:xfrm>
-        </p:spPr>
-        <p:txBody>
-          <a:bodyPr/>
-          <a:lstStyle>
-            <a:lvl1pPr marL="0" algn="l" defTabSz="342900" rtl="0" eaLnBrk="1" latinLnBrk="0" hangingPunct="1">
-              <a:lnSpc>
-                <a:spcPct val="90000"/>
-              </a:lnSpc>
-              <a:spcBef>
-                <a:spcPct val="0"/>
-              </a:spcBef>
-              <a:buNone/>
-              <a:defRPr lang="en-US" sz="2100" kern="1200" dirty="0">
-                <a:solidFill>
-                  <a:schemeClr val="tx1"/>
-                </a:solidFill>
-                <a:latin typeface="Nunito" pitchFamily="2" charset="77"/>
-                <a:ea typeface="+mj-ea"/>
-                <a:cs typeface="+mj-cs"/>
-              </a:defRPr>
-            </a:lvl1pPr>
-          </a:lstStyle>
-          <a:p>
-            <a:r>
-              <a:rPr lang="en-US" dirty="0"/>
-              <a:t>Click to edit Master title style</a:t>
-            </a:r>
-          </a:p>
-        </p:txBody>
-      </p:sp>
-      <p:sp>
-        <p:nvSpPr>
-          <p:cNvPr id="3" name="Content Placeholder 2"/>
-          <p:cNvSpPr>
-            <a:spLocks noGrp="1"/>
-          </p:cNvSpPr>
-          <p:nvPr>
-            <p:ph idx="1"/>
-          </p:nvPr>
-        </p:nvSpPr>
-        <p:spPr>
-          <a:xfrm>
-            <a:off x="266400" y="802800"/>
-            <a:ext cx="8690400" cy="3812400"/>
-          </a:xfrm>
-        </p:spPr>
-        <p:txBody>
-          <a:bodyPr/>
-          <a:lstStyle/>
-          <a:p>
-            <a:pPr lvl="0"/>
-            <a:r>
-              <a:rPr lang="en-US" dirty="0"/>
-              <a:t>Click to edit Master text styles</a:t>
-            </a:r>
-          </a:p>
-          <a:p>
-            <a:pPr lvl="1"/>
-            <a:r>
-              <a:rPr lang="en-US" dirty="0"/>
-              <a:t>Second level</a:t>
-            </a:r>
-          </a:p>
-          <a:p>
-            <a:pPr lvl="2"/>
-            <a:r>
-              <a:rPr lang="en-US" dirty="0"/>
-              <a:t>Third level</a:t>
-            </a:r>
-          </a:p>
-          <a:p>
-            <a:pPr lvl="3"/>
-            <a:r>
-              <a:rPr lang="en-US" dirty="0"/>
-              <a:t>Fourth level</a:t>
-            </a:r>
-          </a:p>
-          <a:p>
-            <a:pPr lvl="4"/>
-            <a:r>
-              <a:rPr lang="en-US" dirty="0"/>
-              <a:t>Fifth level</a:t>
-            </a:r>
-          </a:p>
-        </p:txBody>
-      </p:sp>
-      <p:sp>
-        <p:nvSpPr>
-          <p:cNvPr id="4" name="Date Placeholder 3"/>
-          <p:cNvSpPr>
-            <a:spLocks noGrp="1"/>
-          </p:cNvSpPr>
-          <p:nvPr>
-            <p:ph type="dt" sz="half" idx="10"/>
-          </p:nvPr>
-        </p:nvSpPr>
-        <p:spPr/>
-        <p:txBody>
-          <a:bodyPr/>
-          <a:lstStyle/>
-          <a:p>
-            <a:fld id="{D4B9611F-6BA5-0048-8392-92F1B38493E7}" type="datetime1">
-              <a:rPr lang="de-CH" smtClean="0"/>
-              <a:t>01.03.21</a:t>
-            </a:fld>
-            <a:endParaRPr lang="en-US"/>
-          </a:p>
-        </p:txBody>
-      </p:sp>
-      <p:sp>
-        <p:nvSpPr>
-          <p:cNvPr id="5" name="Footer Placeholder 4"/>
-          <p:cNvSpPr>
-            <a:spLocks noGrp="1"/>
-          </p:cNvSpPr>
-          <p:nvPr>
-            <p:ph type="ftr" sz="quarter" idx="11"/>
-          </p:nvPr>
-        </p:nvSpPr>
-        <p:spPr/>
-        <p:txBody>
-          <a:bodyPr/>
-          <a:lstStyle/>
-          <a:p>
-            <a:endParaRPr lang="en-US"/>
-          </a:p>
-        </p:txBody>
-      </p:sp>
-      <p:sp>
-        <p:nvSpPr>
-          <p:cNvPr id="6" name="Slide Number Placeholder 5"/>
-          <p:cNvSpPr>
-            <a:spLocks noGrp="1"/>
-          </p:cNvSpPr>
-          <p:nvPr>
-            <p:ph type="sldNum" sz="quarter" idx="12"/>
-          </p:nvPr>
-        </p:nvSpPr>
-        <p:spPr/>
-        <p:txBody>
-          <a:bodyPr/>
-          <a:lstStyle/>
-          <a:p>
-            <a:fld id="{C5EF2332-01BF-834F-8236-50238282D533}" type="slidenum">
-              <a:rPr lang="en-US" smtClean="0"/>
-              <a:t>‹#›</a:t>
-            </a:fld>
-            <a:endParaRPr lang="en-US"/>
-          </a:p>
-        </p:txBody>
-      </p:sp>
-    </p:spTree>
-    <p:extLst>
-      <p:ext uri="{BB962C8B-B14F-4D97-AF65-F5344CB8AC3E}">
-        <p14:creationId xmlns:p14="http://schemas.microsoft.com/office/powerpoint/2010/main" val="338346009"/>
-      </p:ext>
-    </p:extLst>
-  </p:cSld>
-  <p:clrMapOvr>
-    <a:masterClrMapping/>
-  </p:clrMapOvr>
-</p:sldLayout>
-</file>
-
-<file path=ppt/slideLayouts/slideLayout3.xml><?xml version="1.0" encoding="utf-8"?>
-<p:sldLayout xmlns:a="http://schemas.openxmlformats.org/drawingml/2006/main" xmlns:r="http://schemas.openxmlformats.org/officeDocument/2006/relationships" xmlns:p="http://schemas.openxmlformats.org/presentationml/2006/main" preserve="1" userDrawn="1">
-  <p:cSld name="Section Header">
-    <p:spTree>
-      <p:nvGrpSpPr>
-        <p:cNvPr id="1" name=""/>
-        <p:cNvGrpSpPr/>
-        <p:nvPr/>
-      </p:nvGrpSpPr>
-      <p:grpSpPr>
-        <a:xfrm>
-          <a:off x="0" y="0"/>
-          <a:ext cx="0" cy="0"/>
-          <a:chOff x="0" y="0"/>
-          <a:chExt cx="0" cy="0"/>
-        </a:xfrm>
-      </p:grpSpPr>
-      <p:sp>
-        <p:nvSpPr>
-          <p:cNvPr id="7" name="Rechteck 7">
+          <p:cNvPr id="10" name="Slide Number Placeholder 5">
             <a:extLst>
               <a:ext uri="{FF2B5EF4-FFF2-40B4-BE49-F238E27FC236}">
-                <a16:creationId xmlns:a16="http://schemas.microsoft.com/office/drawing/2014/main" id="{535F777B-13D6-4F4E-ADD9-EC8D5662E83F}"/>
-              </a:ext>
-            </a:extLst>
-          </p:cNvPr>
-          <p:cNvSpPr/>
-          <p:nvPr userDrawn="1"/>
-        </p:nvSpPr>
-        <p:spPr>
-          <a:xfrm>
-            <a:off x="-11010" y="-1"/>
-            <a:ext cx="9155010" cy="3924299"/>
-          </a:xfrm>
-          <a:prstGeom prst="rect">
-            <a:avLst/>
-          </a:prstGeom>
-          <a:solidFill>
-            <a:srgbClr val="D4594A"/>
-          </a:solidFill>
-          <a:ln w="9525">
-            <a:noFill/>
-          </a:ln>
-        </p:spPr>
-        <p:style>
-          <a:lnRef idx="2">
-            <a:schemeClr val="accent1">
-              <a:shade val="50000"/>
-            </a:schemeClr>
-          </a:lnRef>
-          <a:fillRef idx="1">
-            <a:schemeClr val="accent1"/>
-          </a:fillRef>
-          <a:effectRef idx="0">
-            <a:schemeClr val="accent1"/>
-          </a:effectRef>
-          <a:fontRef idx="minor">
-            <a:schemeClr val="lt1"/>
-          </a:fontRef>
-        </p:style>
-        <p:txBody>
-          <a:bodyPr rtlCol="0" anchor="ctr"/>
-          <a:lstStyle/>
-          <a:p>
-            <a:pPr algn="ctr"/>
-            <a:endParaRPr lang="de-DE" sz="1400" err="1">
-              <a:solidFill>
-                <a:schemeClr val="tx1"/>
-              </a:solidFill>
-            </a:endParaRPr>
-          </a:p>
-        </p:txBody>
-      </p:sp>
-      <p:sp>
-        <p:nvSpPr>
-          <p:cNvPr id="2" name="Title 1"/>
-          <p:cNvSpPr>
-            <a:spLocks noGrp="1"/>
-          </p:cNvSpPr>
-          <p:nvPr>
-            <p:ph type="title" hasCustomPrompt="1"/>
-          </p:nvPr>
-        </p:nvSpPr>
-        <p:spPr>
-          <a:xfrm>
-            <a:off x="514800" y="1123200"/>
-            <a:ext cx="8102880" cy="1504800"/>
-          </a:xfrm>
-        </p:spPr>
-        <p:txBody>
-          <a:bodyPr anchor="t"/>
-          <a:lstStyle>
-            <a:lvl1pPr algn="ctr">
-              <a:defRPr lang="en-US" sz="5000" b="0" i="0" kern="1200" baseline="0" dirty="0">
-                <a:solidFill>
-                  <a:schemeClr val="bg1"/>
-                </a:solidFill>
-                <a:latin typeface="Impact" panose="020B0806030902050204" pitchFamily="34" charset="0"/>
-                <a:ea typeface="+mj-ea"/>
-                <a:cs typeface="+mj-cs"/>
-              </a:defRPr>
-            </a:lvl1pPr>
-          </a:lstStyle>
-          <a:p>
-            <a:r>
-              <a:rPr lang="en-US" dirty="0"/>
-              <a:t>Click to edit</a:t>
-            </a:r>
-            <a:br>
-              <a:rPr lang="en-US" dirty="0"/>
-            </a:br>
-            <a:r>
-              <a:rPr lang="en-US" dirty="0"/>
-              <a:t>Master title style</a:t>
-            </a:r>
-          </a:p>
-        </p:txBody>
-      </p:sp>
-      <p:sp>
-        <p:nvSpPr>
-          <p:cNvPr id="4" name="Date Placeholder 3"/>
-          <p:cNvSpPr>
-            <a:spLocks noGrp="1"/>
-          </p:cNvSpPr>
-          <p:nvPr>
-            <p:ph type="dt" sz="half" idx="10"/>
-          </p:nvPr>
-        </p:nvSpPr>
-        <p:spPr/>
-        <p:txBody>
-          <a:bodyPr/>
-          <a:lstStyle/>
-          <a:p>
-            <a:fld id="{E48C1A4C-7A2A-7E47-B513-AA9B6E35088F}" type="datetime1">
-              <a:rPr lang="de-CH" smtClean="0"/>
-              <a:t>01.03.21</a:t>
-            </a:fld>
-            <a:endParaRPr lang="en-US"/>
-          </a:p>
-        </p:txBody>
-      </p:sp>
-      <p:sp>
-        <p:nvSpPr>
-          <p:cNvPr id="5" name="Footer Placeholder 4"/>
-          <p:cNvSpPr>
-            <a:spLocks noGrp="1"/>
-          </p:cNvSpPr>
-          <p:nvPr>
-            <p:ph type="ftr" sz="quarter" idx="11"/>
-          </p:nvPr>
-        </p:nvSpPr>
-        <p:spPr/>
-        <p:txBody>
-          <a:bodyPr/>
-          <a:lstStyle/>
-          <a:p>
-            <a:endParaRPr lang="en-US"/>
-          </a:p>
-        </p:txBody>
-      </p:sp>
-      <p:sp>
-        <p:nvSpPr>
-          <p:cNvPr id="6" name="Slide Number Placeholder 5"/>
-          <p:cNvSpPr>
-            <a:spLocks noGrp="1"/>
-          </p:cNvSpPr>
-          <p:nvPr>
-            <p:ph type="sldNum" sz="quarter" idx="12"/>
-          </p:nvPr>
-        </p:nvSpPr>
-        <p:spPr/>
-        <p:txBody>
-          <a:bodyPr/>
-          <a:lstStyle/>
-          <a:p>
-            <a:fld id="{C5EF2332-01BF-834F-8236-50238282D533}" type="slidenum">
-              <a:rPr lang="en-US" smtClean="0"/>
-              <a:t>‹#›</a:t>
-            </a:fld>
-            <a:endParaRPr lang="en-US"/>
-          </a:p>
-        </p:txBody>
-      </p:sp>
-    </p:spTree>
-    <p:extLst>
-      <p:ext uri="{BB962C8B-B14F-4D97-AF65-F5344CB8AC3E}">
-        <p14:creationId xmlns:p14="http://schemas.microsoft.com/office/powerpoint/2010/main" val="1073069076"/>
-      </p:ext>
-    </p:extLst>
-  </p:cSld>
-  <p:clrMapOvr>
-    <a:masterClrMapping/>
-  </p:clrMapOvr>
-</p:sldLayout>
-</file>
-
-<file path=ppt/slideLayouts/slideLayout4.xml><?xml version="1.0" encoding="utf-8"?>
-<p:sldLayout xmlns:a="http://schemas.openxmlformats.org/drawingml/2006/main" xmlns:r="http://schemas.openxmlformats.org/officeDocument/2006/relationships" xmlns:p="http://schemas.openxmlformats.org/presentationml/2006/main" preserve="1" userDrawn="1">
-  <p:cSld name="Two Content">
-    <p:spTree>
-      <p:nvGrpSpPr>
-        <p:cNvPr id="1" name=""/>
-        <p:cNvGrpSpPr/>
-        <p:nvPr/>
-      </p:nvGrpSpPr>
-      <p:grpSpPr>
-        <a:xfrm>
-          <a:off x="0" y="0"/>
-          <a:ext cx="0" cy="0"/>
-          <a:chOff x="0" y="0"/>
-          <a:chExt cx="0" cy="0"/>
-        </a:xfrm>
-      </p:grpSpPr>
-      <p:sp>
-        <p:nvSpPr>
-          <p:cNvPr id="2" name="Title 1"/>
-          <p:cNvSpPr>
-            <a:spLocks noGrp="1"/>
-          </p:cNvSpPr>
-          <p:nvPr>
-            <p:ph type="title"/>
-          </p:nvPr>
-        </p:nvSpPr>
-        <p:spPr>
-          <a:xfrm>
-            <a:off x="266399" y="122400"/>
-            <a:ext cx="7236000" cy="586800"/>
-          </a:xfrm>
-        </p:spPr>
-        <p:txBody>
-          <a:bodyPr/>
-          <a:lstStyle>
-            <a:lvl1pPr marL="0" algn="l" defTabSz="342900" rtl="0" eaLnBrk="1" latinLnBrk="0" hangingPunct="1">
-              <a:lnSpc>
-                <a:spcPct val="90000"/>
-              </a:lnSpc>
-              <a:spcBef>
-                <a:spcPct val="0"/>
-              </a:spcBef>
-              <a:buNone/>
-              <a:defRPr lang="en-US" sz="2100" kern="1200" dirty="0">
-                <a:solidFill>
-                  <a:schemeClr val="tx1"/>
-                </a:solidFill>
-                <a:latin typeface="Nunito" pitchFamily="2" charset="77"/>
-                <a:ea typeface="+mj-ea"/>
-                <a:cs typeface="+mj-cs"/>
-              </a:defRPr>
-            </a:lvl1pPr>
-          </a:lstStyle>
-          <a:p>
-            <a:r>
-              <a:rPr lang="en-US" dirty="0"/>
-              <a:t>Click to edit Master title style</a:t>
-            </a:r>
-          </a:p>
-        </p:txBody>
-      </p:sp>
-      <p:sp>
-        <p:nvSpPr>
-          <p:cNvPr id="5" name="Date Placeholder 4"/>
-          <p:cNvSpPr>
-            <a:spLocks noGrp="1"/>
-          </p:cNvSpPr>
-          <p:nvPr>
-            <p:ph type="dt" sz="half" idx="10"/>
-          </p:nvPr>
-        </p:nvSpPr>
-        <p:spPr/>
-        <p:txBody>
-          <a:bodyPr/>
-          <a:lstStyle/>
-          <a:p>
-            <a:fld id="{8EE1534C-AFA4-894A-A196-C8C5D2CADB83}" type="datetime1">
-              <a:rPr lang="de-CH" smtClean="0"/>
-              <a:t>01.03.21</a:t>
-            </a:fld>
-            <a:endParaRPr lang="en-US"/>
-          </a:p>
-        </p:txBody>
-      </p:sp>
-      <p:sp>
-        <p:nvSpPr>
-          <p:cNvPr id="6" name="Footer Placeholder 5"/>
-          <p:cNvSpPr>
-            <a:spLocks noGrp="1"/>
-          </p:cNvSpPr>
-          <p:nvPr>
-            <p:ph type="ftr" sz="quarter" idx="11"/>
-          </p:nvPr>
-        </p:nvSpPr>
-        <p:spPr/>
-        <p:txBody>
-          <a:bodyPr/>
-          <a:lstStyle/>
-          <a:p>
-            <a:endParaRPr lang="en-US"/>
-          </a:p>
-        </p:txBody>
-      </p:sp>
-      <p:sp>
-        <p:nvSpPr>
-          <p:cNvPr id="7" name="Slide Number Placeholder 6"/>
-          <p:cNvSpPr>
-            <a:spLocks noGrp="1"/>
-          </p:cNvSpPr>
-          <p:nvPr>
-            <p:ph type="sldNum" sz="quarter" idx="12"/>
-          </p:nvPr>
-        </p:nvSpPr>
-        <p:spPr/>
-        <p:txBody>
-          <a:bodyPr/>
-          <a:lstStyle/>
-          <a:p>
-            <a:fld id="{C5EF2332-01BF-834F-8236-50238282D533}" type="slidenum">
-              <a:rPr lang="en-US" smtClean="0"/>
-              <a:t>‹#›</a:t>
-            </a:fld>
-            <a:endParaRPr lang="en-US"/>
-          </a:p>
-        </p:txBody>
-      </p:sp>
-      <p:sp>
-        <p:nvSpPr>
-          <p:cNvPr id="9" name="Content Placeholder 2">
-            <a:extLst>
-              <a:ext uri="{FF2B5EF4-FFF2-40B4-BE49-F238E27FC236}">
-                <a16:creationId xmlns:a16="http://schemas.microsoft.com/office/drawing/2014/main" id="{D74A37B9-68DC-F745-B7BB-D4924B0056EF}"/>
-              </a:ext>
-            </a:extLst>
-          </p:cNvPr>
-          <p:cNvSpPr>
-            <a:spLocks noGrp="1"/>
-          </p:cNvSpPr>
-          <p:nvPr>
-            <p:ph idx="1"/>
-          </p:nvPr>
-        </p:nvSpPr>
-        <p:spPr>
-          <a:xfrm>
-            <a:off x="266400" y="802800"/>
-            <a:ext cx="4305600" cy="3812400"/>
-          </a:xfrm>
-        </p:spPr>
-        <p:txBody>
-          <a:bodyPr/>
-          <a:lstStyle/>
-          <a:p>
-            <a:pPr lvl="0"/>
-            <a:r>
-              <a:rPr lang="en-US" dirty="0"/>
-              <a:t>Click to edit Master text styles</a:t>
-            </a:r>
-          </a:p>
-          <a:p>
-            <a:pPr lvl="1"/>
-            <a:r>
-              <a:rPr lang="en-US" dirty="0"/>
-              <a:t>Second level</a:t>
-            </a:r>
-          </a:p>
-          <a:p>
-            <a:pPr lvl="2"/>
-            <a:r>
-              <a:rPr lang="en-US" dirty="0"/>
-              <a:t>Third level</a:t>
-            </a:r>
-          </a:p>
-          <a:p>
-            <a:pPr lvl="3"/>
-            <a:r>
-              <a:rPr lang="en-US" dirty="0"/>
-              <a:t>Fourth level</a:t>
-            </a:r>
-          </a:p>
-          <a:p>
-            <a:pPr lvl="4"/>
-            <a:r>
-              <a:rPr lang="en-US" dirty="0"/>
-              <a:t>Fifth level</a:t>
-            </a:r>
-          </a:p>
-        </p:txBody>
-      </p:sp>
-      <p:sp>
-        <p:nvSpPr>
-          <p:cNvPr id="10" name="Content Placeholder 2">
-            <a:extLst>
-              <a:ext uri="{FF2B5EF4-FFF2-40B4-BE49-F238E27FC236}">
-                <a16:creationId xmlns:a16="http://schemas.microsoft.com/office/drawing/2014/main" id="{34852ECF-26A4-1949-BABC-B207F9558B0F}"/>
-              </a:ext>
-            </a:extLst>
-          </p:cNvPr>
-          <p:cNvSpPr>
-            <a:spLocks noGrp="1"/>
-          </p:cNvSpPr>
-          <p:nvPr>
-            <p:ph idx="13"/>
-          </p:nvPr>
-        </p:nvSpPr>
-        <p:spPr>
-          <a:xfrm>
-            <a:off x="4651200" y="802800"/>
-            <a:ext cx="4305600" cy="3812400"/>
-          </a:xfrm>
-        </p:spPr>
-        <p:txBody>
-          <a:bodyPr/>
-          <a:lstStyle/>
-          <a:p>
-            <a:pPr lvl="0"/>
-            <a:r>
-              <a:rPr lang="en-US" dirty="0"/>
-              <a:t>Click to edit Master text styles</a:t>
-            </a:r>
-          </a:p>
-          <a:p>
-            <a:pPr lvl="1"/>
-            <a:r>
-              <a:rPr lang="en-US" dirty="0"/>
-              <a:t>Second level</a:t>
-            </a:r>
-          </a:p>
-          <a:p>
-            <a:pPr lvl="2"/>
-            <a:r>
-              <a:rPr lang="en-US" dirty="0"/>
-              <a:t>Third level</a:t>
-            </a:r>
-          </a:p>
-          <a:p>
-            <a:pPr lvl="3"/>
-            <a:r>
-              <a:rPr lang="en-US" dirty="0"/>
-              <a:t>Fourth level</a:t>
-            </a:r>
-          </a:p>
-          <a:p>
-            <a:pPr lvl="4"/>
-            <a:r>
-              <a:rPr lang="en-US" dirty="0"/>
-              <a:t>Fifth level</a:t>
-            </a:r>
-          </a:p>
-        </p:txBody>
-      </p:sp>
-    </p:spTree>
-    <p:extLst>
-      <p:ext uri="{BB962C8B-B14F-4D97-AF65-F5344CB8AC3E}">
-        <p14:creationId xmlns:p14="http://schemas.microsoft.com/office/powerpoint/2010/main" val="2619886245"/>
-      </p:ext>
-    </p:extLst>
-  </p:cSld>
-  <p:clrMapOvr>
-    <a:masterClrMapping/>
-  </p:clrMapOvr>
-</p:sldLayout>
-</file>
-
-<file path=ppt/slideLayouts/slideLayout5.xml><?xml version="1.0" encoding="utf-8"?>
-<p:sldLayout xmlns:a="http://schemas.openxmlformats.org/drawingml/2006/main" xmlns:r="http://schemas.openxmlformats.org/officeDocument/2006/relationships" xmlns:p="http://schemas.openxmlformats.org/presentationml/2006/main" preserve="1" userDrawn="1">
-  <p:cSld name="Comparison">
-    <p:spTree>
-      <p:nvGrpSpPr>
-        <p:cNvPr id="1" name=""/>
-        <p:cNvGrpSpPr/>
-        <p:nvPr/>
-      </p:nvGrpSpPr>
-      <p:grpSpPr>
-        <a:xfrm>
-          <a:off x="0" y="0"/>
-          <a:ext cx="0" cy="0"/>
-          <a:chOff x="0" y="0"/>
-          <a:chExt cx="0" cy="0"/>
-        </a:xfrm>
-      </p:grpSpPr>
-      <p:sp>
-        <p:nvSpPr>
-          <p:cNvPr id="5" name="Text Placeholder 4"/>
-          <p:cNvSpPr>
-            <a:spLocks noGrp="1"/>
-          </p:cNvSpPr>
-          <p:nvPr>
-            <p:ph type="body" sz="quarter" idx="3"/>
-          </p:nvPr>
-        </p:nvSpPr>
-        <p:spPr>
-          <a:xfrm>
-            <a:off x="266399" y="802800"/>
-            <a:ext cx="4305600" cy="479822"/>
-          </a:xfrm>
-        </p:spPr>
-        <p:txBody>
-          <a:bodyPr anchor="b"/>
-          <a:lstStyle>
-            <a:lvl1pPr marL="0" indent="0">
-              <a:buNone/>
-              <a:defRPr sz="1800" b="1"/>
-            </a:lvl1pPr>
-            <a:lvl2pPr marL="342900" indent="0">
-              <a:buNone/>
-              <a:defRPr sz="1500" b="1"/>
-            </a:lvl2pPr>
-            <a:lvl3pPr marL="685800" indent="0">
-              <a:buNone/>
-              <a:defRPr sz="1350" b="1"/>
-            </a:lvl3pPr>
-            <a:lvl4pPr marL="1028700" indent="0">
-              <a:buNone/>
-              <a:defRPr sz="1200" b="1"/>
-            </a:lvl4pPr>
-            <a:lvl5pPr marL="1371600" indent="0">
-              <a:buNone/>
-              <a:defRPr sz="1200" b="1"/>
-            </a:lvl5pPr>
-            <a:lvl6pPr marL="1714500" indent="0">
-              <a:buNone/>
-              <a:defRPr sz="1200" b="1"/>
-            </a:lvl6pPr>
-            <a:lvl7pPr marL="2057400" indent="0">
-              <a:buNone/>
-              <a:defRPr sz="1200" b="1"/>
-            </a:lvl7pPr>
-            <a:lvl8pPr marL="2400300" indent="0">
-              <a:buNone/>
-              <a:defRPr sz="1200" b="1"/>
-            </a:lvl8pPr>
-            <a:lvl9pPr marL="2743200" indent="0">
-              <a:buNone/>
-              <a:defRPr sz="1200" b="1"/>
-            </a:lvl9pPr>
-          </a:lstStyle>
-          <a:p>
-            <a:pPr lvl="0"/>
-            <a:r>
-              <a:rPr lang="en-US" dirty="0"/>
-              <a:t>Click to edit Master text styles</a:t>
-            </a:r>
-          </a:p>
-        </p:txBody>
-      </p:sp>
-      <p:sp>
-        <p:nvSpPr>
-          <p:cNvPr id="7" name="Date Placeholder 6"/>
-          <p:cNvSpPr>
-            <a:spLocks noGrp="1"/>
-          </p:cNvSpPr>
-          <p:nvPr>
-            <p:ph type="dt" sz="half" idx="10"/>
-          </p:nvPr>
-        </p:nvSpPr>
-        <p:spPr/>
-        <p:txBody>
-          <a:bodyPr/>
-          <a:lstStyle/>
-          <a:p>
-            <a:fld id="{CFDBA69C-5834-4942-A499-A18EB51C73D4}" type="datetime1">
-              <a:rPr lang="de-CH" smtClean="0"/>
-              <a:t>01.03.21</a:t>
-            </a:fld>
-            <a:endParaRPr lang="en-US"/>
-          </a:p>
-        </p:txBody>
-      </p:sp>
-      <p:sp>
-        <p:nvSpPr>
-          <p:cNvPr id="8" name="Footer Placeholder 7"/>
-          <p:cNvSpPr>
-            <a:spLocks noGrp="1"/>
-          </p:cNvSpPr>
-          <p:nvPr>
-            <p:ph type="ftr" sz="quarter" idx="11"/>
-          </p:nvPr>
-        </p:nvSpPr>
-        <p:spPr/>
-        <p:txBody>
-          <a:bodyPr/>
-          <a:lstStyle/>
-          <a:p>
-            <a:endParaRPr lang="en-US"/>
-          </a:p>
-        </p:txBody>
-      </p:sp>
-      <p:sp>
-        <p:nvSpPr>
-          <p:cNvPr id="9" name="Slide Number Placeholder 8"/>
-          <p:cNvSpPr>
-            <a:spLocks noGrp="1"/>
-          </p:cNvSpPr>
-          <p:nvPr>
-            <p:ph type="sldNum" sz="quarter" idx="12"/>
-          </p:nvPr>
-        </p:nvSpPr>
-        <p:spPr/>
-        <p:txBody>
-          <a:bodyPr/>
-          <a:lstStyle/>
-          <a:p>
-            <a:fld id="{C5EF2332-01BF-834F-8236-50238282D533}" type="slidenum">
-              <a:rPr lang="en-US" smtClean="0"/>
-              <a:t>‹#›</a:t>
-            </a:fld>
-            <a:endParaRPr lang="en-US"/>
-          </a:p>
-        </p:txBody>
-      </p:sp>
-      <p:sp>
-        <p:nvSpPr>
-          <p:cNvPr id="10" name="Title 1">
-            <a:extLst>
-              <a:ext uri="{FF2B5EF4-FFF2-40B4-BE49-F238E27FC236}">
-                <a16:creationId xmlns:a16="http://schemas.microsoft.com/office/drawing/2014/main" id="{04F9BDDC-57CB-8245-A337-3D0ECA18A32E}"/>
+                <a16:creationId xmlns:a16="http://schemas.microsoft.com/office/drawing/2014/main" id="{CFA1A92E-55DA-984F-BE2D-F3E61693B60E}"/>
               </a:ext>
             </a:extLst>
           </p:cNvPr>
@@ -1767,50 +731,162 @@
         </p:nvSpPr>
         <p:spPr>
           <a:xfrm>
-            <a:off x="266399" y="122400"/>
-            <a:ext cx="7236000" cy="586800"/>
+            <a:off x="340913" y="300458"/>
+            <a:ext cx="434340" cy="324446"/>
           </a:xfrm>
           <a:prstGeom prst="rect">
             <a:avLst/>
           </a:prstGeom>
         </p:spPr>
         <p:txBody>
-          <a:bodyPr vert="horz" lIns="90000" tIns="45720" rIns="91440" bIns="45720" rtlCol="0" anchor="ctr">
-            <a:noAutofit/>
-          </a:bodyPr>
+          <a:bodyPr vert="horz" lIns="68580" tIns="34290" rIns="68580" bIns="34290" rtlCol="0" anchor="ctr"/>
           <a:lstStyle>
-            <a:lvl1pPr marL="0" algn="l" defTabSz="342900" rtl="0" eaLnBrk="1" latinLnBrk="0" hangingPunct="1">
-              <a:lnSpc>
-                <a:spcPct val="90000"/>
-              </a:lnSpc>
-              <a:spcBef>
-                <a:spcPct val="0"/>
-              </a:spcBef>
-              <a:buNone/>
-              <a:defRPr lang="en-US" sz="2100" kern="1200" dirty="0">
-                <a:solidFill>
-                  <a:schemeClr val="tx1"/>
-                </a:solidFill>
-                <a:latin typeface="Nunito" pitchFamily="2" charset="77"/>
-                <a:ea typeface="+mj-ea"/>
-                <a:cs typeface="+mj-cs"/>
+            <a:defPPr>
+              <a:defRPr lang="en-US"/>
+            </a:defPPr>
+            <a:lvl1pPr marL="0" algn="r" defTabSz="457200" rtl="0" eaLnBrk="1" latinLnBrk="0" hangingPunct="1">
+              <a:defRPr sz="2000" b="1" i="0" kern="1200">
+                <a:solidFill>
+                  <a:srgbClr val="9601FF"/>
+                </a:solidFill>
+                <a:latin typeface="Montserrat" pitchFamily="2" charset="77"/>
+                <a:ea typeface="+mn-ea"/>
+                <a:cs typeface="+mn-cs"/>
               </a:defRPr>
             </a:lvl1pPr>
+            <a:lvl2pPr marL="457200" algn="l" defTabSz="457200" rtl="0" eaLnBrk="1" latinLnBrk="0" hangingPunct="1">
+              <a:defRPr sz="1800" kern="1200">
+                <a:solidFill>
+                  <a:schemeClr val="tx1"/>
+                </a:solidFill>
+                <a:latin typeface="+mn-lt"/>
+                <a:ea typeface="+mn-ea"/>
+                <a:cs typeface="+mn-cs"/>
+              </a:defRPr>
+            </a:lvl2pPr>
+            <a:lvl3pPr marL="914400" algn="l" defTabSz="457200" rtl="0" eaLnBrk="1" latinLnBrk="0" hangingPunct="1">
+              <a:defRPr sz="1800" kern="1200">
+                <a:solidFill>
+                  <a:schemeClr val="tx1"/>
+                </a:solidFill>
+                <a:latin typeface="+mn-lt"/>
+                <a:ea typeface="+mn-ea"/>
+                <a:cs typeface="+mn-cs"/>
+              </a:defRPr>
+            </a:lvl3pPr>
+            <a:lvl4pPr marL="1371600" algn="l" defTabSz="457200" rtl="0" eaLnBrk="1" latinLnBrk="0" hangingPunct="1">
+              <a:defRPr sz="1800" kern="1200">
+                <a:solidFill>
+                  <a:schemeClr val="tx1"/>
+                </a:solidFill>
+                <a:latin typeface="+mn-lt"/>
+                <a:ea typeface="+mn-ea"/>
+                <a:cs typeface="+mn-cs"/>
+              </a:defRPr>
+            </a:lvl4pPr>
+            <a:lvl5pPr marL="1828800" algn="l" defTabSz="457200" rtl="0" eaLnBrk="1" latinLnBrk="0" hangingPunct="1">
+              <a:defRPr sz="1800" kern="1200">
+                <a:solidFill>
+                  <a:schemeClr val="tx1"/>
+                </a:solidFill>
+                <a:latin typeface="+mn-lt"/>
+                <a:ea typeface="+mn-ea"/>
+                <a:cs typeface="+mn-cs"/>
+              </a:defRPr>
+            </a:lvl5pPr>
+            <a:lvl6pPr marL="2286000" algn="l" defTabSz="457200" rtl="0" eaLnBrk="1" latinLnBrk="0" hangingPunct="1">
+              <a:defRPr sz="1800" kern="1200">
+                <a:solidFill>
+                  <a:schemeClr val="tx1"/>
+                </a:solidFill>
+                <a:latin typeface="+mn-lt"/>
+                <a:ea typeface="+mn-ea"/>
+                <a:cs typeface="+mn-cs"/>
+              </a:defRPr>
+            </a:lvl6pPr>
+            <a:lvl7pPr marL="2743200" algn="l" defTabSz="457200" rtl="0" eaLnBrk="1" latinLnBrk="0" hangingPunct="1">
+              <a:defRPr sz="1800" kern="1200">
+                <a:solidFill>
+                  <a:schemeClr val="tx1"/>
+                </a:solidFill>
+                <a:latin typeface="+mn-lt"/>
+                <a:ea typeface="+mn-ea"/>
+                <a:cs typeface="+mn-cs"/>
+              </a:defRPr>
+            </a:lvl7pPr>
+            <a:lvl8pPr marL="3200400" algn="l" defTabSz="457200" rtl="0" eaLnBrk="1" latinLnBrk="0" hangingPunct="1">
+              <a:defRPr sz="1800" kern="1200">
+                <a:solidFill>
+                  <a:schemeClr val="tx1"/>
+                </a:solidFill>
+                <a:latin typeface="+mn-lt"/>
+                <a:ea typeface="+mn-ea"/>
+                <a:cs typeface="+mn-cs"/>
+              </a:defRPr>
+            </a:lvl8pPr>
+            <a:lvl9pPr marL="3657600" algn="l" defTabSz="457200" rtl="0" eaLnBrk="1" latinLnBrk="0" hangingPunct="1">
+              <a:defRPr sz="1800" kern="1200">
+                <a:solidFill>
+                  <a:schemeClr val="tx1"/>
+                </a:solidFill>
+                <a:latin typeface="+mn-lt"/>
+                <a:ea typeface="+mn-ea"/>
+                <a:cs typeface="+mn-cs"/>
+              </a:defRPr>
+            </a:lvl9pPr>
           </a:lstStyle>
           <a:p>
-            <a:r>
-              <a:rPr lang="en-US" dirty="0"/>
-              <a:t>Click to edit Master title style</a:t>
-            </a:r>
+            <a:fld id="{C5EF2332-01BF-834F-8236-50238282D533}" type="slidenum">
+              <a:rPr lang="en-US" sz="1500" smtClean="0"/>
+              <a:pPr/>
+              <a:t>‹#›</a:t>
+            </a:fld>
+            <a:endParaRPr lang="en-US" sz="1500" dirty="0"/>
           </a:p>
         </p:txBody>
       </p:sp>
+      <p:pic>
+        <p:nvPicPr>
+          <p:cNvPr id="8" name="Grafik 6">
+            <a:extLst>
+              <a:ext uri="{FF2B5EF4-FFF2-40B4-BE49-F238E27FC236}">
+                <a16:creationId xmlns:a16="http://schemas.microsoft.com/office/drawing/2014/main" id="{F8E5872B-2404-0342-BAF5-43E5E46449F4}"/>
+              </a:ext>
+            </a:extLst>
+          </p:cNvPr>
+          <p:cNvPicPr>
+            <a:picLocks noChangeAspect="1"/>
+          </p:cNvPicPr>
+          <p:nvPr userDrawn="1"/>
+        </p:nvPicPr>
+        <p:blipFill>
+          <a:blip r:embed="rId2">
+            <a:extLst>
+              <a:ext uri="{28A0092B-C50C-407E-A947-70E740481C1C}">
+                <a14:useLocalDpi xmlns:a14="http://schemas.microsoft.com/office/drawing/2010/main" val="0"/>
+              </a:ext>
+            </a:extLst>
+          </a:blip>
+          <a:stretch>
+            <a:fillRect/>
+          </a:stretch>
+        </p:blipFill>
+        <p:spPr>
+          <a:xfrm>
+            <a:off x="7835641" y="4626159"/>
+            <a:ext cx="851159" cy="282209"/>
+          </a:xfrm>
+          <a:prstGeom prst="rect">
+            <a:avLst/>
+          </a:prstGeom>
+        </p:spPr>
+      </p:pic>
       <p:sp>
         <p:nvSpPr>
-          <p:cNvPr id="12" name="Content Placeholder 2">
+          <p:cNvPr id="15" name="Text Placeholder 2">
             <a:extLst>
               <a:ext uri="{FF2B5EF4-FFF2-40B4-BE49-F238E27FC236}">
-                <a16:creationId xmlns:a16="http://schemas.microsoft.com/office/drawing/2014/main" id="{89CBB085-DC1E-3349-B1FD-D66DF173BEEC}"/>
+                <a16:creationId xmlns:a16="http://schemas.microsoft.com/office/drawing/2014/main" id="{656292C4-9380-9049-B4D6-907F6789EB60}"/>
               </a:ext>
             </a:extLst>
           </p:cNvPr>
@@ -1818,61 +894,79 @@
             <a:spLocks noGrp="1"/>
           </p:cNvSpPr>
           <p:nvPr>
-            <p:ph idx="1"/>
+            <p:ph type="body" idx="10"/>
           </p:nvPr>
         </p:nvSpPr>
         <p:spPr>
           <a:xfrm>
-            <a:off x="266400" y="1282622"/>
-            <a:ext cx="4305600" cy="3332578"/>
+            <a:off x="4676294" y="1320299"/>
+            <a:ext cx="4184374" cy="479822"/>
           </a:xfrm>
         </p:spPr>
         <p:txBody>
-          <a:bodyPr/>
-          <a:lstStyle/>
+          <a:bodyPr anchor="b">
+            <a:normAutofit/>
+          </a:bodyPr>
+          <a:lstStyle>
+            <a:lvl1pPr marL="0" indent="0">
+              <a:buNone/>
+              <a:defRPr lang="en-US" sz="1350" b="0" kern="1200" baseline="0" dirty="0" smtClean="0">
+                <a:solidFill>
+                  <a:srgbClr val="1E2846"/>
+                </a:solidFill>
+                <a:latin typeface="Open Sans Light" panose="020B0306030504020204" pitchFamily="34" charset="0"/>
+                <a:ea typeface="Open Sans Light" panose="020B0306030504020204" pitchFamily="34" charset="0"/>
+                <a:cs typeface="Open Sans Light" panose="020B0306030504020204" pitchFamily="34" charset="0"/>
+              </a:defRPr>
+            </a:lvl1pPr>
+            <a:lvl2pPr marL="342900" indent="0">
+              <a:buNone/>
+              <a:defRPr sz="1500" b="1"/>
+            </a:lvl2pPr>
+            <a:lvl3pPr marL="685800" indent="0">
+              <a:buNone/>
+              <a:defRPr sz="1350" b="1"/>
+            </a:lvl3pPr>
+            <a:lvl4pPr marL="1028700" indent="0">
+              <a:buNone/>
+              <a:defRPr sz="1200" b="1"/>
+            </a:lvl4pPr>
+            <a:lvl5pPr marL="1371600" indent="0">
+              <a:buNone/>
+              <a:defRPr sz="1200" b="1"/>
+            </a:lvl5pPr>
+            <a:lvl6pPr marL="1714500" indent="0">
+              <a:buNone/>
+              <a:defRPr sz="1200" b="1"/>
+            </a:lvl6pPr>
+            <a:lvl7pPr marL="2057400" indent="0">
+              <a:buNone/>
+              <a:defRPr sz="1200" b="1"/>
+            </a:lvl7pPr>
+            <a:lvl8pPr marL="2400300" indent="0">
+              <a:buNone/>
+              <a:defRPr sz="1200" b="1"/>
+            </a:lvl8pPr>
+            <a:lvl9pPr marL="2743200" indent="0">
+              <a:buNone/>
+              <a:defRPr sz="1200" b="1"/>
+            </a:lvl9pPr>
+          </a:lstStyle>
           <a:p>
             <a:pPr lvl="0"/>
             <a:r>
-              <a:rPr lang="en-US" dirty="0"/>
+              <a:rPr lang="en-GB"/>
               <a:t>Click to edit Master text styles</a:t>
-            </a:r>
-          </a:p>
-          <a:p>
-            <a:pPr lvl="1"/>
-            <a:r>
-              <a:rPr lang="en-US" dirty="0"/>
-              <a:t>Second level</a:t>
-            </a:r>
-          </a:p>
-          <a:p>
-            <a:pPr lvl="2"/>
-            <a:r>
-              <a:rPr lang="en-US" dirty="0"/>
-              <a:t>Third level</a:t>
-            </a:r>
-          </a:p>
-          <a:p>
-            <a:pPr lvl="3"/>
-            <a:r>
-              <a:rPr lang="en-US" dirty="0"/>
-              <a:t>Fourth level</a:t>
-            </a:r>
-          </a:p>
-          <a:p>
-            <a:pPr lvl="4"/>
-            <a:r>
-              <a:rPr lang="en-US" dirty="0"/>
-              <a:t>Fifth level</a:t>
             </a:r>
           </a:p>
         </p:txBody>
       </p:sp>
       <p:sp>
         <p:nvSpPr>
-          <p:cNvPr id="13" name="Content Placeholder 2">
+          <p:cNvPr id="16" name="Content Placeholder 3">
             <a:extLst>
               <a:ext uri="{FF2B5EF4-FFF2-40B4-BE49-F238E27FC236}">
-                <a16:creationId xmlns:a16="http://schemas.microsoft.com/office/drawing/2014/main" id="{D44310CD-9E42-AD46-809F-21852B752EC0}"/>
+                <a16:creationId xmlns:a16="http://schemas.microsoft.com/office/drawing/2014/main" id="{EE52F01A-A35A-5B41-BBED-CBD299EC240B}"/>
               </a:ext>
             </a:extLst>
           </p:cNvPr>
@@ -1880,123 +974,163 @@
             <a:spLocks noGrp="1"/>
           </p:cNvSpPr>
           <p:nvPr>
-            <p:ph idx="13"/>
+            <p:ph sz="half" idx="11"/>
           </p:nvPr>
         </p:nvSpPr>
         <p:spPr>
           <a:xfrm>
-            <a:off x="4654799" y="1292498"/>
-            <a:ext cx="4305600" cy="3332578"/>
+            <a:off x="4676294" y="1800121"/>
+            <a:ext cx="4184373" cy="3042920"/>
           </a:xfrm>
         </p:spPr>
         <p:txBody>
-          <a:bodyPr/>
-          <a:lstStyle/>
-          <a:p>
-            <a:pPr lvl="0"/>
-            <a:r>
-              <a:rPr lang="en-US" dirty="0"/>
-              <a:t>Click to edit Master text styles</a:t>
-            </a:r>
-          </a:p>
-          <a:p>
-            <a:pPr lvl="1"/>
-            <a:r>
-              <a:rPr lang="en-US" dirty="0"/>
-              <a:t>Second level</a:t>
-            </a:r>
-          </a:p>
-          <a:p>
-            <a:pPr lvl="2"/>
-            <a:r>
-              <a:rPr lang="en-US" dirty="0"/>
-              <a:t>Third level</a:t>
-            </a:r>
-          </a:p>
-          <a:p>
-            <a:pPr lvl="3"/>
-            <a:r>
-              <a:rPr lang="en-US" dirty="0"/>
-              <a:t>Fourth level</a:t>
-            </a:r>
-          </a:p>
-          <a:p>
-            <a:pPr lvl="4"/>
-            <a:r>
-              <a:rPr lang="en-US" dirty="0"/>
-              <a:t>Fifth level</a:t>
-            </a:r>
-          </a:p>
-        </p:txBody>
-      </p:sp>
-      <p:sp>
-        <p:nvSpPr>
-          <p:cNvPr id="14" name="Text Placeholder 4">
-            <a:extLst>
-              <a:ext uri="{FF2B5EF4-FFF2-40B4-BE49-F238E27FC236}">
-                <a16:creationId xmlns:a16="http://schemas.microsoft.com/office/drawing/2014/main" id="{56C37D9D-01FC-054B-9CC4-869EC0E633E2}"/>
-              </a:ext>
-            </a:extLst>
-          </p:cNvPr>
-          <p:cNvSpPr>
-            <a:spLocks noGrp="1"/>
-          </p:cNvSpPr>
-          <p:nvPr>
-            <p:ph type="body" sz="quarter" idx="14"/>
-          </p:nvPr>
-        </p:nvSpPr>
-        <p:spPr>
-          <a:xfrm>
-            <a:off x="4654799" y="787111"/>
-            <a:ext cx="4305600" cy="479822"/>
-          </a:xfrm>
-        </p:spPr>
-        <p:txBody>
-          <a:bodyPr anchor="b"/>
+          <a:bodyPr>
+            <a:normAutofit/>
+          </a:bodyPr>
           <a:lstStyle>
-            <a:lvl1pPr marL="0" indent="0">
-              <a:buNone/>
-              <a:defRPr sz="1800" b="1"/>
+            <a:lvl1pPr indent="-171450" algn="l" defTabSz="685800" rtl="0" eaLnBrk="1" latinLnBrk="0" hangingPunct="1">
+              <a:lnSpc>
+                <a:spcPct val="90000"/>
+              </a:lnSpc>
+              <a:spcBef>
+                <a:spcPct val="20000"/>
+              </a:spcBef>
+              <a:buClr>
+                <a:srgbClr val="9600FF"/>
+              </a:buClr>
+              <a:defRPr lang="en-US" sz="1350" b="0" kern="1200" baseline="0" dirty="0" smtClean="0">
+                <a:solidFill>
+                  <a:srgbClr val="1E2846"/>
+                </a:solidFill>
+                <a:latin typeface="Open Sans Light" panose="020B0306030504020204" pitchFamily="34" charset="0"/>
+                <a:ea typeface="Open Sans Light" panose="020B0306030504020204" pitchFamily="34" charset="0"/>
+                <a:cs typeface="Open Sans Light" panose="020B0306030504020204" pitchFamily="34" charset="0"/>
+              </a:defRPr>
             </a:lvl1pPr>
-            <a:lvl2pPr marL="342900" indent="0">
-              <a:buNone/>
-              <a:defRPr sz="1500" b="1"/>
+            <a:lvl2pPr indent="-171450" algn="l" defTabSz="685800" rtl="0" eaLnBrk="1" latinLnBrk="0" hangingPunct="1">
+              <a:lnSpc>
+                <a:spcPct val="90000"/>
+              </a:lnSpc>
+              <a:spcBef>
+                <a:spcPct val="20000"/>
+              </a:spcBef>
+              <a:buClr>
+                <a:srgbClr val="9600FF"/>
+              </a:buClr>
+              <a:defRPr lang="en-US" sz="1350" b="0" kern="1200" baseline="0" dirty="0" smtClean="0">
+                <a:solidFill>
+                  <a:srgbClr val="1E2846"/>
+                </a:solidFill>
+                <a:latin typeface="Open Sans Light" panose="020B0306030504020204" pitchFamily="34" charset="0"/>
+                <a:ea typeface="Open Sans Light" panose="020B0306030504020204" pitchFamily="34" charset="0"/>
+                <a:cs typeface="Open Sans Light" panose="020B0306030504020204" pitchFamily="34" charset="0"/>
+              </a:defRPr>
             </a:lvl2pPr>
-            <a:lvl3pPr marL="685800" indent="0">
-              <a:buNone/>
-              <a:defRPr sz="1350" b="1"/>
+            <a:lvl3pPr indent="-171450" algn="l" defTabSz="685800" rtl="0" eaLnBrk="1" latinLnBrk="0" hangingPunct="1">
+              <a:lnSpc>
+                <a:spcPct val="90000"/>
+              </a:lnSpc>
+              <a:spcBef>
+                <a:spcPct val="20000"/>
+              </a:spcBef>
+              <a:buClr>
+                <a:srgbClr val="9600FF"/>
+              </a:buClr>
+              <a:defRPr lang="en-US" sz="1350" b="0" kern="1200" baseline="0" dirty="0" smtClean="0">
+                <a:solidFill>
+                  <a:srgbClr val="1E2846"/>
+                </a:solidFill>
+                <a:latin typeface="Open Sans Light" panose="020B0306030504020204" pitchFamily="34" charset="0"/>
+                <a:ea typeface="Open Sans Light" panose="020B0306030504020204" pitchFamily="34" charset="0"/>
+                <a:cs typeface="Open Sans Light" panose="020B0306030504020204" pitchFamily="34" charset="0"/>
+              </a:defRPr>
             </a:lvl3pPr>
-            <a:lvl4pPr marL="1028700" indent="0">
-              <a:buNone/>
-              <a:defRPr sz="1200" b="1"/>
+            <a:lvl4pPr indent="-171450" algn="l" defTabSz="685800" rtl="0" eaLnBrk="1" latinLnBrk="0" hangingPunct="1">
+              <a:lnSpc>
+                <a:spcPct val="90000"/>
+              </a:lnSpc>
+              <a:spcBef>
+                <a:spcPct val="20000"/>
+              </a:spcBef>
+              <a:buClr>
+                <a:srgbClr val="9600FF"/>
+              </a:buClr>
+              <a:defRPr lang="en-US" sz="1350" b="0" kern="1200" baseline="0" dirty="0" smtClean="0">
+                <a:solidFill>
+                  <a:srgbClr val="1E2846"/>
+                </a:solidFill>
+                <a:latin typeface="Open Sans Light" panose="020B0306030504020204" pitchFamily="34" charset="0"/>
+                <a:ea typeface="Open Sans Light" panose="020B0306030504020204" pitchFamily="34" charset="0"/>
+                <a:cs typeface="Open Sans Light" panose="020B0306030504020204" pitchFamily="34" charset="0"/>
+              </a:defRPr>
             </a:lvl4pPr>
-            <a:lvl5pPr marL="1371600" indent="0">
-              <a:buNone/>
-              <a:defRPr sz="1200" b="1"/>
+            <a:lvl5pPr indent="-171450" algn="l" defTabSz="685800" rtl="0" eaLnBrk="1" latinLnBrk="0" hangingPunct="1">
+              <a:lnSpc>
+                <a:spcPct val="90000"/>
+              </a:lnSpc>
+              <a:spcBef>
+                <a:spcPct val="20000"/>
+              </a:spcBef>
+              <a:buClr>
+                <a:srgbClr val="9600FF"/>
+              </a:buClr>
+              <a:defRPr lang="en-US" sz="1350" b="0" kern="1200" baseline="0" dirty="0">
+                <a:solidFill>
+                  <a:srgbClr val="1E2846"/>
+                </a:solidFill>
+                <a:latin typeface="Open Sans Light" panose="020B0306030504020204" pitchFamily="34" charset="0"/>
+                <a:ea typeface="Open Sans Light" panose="020B0306030504020204" pitchFamily="34" charset="0"/>
+                <a:cs typeface="Open Sans Light" panose="020B0306030504020204" pitchFamily="34" charset="0"/>
+              </a:defRPr>
             </a:lvl5pPr>
-            <a:lvl6pPr marL="1714500" indent="0">
-              <a:buNone/>
-              <a:defRPr sz="1200" b="1"/>
+            <a:lvl6pPr>
+              <a:defRPr sz="1200"/>
             </a:lvl6pPr>
-            <a:lvl7pPr marL="2057400" indent="0">
-              <a:buNone/>
-              <a:defRPr sz="1200" b="1"/>
+            <a:lvl7pPr>
+              <a:defRPr sz="1200"/>
             </a:lvl7pPr>
-            <a:lvl8pPr marL="2400300" indent="0">
-              <a:buNone/>
-              <a:defRPr sz="1200" b="1"/>
+            <a:lvl8pPr>
+              <a:defRPr sz="1200"/>
             </a:lvl8pPr>
-            <a:lvl9pPr marL="2743200" indent="0">
-              <a:buNone/>
-              <a:defRPr sz="1200" b="1"/>
+            <a:lvl9pPr>
+              <a:defRPr sz="1200"/>
             </a:lvl9pPr>
           </a:lstStyle>
           <a:p>
             <a:pPr lvl="0"/>
             <a:r>
-              <a:rPr lang="en-US" dirty="0"/>
+              <a:rPr lang="en-GB"/>
               <a:t>Click to edit Master text styles</a:t>
             </a:r>
+          </a:p>
+          <a:p>
+            <a:pPr lvl="1"/>
+            <a:r>
+              <a:rPr lang="en-GB"/>
+              <a:t>Second level</a:t>
+            </a:r>
+          </a:p>
+          <a:p>
+            <a:pPr lvl="2"/>
+            <a:r>
+              <a:rPr lang="en-GB"/>
+              <a:t>Third level</a:t>
+            </a:r>
+          </a:p>
+          <a:p>
+            <a:pPr lvl="3"/>
+            <a:r>
+              <a:rPr lang="en-GB"/>
+              <a:t>Fourth level</a:t>
+            </a:r>
+          </a:p>
+          <a:p>
+            <a:pPr lvl="4"/>
+            <a:r>
+              <a:rPr lang="en-GB"/>
+              <a:t>Fifth level</a:t>
+            </a:r>
+            <a:endParaRPr lang="en-US" dirty="0"/>
           </a:p>
         </p:txBody>
       </p:sp>
@@ -2013,7 +1147,7 @@
 </p:sldLayout>
 </file>
 
-<file path=ppt/slideLayouts/slideLayout6.xml><?xml version="1.0" encoding="utf-8"?>
+<file path=ppt/slideLayouts/slideLayout11.xml><?xml version="1.0" encoding="utf-8"?>
 <p:sldLayout xmlns:a="http://schemas.openxmlformats.org/drawingml/2006/main" xmlns:r="http://schemas.openxmlformats.org/officeDocument/2006/relationships" xmlns:p="http://schemas.openxmlformats.org/presentationml/2006/main" type="titleOnly" preserve="1">
   <p:cSld name="Title Only">
     <p:spTree>
@@ -2043,77 +1177,147 @@
         <p:spPr/>
         <p:txBody>
           <a:bodyPr/>
-          <a:lstStyle/>
-          <a:p>
-            <a:r>
-              <a:rPr lang="en-US"/>
+          <a:lstStyle>
+            <a:lvl1pPr algn="l">
+              <a:defRPr/>
+            </a:lvl1pPr>
+          </a:lstStyle>
+          <a:p>
+            <a:r>
+              <a:rPr lang="en-GB"/>
               <a:t>Click to edit Master title style</a:t>
             </a:r>
+            <a:endParaRPr lang="en-US" dirty="0"/>
           </a:p>
         </p:txBody>
       </p:sp>
       <p:sp>
         <p:nvSpPr>
-          <p:cNvPr id="3" name="Date Placeholder 2"/>
-          <p:cNvSpPr>
-            <a:spLocks noGrp="1"/>
+          <p:cNvPr id="5" name="Slide Number Placeholder 5">
+            <a:extLst>
+              <a:ext uri="{FF2B5EF4-FFF2-40B4-BE49-F238E27FC236}">
+                <a16:creationId xmlns:a16="http://schemas.microsoft.com/office/drawing/2014/main" id="{B463754E-0D2F-9840-A8F3-2C3807B1AF82}"/>
+              </a:ext>
+            </a:extLst>
+          </p:cNvPr>
+          <p:cNvSpPr txBox="1">
+            <a:spLocks/>
           </p:cNvSpPr>
-          <p:nvPr>
-            <p:ph type="dt" sz="half" idx="10"/>
-          </p:nvPr>
+          <p:nvPr userDrawn="1"/>
         </p:nvSpPr>
-        <p:spPr/>
+        <p:spPr>
+          <a:xfrm>
+            <a:off x="340913" y="300458"/>
+            <a:ext cx="434340" cy="324446"/>
+          </a:xfrm>
+          <a:prstGeom prst="rect">
+            <a:avLst/>
+          </a:prstGeom>
+        </p:spPr>
         <p:txBody>
-          <a:bodyPr/>
-          <a:lstStyle/>
-          <a:p>
-            <a:fld id="{3AE092CF-8504-474B-A72C-41725B2DF3AA}" type="datetime1">
-              <a:rPr lang="de-CH" smtClean="0"/>
-              <a:t>01.03.21</a:t>
-            </a:fld>
-            <a:endParaRPr lang="en-US"/>
-          </a:p>
-        </p:txBody>
-      </p:sp>
-      <p:sp>
-        <p:nvSpPr>
-          <p:cNvPr id="4" name="Footer Placeholder 3"/>
-          <p:cNvSpPr>
-            <a:spLocks noGrp="1"/>
-          </p:cNvSpPr>
-          <p:nvPr>
-            <p:ph type="ftr" sz="quarter" idx="11"/>
-          </p:nvPr>
-        </p:nvSpPr>
-        <p:spPr/>
-        <p:txBody>
-          <a:bodyPr/>
-          <a:lstStyle/>
-          <a:p>
-            <a:endParaRPr lang="en-US"/>
-          </a:p>
-        </p:txBody>
-      </p:sp>
-      <p:sp>
-        <p:nvSpPr>
-          <p:cNvPr id="5" name="Slide Number Placeholder 4"/>
-          <p:cNvSpPr>
-            <a:spLocks noGrp="1"/>
-          </p:cNvSpPr>
-          <p:nvPr>
-            <p:ph type="sldNum" sz="quarter" idx="12"/>
-          </p:nvPr>
-        </p:nvSpPr>
-        <p:spPr/>
-        <p:txBody>
-          <a:bodyPr/>
-          <a:lstStyle/>
+          <a:bodyPr vert="horz" lIns="68580" tIns="34290" rIns="68580" bIns="34290" rtlCol="0" anchor="ctr"/>
+          <a:lstStyle>
+            <a:defPPr>
+              <a:defRPr lang="en-US"/>
+            </a:defPPr>
+            <a:lvl1pPr marL="0" algn="r" defTabSz="457200" rtl="0" eaLnBrk="1" latinLnBrk="0" hangingPunct="1">
+              <a:defRPr sz="2000" b="1" i="0" kern="1200">
+                <a:solidFill>
+                  <a:srgbClr val="9601FF"/>
+                </a:solidFill>
+                <a:latin typeface="Montserrat" pitchFamily="2" charset="77"/>
+                <a:ea typeface="+mn-ea"/>
+                <a:cs typeface="+mn-cs"/>
+              </a:defRPr>
+            </a:lvl1pPr>
+            <a:lvl2pPr marL="457200" algn="l" defTabSz="457200" rtl="0" eaLnBrk="1" latinLnBrk="0" hangingPunct="1">
+              <a:defRPr sz="1800" kern="1200">
+                <a:solidFill>
+                  <a:schemeClr val="tx1"/>
+                </a:solidFill>
+                <a:latin typeface="+mn-lt"/>
+                <a:ea typeface="+mn-ea"/>
+                <a:cs typeface="+mn-cs"/>
+              </a:defRPr>
+            </a:lvl2pPr>
+            <a:lvl3pPr marL="914400" algn="l" defTabSz="457200" rtl="0" eaLnBrk="1" latinLnBrk="0" hangingPunct="1">
+              <a:defRPr sz="1800" kern="1200">
+                <a:solidFill>
+                  <a:schemeClr val="tx1"/>
+                </a:solidFill>
+                <a:latin typeface="+mn-lt"/>
+                <a:ea typeface="+mn-ea"/>
+                <a:cs typeface="+mn-cs"/>
+              </a:defRPr>
+            </a:lvl3pPr>
+            <a:lvl4pPr marL="1371600" algn="l" defTabSz="457200" rtl="0" eaLnBrk="1" latinLnBrk="0" hangingPunct="1">
+              <a:defRPr sz="1800" kern="1200">
+                <a:solidFill>
+                  <a:schemeClr val="tx1"/>
+                </a:solidFill>
+                <a:latin typeface="+mn-lt"/>
+                <a:ea typeface="+mn-ea"/>
+                <a:cs typeface="+mn-cs"/>
+              </a:defRPr>
+            </a:lvl4pPr>
+            <a:lvl5pPr marL="1828800" algn="l" defTabSz="457200" rtl="0" eaLnBrk="1" latinLnBrk="0" hangingPunct="1">
+              <a:defRPr sz="1800" kern="1200">
+                <a:solidFill>
+                  <a:schemeClr val="tx1"/>
+                </a:solidFill>
+                <a:latin typeface="+mn-lt"/>
+                <a:ea typeface="+mn-ea"/>
+                <a:cs typeface="+mn-cs"/>
+              </a:defRPr>
+            </a:lvl5pPr>
+            <a:lvl6pPr marL="2286000" algn="l" defTabSz="457200" rtl="0" eaLnBrk="1" latinLnBrk="0" hangingPunct="1">
+              <a:defRPr sz="1800" kern="1200">
+                <a:solidFill>
+                  <a:schemeClr val="tx1"/>
+                </a:solidFill>
+                <a:latin typeface="+mn-lt"/>
+                <a:ea typeface="+mn-ea"/>
+                <a:cs typeface="+mn-cs"/>
+              </a:defRPr>
+            </a:lvl6pPr>
+            <a:lvl7pPr marL="2743200" algn="l" defTabSz="457200" rtl="0" eaLnBrk="1" latinLnBrk="0" hangingPunct="1">
+              <a:defRPr sz="1800" kern="1200">
+                <a:solidFill>
+                  <a:schemeClr val="tx1"/>
+                </a:solidFill>
+                <a:latin typeface="+mn-lt"/>
+                <a:ea typeface="+mn-ea"/>
+                <a:cs typeface="+mn-cs"/>
+              </a:defRPr>
+            </a:lvl7pPr>
+            <a:lvl8pPr marL="3200400" algn="l" defTabSz="457200" rtl="0" eaLnBrk="1" latinLnBrk="0" hangingPunct="1">
+              <a:defRPr sz="1800" kern="1200">
+                <a:solidFill>
+                  <a:schemeClr val="tx1"/>
+                </a:solidFill>
+                <a:latin typeface="+mn-lt"/>
+                <a:ea typeface="+mn-ea"/>
+                <a:cs typeface="+mn-cs"/>
+              </a:defRPr>
+            </a:lvl8pPr>
+            <a:lvl9pPr marL="3657600" algn="l" defTabSz="457200" rtl="0" eaLnBrk="1" latinLnBrk="0" hangingPunct="1">
+              <a:defRPr sz="1800" kern="1200">
+                <a:solidFill>
+                  <a:schemeClr val="tx1"/>
+                </a:solidFill>
+                <a:latin typeface="+mn-lt"/>
+                <a:ea typeface="+mn-ea"/>
+                <a:cs typeface="+mn-cs"/>
+              </a:defRPr>
+            </a:lvl9pPr>
+          </a:lstStyle>
           <a:p>
             <a:fld id="{C5EF2332-01BF-834F-8236-50238282D533}" type="slidenum">
-              <a:rPr lang="en-US" smtClean="0"/>
+              <a:rPr lang="en-US" sz="1500" smtClean="0"/>
+              <a:pPr/>
               <a:t>‹#›</a:t>
             </a:fld>
-            <a:endParaRPr lang="en-US"/>
+            <a:endParaRPr lang="en-US" sz="1500" dirty="0"/>
           </a:p>
         </p:txBody>
       </p:sp>
@@ -2130,7 +1334,7 @@
 </p:sldLayout>
 </file>
 
-<file path=ppt/slideLayouts/slideLayout7.xml><?xml version="1.0" encoding="utf-8"?>
+<file path=ppt/slideLayouts/slideLayout12.xml><?xml version="1.0" encoding="utf-8"?>
 <p:sldLayout xmlns:a="http://schemas.openxmlformats.org/drawingml/2006/main" xmlns:r="http://schemas.openxmlformats.org/officeDocument/2006/relationships" xmlns:p="http://schemas.openxmlformats.org/presentationml/2006/main" type="blank" preserve="1">
   <p:cSld name="Blank">
     <p:spTree>
@@ -2147,71 +1351,6 @@
           <a:chExt cx="0" cy="0"/>
         </a:xfrm>
       </p:grpSpPr>
-      <p:sp>
-        <p:nvSpPr>
-          <p:cNvPr id="2" name="Date Placeholder 1"/>
-          <p:cNvSpPr>
-            <a:spLocks noGrp="1"/>
-          </p:cNvSpPr>
-          <p:nvPr>
-            <p:ph type="dt" sz="half" idx="10"/>
-          </p:nvPr>
-        </p:nvSpPr>
-        <p:spPr/>
-        <p:txBody>
-          <a:bodyPr/>
-          <a:lstStyle/>
-          <a:p>
-            <a:fld id="{45605BA1-25DE-EE45-AC87-C10FEAB4A299}" type="datetime1">
-              <a:rPr lang="de-CH" smtClean="0"/>
-              <a:t>01.03.21</a:t>
-            </a:fld>
-            <a:endParaRPr lang="en-US"/>
-          </a:p>
-        </p:txBody>
-      </p:sp>
-      <p:sp>
-        <p:nvSpPr>
-          <p:cNvPr id="3" name="Footer Placeholder 2"/>
-          <p:cNvSpPr>
-            <a:spLocks noGrp="1"/>
-          </p:cNvSpPr>
-          <p:nvPr>
-            <p:ph type="ftr" sz="quarter" idx="11"/>
-          </p:nvPr>
-        </p:nvSpPr>
-        <p:spPr/>
-        <p:txBody>
-          <a:bodyPr/>
-          <a:lstStyle/>
-          <a:p>
-            <a:endParaRPr lang="en-US"/>
-          </a:p>
-        </p:txBody>
-      </p:sp>
-      <p:sp>
-        <p:nvSpPr>
-          <p:cNvPr id="4" name="Slide Number Placeholder 3"/>
-          <p:cNvSpPr>
-            <a:spLocks noGrp="1"/>
-          </p:cNvSpPr>
-          <p:nvPr>
-            <p:ph type="sldNum" sz="quarter" idx="12"/>
-          </p:nvPr>
-        </p:nvSpPr>
-        <p:spPr/>
-        <p:txBody>
-          <a:bodyPr/>
-          <a:lstStyle/>
-          <a:p>
-            <a:fld id="{C5EF2332-01BF-834F-8236-50238282D533}" type="slidenum">
-              <a:rPr lang="en-US" smtClean="0"/>
-              <a:t>‹#›</a:t>
-            </a:fld>
-            <a:endParaRPr lang="en-US"/>
-          </a:p>
-        </p:txBody>
-      </p:sp>
     </p:spTree>
     <p:extLst>
       <p:ext uri="{BB962C8B-B14F-4D97-AF65-F5344CB8AC3E}">
@@ -2225,9 +1364,9 @@
 </p:sldLayout>
 </file>
 
-<file path=ppt/slideLayouts/slideLayout8.xml><?xml version="1.0" encoding="utf-8"?>
-<p:sldLayout xmlns:a="http://schemas.openxmlformats.org/drawingml/2006/main" xmlns:r="http://schemas.openxmlformats.org/officeDocument/2006/relationships" xmlns:p="http://schemas.openxmlformats.org/presentationml/2006/main" type="objTx" preserve="1">
-  <p:cSld name="Content with Caption">
+<file path=ppt/slideLayouts/slideLayout13.xml><?xml version="1.0" encoding="utf-8"?>
+<p:sldLayout xmlns:a="http://schemas.openxmlformats.org/drawingml/2006/main" xmlns:r="http://schemas.openxmlformats.org/officeDocument/2006/relationships" xmlns:p="http://schemas.openxmlformats.org/presentationml/2006/main" type="obj" preserve="1">
+  <p:cSld name="Template">
     <p:spTree>
       <p:nvGrpSpPr>
         <p:cNvPr id="1" name=""/>
@@ -2242,6 +1381,42 @@
           <a:chExt cx="0" cy="0"/>
         </a:xfrm>
       </p:grpSpPr>
+      <p:pic>
+        <p:nvPicPr>
+          <p:cNvPr id="7" name="Bild 1" descr="2008292_Trivadis_PPT_Concept_Design_CICD4.png">
+            <a:extLst>
+              <a:ext uri="{FF2B5EF4-FFF2-40B4-BE49-F238E27FC236}">
+                <a16:creationId xmlns:a16="http://schemas.microsoft.com/office/drawing/2014/main" id="{0D7E7E9D-31FB-AB43-A91A-5047DECC0ED2}"/>
+              </a:ext>
+            </a:extLst>
+          </p:cNvPr>
+          <p:cNvPicPr>
+            <a:picLocks noChangeAspect="1"/>
+          </p:cNvPicPr>
+          <p:nvPr userDrawn="1"/>
+        </p:nvPicPr>
+        <p:blipFill>
+          <a:blip r:embed="rId2">
+            <a:extLst>
+              <a:ext uri="{28A0092B-C50C-407E-A947-70E740481C1C}">
+                <a14:useLocalDpi xmlns:a14="http://schemas.microsoft.com/office/drawing/2010/main" val="0"/>
+              </a:ext>
+            </a:extLst>
+          </a:blip>
+          <a:stretch>
+            <a:fillRect/>
+          </a:stretch>
+        </p:blipFill>
+        <p:spPr>
+          <a:xfrm>
+            <a:off x="0" y="0"/>
+            <a:ext cx="9145143" cy="5143500"/>
+          </a:xfrm>
+          <a:prstGeom prst="rect">
+            <a:avLst/>
+          </a:prstGeom>
+        </p:spPr>
+      </p:pic>
       <p:sp>
         <p:nvSpPr>
           <p:cNvPr id="2" name="Title 1"/>
@@ -2254,22 +1429,23 @@
         </p:nvSpPr>
         <p:spPr>
           <a:xfrm>
-            <a:off x="457201" y="204787"/>
-            <a:ext cx="3008313" cy="871538"/>
+            <a:off x="775253" y="293812"/>
+            <a:ext cx="8070574" cy="333361"/>
           </a:xfrm>
         </p:spPr>
         <p:txBody>
-          <a:bodyPr anchor="b"/>
+          <a:bodyPr/>
           <a:lstStyle>
             <a:lvl1pPr algn="l">
-              <a:defRPr sz="1500" b="1"/>
+              <a:defRPr/>
             </a:lvl1pPr>
           </a:lstStyle>
           <a:p>
             <a:r>
-              <a:rPr lang="en-US"/>
+              <a:rPr lang="en-GB"/>
               <a:t>Click to edit Master title style</a:t>
             </a:r>
+            <a:endParaRPr lang="en-US" dirty="0"/>
           </a:p>
         </p:txBody>
       </p:sp>
@@ -2283,214 +1459,311 @@
             <p:ph idx="1"/>
           </p:nvPr>
         </p:nvSpPr>
-        <p:spPr>
-          <a:xfrm>
-            <a:off x="3575050" y="204789"/>
-            <a:ext cx="5111750" cy="4389835"/>
-          </a:xfrm>
-        </p:spPr>
+        <p:spPr/>
         <p:txBody>
-          <a:bodyPr/>
+          <a:bodyPr>
+            <a:normAutofit/>
+          </a:bodyPr>
           <a:lstStyle>
-            <a:lvl1pPr>
-              <a:defRPr sz="2400"/>
+            <a:lvl1pPr marL="257175" indent="-171450" algn="l" defTabSz="685800" rtl="0" eaLnBrk="1" latinLnBrk="0" hangingPunct="1">
+              <a:lnSpc>
+                <a:spcPct val="90000"/>
+              </a:lnSpc>
+              <a:buClr>
+                <a:srgbClr val="9600FF"/>
+              </a:buClr>
+              <a:buFont typeface="Wingdings" pitchFamily="2" charset="2"/>
+              <a:buChar char="§"/>
+              <a:defRPr lang="en-US" sz="1350" b="0" kern="1200" baseline="0" dirty="0" smtClean="0">
+                <a:solidFill>
+                  <a:srgbClr val="1E2846"/>
+                </a:solidFill>
+                <a:latin typeface="Open Sans Light" panose="020B0306030504020204" pitchFamily="34" charset="0"/>
+                <a:ea typeface="Open Sans Light" panose="020B0306030504020204" pitchFamily="34" charset="0"/>
+                <a:cs typeface="Open Sans Light" panose="020B0306030504020204" pitchFamily="34" charset="0"/>
+              </a:defRPr>
             </a:lvl1pPr>
-            <a:lvl2pPr>
-              <a:defRPr sz="2100"/>
+            <a:lvl2pPr marL="557213" indent="-171450" algn="l" defTabSz="685800" rtl="0" eaLnBrk="1" latinLnBrk="0" hangingPunct="1">
+              <a:lnSpc>
+                <a:spcPct val="90000"/>
+              </a:lnSpc>
+              <a:buClr>
+                <a:srgbClr val="9600FF"/>
+              </a:buClr>
+              <a:buFont typeface="Courier New" panose="02070309020205020404" pitchFamily="49" charset="0"/>
+              <a:buChar char="o"/>
+              <a:defRPr lang="en-US" sz="1350" b="0" kern="1200" baseline="0" dirty="0" smtClean="0">
+                <a:solidFill>
+                  <a:srgbClr val="1E2846"/>
+                </a:solidFill>
+                <a:latin typeface="Open Sans Light" panose="020B0306030504020204" pitchFamily="34" charset="0"/>
+                <a:ea typeface="Open Sans Light" panose="020B0306030504020204" pitchFamily="34" charset="0"/>
+                <a:cs typeface="Open Sans Light" panose="020B0306030504020204" pitchFamily="34" charset="0"/>
+              </a:defRPr>
             </a:lvl2pPr>
-            <a:lvl3pPr>
-              <a:defRPr sz="1800"/>
+            <a:lvl3pPr marL="857250" indent="-171450" algn="l" defTabSz="685800" rtl="0" eaLnBrk="1" latinLnBrk="0" hangingPunct="1">
+              <a:lnSpc>
+                <a:spcPct val="90000"/>
+              </a:lnSpc>
+              <a:buClr>
+                <a:srgbClr val="9600FF"/>
+              </a:buClr>
+              <a:buFont typeface="Courier New" panose="02070309020205020404" pitchFamily="49" charset="0"/>
+              <a:buChar char="o"/>
+              <a:defRPr lang="en-US" sz="1350" b="0" kern="1200" baseline="0" dirty="0" smtClean="0">
+                <a:solidFill>
+                  <a:srgbClr val="1E2846"/>
+                </a:solidFill>
+                <a:latin typeface="Open Sans Light" panose="020B0306030504020204" pitchFamily="34" charset="0"/>
+                <a:ea typeface="Open Sans Light" panose="020B0306030504020204" pitchFamily="34" charset="0"/>
+                <a:cs typeface="Open Sans Light" panose="020B0306030504020204" pitchFamily="34" charset="0"/>
+              </a:defRPr>
             </a:lvl3pPr>
-            <a:lvl4pPr>
-              <a:defRPr sz="1500"/>
+            <a:lvl4pPr marL="1200150" indent="-171450" algn="l" defTabSz="685800" rtl="0" eaLnBrk="1" latinLnBrk="0" hangingPunct="1">
+              <a:lnSpc>
+                <a:spcPct val="90000"/>
+              </a:lnSpc>
+              <a:buClr>
+                <a:srgbClr val="9600FF"/>
+              </a:buClr>
+              <a:buFont typeface="Courier New" panose="02070309020205020404" pitchFamily="49" charset="0"/>
+              <a:buChar char="o"/>
+              <a:defRPr lang="en-US" sz="1350" b="0" kern="1200" baseline="0" dirty="0" smtClean="0">
+                <a:solidFill>
+                  <a:srgbClr val="1E2846"/>
+                </a:solidFill>
+                <a:latin typeface="Open Sans Light" panose="020B0306030504020204" pitchFamily="34" charset="0"/>
+                <a:ea typeface="Open Sans Light" panose="020B0306030504020204" pitchFamily="34" charset="0"/>
+                <a:cs typeface="Open Sans Light" panose="020B0306030504020204" pitchFamily="34" charset="0"/>
+              </a:defRPr>
             </a:lvl4pPr>
-            <a:lvl5pPr>
-              <a:defRPr sz="1500"/>
+            <a:lvl5pPr marL="1543050" indent="-171450" algn="l" defTabSz="685800" rtl="0" eaLnBrk="1" latinLnBrk="0" hangingPunct="1">
+              <a:lnSpc>
+                <a:spcPct val="90000"/>
+              </a:lnSpc>
+              <a:buClr>
+                <a:srgbClr val="9600FF"/>
+              </a:buClr>
+              <a:buFont typeface="Courier New" panose="02070309020205020404" pitchFamily="49" charset="0"/>
+              <a:buChar char="o"/>
+              <a:defRPr lang="en-US" sz="1350" b="0" kern="1200" baseline="0" dirty="0">
+                <a:solidFill>
+                  <a:srgbClr val="1E2846"/>
+                </a:solidFill>
+                <a:latin typeface="Open Sans Light" panose="020B0306030504020204" pitchFamily="34" charset="0"/>
+                <a:ea typeface="Open Sans Light" panose="020B0306030504020204" pitchFamily="34" charset="0"/>
+                <a:cs typeface="Open Sans Light" panose="020B0306030504020204" pitchFamily="34" charset="0"/>
+              </a:defRPr>
             </a:lvl5pPr>
-            <a:lvl6pPr>
-              <a:defRPr sz="1500"/>
-            </a:lvl6pPr>
-            <a:lvl7pPr>
-              <a:defRPr sz="1500"/>
-            </a:lvl7pPr>
-            <a:lvl8pPr>
-              <a:defRPr sz="1500"/>
-            </a:lvl8pPr>
-            <a:lvl9pPr>
-              <a:defRPr sz="1500"/>
-            </a:lvl9pPr>
           </a:lstStyle>
           <a:p>
             <a:pPr lvl="0"/>
             <a:r>
-              <a:rPr lang="en-US"/>
+              <a:rPr lang="en-GB"/>
               <a:t>Click to edit Master text styles</a:t>
             </a:r>
           </a:p>
           <a:p>
             <a:pPr lvl="1"/>
             <a:r>
-              <a:rPr lang="en-US"/>
+              <a:rPr lang="en-GB"/>
               <a:t>Second level</a:t>
             </a:r>
           </a:p>
           <a:p>
             <a:pPr lvl="2"/>
             <a:r>
-              <a:rPr lang="en-US"/>
+              <a:rPr lang="en-GB"/>
               <a:t>Third level</a:t>
             </a:r>
           </a:p>
           <a:p>
             <a:pPr lvl="3"/>
             <a:r>
-              <a:rPr lang="en-US"/>
+              <a:rPr lang="en-GB"/>
               <a:t>Fourth level</a:t>
             </a:r>
           </a:p>
           <a:p>
             <a:pPr lvl="4"/>
             <a:r>
-              <a:rPr lang="en-US"/>
+              <a:rPr lang="en-GB"/>
               <a:t>Fifth level</a:t>
             </a:r>
+            <a:endParaRPr lang="en-US" dirty="0"/>
           </a:p>
         </p:txBody>
       </p:sp>
       <p:sp>
         <p:nvSpPr>
-          <p:cNvPr id="4" name="Text Placeholder 3"/>
-          <p:cNvSpPr>
-            <a:spLocks noGrp="1"/>
+          <p:cNvPr id="5" name="Slide Number Placeholder 5">
+            <a:extLst>
+              <a:ext uri="{FF2B5EF4-FFF2-40B4-BE49-F238E27FC236}">
+                <a16:creationId xmlns:a16="http://schemas.microsoft.com/office/drawing/2014/main" id="{6370B13A-601D-2141-81B9-08398F1C9740}"/>
+              </a:ext>
+            </a:extLst>
+          </p:cNvPr>
+          <p:cNvSpPr txBox="1">
+            <a:spLocks/>
           </p:cNvSpPr>
-          <p:nvPr>
-            <p:ph type="body" sz="half" idx="2"/>
-          </p:nvPr>
+          <p:nvPr userDrawn="1"/>
         </p:nvSpPr>
         <p:spPr>
           <a:xfrm>
-            <a:off x="457201" y="1076326"/>
-            <a:ext cx="3008313" cy="3518297"/>
+            <a:off x="340913" y="293812"/>
+            <a:ext cx="434340" cy="324446"/>
           </a:xfrm>
+          <a:prstGeom prst="rect">
+            <a:avLst/>
+          </a:prstGeom>
         </p:spPr>
         <p:txBody>
-          <a:bodyPr/>
+          <a:bodyPr vert="horz" lIns="68580" tIns="34290" rIns="68580" bIns="34290" rtlCol="0" anchor="ctr"/>
           <a:lstStyle>
-            <a:lvl1pPr marL="0" indent="0">
-              <a:buNone/>
-              <a:defRPr sz="1050"/>
+            <a:defPPr>
+              <a:defRPr lang="en-US"/>
+            </a:defPPr>
+            <a:lvl1pPr marL="0" algn="r" defTabSz="457200" rtl="0" eaLnBrk="1" latinLnBrk="0" hangingPunct="1">
+              <a:defRPr sz="2000" b="1" i="0" kern="1200">
+                <a:solidFill>
+                  <a:srgbClr val="9601FF"/>
+                </a:solidFill>
+                <a:latin typeface="Montserrat" pitchFamily="2" charset="77"/>
+                <a:ea typeface="+mn-ea"/>
+                <a:cs typeface="+mn-cs"/>
+              </a:defRPr>
             </a:lvl1pPr>
-            <a:lvl2pPr marL="342900" indent="0">
-              <a:buNone/>
-              <a:defRPr sz="900"/>
+            <a:lvl2pPr marL="457200" algn="l" defTabSz="457200" rtl="0" eaLnBrk="1" latinLnBrk="0" hangingPunct="1">
+              <a:defRPr sz="1800" kern="1200">
+                <a:solidFill>
+                  <a:schemeClr val="tx1"/>
+                </a:solidFill>
+                <a:latin typeface="+mn-lt"/>
+                <a:ea typeface="+mn-ea"/>
+                <a:cs typeface="+mn-cs"/>
+              </a:defRPr>
             </a:lvl2pPr>
-            <a:lvl3pPr marL="685800" indent="0">
-              <a:buNone/>
-              <a:defRPr sz="750"/>
+            <a:lvl3pPr marL="914400" algn="l" defTabSz="457200" rtl="0" eaLnBrk="1" latinLnBrk="0" hangingPunct="1">
+              <a:defRPr sz="1800" kern="1200">
+                <a:solidFill>
+                  <a:schemeClr val="tx1"/>
+                </a:solidFill>
+                <a:latin typeface="+mn-lt"/>
+                <a:ea typeface="+mn-ea"/>
+                <a:cs typeface="+mn-cs"/>
+              </a:defRPr>
             </a:lvl3pPr>
-            <a:lvl4pPr marL="1028700" indent="0">
-              <a:buNone/>
-              <a:defRPr sz="675"/>
+            <a:lvl4pPr marL="1371600" algn="l" defTabSz="457200" rtl="0" eaLnBrk="1" latinLnBrk="0" hangingPunct="1">
+              <a:defRPr sz="1800" kern="1200">
+                <a:solidFill>
+                  <a:schemeClr val="tx1"/>
+                </a:solidFill>
+                <a:latin typeface="+mn-lt"/>
+                <a:ea typeface="+mn-ea"/>
+                <a:cs typeface="+mn-cs"/>
+              </a:defRPr>
             </a:lvl4pPr>
-            <a:lvl5pPr marL="1371600" indent="0">
-              <a:buNone/>
-              <a:defRPr sz="675"/>
+            <a:lvl5pPr marL="1828800" algn="l" defTabSz="457200" rtl="0" eaLnBrk="1" latinLnBrk="0" hangingPunct="1">
+              <a:defRPr sz="1800" kern="1200">
+                <a:solidFill>
+                  <a:schemeClr val="tx1"/>
+                </a:solidFill>
+                <a:latin typeface="+mn-lt"/>
+                <a:ea typeface="+mn-ea"/>
+                <a:cs typeface="+mn-cs"/>
+              </a:defRPr>
             </a:lvl5pPr>
-            <a:lvl6pPr marL="1714500" indent="0">
-              <a:buNone/>
-              <a:defRPr sz="675"/>
+            <a:lvl6pPr marL="2286000" algn="l" defTabSz="457200" rtl="0" eaLnBrk="1" latinLnBrk="0" hangingPunct="1">
+              <a:defRPr sz="1800" kern="1200">
+                <a:solidFill>
+                  <a:schemeClr val="tx1"/>
+                </a:solidFill>
+                <a:latin typeface="+mn-lt"/>
+                <a:ea typeface="+mn-ea"/>
+                <a:cs typeface="+mn-cs"/>
+              </a:defRPr>
             </a:lvl6pPr>
-            <a:lvl7pPr marL="2057400" indent="0">
-              <a:buNone/>
-              <a:defRPr sz="675"/>
+            <a:lvl7pPr marL="2743200" algn="l" defTabSz="457200" rtl="0" eaLnBrk="1" latinLnBrk="0" hangingPunct="1">
+              <a:defRPr sz="1800" kern="1200">
+                <a:solidFill>
+                  <a:schemeClr val="tx1"/>
+                </a:solidFill>
+                <a:latin typeface="+mn-lt"/>
+                <a:ea typeface="+mn-ea"/>
+                <a:cs typeface="+mn-cs"/>
+              </a:defRPr>
             </a:lvl7pPr>
-            <a:lvl8pPr marL="2400300" indent="0">
-              <a:buNone/>
-              <a:defRPr sz="675"/>
+            <a:lvl8pPr marL="3200400" algn="l" defTabSz="457200" rtl="0" eaLnBrk="1" latinLnBrk="0" hangingPunct="1">
+              <a:defRPr sz="1800" kern="1200">
+                <a:solidFill>
+                  <a:schemeClr val="tx1"/>
+                </a:solidFill>
+                <a:latin typeface="+mn-lt"/>
+                <a:ea typeface="+mn-ea"/>
+                <a:cs typeface="+mn-cs"/>
+              </a:defRPr>
             </a:lvl8pPr>
-            <a:lvl9pPr marL="2743200" indent="0">
-              <a:buNone/>
-              <a:defRPr sz="675"/>
+            <a:lvl9pPr marL="3657600" algn="l" defTabSz="457200" rtl="0" eaLnBrk="1" latinLnBrk="0" hangingPunct="1">
+              <a:defRPr sz="1800" kern="1200">
+                <a:solidFill>
+                  <a:schemeClr val="tx1"/>
+                </a:solidFill>
+                <a:latin typeface="+mn-lt"/>
+                <a:ea typeface="+mn-ea"/>
+                <a:cs typeface="+mn-cs"/>
+              </a:defRPr>
             </a:lvl9pPr>
           </a:lstStyle>
           <a:p>
-            <a:pPr lvl="0"/>
-            <a:r>
-              <a:rPr lang="en-US"/>
-              <a:t>Click to edit Master text styles</a:t>
-            </a:r>
+            <a:fld id="{C5EF2332-01BF-834F-8236-50238282D533}" type="slidenum">
+              <a:rPr lang="en-US" sz="1500" smtClean="0"/>
+              <a:pPr/>
+              <a:t>‹#›</a:t>
+            </a:fld>
+            <a:endParaRPr lang="en-US" sz="1500" dirty="0"/>
           </a:p>
         </p:txBody>
       </p:sp>
-      <p:sp>
-        <p:nvSpPr>
-          <p:cNvPr id="5" name="Date Placeholder 4"/>
-          <p:cNvSpPr>
-            <a:spLocks noGrp="1"/>
-          </p:cNvSpPr>
-          <p:nvPr>
-            <p:ph type="dt" sz="half" idx="10"/>
-          </p:nvPr>
-        </p:nvSpPr>
-        <p:spPr/>
-        <p:txBody>
-          <a:bodyPr/>
-          <a:lstStyle/>
-          <a:p>
-            <a:fld id="{BFB35FA8-0076-0E4D-B40A-04A78EA57A96}" type="datetime1">
-              <a:rPr lang="de-CH" smtClean="0"/>
-              <a:t>01.03.21</a:t>
-            </a:fld>
-            <a:endParaRPr lang="en-US"/>
-          </a:p>
-        </p:txBody>
-      </p:sp>
-      <p:sp>
-        <p:nvSpPr>
-          <p:cNvPr id="6" name="Footer Placeholder 5"/>
-          <p:cNvSpPr>
-            <a:spLocks noGrp="1"/>
-          </p:cNvSpPr>
-          <p:nvPr>
-            <p:ph type="ftr" sz="quarter" idx="11"/>
-          </p:nvPr>
-        </p:nvSpPr>
-        <p:spPr/>
-        <p:txBody>
-          <a:bodyPr/>
-          <a:lstStyle/>
-          <a:p>
-            <a:endParaRPr lang="en-US"/>
-          </a:p>
-        </p:txBody>
-      </p:sp>
-      <p:sp>
-        <p:nvSpPr>
-          <p:cNvPr id="7" name="Slide Number Placeholder 6"/>
-          <p:cNvSpPr>
-            <a:spLocks noGrp="1"/>
-          </p:cNvSpPr>
-          <p:nvPr>
-            <p:ph type="sldNum" sz="quarter" idx="12"/>
-          </p:nvPr>
-        </p:nvSpPr>
-        <p:spPr/>
-        <p:txBody>
-          <a:bodyPr/>
-          <a:lstStyle/>
-          <a:p>
-            <a:fld id="{C5EF2332-01BF-834F-8236-50238282D533}" type="slidenum">
-              <a:rPr lang="en-US" smtClean="0"/>
-              <a:t>‹#›</a:t>
-            </a:fld>
-            <a:endParaRPr lang="en-US"/>
-          </a:p>
-        </p:txBody>
-      </p:sp>
+      <p:pic>
+        <p:nvPicPr>
+          <p:cNvPr id="6" name="Grafik 6">
+            <a:extLst>
+              <a:ext uri="{FF2B5EF4-FFF2-40B4-BE49-F238E27FC236}">
+                <a16:creationId xmlns:a16="http://schemas.microsoft.com/office/drawing/2014/main" id="{7D32D346-7AD6-D343-80E0-5A92C6B43FFB}"/>
+              </a:ext>
+            </a:extLst>
+          </p:cNvPr>
+          <p:cNvPicPr>
+            <a:picLocks noChangeAspect="1"/>
+          </p:cNvPicPr>
+          <p:nvPr userDrawn="1"/>
+        </p:nvPicPr>
+        <p:blipFill>
+          <a:blip r:embed="rId3">
+            <a:extLst>
+              <a:ext uri="{28A0092B-C50C-407E-A947-70E740481C1C}">
+                <a14:useLocalDpi xmlns:a14="http://schemas.microsoft.com/office/drawing/2010/main" val="0"/>
+              </a:ext>
+            </a:extLst>
+          </a:blip>
+          <a:stretch>
+            <a:fillRect/>
+          </a:stretch>
+        </p:blipFill>
+        <p:spPr>
+          <a:xfrm>
+            <a:off x="7835641" y="4626159"/>
+            <a:ext cx="851159" cy="282209"/>
+          </a:xfrm>
+          <a:prstGeom prst="rect">
+            <a:avLst/>
+          </a:prstGeom>
+        </p:spPr>
+      </p:pic>
     </p:spTree>
     <p:extLst>
       <p:ext uri="{BB962C8B-B14F-4D97-AF65-F5344CB8AC3E}">
-        <p14:creationId xmlns:p14="http://schemas.microsoft.com/office/powerpoint/2010/main" val="3540895647"/>
+        <p14:creationId xmlns:p14="http://schemas.microsoft.com/office/powerpoint/2010/main" val="2758573768"/>
       </p:ext>
     </p:extLst>
   </p:cSld>
@@ -2500,7 +1773,7 @@
 </p:sldLayout>
 </file>
 
-<file path=ppt/slideLayouts/slideLayout9.xml><?xml version="1.0" encoding="utf-8"?>
+<file path=ppt/slideLayouts/slideLayout14.xml><?xml version="1.0" encoding="utf-8"?>
 <p:sldLayout xmlns:a="http://schemas.openxmlformats.org/drawingml/2006/main" xmlns:r="http://schemas.openxmlformats.org/officeDocument/2006/relationships" xmlns:p="http://schemas.openxmlformats.org/presentationml/2006/main" type="picTx" preserve="1">
   <p:cSld name="Picture with Caption">
     <p:spTree>
@@ -2542,9 +1815,10 @@
           </a:lstStyle>
           <a:p>
             <a:r>
-              <a:rPr lang="en-US"/>
+              <a:rPr lang="en-GB"/>
               <a:t>Click to edit Master title style</a:t>
             </a:r>
+            <a:endParaRPr lang="en-US"/>
           </a:p>
         </p:txBody>
       </p:sp>
@@ -2605,6 +1879,10 @@
             </a:lvl9pPr>
           </a:lstStyle>
           <a:p>
+            <a:r>
+              <a:rPr lang="en-GB"/>
+              <a:t>Click icon to add picture</a:t>
+            </a:r>
             <a:endParaRPr lang="en-US"/>
           </a:p>
         </p:txBody>
@@ -2668,7 +1946,7 @@
           <a:p>
             <a:pPr lvl="0"/>
             <a:r>
-              <a:rPr lang="en-US"/>
+              <a:rPr lang="en-GB"/>
               <a:t>Click to edit Master text styles</a:t>
             </a:r>
           </a:p>
@@ -2676,66 +1954,131 @@
       </p:sp>
       <p:sp>
         <p:nvSpPr>
-          <p:cNvPr id="5" name="Date Placeholder 4"/>
-          <p:cNvSpPr>
-            <a:spLocks noGrp="1"/>
+          <p:cNvPr id="5" name="Slide Number Placeholder 5">
+            <a:extLst>
+              <a:ext uri="{FF2B5EF4-FFF2-40B4-BE49-F238E27FC236}">
+                <a16:creationId xmlns:a16="http://schemas.microsoft.com/office/drawing/2014/main" id="{B74AA157-58A9-9D41-8A72-1B17396F0876}"/>
+              </a:ext>
+            </a:extLst>
+          </p:cNvPr>
+          <p:cNvSpPr txBox="1">
+            <a:spLocks/>
           </p:cNvSpPr>
-          <p:nvPr>
-            <p:ph type="dt" sz="half" idx="10"/>
-          </p:nvPr>
+          <p:nvPr userDrawn="1"/>
         </p:nvSpPr>
-        <p:spPr/>
+        <p:spPr>
+          <a:xfrm>
+            <a:off x="340913" y="300458"/>
+            <a:ext cx="434340" cy="324446"/>
+          </a:xfrm>
+          <a:prstGeom prst="rect">
+            <a:avLst/>
+          </a:prstGeom>
+        </p:spPr>
         <p:txBody>
-          <a:bodyPr/>
-          <a:lstStyle/>
-          <a:p>
-            <a:fld id="{35143240-5293-4641-B0B8-C5912A8D3A4D}" type="datetime1">
-              <a:rPr lang="de-CH" smtClean="0"/>
-              <a:t>01.03.21</a:t>
-            </a:fld>
-            <a:endParaRPr lang="en-US"/>
-          </a:p>
-        </p:txBody>
-      </p:sp>
-      <p:sp>
-        <p:nvSpPr>
-          <p:cNvPr id="6" name="Footer Placeholder 5"/>
-          <p:cNvSpPr>
-            <a:spLocks noGrp="1"/>
-          </p:cNvSpPr>
-          <p:nvPr>
-            <p:ph type="ftr" sz="quarter" idx="11"/>
-          </p:nvPr>
-        </p:nvSpPr>
-        <p:spPr/>
-        <p:txBody>
-          <a:bodyPr/>
-          <a:lstStyle/>
-          <a:p>
-            <a:endParaRPr lang="en-US"/>
-          </a:p>
-        </p:txBody>
-      </p:sp>
-      <p:sp>
-        <p:nvSpPr>
-          <p:cNvPr id="7" name="Slide Number Placeholder 6"/>
-          <p:cNvSpPr>
-            <a:spLocks noGrp="1"/>
-          </p:cNvSpPr>
-          <p:nvPr>
-            <p:ph type="sldNum" sz="quarter" idx="12"/>
-          </p:nvPr>
-        </p:nvSpPr>
-        <p:spPr/>
-        <p:txBody>
-          <a:bodyPr/>
-          <a:lstStyle/>
+          <a:bodyPr vert="horz" lIns="68580" tIns="34290" rIns="68580" bIns="34290" rtlCol="0" anchor="ctr"/>
+          <a:lstStyle>
+            <a:defPPr>
+              <a:defRPr lang="en-US"/>
+            </a:defPPr>
+            <a:lvl1pPr marL="0" algn="r" defTabSz="457200" rtl="0" eaLnBrk="1" latinLnBrk="0" hangingPunct="1">
+              <a:defRPr sz="2000" b="1" i="0" kern="1200">
+                <a:solidFill>
+                  <a:srgbClr val="9601FF"/>
+                </a:solidFill>
+                <a:latin typeface="Montserrat" pitchFamily="2" charset="77"/>
+                <a:ea typeface="+mn-ea"/>
+                <a:cs typeface="+mn-cs"/>
+              </a:defRPr>
+            </a:lvl1pPr>
+            <a:lvl2pPr marL="457200" algn="l" defTabSz="457200" rtl="0" eaLnBrk="1" latinLnBrk="0" hangingPunct="1">
+              <a:defRPr sz="1800" kern="1200">
+                <a:solidFill>
+                  <a:schemeClr val="tx1"/>
+                </a:solidFill>
+                <a:latin typeface="+mn-lt"/>
+                <a:ea typeface="+mn-ea"/>
+                <a:cs typeface="+mn-cs"/>
+              </a:defRPr>
+            </a:lvl2pPr>
+            <a:lvl3pPr marL="914400" algn="l" defTabSz="457200" rtl="0" eaLnBrk="1" latinLnBrk="0" hangingPunct="1">
+              <a:defRPr sz="1800" kern="1200">
+                <a:solidFill>
+                  <a:schemeClr val="tx1"/>
+                </a:solidFill>
+                <a:latin typeface="+mn-lt"/>
+                <a:ea typeface="+mn-ea"/>
+                <a:cs typeface="+mn-cs"/>
+              </a:defRPr>
+            </a:lvl3pPr>
+            <a:lvl4pPr marL="1371600" algn="l" defTabSz="457200" rtl="0" eaLnBrk="1" latinLnBrk="0" hangingPunct="1">
+              <a:defRPr sz="1800" kern="1200">
+                <a:solidFill>
+                  <a:schemeClr val="tx1"/>
+                </a:solidFill>
+                <a:latin typeface="+mn-lt"/>
+                <a:ea typeface="+mn-ea"/>
+                <a:cs typeface="+mn-cs"/>
+              </a:defRPr>
+            </a:lvl4pPr>
+            <a:lvl5pPr marL="1828800" algn="l" defTabSz="457200" rtl="0" eaLnBrk="1" latinLnBrk="0" hangingPunct="1">
+              <a:defRPr sz="1800" kern="1200">
+                <a:solidFill>
+                  <a:schemeClr val="tx1"/>
+                </a:solidFill>
+                <a:latin typeface="+mn-lt"/>
+                <a:ea typeface="+mn-ea"/>
+                <a:cs typeface="+mn-cs"/>
+              </a:defRPr>
+            </a:lvl5pPr>
+            <a:lvl6pPr marL="2286000" algn="l" defTabSz="457200" rtl="0" eaLnBrk="1" latinLnBrk="0" hangingPunct="1">
+              <a:defRPr sz="1800" kern="1200">
+                <a:solidFill>
+                  <a:schemeClr val="tx1"/>
+                </a:solidFill>
+                <a:latin typeface="+mn-lt"/>
+                <a:ea typeface="+mn-ea"/>
+                <a:cs typeface="+mn-cs"/>
+              </a:defRPr>
+            </a:lvl6pPr>
+            <a:lvl7pPr marL="2743200" algn="l" defTabSz="457200" rtl="0" eaLnBrk="1" latinLnBrk="0" hangingPunct="1">
+              <a:defRPr sz="1800" kern="1200">
+                <a:solidFill>
+                  <a:schemeClr val="tx1"/>
+                </a:solidFill>
+                <a:latin typeface="+mn-lt"/>
+                <a:ea typeface="+mn-ea"/>
+                <a:cs typeface="+mn-cs"/>
+              </a:defRPr>
+            </a:lvl7pPr>
+            <a:lvl8pPr marL="3200400" algn="l" defTabSz="457200" rtl="0" eaLnBrk="1" latinLnBrk="0" hangingPunct="1">
+              <a:defRPr sz="1800" kern="1200">
+                <a:solidFill>
+                  <a:schemeClr val="tx1"/>
+                </a:solidFill>
+                <a:latin typeface="+mn-lt"/>
+                <a:ea typeface="+mn-ea"/>
+                <a:cs typeface="+mn-cs"/>
+              </a:defRPr>
+            </a:lvl8pPr>
+            <a:lvl9pPr marL="3657600" algn="l" defTabSz="457200" rtl="0" eaLnBrk="1" latinLnBrk="0" hangingPunct="1">
+              <a:defRPr sz="1800" kern="1200">
+                <a:solidFill>
+                  <a:schemeClr val="tx1"/>
+                </a:solidFill>
+                <a:latin typeface="+mn-lt"/>
+                <a:ea typeface="+mn-ea"/>
+                <a:cs typeface="+mn-cs"/>
+              </a:defRPr>
+            </a:lvl9pPr>
+          </a:lstStyle>
           <a:p>
             <a:fld id="{C5EF2332-01BF-834F-8236-50238282D533}" type="slidenum">
-              <a:rPr lang="en-US" smtClean="0"/>
+              <a:rPr lang="en-US" sz="1500" smtClean="0"/>
+              <a:pPr/>
               <a:t>‹#›</a:t>
             </a:fld>
-            <a:endParaRPr lang="en-US"/>
+            <a:endParaRPr lang="en-US" sz="1500" dirty="0"/>
           </a:p>
         </p:txBody>
       </p:sp>
@@ -2743,6 +2086,4392 @@
     <p:extLst>
       <p:ext uri="{BB962C8B-B14F-4D97-AF65-F5344CB8AC3E}">
         <p14:creationId xmlns:p14="http://schemas.microsoft.com/office/powerpoint/2010/main" val="3566899855"/>
+      </p:ext>
+    </p:extLst>
+  </p:cSld>
+  <p:clrMapOvr>
+    <a:masterClrMapping/>
+  </p:clrMapOvr>
+</p:sldLayout>
+</file>
+
+<file path=ppt/slideLayouts/slideLayout15.xml><?xml version="1.0" encoding="utf-8"?>
+<p:sldLayout xmlns:a="http://schemas.openxmlformats.org/drawingml/2006/main" xmlns:r="http://schemas.openxmlformats.org/officeDocument/2006/relationships" xmlns:p="http://schemas.openxmlformats.org/presentationml/2006/main" type="vertTx" preserve="1">
+  <p:cSld name="Title and Vertical Text">
+    <p:spTree>
+      <p:nvGrpSpPr>
+        <p:cNvPr id="1" name=""/>
+        <p:cNvGrpSpPr/>
+        <p:nvPr/>
+      </p:nvGrpSpPr>
+      <p:grpSpPr>
+        <a:xfrm>
+          <a:off x="0" y="0"/>
+          <a:ext cx="0" cy="0"/>
+          <a:chOff x="0" y="0"/>
+          <a:chExt cx="0" cy="0"/>
+        </a:xfrm>
+      </p:grpSpPr>
+      <p:sp>
+        <p:nvSpPr>
+          <p:cNvPr id="2" name="Title 1"/>
+          <p:cNvSpPr>
+            <a:spLocks noGrp="1"/>
+          </p:cNvSpPr>
+          <p:nvPr>
+            <p:ph type="title"/>
+          </p:nvPr>
+        </p:nvSpPr>
+        <p:spPr/>
+        <p:txBody>
+          <a:bodyPr/>
+          <a:lstStyle>
+            <a:lvl1pPr algn="l">
+              <a:defRPr/>
+            </a:lvl1pPr>
+          </a:lstStyle>
+          <a:p>
+            <a:r>
+              <a:rPr lang="en-GB"/>
+              <a:t>Click to edit Master title style</a:t>
+            </a:r>
+            <a:endParaRPr lang="en-US" dirty="0"/>
+          </a:p>
+        </p:txBody>
+      </p:sp>
+      <p:sp>
+        <p:nvSpPr>
+          <p:cNvPr id="3" name="Vertical Text Placeholder 2"/>
+          <p:cNvSpPr>
+            <a:spLocks noGrp="1"/>
+          </p:cNvSpPr>
+          <p:nvPr>
+            <p:ph type="body" orient="vert" idx="1"/>
+          </p:nvPr>
+        </p:nvSpPr>
+        <p:spPr/>
+        <p:txBody>
+          <a:bodyPr vert="eaVert"/>
+          <a:lstStyle/>
+          <a:p>
+            <a:pPr lvl="0"/>
+            <a:r>
+              <a:rPr lang="en-GB"/>
+              <a:t>Click to edit Master text styles</a:t>
+            </a:r>
+          </a:p>
+          <a:p>
+            <a:pPr lvl="1"/>
+            <a:r>
+              <a:rPr lang="en-GB"/>
+              <a:t>Second level</a:t>
+            </a:r>
+          </a:p>
+          <a:p>
+            <a:pPr lvl="2"/>
+            <a:r>
+              <a:rPr lang="en-GB"/>
+              <a:t>Third level</a:t>
+            </a:r>
+          </a:p>
+          <a:p>
+            <a:pPr lvl="3"/>
+            <a:r>
+              <a:rPr lang="en-GB"/>
+              <a:t>Fourth level</a:t>
+            </a:r>
+          </a:p>
+          <a:p>
+            <a:pPr lvl="4"/>
+            <a:r>
+              <a:rPr lang="en-GB"/>
+              <a:t>Fifth level</a:t>
+            </a:r>
+            <a:endParaRPr lang="en-US"/>
+          </a:p>
+        </p:txBody>
+      </p:sp>
+      <p:sp>
+        <p:nvSpPr>
+          <p:cNvPr id="5" name="Slide Number Placeholder 5">
+            <a:extLst>
+              <a:ext uri="{FF2B5EF4-FFF2-40B4-BE49-F238E27FC236}">
+                <a16:creationId xmlns:a16="http://schemas.microsoft.com/office/drawing/2014/main" id="{4DF582D5-12D7-214C-9D68-3FDBB18477DA}"/>
+              </a:ext>
+            </a:extLst>
+          </p:cNvPr>
+          <p:cNvSpPr txBox="1">
+            <a:spLocks/>
+          </p:cNvSpPr>
+          <p:nvPr userDrawn="1"/>
+        </p:nvSpPr>
+        <p:spPr>
+          <a:xfrm>
+            <a:off x="340913" y="300458"/>
+            <a:ext cx="434340" cy="324446"/>
+          </a:xfrm>
+          <a:prstGeom prst="rect">
+            <a:avLst/>
+          </a:prstGeom>
+        </p:spPr>
+        <p:txBody>
+          <a:bodyPr vert="horz" lIns="68580" tIns="34290" rIns="68580" bIns="34290" rtlCol="0" anchor="ctr"/>
+          <a:lstStyle>
+            <a:defPPr>
+              <a:defRPr lang="en-US"/>
+            </a:defPPr>
+            <a:lvl1pPr marL="0" algn="r" defTabSz="457200" rtl="0" eaLnBrk="1" latinLnBrk="0" hangingPunct="1">
+              <a:defRPr sz="2000" b="1" i="0" kern="1200">
+                <a:solidFill>
+                  <a:srgbClr val="9601FF"/>
+                </a:solidFill>
+                <a:latin typeface="Montserrat" pitchFamily="2" charset="77"/>
+                <a:ea typeface="+mn-ea"/>
+                <a:cs typeface="+mn-cs"/>
+              </a:defRPr>
+            </a:lvl1pPr>
+            <a:lvl2pPr marL="457200" algn="l" defTabSz="457200" rtl="0" eaLnBrk="1" latinLnBrk="0" hangingPunct="1">
+              <a:defRPr sz="1800" kern="1200">
+                <a:solidFill>
+                  <a:schemeClr val="tx1"/>
+                </a:solidFill>
+                <a:latin typeface="+mn-lt"/>
+                <a:ea typeface="+mn-ea"/>
+                <a:cs typeface="+mn-cs"/>
+              </a:defRPr>
+            </a:lvl2pPr>
+            <a:lvl3pPr marL="914400" algn="l" defTabSz="457200" rtl="0" eaLnBrk="1" latinLnBrk="0" hangingPunct="1">
+              <a:defRPr sz="1800" kern="1200">
+                <a:solidFill>
+                  <a:schemeClr val="tx1"/>
+                </a:solidFill>
+                <a:latin typeface="+mn-lt"/>
+                <a:ea typeface="+mn-ea"/>
+                <a:cs typeface="+mn-cs"/>
+              </a:defRPr>
+            </a:lvl3pPr>
+            <a:lvl4pPr marL="1371600" algn="l" defTabSz="457200" rtl="0" eaLnBrk="1" latinLnBrk="0" hangingPunct="1">
+              <a:defRPr sz="1800" kern="1200">
+                <a:solidFill>
+                  <a:schemeClr val="tx1"/>
+                </a:solidFill>
+                <a:latin typeface="+mn-lt"/>
+                <a:ea typeface="+mn-ea"/>
+                <a:cs typeface="+mn-cs"/>
+              </a:defRPr>
+            </a:lvl4pPr>
+            <a:lvl5pPr marL="1828800" algn="l" defTabSz="457200" rtl="0" eaLnBrk="1" latinLnBrk="0" hangingPunct="1">
+              <a:defRPr sz="1800" kern="1200">
+                <a:solidFill>
+                  <a:schemeClr val="tx1"/>
+                </a:solidFill>
+                <a:latin typeface="+mn-lt"/>
+                <a:ea typeface="+mn-ea"/>
+                <a:cs typeface="+mn-cs"/>
+              </a:defRPr>
+            </a:lvl5pPr>
+            <a:lvl6pPr marL="2286000" algn="l" defTabSz="457200" rtl="0" eaLnBrk="1" latinLnBrk="0" hangingPunct="1">
+              <a:defRPr sz="1800" kern="1200">
+                <a:solidFill>
+                  <a:schemeClr val="tx1"/>
+                </a:solidFill>
+                <a:latin typeface="+mn-lt"/>
+                <a:ea typeface="+mn-ea"/>
+                <a:cs typeface="+mn-cs"/>
+              </a:defRPr>
+            </a:lvl6pPr>
+            <a:lvl7pPr marL="2743200" algn="l" defTabSz="457200" rtl="0" eaLnBrk="1" latinLnBrk="0" hangingPunct="1">
+              <a:defRPr sz="1800" kern="1200">
+                <a:solidFill>
+                  <a:schemeClr val="tx1"/>
+                </a:solidFill>
+                <a:latin typeface="+mn-lt"/>
+                <a:ea typeface="+mn-ea"/>
+                <a:cs typeface="+mn-cs"/>
+              </a:defRPr>
+            </a:lvl7pPr>
+            <a:lvl8pPr marL="3200400" algn="l" defTabSz="457200" rtl="0" eaLnBrk="1" latinLnBrk="0" hangingPunct="1">
+              <a:defRPr sz="1800" kern="1200">
+                <a:solidFill>
+                  <a:schemeClr val="tx1"/>
+                </a:solidFill>
+                <a:latin typeface="+mn-lt"/>
+                <a:ea typeface="+mn-ea"/>
+                <a:cs typeface="+mn-cs"/>
+              </a:defRPr>
+            </a:lvl8pPr>
+            <a:lvl9pPr marL="3657600" algn="l" defTabSz="457200" rtl="0" eaLnBrk="1" latinLnBrk="0" hangingPunct="1">
+              <a:defRPr sz="1800" kern="1200">
+                <a:solidFill>
+                  <a:schemeClr val="tx1"/>
+                </a:solidFill>
+                <a:latin typeface="+mn-lt"/>
+                <a:ea typeface="+mn-ea"/>
+                <a:cs typeface="+mn-cs"/>
+              </a:defRPr>
+            </a:lvl9pPr>
+          </a:lstStyle>
+          <a:p>
+            <a:fld id="{C5EF2332-01BF-834F-8236-50238282D533}" type="slidenum">
+              <a:rPr lang="en-US" sz="1500" smtClean="0"/>
+              <a:pPr/>
+              <a:t>‹#›</a:t>
+            </a:fld>
+            <a:endParaRPr lang="en-US" sz="1500" dirty="0"/>
+          </a:p>
+        </p:txBody>
+      </p:sp>
+    </p:spTree>
+    <p:extLst>
+      <p:ext uri="{BB962C8B-B14F-4D97-AF65-F5344CB8AC3E}">
+        <p14:creationId xmlns:p14="http://schemas.microsoft.com/office/powerpoint/2010/main" val="313914798"/>
+      </p:ext>
+    </p:extLst>
+  </p:cSld>
+  <p:clrMapOvr>
+    <a:masterClrMapping/>
+  </p:clrMapOvr>
+</p:sldLayout>
+</file>
+
+<file path=ppt/slideLayouts/slideLayout16.xml><?xml version="1.0" encoding="utf-8"?>
+<p:sldLayout xmlns:a="http://schemas.openxmlformats.org/drawingml/2006/main" xmlns:r="http://schemas.openxmlformats.org/officeDocument/2006/relationships" xmlns:p="http://schemas.openxmlformats.org/presentationml/2006/main" type="vertTitleAndTx" preserve="1">
+  <p:cSld name="Vertical Title and Text">
+    <p:spTree>
+      <p:nvGrpSpPr>
+        <p:cNvPr id="1" name=""/>
+        <p:cNvGrpSpPr/>
+        <p:nvPr/>
+      </p:nvGrpSpPr>
+      <p:grpSpPr>
+        <a:xfrm>
+          <a:off x="0" y="0"/>
+          <a:ext cx="0" cy="0"/>
+          <a:chOff x="0" y="0"/>
+          <a:chExt cx="0" cy="0"/>
+        </a:xfrm>
+      </p:grpSpPr>
+      <p:sp>
+        <p:nvSpPr>
+          <p:cNvPr id="2" name="Vertical Title 1"/>
+          <p:cNvSpPr>
+            <a:spLocks noGrp="1"/>
+          </p:cNvSpPr>
+          <p:nvPr>
+            <p:ph type="title" orient="vert"/>
+          </p:nvPr>
+        </p:nvSpPr>
+        <p:spPr>
+          <a:xfrm>
+            <a:off x="6629400" y="205980"/>
+            <a:ext cx="2057400" cy="4388644"/>
+          </a:xfrm>
+        </p:spPr>
+        <p:txBody>
+          <a:bodyPr vert="eaVert"/>
+          <a:lstStyle/>
+          <a:p>
+            <a:r>
+              <a:rPr lang="en-GB"/>
+              <a:t>Click to edit Master title style</a:t>
+            </a:r>
+            <a:endParaRPr lang="en-US"/>
+          </a:p>
+        </p:txBody>
+      </p:sp>
+      <p:sp>
+        <p:nvSpPr>
+          <p:cNvPr id="3" name="Vertical Text Placeholder 2"/>
+          <p:cNvSpPr>
+            <a:spLocks noGrp="1"/>
+          </p:cNvSpPr>
+          <p:nvPr>
+            <p:ph type="body" orient="vert" idx="1"/>
+          </p:nvPr>
+        </p:nvSpPr>
+        <p:spPr>
+          <a:xfrm>
+            <a:off x="457200" y="205980"/>
+            <a:ext cx="6019800" cy="4388644"/>
+          </a:xfrm>
+        </p:spPr>
+        <p:txBody>
+          <a:bodyPr vert="eaVert"/>
+          <a:lstStyle/>
+          <a:p>
+            <a:pPr lvl="0"/>
+            <a:r>
+              <a:rPr lang="en-GB"/>
+              <a:t>Click to edit Master text styles</a:t>
+            </a:r>
+          </a:p>
+          <a:p>
+            <a:pPr lvl="1"/>
+            <a:r>
+              <a:rPr lang="en-GB"/>
+              <a:t>Second level</a:t>
+            </a:r>
+          </a:p>
+          <a:p>
+            <a:pPr lvl="2"/>
+            <a:r>
+              <a:rPr lang="en-GB"/>
+              <a:t>Third level</a:t>
+            </a:r>
+          </a:p>
+          <a:p>
+            <a:pPr lvl="3"/>
+            <a:r>
+              <a:rPr lang="en-GB"/>
+              <a:t>Fourth level</a:t>
+            </a:r>
+          </a:p>
+          <a:p>
+            <a:pPr lvl="4"/>
+            <a:r>
+              <a:rPr lang="en-GB"/>
+              <a:t>Fifth level</a:t>
+            </a:r>
+            <a:endParaRPr lang="en-US"/>
+          </a:p>
+        </p:txBody>
+      </p:sp>
+    </p:spTree>
+    <p:extLst>
+      <p:ext uri="{BB962C8B-B14F-4D97-AF65-F5344CB8AC3E}">
+        <p14:creationId xmlns:p14="http://schemas.microsoft.com/office/powerpoint/2010/main" val="2581529045"/>
+      </p:ext>
+    </p:extLst>
+  </p:cSld>
+  <p:clrMapOvr>
+    <a:masterClrMapping/>
+  </p:clrMapOvr>
+</p:sldLayout>
+</file>
+
+<file path=ppt/slideLayouts/slideLayout17.xml><?xml version="1.0" encoding="utf-8"?>
+<p:sldLayout xmlns:a="http://schemas.openxmlformats.org/drawingml/2006/main" xmlns:r="http://schemas.openxmlformats.org/officeDocument/2006/relationships" xmlns:p="http://schemas.openxmlformats.org/presentationml/2006/main" preserve="1" userDrawn="1">
+  <p:cSld name="Gradient Highlight Slide">
+    <p:bg>
+      <p:bgPr>
+        <a:blipFill dpi="0" rotWithShape="1">
+          <a:blip r:embed="rId2">
+            <a:lum/>
+          </a:blip>
+          <a:srcRect/>
+          <a:stretch>
+            <a:fillRect/>
+          </a:stretch>
+        </a:blipFill>
+        <a:effectLst/>
+      </p:bgPr>
+    </p:bg>
+    <p:spTree>
+      <p:nvGrpSpPr>
+        <p:cNvPr id="1" name=""/>
+        <p:cNvGrpSpPr/>
+        <p:nvPr/>
+      </p:nvGrpSpPr>
+      <p:grpSpPr>
+        <a:xfrm>
+          <a:off x="0" y="0"/>
+          <a:ext cx="0" cy="0"/>
+          <a:chOff x="0" y="0"/>
+          <a:chExt cx="0" cy="0"/>
+        </a:xfrm>
+      </p:grpSpPr>
+      <p:pic>
+        <p:nvPicPr>
+          <p:cNvPr id="9" name="Grafik 6">
+            <a:extLst>
+              <a:ext uri="{FF2B5EF4-FFF2-40B4-BE49-F238E27FC236}">
+                <a16:creationId xmlns:a16="http://schemas.microsoft.com/office/drawing/2014/main" id="{831D9137-EED9-064E-A932-4B446A543436}"/>
+              </a:ext>
+            </a:extLst>
+          </p:cNvPr>
+          <p:cNvPicPr>
+            <a:picLocks noChangeAspect="1"/>
+          </p:cNvPicPr>
+          <p:nvPr userDrawn="1"/>
+        </p:nvPicPr>
+        <p:blipFill>
+          <a:blip r:embed="rId3">
+            <a:extLst>
+              <a:ext uri="{28A0092B-C50C-407E-A947-70E740481C1C}">
+                <a14:useLocalDpi xmlns:a14="http://schemas.microsoft.com/office/drawing/2010/main" val="0"/>
+              </a:ext>
+            </a:extLst>
+          </a:blip>
+          <a:stretch>
+            <a:fillRect/>
+          </a:stretch>
+        </p:blipFill>
+        <p:spPr>
+          <a:xfrm>
+            <a:off x="7835259" y="4626159"/>
+            <a:ext cx="851541" cy="282209"/>
+          </a:xfrm>
+          <a:prstGeom prst="rect">
+            <a:avLst/>
+          </a:prstGeom>
+        </p:spPr>
+      </p:pic>
+      <p:sp>
+        <p:nvSpPr>
+          <p:cNvPr id="7" name="Title 1">
+            <a:extLst>
+              <a:ext uri="{FF2B5EF4-FFF2-40B4-BE49-F238E27FC236}">
+                <a16:creationId xmlns:a16="http://schemas.microsoft.com/office/drawing/2014/main" id="{C8F026BC-3538-7E49-BD0D-C53A427C2E58}"/>
+              </a:ext>
+            </a:extLst>
+          </p:cNvPr>
+          <p:cNvSpPr>
+            <a:spLocks noGrp="1"/>
+          </p:cNvSpPr>
+          <p:nvPr>
+            <p:ph type="title"/>
+          </p:nvPr>
+        </p:nvSpPr>
+        <p:spPr>
+          <a:xfrm>
+            <a:off x="891540" y="146699"/>
+            <a:ext cx="7795260" cy="333361"/>
+          </a:xfrm>
+        </p:spPr>
+        <p:txBody>
+          <a:bodyPr/>
+          <a:lstStyle>
+            <a:lvl1pPr algn="l">
+              <a:defRPr>
+                <a:solidFill>
+                  <a:srgbClr val="F2F2F2"/>
+                </a:solidFill>
+              </a:defRPr>
+            </a:lvl1pPr>
+          </a:lstStyle>
+          <a:p>
+            <a:r>
+              <a:rPr lang="en-GB"/>
+              <a:t>Click to edit Master title style</a:t>
+            </a:r>
+            <a:endParaRPr lang="en-US" dirty="0"/>
+          </a:p>
+        </p:txBody>
+      </p:sp>
+      <p:sp>
+        <p:nvSpPr>
+          <p:cNvPr id="8" name="Slide Number Placeholder 5">
+            <a:extLst>
+              <a:ext uri="{FF2B5EF4-FFF2-40B4-BE49-F238E27FC236}">
+                <a16:creationId xmlns:a16="http://schemas.microsoft.com/office/drawing/2014/main" id="{51B82C55-193B-BD47-BCF4-D5E5247640BD}"/>
+              </a:ext>
+            </a:extLst>
+          </p:cNvPr>
+          <p:cNvSpPr txBox="1">
+            <a:spLocks/>
+          </p:cNvSpPr>
+          <p:nvPr userDrawn="1"/>
+        </p:nvSpPr>
+        <p:spPr>
+          <a:xfrm>
+            <a:off x="457200" y="155614"/>
+            <a:ext cx="434340" cy="324446"/>
+          </a:xfrm>
+          <a:prstGeom prst="rect">
+            <a:avLst/>
+          </a:prstGeom>
+        </p:spPr>
+        <p:txBody>
+          <a:bodyPr vert="horz" lIns="68580" tIns="34290" rIns="68580" bIns="34290" rtlCol="0" anchor="ctr"/>
+          <a:lstStyle>
+            <a:defPPr>
+              <a:defRPr lang="en-US"/>
+            </a:defPPr>
+            <a:lvl1pPr marL="0" algn="r" defTabSz="457200" rtl="0" eaLnBrk="1" latinLnBrk="0" hangingPunct="1">
+              <a:defRPr sz="2000" b="1" i="0" kern="1200">
+                <a:solidFill>
+                  <a:srgbClr val="9601FF"/>
+                </a:solidFill>
+                <a:latin typeface="Montserrat" pitchFamily="2" charset="77"/>
+                <a:ea typeface="+mn-ea"/>
+                <a:cs typeface="+mn-cs"/>
+              </a:defRPr>
+            </a:lvl1pPr>
+            <a:lvl2pPr marL="457200" algn="l" defTabSz="457200" rtl="0" eaLnBrk="1" latinLnBrk="0" hangingPunct="1">
+              <a:defRPr sz="1800" kern="1200">
+                <a:solidFill>
+                  <a:schemeClr val="tx1"/>
+                </a:solidFill>
+                <a:latin typeface="+mn-lt"/>
+                <a:ea typeface="+mn-ea"/>
+                <a:cs typeface="+mn-cs"/>
+              </a:defRPr>
+            </a:lvl2pPr>
+            <a:lvl3pPr marL="914400" algn="l" defTabSz="457200" rtl="0" eaLnBrk="1" latinLnBrk="0" hangingPunct="1">
+              <a:defRPr sz="1800" kern="1200">
+                <a:solidFill>
+                  <a:schemeClr val="tx1"/>
+                </a:solidFill>
+                <a:latin typeface="+mn-lt"/>
+                <a:ea typeface="+mn-ea"/>
+                <a:cs typeface="+mn-cs"/>
+              </a:defRPr>
+            </a:lvl3pPr>
+            <a:lvl4pPr marL="1371600" algn="l" defTabSz="457200" rtl="0" eaLnBrk="1" latinLnBrk="0" hangingPunct="1">
+              <a:defRPr sz="1800" kern="1200">
+                <a:solidFill>
+                  <a:schemeClr val="tx1"/>
+                </a:solidFill>
+                <a:latin typeface="+mn-lt"/>
+                <a:ea typeface="+mn-ea"/>
+                <a:cs typeface="+mn-cs"/>
+              </a:defRPr>
+            </a:lvl4pPr>
+            <a:lvl5pPr marL="1828800" algn="l" defTabSz="457200" rtl="0" eaLnBrk="1" latinLnBrk="0" hangingPunct="1">
+              <a:defRPr sz="1800" kern="1200">
+                <a:solidFill>
+                  <a:schemeClr val="tx1"/>
+                </a:solidFill>
+                <a:latin typeface="+mn-lt"/>
+                <a:ea typeface="+mn-ea"/>
+                <a:cs typeface="+mn-cs"/>
+              </a:defRPr>
+            </a:lvl5pPr>
+            <a:lvl6pPr marL="2286000" algn="l" defTabSz="457200" rtl="0" eaLnBrk="1" latinLnBrk="0" hangingPunct="1">
+              <a:defRPr sz="1800" kern="1200">
+                <a:solidFill>
+                  <a:schemeClr val="tx1"/>
+                </a:solidFill>
+                <a:latin typeface="+mn-lt"/>
+                <a:ea typeface="+mn-ea"/>
+                <a:cs typeface="+mn-cs"/>
+              </a:defRPr>
+            </a:lvl6pPr>
+            <a:lvl7pPr marL="2743200" algn="l" defTabSz="457200" rtl="0" eaLnBrk="1" latinLnBrk="0" hangingPunct="1">
+              <a:defRPr sz="1800" kern="1200">
+                <a:solidFill>
+                  <a:schemeClr val="tx1"/>
+                </a:solidFill>
+                <a:latin typeface="+mn-lt"/>
+                <a:ea typeface="+mn-ea"/>
+                <a:cs typeface="+mn-cs"/>
+              </a:defRPr>
+            </a:lvl7pPr>
+            <a:lvl8pPr marL="3200400" algn="l" defTabSz="457200" rtl="0" eaLnBrk="1" latinLnBrk="0" hangingPunct="1">
+              <a:defRPr sz="1800" kern="1200">
+                <a:solidFill>
+                  <a:schemeClr val="tx1"/>
+                </a:solidFill>
+                <a:latin typeface="+mn-lt"/>
+                <a:ea typeface="+mn-ea"/>
+                <a:cs typeface="+mn-cs"/>
+              </a:defRPr>
+            </a:lvl8pPr>
+            <a:lvl9pPr marL="3657600" algn="l" defTabSz="457200" rtl="0" eaLnBrk="1" latinLnBrk="0" hangingPunct="1">
+              <a:defRPr sz="1800" kern="1200">
+                <a:solidFill>
+                  <a:schemeClr val="tx1"/>
+                </a:solidFill>
+                <a:latin typeface="+mn-lt"/>
+                <a:ea typeface="+mn-ea"/>
+                <a:cs typeface="+mn-cs"/>
+              </a:defRPr>
+            </a:lvl9pPr>
+          </a:lstStyle>
+          <a:p>
+            <a:fld id="{C5EF2332-01BF-834F-8236-50238282D533}" type="slidenum">
+              <a:rPr lang="en-US" sz="1500" smtClean="0">
+                <a:solidFill>
+                  <a:srgbClr val="F2F2F2"/>
+                </a:solidFill>
+              </a:rPr>
+              <a:pPr/>
+              <a:t>‹#›</a:t>
+            </a:fld>
+            <a:endParaRPr lang="en-US" sz="1500" dirty="0">
+              <a:solidFill>
+                <a:srgbClr val="F2F2F2"/>
+              </a:solidFill>
+            </a:endParaRPr>
+          </a:p>
+        </p:txBody>
+      </p:sp>
+    </p:spTree>
+    <p:extLst>
+      <p:ext uri="{BB962C8B-B14F-4D97-AF65-F5344CB8AC3E}">
+        <p14:creationId xmlns:p14="http://schemas.microsoft.com/office/powerpoint/2010/main" val="2700902730"/>
+      </p:ext>
+    </p:extLst>
+  </p:cSld>
+  <p:clrMapOvr>
+    <a:masterClrMapping/>
+  </p:clrMapOvr>
+</p:sldLayout>
+</file>
+
+<file path=ppt/slideLayouts/slideLayout18.xml><?xml version="1.0" encoding="utf-8"?>
+<p:sldLayout xmlns:a="http://schemas.openxmlformats.org/drawingml/2006/main" xmlns:r="http://schemas.openxmlformats.org/officeDocument/2006/relationships" xmlns:p="http://schemas.openxmlformats.org/presentationml/2006/main" preserve="1" userDrawn="1">
+  <p:cSld name="Gradient Slide blank">
+    <p:bg>
+      <p:bgPr>
+        <a:blipFill dpi="0" rotWithShape="1">
+          <a:blip r:embed="rId2">
+            <a:lum/>
+          </a:blip>
+          <a:srcRect/>
+          <a:stretch>
+            <a:fillRect/>
+          </a:stretch>
+        </a:blipFill>
+        <a:effectLst/>
+      </p:bgPr>
+    </p:bg>
+    <p:spTree>
+      <p:nvGrpSpPr>
+        <p:cNvPr id="1" name=""/>
+        <p:cNvGrpSpPr/>
+        <p:nvPr/>
+      </p:nvGrpSpPr>
+      <p:grpSpPr>
+        <a:xfrm>
+          <a:off x="0" y="0"/>
+          <a:ext cx="0" cy="0"/>
+          <a:chOff x="0" y="0"/>
+          <a:chExt cx="0" cy="0"/>
+        </a:xfrm>
+      </p:grpSpPr>
+      <p:pic>
+        <p:nvPicPr>
+          <p:cNvPr id="9" name="Grafik 6">
+            <a:extLst>
+              <a:ext uri="{FF2B5EF4-FFF2-40B4-BE49-F238E27FC236}">
+                <a16:creationId xmlns:a16="http://schemas.microsoft.com/office/drawing/2014/main" id="{831D9137-EED9-064E-A932-4B446A543436}"/>
+              </a:ext>
+            </a:extLst>
+          </p:cNvPr>
+          <p:cNvPicPr>
+            <a:picLocks noChangeAspect="1"/>
+          </p:cNvPicPr>
+          <p:nvPr userDrawn="1"/>
+        </p:nvPicPr>
+        <p:blipFill>
+          <a:blip r:embed="rId3">
+            <a:extLst>
+              <a:ext uri="{28A0092B-C50C-407E-A947-70E740481C1C}">
+                <a14:useLocalDpi xmlns:a14="http://schemas.microsoft.com/office/drawing/2010/main" val="0"/>
+              </a:ext>
+            </a:extLst>
+          </a:blip>
+          <a:stretch>
+            <a:fillRect/>
+          </a:stretch>
+        </p:blipFill>
+        <p:spPr>
+          <a:xfrm>
+            <a:off x="7835259" y="4626159"/>
+            <a:ext cx="851541" cy="282209"/>
+          </a:xfrm>
+          <a:prstGeom prst="rect">
+            <a:avLst/>
+          </a:prstGeom>
+        </p:spPr>
+      </p:pic>
+    </p:spTree>
+    <p:extLst>
+      <p:ext uri="{BB962C8B-B14F-4D97-AF65-F5344CB8AC3E}">
+        <p14:creationId xmlns:p14="http://schemas.microsoft.com/office/powerpoint/2010/main" val="2371078665"/>
+      </p:ext>
+    </p:extLst>
+  </p:cSld>
+  <p:clrMapOvr>
+    <a:masterClrMapping/>
+  </p:clrMapOvr>
+</p:sldLayout>
+</file>
+
+<file path=ppt/slideLayouts/slideLayout19.xml><?xml version="1.0" encoding="utf-8"?>
+<p:sldLayout xmlns:a="http://schemas.openxmlformats.org/drawingml/2006/main" xmlns:r="http://schemas.openxmlformats.org/officeDocument/2006/relationships" xmlns:p="http://schemas.openxmlformats.org/presentationml/2006/main" preserve="1" userDrawn="1">
+  <p:cSld name="Trivadis Claim">
+    <p:bg>
+      <p:bgPr>
+        <a:blipFill dpi="0" rotWithShape="1">
+          <a:blip r:embed="rId2">
+            <a:lum/>
+          </a:blip>
+          <a:srcRect/>
+          <a:stretch>
+            <a:fillRect/>
+          </a:stretch>
+        </a:blipFill>
+        <a:effectLst/>
+      </p:bgPr>
+    </p:bg>
+    <p:spTree>
+      <p:nvGrpSpPr>
+        <p:cNvPr id="1" name=""/>
+        <p:cNvGrpSpPr/>
+        <p:nvPr/>
+      </p:nvGrpSpPr>
+      <p:grpSpPr>
+        <a:xfrm>
+          <a:off x="0" y="0"/>
+          <a:ext cx="0" cy="0"/>
+          <a:chOff x="0" y="0"/>
+          <a:chExt cx="0" cy="0"/>
+        </a:xfrm>
+      </p:grpSpPr>
+      <p:pic>
+        <p:nvPicPr>
+          <p:cNvPr id="9" name="Grafik 6">
+            <a:extLst>
+              <a:ext uri="{FF2B5EF4-FFF2-40B4-BE49-F238E27FC236}">
+                <a16:creationId xmlns:a16="http://schemas.microsoft.com/office/drawing/2014/main" id="{831D9137-EED9-064E-A932-4B446A543436}"/>
+              </a:ext>
+            </a:extLst>
+          </p:cNvPr>
+          <p:cNvPicPr>
+            <a:picLocks noChangeAspect="1"/>
+          </p:cNvPicPr>
+          <p:nvPr userDrawn="1"/>
+        </p:nvPicPr>
+        <p:blipFill>
+          <a:blip r:embed="rId3">
+            <a:extLst>
+              <a:ext uri="{28A0092B-C50C-407E-A947-70E740481C1C}">
+                <a14:useLocalDpi xmlns:a14="http://schemas.microsoft.com/office/drawing/2010/main" val="0"/>
+              </a:ext>
+            </a:extLst>
+          </a:blip>
+          <a:stretch>
+            <a:fillRect/>
+          </a:stretch>
+        </p:blipFill>
+        <p:spPr>
+          <a:xfrm>
+            <a:off x="7835259" y="4626159"/>
+            <a:ext cx="851541" cy="282209"/>
+          </a:xfrm>
+          <a:prstGeom prst="rect">
+            <a:avLst/>
+          </a:prstGeom>
+        </p:spPr>
+      </p:pic>
+      <p:sp>
+        <p:nvSpPr>
+          <p:cNvPr id="5" name="Rechteck 5">
+            <a:extLst>
+              <a:ext uri="{FF2B5EF4-FFF2-40B4-BE49-F238E27FC236}">
+                <a16:creationId xmlns:a16="http://schemas.microsoft.com/office/drawing/2014/main" id="{7C5B28A8-D3C5-774D-8C7F-50E140526047}"/>
+              </a:ext>
+            </a:extLst>
+          </p:cNvPr>
+          <p:cNvSpPr/>
+          <p:nvPr userDrawn="1"/>
+        </p:nvSpPr>
+        <p:spPr>
+          <a:xfrm>
+            <a:off x="790161" y="1521462"/>
+            <a:ext cx="7563678" cy="2123658"/>
+          </a:xfrm>
+          <a:prstGeom prst="rect">
+            <a:avLst/>
+          </a:prstGeom>
+        </p:spPr>
+        <p:txBody>
+          <a:bodyPr wrap="square">
+            <a:spAutoFit/>
+          </a:bodyPr>
+          <a:lstStyle>
+            <a:defPPr>
+              <a:defRPr lang="en-US"/>
+            </a:defPPr>
+            <a:lvl1pPr marL="0" algn="l" defTabSz="457200" rtl="0" eaLnBrk="1" latinLnBrk="0" hangingPunct="1">
+              <a:defRPr sz="1800" kern="1200">
+                <a:solidFill>
+                  <a:schemeClr val="tx1"/>
+                </a:solidFill>
+                <a:latin typeface="+mn-lt"/>
+                <a:ea typeface="+mn-ea"/>
+                <a:cs typeface="+mn-cs"/>
+              </a:defRPr>
+            </a:lvl1pPr>
+            <a:lvl2pPr marL="457200" algn="l" defTabSz="457200" rtl="0" eaLnBrk="1" latinLnBrk="0" hangingPunct="1">
+              <a:defRPr sz="1800" kern="1200">
+                <a:solidFill>
+                  <a:schemeClr val="tx1"/>
+                </a:solidFill>
+                <a:latin typeface="+mn-lt"/>
+                <a:ea typeface="+mn-ea"/>
+                <a:cs typeface="+mn-cs"/>
+              </a:defRPr>
+            </a:lvl2pPr>
+            <a:lvl3pPr marL="914400" algn="l" defTabSz="457200" rtl="0" eaLnBrk="1" latinLnBrk="0" hangingPunct="1">
+              <a:defRPr sz="1800" kern="1200">
+                <a:solidFill>
+                  <a:schemeClr val="tx1"/>
+                </a:solidFill>
+                <a:latin typeface="+mn-lt"/>
+                <a:ea typeface="+mn-ea"/>
+                <a:cs typeface="+mn-cs"/>
+              </a:defRPr>
+            </a:lvl3pPr>
+            <a:lvl4pPr marL="1371600" algn="l" defTabSz="457200" rtl="0" eaLnBrk="1" latinLnBrk="0" hangingPunct="1">
+              <a:defRPr sz="1800" kern="1200">
+                <a:solidFill>
+                  <a:schemeClr val="tx1"/>
+                </a:solidFill>
+                <a:latin typeface="+mn-lt"/>
+                <a:ea typeface="+mn-ea"/>
+                <a:cs typeface="+mn-cs"/>
+              </a:defRPr>
+            </a:lvl4pPr>
+            <a:lvl5pPr marL="1828800" algn="l" defTabSz="457200" rtl="0" eaLnBrk="1" latinLnBrk="0" hangingPunct="1">
+              <a:defRPr sz="1800" kern="1200">
+                <a:solidFill>
+                  <a:schemeClr val="tx1"/>
+                </a:solidFill>
+                <a:latin typeface="+mn-lt"/>
+                <a:ea typeface="+mn-ea"/>
+                <a:cs typeface="+mn-cs"/>
+              </a:defRPr>
+            </a:lvl5pPr>
+            <a:lvl6pPr marL="2286000" algn="l" defTabSz="457200" rtl="0" eaLnBrk="1" latinLnBrk="0" hangingPunct="1">
+              <a:defRPr sz="1800" kern="1200">
+                <a:solidFill>
+                  <a:schemeClr val="tx1"/>
+                </a:solidFill>
+                <a:latin typeface="+mn-lt"/>
+                <a:ea typeface="+mn-ea"/>
+                <a:cs typeface="+mn-cs"/>
+              </a:defRPr>
+            </a:lvl6pPr>
+            <a:lvl7pPr marL="2743200" algn="l" defTabSz="457200" rtl="0" eaLnBrk="1" latinLnBrk="0" hangingPunct="1">
+              <a:defRPr sz="1800" kern="1200">
+                <a:solidFill>
+                  <a:schemeClr val="tx1"/>
+                </a:solidFill>
+                <a:latin typeface="+mn-lt"/>
+                <a:ea typeface="+mn-ea"/>
+                <a:cs typeface="+mn-cs"/>
+              </a:defRPr>
+            </a:lvl7pPr>
+            <a:lvl8pPr marL="3200400" algn="l" defTabSz="457200" rtl="0" eaLnBrk="1" latinLnBrk="0" hangingPunct="1">
+              <a:defRPr sz="1800" kern="1200">
+                <a:solidFill>
+                  <a:schemeClr val="tx1"/>
+                </a:solidFill>
+                <a:latin typeface="+mn-lt"/>
+                <a:ea typeface="+mn-ea"/>
+                <a:cs typeface="+mn-cs"/>
+              </a:defRPr>
+            </a:lvl8pPr>
+            <a:lvl9pPr marL="3657600" algn="l" defTabSz="457200" rtl="0" eaLnBrk="1" latinLnBrk="0" hangingPunct="1">
+              <a:defRPr sz="1800" kern="1200">
+                <a:solidFill>
+                  <a:schemeClr val="tx1"/>
+                </a:solidFill>
+                <a:latin typeface="+mn-lt"/>
+                <a:ea typeface="+mn-ea"/>
+                <a:cs typeface="+mn-cs"/>
+              </a:defRPr>
+            </a:lvl9pPr>
+          </a:lstStyle>
+          <a:p>
+            <a:pPr algn="ctr">
+              <a:spcAft>
+                <a:spcPts val="900"/>
+              </a:spcAft>
+            </a:pPr>
+            <a:r>
+              <a:rPr lang="en-US" sz="3300" b="1" i="0" cap="all" noProof="0" dirty="0">
+                <a:solidFill>
+                  <a:schemeClr val="bg1"/>
+                </a:solidFill>
+                <a:latin typeface="Montserrat" pitchFamily="2" charset="77"/>
+                <a:cs typeface="Impact"/>
+              </a:rPr>
+              <a:t>Together we are </a:t>
+            </a:r>
+            <a:br>
+              <a:rPr lang="en-US" sz="3300" b="1" i="0" cap="all" noProof="0" dirty="0">
+                <a:solidFill>
+                  <a:schemeClr val="bg1"/>
+                </a:solidFill>
+                <a:latin typeface="Montserrat" pitchFamily="2" charset="77"/>
+                <a:cs typeface="Impact"/>
+              </a:rPr>
+            </a:br>
+            <a:r>
+              <a:rPr lang="en-US" sz="3300" b="1" i="0" cap="all" noProof="0" dirty="0">
+                <a:solidFill>
+                  <a:schemeClr val="bg1"/>
+                </a:solidFill>
+                <a:latin typeface="Montserrat" pitchFamily="2" charset="77"/>
+                <a:cs typeface="Impact"/>
+              </a:rPr>
+              <a:t>#1 partner for businesses to harness the power of data </a:t>
+            </a:r>
+            <a:br>
+              <a:rPr lang="en-US" sz="3300" b="1" i="0" cap="all" noProof="0" dirty="0">
+                <a:solidFill>
+                  <a:schemeClr val="bg1"/>
+                </a:solidFill>
+                <a:latin typeface="Montserrat" pitchFamily="2" charset="77"/>
+                <a:cs typeface="Impact"/>
+              </a:rPr>
+            </a:br>
+            <a:r>
+              <a:rPr lang="en-US" sz="3300" b="1" i="0" cap="all" noProof="0" dirty="0">
+                <a:solidFill>
+                  <a:schemeClr val="bg1"/>
+                </a:solidFill>
+                <a:latin typeface="Montserrat" pitchFamily="2" charset="77"/>
+                <a:cs typeface="Impact"/>
+              </a:rPr>
+              <a:t>for a smarter life</a:t>
+            </a:r>
+            <a:endParaRPr lang="en-US" sz="3300" b="1" i="0" cap="all" noProof="0" dirty="0">
+              <a:solidFill>
+                <a:schemeClr val="bg1"/>
+              </a:solidFill>
+              <a:latin typeface="Montserrat" pitchFamily="2" charset="77"/>
+              <a:cs typeface="Open Sans" panose="020B0606030504020204" pitchFamily="34" charset="0"/>
+            </a:endParaRPr>
+          </a:p>
+        </p:txBody>
+      </p:sp>
+    </p:spTree>
+    <p:extLst>
+      <p:ext uri="{BB962C8B-B14F-4D97-AF65-F5344CB8AC3E}">
+        <p14:creationId xmlns:p14="http://schemas.microsoft.com/office/powerpoint/2010/main" val="1892944340"/>
+      </p:ext>
+    </p:extLst>
+  </p:cSld>
+  <p:clrMapOvr>
+    <a:masterClrMapping/>
+  </p:clrMapOvr>
+</p:sldLayout>
+</file>
+
+<file path=ppt/slideLayouts/slideLayout2.xml><?xml version="1.0" encoding="utf-8"?>
+<p:sldLayout xmlns:a="http://schemas.openxmlformats.org/drawingml/2006/main" xmlns:r="http://schemas.openxmlformats.org/officeDocument/2006/relationships" xmlns:p="http://schemas.openxmlformats.org/presentationml/2006/main" type="secHead" preserve="1">
+  <p:cSld name="Section Header">
+    <p:bg>
+      <p:bgPr>
+        <a:blipFill dpi="0" rotWithShape="1">
+          <a:blip r:embed="rId2">
+            <a:lum/>
+          </a:blip>
+          <a:srcRect/>
+          <a:stretch>
+            <a:fillRect/>
+          </a:stretch>
+        </a:blipFill>
+        <a:effectLst/>
+      </p:bgPr>
+    </p:bg>
+    <p:spTree>
+      <p:nvGrpSpPr>
+        <p:cNvPr id="1" name=""/>
+        <p:cNvGrpSpPr/>
+        <p:nvPr/>
+      </p:nvGrpSpPr>
+      <p:grpSpPr>
+        <a:xfrm>
+          <a:off x="0" y="0"/>
+          <a:ext cx="0" cy="0"/>
+          <a:chOff x="0" y="0"/>
+          <a:chExt cx="0" cy="0"/>
+        </a:xfrm>
+      </p:grpSpPr>
+      <p:sp>
+        <p:nvSpPr>
+          <p:cNvPr id="2" name="Title 1"/>
+          <p:cNvSpPr>
+            <a:spLocks noGrp="1"/>
+          </p:cNvSpPr>
+          <p:nvPr>
+            <p:ph type="title"/>
+          </p:nvPr>
+        </p:nvSpPr>
+        <p:spPr>
+          <a:xfrm>
+            <a:off x="685800" y="2112763"/>
+            <a:ext cx="7772400" cy="1021556"/>
+          </a:xfrm>
+        </p:spPr>
+        <p:txBody>
+          <a:bodyPr anchor="t">
+            <a:normAutofit/>
+          </a:bodyPr>
+          <a:lstStyle>
+            <a:lvl1pPr algn="ctr">
+              <a:defRPr lang="en-US" sz="3000" b="1" i="0" kern="1200" noProof="0" dirty="0">
+                <a:solidFill>
+                  <a:schemeClr val="bg1"/>
+                </a:solidFill>
+                <a:latin typeface="Montserrat SemiBold" pitchFamily="2" charset="77"/>
+                <a:ea typeface="+mn-ea"/>
+                <a:cs typeface="+mn-cs"/>
+              </a:defRPr>
+            </a:lvl1pPr>
+          </a:lstStyle>
+          <a:p>
+            <a:r>
+              <a:rPr lang="en-GB"/>
+              <a:t>Click to edit Master title style</a:t>
+            </a:r>
+            <a:endParaRPr lang="en-US" dirty="0"/>
+          </a:p>
+        </p:txBody>
+      </p:sp>
+      <p:sp>
+        <p:nvSpPr>
+          <p:cNvPr id="3" name="Text Placeholder 2"/>
+          <p:cNvSpPr>
+            <a:spLocks noGrp="1"/>
+          </p:cNvSpPr>
+          <p:nvPr>
+            <p:ph type="body" idx="1"/>
+          </p:nvPr>
+        </p:nvSpPr>
+        <p:spPr>
+          <a:xfrm>
+            <a:off x="685800" y="3134319"/>
+            <a:ext cx="7772400" cy="1125140"/>
+          </a:xfrm>
+        </p:spPr>
+        <p:txBody>
+          <a:bodyPr anchor="b">
+            <a:normAutofit/>
+          </a:bodyPr>
+          <a:lstStyle>
+            <a:lvl1pPr marL="0" indent="0" algn="ctr">
+              <a:buNone/>
+              <a:defRPr lang="en-US" sz="1500" b="0" i="0" kern="1200" baseline="0" dirty="0" smtClean="0">
+                <a:solidFill>
+                  <a:schemeClr val="bg1"/>
+                </a:solidFill>
+                <a:latin typeface="Montserrat" pitchFamily="2" charset="77"/>
+                <a:ea typeface="+mn-ea"/>
+                <a:cs typeface="+mn-cs"/>
+              </a:defRPr>
+            </a:lvl1pPr>
+            <a:lvl2pPr marL="342900" indent="0">
+              <a:buNone/>
+              <a:defRPr sz="1350">
+                <a:solidFill>
+                  <a:schemeClr val="tx1">
+                    <a:tint val="75000"/>
+                  </a:schemeClr>
+                </a:solidFill>
+              </a:defRPr>
+            </a:lvl2pPr>
+            <a:lvl3pPr marL="685800" indent="0">
+              <a:buNone/>
+              <a:defRPr sz="1200">
+                <a:solidFill>
+                  <a:schemeClr val="tx1">
+                    <a:tint val="75000"/>
+                  </a:schemeClr>
+                </a:solidFill>
+              </a:defRPr>
+            </a:lvl3pPr>
+            <a:lvl4pPr marL="1028700" indent="0">
+              <a:buNone/>
+              <a:defRPr sz="1050">
+                <a:solidFill>
+                  <a:schemeClr val="tx1">
+                    <a:tint val="75000"/>
+                  </a:schemeClr>
+                </a:solidFill>
+              </a:defRPr>
+            </a:lvl4pPr>
+            <a:lvl5pPr marL="1371600" indent="0">
+              <a:buNone/>
+              <a:defRPr sz="1050">
+                <a:solidFill>
+                  <a:schemeClr val="tx1">
+                    <a:tint val="75000"/>
+                  </a:schemeClr>
+                </a:solidFill>
+              </a:defRPr>
+            </a:lvl5pPr>
+            <a:lvl6pPr marL="1714500" indent="0">
+              <a:buNone/>
+              <a:defRPr sz="1050">
+                <a:solidFill>
+                  <a:schemeClr val="tx1">
+                    <a:tint val="75000"/>
+                  </a:schemeClr>
+                </a:solidFill>
+              </a:defRPr>
+            </a:lvl6pPr>
+            <a:lvl7pPr marL="2057400" indent="0">
+              <a:buNone/>
+              <a:defRPr sz="1050">
+                <a:solidFill>
+                  <a:schemeClr val="tx1">
+                    <a:tint val="75000"/>
+                  </a:schemeClr>
+                </a:solidFill>
+              </a:defRPr>
+            </a:lvl7pPr>
+            <a:lvl8pPr marL="2400300" indent="0">
+              <a:buNone/>
+              <a:defRPr sz="1050">
+                <a:solidFill>
+                  <a:schemeClr val="tx1">
+                    <a:tint val="75000"/>
+                  </a:schemeClr>
+                </a:solidFill>
+              </a:defRPr>
+            </a:lvl8pPr>
+            <a:lvl9pPr marL="2743200" indent="0">
+              <a:buNone/>
+              <a:defRPr sz="1050">
+                <a:solidFill>
+                  <a:schemeClr val="tx1">
+                    <a:tint val="75000"/>
+                  </a:schemeClr>
+                </a:solidFill>
+              </a:defRPr>
+            </a:lvl9pPr>
+          </a:lstStyle>
+          <a:p>
+            <a:pPr lvl="0"/>
+            <a:r>
+              <a:rPr lang="en-GB"/>
+              <a:t>Click to edit Master text styles</a:t>
+            </a:r>
+          </a:p>
+        </p:txBody>
+      </p:sp>
+      <p:pic>
+        <p:nvPicPr>
+          <p:cNvPr id="8" name="Grafik 6">
+            <a:extLst>
+              <a:ext uri="{FF2B5EF4-FFF2-40B4-BE49-F238E27FC236}">
+                <a16:creationId xmlns:a16="http://schemas.microsoft.com/office/drawing/2014/main" id="{8CBB7647-EE14-0241-8932-C98B80884486}"/>
+              </a:ext>
+            </a:extLst>
+          </p:cNvPr>
+          <p:cNvPicPr>
+            <a:picLocks noChangeAspect="1"/>
+          </p:cNvPicPr>
+          <p:nvPr userDrawn="1"/>
+        </p:nvPicPr>
+        <p:blipFill>
+          <a:blip r:embed="rId3">
+            <a:extLst>
+              <a:ext uri="{28A0092B-C50C-407E-A947-70E740481C1C}">
+                <a14:useLocalDpi xmlns:a14="http://schemas.microsoft.com/office/drawing/2010/main" val="0"/>
+              </a:ext>
+            </a:extLst>
+          </a:blip>
+          <a:stretch>
+            <a:fillRect/>
+          </a:stretch>
+        </p:blipFill>
+        <p:spPr>
+          <a:xfrm>
+            <a:off x="7835259" y="4626159"/>
+            <a:ext cx="851541" cy="282209"/>
+          </a:xfrm>
+          <a:prstGeom prst="rect">
+            <a:avLst/>
+          </a:prstGeom>
+        </p:spPr>
+      </p:pic>
+      <p:sp>
+        <p:nvSpPr>
+          <p:cNvPr id="11" name="Slide Number Placeholder 5">
+            <a:extLst>
+              <a:ext uri="{FF2B5EF4-FFF2-40B4-BE49-F238E27FC236}">
+                <a16:creationId xmlns:a16="http://schemas.microsoft.com/office/drawing/2014/main" id="{DDEEA8AA-6757-2445-805F-36267AB9E167}"/>
+              </a:ext>
+            </a:extLst>
+          </p:cNvPr>
+          <p:cNvSpPr txBox="1">
+            <a:spLocks/>
+          </p:cNvSpPr>
+          <p:nvPr userDrawn="1"/>
+        </p:nvSpPr>
+        <p:spPr>
+          <a:xfrm>
+            <a:off x="340913" y="292076"/>
+            <a:ext cx="434340" cy="324446"/>
+          </a:xfrm>
+          <a:prstGeom prst="rect">
+            <a:avLst/>
+          </a:prstGeom>
+        </p:spPr>
+        <p:txBody>
+          <a:bodyPr vert="horz" lIns="68580" tIns="34290" rIns="68580" bIns="34290" rtlCol="0" anchor="ctr"/>
+          <a:lstStyle>
+            <a:defPPr>
+              <a:defRPr lang="en-US"/>
+            </a:defPPr>
+            <a:lvl1pPr marL="0" algn="r" defTabSz="457200" rtl="0" eaLnBrk="1" latinLnBrk="0" hangingPunct="1">
+              <a:defRPr sz="2000" b="1" i="0" kern="1200">
+                <a:solidFill>
+                  <a:srgbClr val="9601FF"/>
+                </a:solidFill>
+                <a:latin typeface="Montserrat" pitchFamily="2" charset="77"/>
+                <a:ea typeface="+mn-ea"/>
+                <a:cs typeface="+mn-cs"/>
+              </a:defRPr>
+            </a:lvl1pPr>
+            <a:lvl2pPr marL="457200" algn="l" defTabSz="457200" rtl="0" eaLnBrk="1" latinLnBrk="0" hangingPunct="1">
+              <a:defRPr sz="1800" kern="1200">
+                <a:solidFill>
+                  <a:schemeClr val="tx1"/>
+                </a:solidFill>
+                <a:latin typeface="+mn-lt"/>
+                <a:ea typeface="+mn-ea"/>
+                <a:cs typeface="+mn-cs"/>
+              </a:defRPr>
+            </a:lvl2pPr>
+            <a:lvl3pPr marL="914400" algn="l" defTabSz="457200" rtl="0" eaLnBrk="1" latinLnBrk="0" hangingPunct="1">
+              <a:defRPr sz="1800" kern="1200">
+                <a:solidFill>
+                  <a:schemeClr val="tx1"/>
+                </a:solidFill>
+                <a:latin typeface="+mn-lt"/>
+                <a:ea typeface="+mn-ea"/>
+                <a:cs typeface="+mn-cs"/>
+              </a:defRPr>
+            </a:lvl3pPr>
+            <a:lvl4pPr marL="1371600" algn="l" defTabSz="457200" rtl="0" eaLnBrk="1" latinLnBrk="0" hangingPunct="1">
+              <a:defRPr sz="1800" kern="1200">
+                <a:solidFill>
+                  <a:schemeClr val="tx1"/>
+                </a:solidFill>
+                <a:latin typeface="+mn-lt"/>
+                <a:ea typeface="+mn-ea"/>
+                <a:cs typeface="+mn-cs"/>
+              </a:defRPr>
+            </a:lvl4pPr>
+            <a:lvl5pPr marL="1828800" algn="l" defTabSz="457200" rtl="0" eaLnBrk="1" latinLnBrk="0" hangingPunct="1">
+              <a:defRPr sz="1800" kern="1200">
+                <a:solidFill>
+                  <a:schemeClr val="tx1"/>
+                </a:solidFill>
+                <a:latin typeface="+mn-lt"/>
+                <a:ea typeface="+mn-ea"/>
+                <a:cs typeface="+mn-cs"/>
+              </a:defRPr>
+            </a:lvl5pPr>
+            <a:lvl6pPr marL="2286000" algn="l" defTabSz="457200" rtl="0" eaLnBrk="1" latinLnBrk="0" hangingPunct="1">
+              <a:defRPr sz="1800" kern="1200">
+                <a:solidFill>
+                  <a:schemeClr val="tx1"/>
+                </a:solidFill>
+                <a:latin typeface="+mn-lt"/>
+                <a:ea typeface="+mn-ea"/>
+                <a:cs typeface="+mn-cs"/>
+              </a:defRPr>
+            </a:lvl6pPr>
+            <a:lvl7pPr marL="2743200" algn="l" defTabSz="457200" rtl="0" eaLnBrk="1" latinLnBrk="0" hangingPunct="1">
+              <a:defRPr sz="1800" kern="1200">
+                <a:solidFill>
+                  <a:schemeClr val="tx1"/>
+                </a:solidFill>
+                <a:latin typeface="+mn-lt"/>
+                <a:ea typeface="+mn-ea"/>
+                <a:cs typeface="+mn-cs"/>
+              </a:defRPr>
+            </a:lvl7pPr>
+            <a:lvl8pPr marL="3200400" algn="l" defTabSz="457200" rtl="0" eaLnBrk="1" latinLnBrk="0" hangingPunct="1">
+              <a:defRPr sz="1800" kern="1200">
+                <a:solidFill>
+                  <a:schemeClr val="tx1"/>
+                </a:solidFill>
+                <a:latin typeface="+mn-lt"/>
+                <a:ea typeface="+mn-ea"/>
+                <a:cs typeface="+mn-cs"/>
+              </a:defRPr>
+            </a:lvl8pPr>
+            <a:lvl9pPr marL="3657600" algn="l" defTabSz="457200" rtl="0" eaLnBrk="1" latinLnBrk="0" hangingPunct="1">
+              <a:defRPr sz="1800" kern="1200">
+                <a:solidFill>
+                  <a:schemeClr val="tx1"/>
+                </a:solidFill>
+                <a:latin typeface="+mn-lt"/>
+                <a:ea typeface="+mn-ea"/>
+                <a:cs typeface="+mn-cs"/>
+              </a:defRPr>
+            </a:lvl9pPr>
+          </a:lstStyle>
+          <a:p>
+            <a:fld id="{C5EF2332-01BF-834F-8236-50238282D533}" type="slidenum">
+              <a:rPr lang="en-US" sz="1500" smtClean="0">
+                <a:solidFill>
+                  <a:srgbClr val="F2F2F2"/>
+                </a:solidFill>
+              </a:rPr>
+              <a:pPr/>
+              <a:t>‹#›</a:t>
+            </a:fld>
+            <a:endParaRPr lang="en-US" sz="1500" dirty="0">
+              <a:solidFill>
+                <a:srgbClr val="F2F2F2"/>
+              </a:solidFill>
+            </a:endParaRPr>
+          </a:p>
+        </p:txBody>
+      </p:sp>
+    </p:spTree>
+    <p:extLst>
+      <p:ext uri="{BB962C8B-B14F-4D97-AF65-F5344CB8AC3E}">
+        <p14:creationId xmlns:p14="http://schemas.microsoft.com/office/powerpoint/2010/main" val="1073069076"/>
+      </p:ext>
+    </p:extLst>
+  </p:cSld>
+  <p:clrMapOvr>
+    <a:masterClrMapping/>
+  </p:clrMapOvr>
+</p:sldLayout>
+</file>
+
+<file path=ppt/slideLayouts/slideLayout20.xml><?xml version="1.0" encoding="utf-8"?>
+<p:sldLayout xmlns:a="http://schemas.openxmlformats.org/drawingml/2006/main" xmlns:r="http://schemas.openxmlformats.org/officeDocument/2006/relationships" xmlns:p="http://schemas.openxmlformats.org/presentationml/2006/main" preserve="1" userDrawn="1">
+  <p:cSld name="Outro Trivadis Logo">
+    <p:bg>
+      <p:bgPr>
+        <a:blipFill dpi="0" rotWithShape="1">
+          <a:blip r:embed="rId2">
+            <a:lum/>
+          </a:blip>
+          <a:srcRect/>
+          <a:stretch>
+            <a:fillRect/>
+          </a:stretch>
+        </a:blipFill>
+        <a:effectLst/>
+      </p:bgPr>
+    </p:bg>
+    <p:spTree>
+      <p:nvGrpSpPr>
+        <p:cNvPr id="1" name=""/>
+        <p:cNvGrpSpPr/>
+        <p:nvPr/>
+      </p:nvGrpSpPr>
+      <p:grpSpPr>
+        <a:xfrm>
+          <a:off x="0" y="0"/>
+          <a:ext cx="0" cy="0"/>
+          <a:chOff x="0" y="0"/>
+          <a:chExt cx="0" cy="0"/>
+        </a:xfrm>
+      </p:grpSpPr>
+      <p:pic>
+        <p:nvPicPr>
+          <p:cNvPr id="5" name="Grafik 9">
+            <a:extLst>
+              <a:ext uri="{FF2B5EF4-FFF2-40B4-BE49-F238E27FC236}">
+                <a16:creationId xmlns:a16="http://schemas.microsoft.com/office/drawing/2014/main" id="{B7B2D3E9-C883-E94B-8958-523247E1404F}"/>
+              </a:ext>
+            </a:extLst>
+          </p:cNvPr>
+          <p:cNvPicPr>
+            <a:picLocks noChangeAspect="1"/>
+          </p:cNvPicPr>
+          <p:nvPr userDrawn="1"/>
+        </p:nvPicPr>
+        <p:blipFill>
+          <a:blip r:embed="rId3">
+            <a:extLst>
+              <a:ext uri="{96DAC541-7B7A-43D3-8B79-37D633B846F1}">
+                <asvg:svgBlip xmlns:asvg="http://schemas.microsoft.com/office/drawing/2016/SVG/main" r:embed="rId4"/>
+              </a:ext>
+            </a:extLst>
+          </a:blip>
+          <a:stretch>
+            <a:fillRect/>
+          </a:stretch>
+        </p:blipFill>
+        <p:spPr>
+          <a:xfrm>
+            <a:off x="1327677" y="1925420"/>
+            <a:ext cx="6488647" cy="1292660"/>
+          </a:xfrm>
+          <a:prstGeom prst="rect">
+            <a:avLst/>
+          </a:prstGeom>
+        </p:spPr>
+      </p:pic>
+    </p:spTree>
+    <p:extLst>
+      <p:ext uri="{BB962C8B-B14F-4D97-AF65-F5344CB8AC3E}">
+        <p14:creationId xmlns:p14="http://schemas.microsoft.com/office/powerpoint/2010/main" val="1994461963"/>
+      </p:ext>
+    </p:extLst>
+  </p:cSld>
+  <p:clrMapOvr>
+    <a:masterClrMapping/>
+  </p:clrMapOvr>
+</p:sldLayout>
+</file>
+
+<file path=ppt/slideLayouts/slideLayout3.xml><?xml version="1.0" encoding="utf-8"?>
+<p:sldLayout xmlns:a="http://schemas.openxmlformats.org/drawingml/2006/main" xmlns:r="http://schemas.openxmlformats.org/officeDocument/2006/relationships" xmlns:p="http://schemas.openxmlformats.org/presentationml/2006/main" preserve="1" userDrawn="1">
+  <p:cSld name="Alternative Section Header">
+    <p:spTree>
+      <p:nvGrpSpPr>
+        <p:cNvPr id="1" name=""/>
+        <p:cNvGrpSpPr/>
+        <p:nvPr/>
+      </p:nvGrpSpPr>
+      <p:grpSpPr>
+        <a:xfrm>
+          <a:off x="0" y="0"/>
+          <a:ext cx="0" cy="0"/>
+          <a:chOff x="0" y="0"/>
+          <a:chExt cx="0" cy="0"/>
+        </a:xfrm>
+      </p:grpSpPr>
+      <p:pic>
+        <p:nvPicPr>
+          <p:cNvPr id="7" name="Bild 5">
+            <a:extLst>
+              <a:ext uri="{FF2B5EF4-FFF2-40B4-BE49-F238E27FC236}">
+                <a16:creationId xmlns:a16="http://schemas.microsoft.com/office/drawing/2014/main" id="{E35C71CB-D613-F04E-8548-7441E1AC5EBC}"/>
+              </a:ext>
+            </a:extLst>
+          </p:cNvPr>
+          <p:cNvPicPr>
+            <a:picLocks noChangeAspect="1"/>
+          </p:cNvPicPr>
+          <p:nvPr userDrawn="1"/>
+        </p:nvPicPr>
+        <p:blipFill>
+          <a:blip r:embed="rId2"/>
+          <a:srcRect/>
+          <a:stretch/>
+        </p:blipFill>
+        <p:spPr>
+          <a:xfrm>
+            <a:off x="0" y="-2"/>
+            <a:ext cx="6076509" cy="3876263"/>
+          </a:xfrm>
+          <a:prstGeom prst="rect">
+            <a:avLst/>
+          </a:prstGeom>
+        </p:spPr>
+      </p:pic>
+      <p:sp>
+        <p:nvSpPr>
+          <p:cNvPr id="5" name="Title 1">
+            <a:extLst>
+              <a:ext uri="{FF2B5EF4-FFF2-40B4-BE49-F238E27FC236}">
+                <a16:creationId xmlns:a16="http://schemas.microsoft.com/office/drawing/2014/main" id="{FFF09273-16E1-2B4C-B232-7116EC1D1E39}"/>
+              </a:ext>
+            </a:extLst>
+          </p:cNvPr>
+          <p:cNvSpPr>
+            <a:spLocks noGrp="1"/>
+          </p:cNvSpPr>
+          <p:nvPr>
+            <p:ph type="title" hasCustomPrompt="1"/>
+          </p:nvPr>
+        </p:nvSpPr>
+        <p:spPr>
+          <a:xfrm>
+            <a:off x="327916" y="293812"/>
+            <a:ext cx="5427425" cy="1021556"/>
+          </a:xfrm>
+        </p:spPr>
+        <p:txBody>
+          <a:bodyPr anchor="t">
+            <a:normAutofit/>
+          </a:bodyPr>
+          <a:lstStyle>
+            <a:lvl1pPr algn="l">
+              <a:defRPr lang="en-US" sz="3000" b="1" i="0" kern="1200" noProof="0" dirty="0">
+                <a:solidFill>
+                  <a:schemeClr val="bg1"/>
+                </a:solidFill>
+                <a:latin typeface="Montserrat SemiBold" pitchFamily="2" charset="77"/>
+                <a:ea typeface="+mn-ea"/>
+                <a:cs typeface="+mn-cs"/>
+              </a:defRPr>
+            </a:lvl1pPr>
+          </a:lstStyle>
+          <a:p>
+            <a:r>
+              <a:rPr lang="en-GB" dirty="0"/>
+              <a:t>Click to edit title</a:t>
+            </a:r>
+            <a:endParaRPr lang="en-US" dirty="0"/>
+          </a:p>
+        </p:txBody>
+      </p:sp>
+      <p:pic>
+        <p:nvPicPr>
+          <p:cNvPr id="6" name="Grafik 6">
+            <a:extLst>
+              <a:ext uri="{FF2B5EF4-FFF2-40B4-BE49-F238E27FC236}">
+                <a16:creationId xmlns:a16="http://schemas.microsoft.com/office/drawing/2014/main" id="{7D32D346-7AD6-D343-80E0-5A92C6B43FFB}"/>
+              </a:ext>
+            </a:extLst>
+          </p:cNvPr>
+          <p:cNvPicPr>
+            <a:picLocks noChangeAspect="1"/>
+          </p:cNvPicPr>
+          <p:nvPr userDrawn="1"/>
+        </p:nvPicPr>
+        <p:blipFill>
+          <a:blip r:embed="rId3">
+            <a:extLst>
+              <a:ext uri="{28A0092B-C50C-407E-A947-70E740481C1C}">
+                <a14:useLocalDpi xmlns:a14="http://schemas.microsoft.com/office/drawing/2010/main" val="0"/>
+              </a:ext>
+            </a:extLst>
+          </a:blip>
+          <a:stretch>
+            <a:fillRect/>
+          </a:stretch>
+        </p:blipFill>
+        <p:spPr>
+          <a:xfrm>
+            <a:off x="7835641" y="4626159"/>
+            <a:ext cx="851159" cy="282209"/>
+          </a:xfrm>
+          <a:prstGeom prst="rect">
+            <a:avLst/>
+          </a:prstGeom>
+        </p:spPr>
+      </p:pic>
+    </p:spTree>
+    <p:extLst>
+      <p:ext uri="{BB962C8B-B14F-4D97-AF65-F5344CB8AC3E}">
+        <p14:creationId xmlns:p14="http://schemas.microsoft.com/office/powerpoint/2010/main" val="3937771708"/>
+      </p:ext>
+    </p:extLst>
+  </p:cSld>
+  <p:clrMapOvr>
+    <a:masterClrMapping/>
+  </p:clrMapOvr>
+</p:sldLayout>
+</file>
+
+<file path=ppt/slideLayouts/slideLayout4.xml><?xml version="1.0" encoding="utf-8"?>
+<p:sldLayout xmlns:a="http://schemas.openxmlformats.org/drawingml/2006/main" xmlns:r="http://schemas.openxmlformats.org/officeDocument/2006/relationships" xmlns:p="http://schemas.openxmlformats.org/presentationml/2006/main" preserve="1" userDrawn="1">
+  <p:cSld name="Contact Slide">
+    <p:spTree>
+      <p:nvGrpSpPr>
+        <p:cNvPr id="1" name=""/>
+        <p:cNvGrpSpPr/>
+        <p:nvPr/>
+      </p:nvGrpSpPr>
+      <p:grpSpPr>
+        <a:xfrm>
+          <a:off x="0" y="0"/>
+          <a:ext cx="0" cy="0"/>
+          <a:chOff x="0" y="0"/>
+          <a:chExt cx="0" cy="0"/>
+        </a:xfrm>
+      </p:grpSpPr>
+      <p:sp>
+        <p:nvSpPr>
+          <p:cNvPr id="2" name="Title 1"/>
+          <p:cNvSpPr>
+            <a:spLocks noGrp="1"/>
+          </p:cNvSpPr>
+          <p:nvPr>
+            <p:ph type="title"/>
+          </p:nvPr>
+        </p:nvSpPr>
+        <p:spPr>
+          <a:xfrm>
+            <a:off x="775253" y="293812"/>
+            <a:ext cx="8070574" cy="333361"/>
+          </a:xfrm>
+        </p:spPr>
+        <p:txBody>
+          <a:bodyPr>
+            <a:noAutofit/>
+          </a:bodyPr>
+          <a:lstStyle>
+            <a:lvl1pPr algn="l">
+              <a:defRPr sz="1800" cap="all" baseline="0"/>
+            </a:lvl1pPr>
+          </a:lstStyle>
+          <a:p>
+            <a:r>
+              <a:rPr lang="en-GB"/>
+              <a:t>Click to edit Master title style</a:t>
+            </a:r>
+            <a:endParaRPr lang="en-US" dirty="0"/>
+          </a:p>
+        </p:txBody>
+      </p:sp>
+      <p:sp>
+        <p:nvSpPr>
+          <p:cNvPr id="3" name="Content Placeholder 2"/>
+          <p:cNvSpPr>
+            <a:spLocks noGrp="1"/>
+          </p:cNvSpPr>
+          <p:nvPr>
+            <p:ph idx="1"/>
+          </p:nvPr>
+        </p:nvSpPr>
+        <p:spPr>
+          <a:xfrm>
+            <a:off x="3210339" y="1962870"/>
+            <a:ext cx="5635487" cy="2519678"/>
+          </a:xfrm>
+        </p:spPr>
+        <p:txBody>
+          <a:bodyPr>
+            <a:normAutofit/>
+          </a:bodyPr>
+          <a:lstStyle>
+            <a:lvl1pPr marL="257175" indent="-171450" algn="l" defTabSz="685800" rtl="0" eaLnBrk="1" latinLnBrk="0" hangingPunct="1">
+              <a:lnSpc>
+                <a:spcPct val="90000"/>
+              </a:lnSpc>
+              <a:buClr>
+                <a:srgbClr val="9600FF"/>
+              </a:buClr>
+              <a:buFont typeface="Wingdings" pitchFamily="2" charset="2"/>
+              <a:buChar char="§"/>
+              <a:defRPr lang="en-US" sz="1350" b="0" kern="1200" baseline="0" dirty="0" smtClean="0">
+                <a:solidFill>
+                  <a:srgbClr val="1E2846"/>
+                </a:solidFill>
+                <a:latin typeface="Open Sans Light" panose="020B0306030504020204" pitchFamily="34" charset="0"/>
+                <a:ea typeface="Open Sans Light" panose="020B0306030504020204" pitchFamily="34" charset="0"/>
+                <a:cs typeface="Open Sans Light" panose="020B0306030504020204" pitchFamily="34" charset="0"/>
+              </a:defRPr>
+            </a:lvl1pPr>
+            <a:lvl2pPr marL="557213" indent="-171450" algn="l" defTabSz="685800" rtl="0" eaLnBrk="1" latinLnBrk="0" hangingPunct="1">
+              <a:lnSpc>
+                <a:spcPct val="90000"/>
+              </a:lnSpc>
+              <a:buClr>
+                <a:srgbClr val="9600FF"/>
+              </a:buClr>
+              <a:buFont typeface="Courier New" panose="02070309020205020404" pitchFamily="49" charset="0"/>
+              <a:buChar char="o"/>
+              <a:defRPr lang="en-US" sz="1350" b="0" kern="1200" baseline="0" dirty="0" smtClean="0">
+                <a:solidFill>
+                  <a:srgbClr val="1E2846"/>
+                </a:solidFill>
+                <a:latin typeface="Open Sans Light" panose="020B0306030504020204" pitchFamily="34" charset="0"/>
+                <a:ea typeface="Open Sans Light" panose="020B0306030504020204" pitchFamily="34" charset="0"/>
+                <a:cs typeface="Open Sans Light" panose="020B0306030504020204" pitchFamily="34" charset="0"/>
+              </a:defRPr>
+            </a:lvl2pPr>
+            <a:lvl3pPr marL="857250" indent="-171450" algn="l" defTabSz="685800" rtl="0" eaLnBrk="1" latinLnBrk="0" hangingPunct="1">
+              <a:lnSpc>
+                <a:spcPct val="90000"/>
+              </a:lnSpc>
+              <a:buClr>
+                <a:srgbClr val="9600FF"/>
+              </a:buClr>
+              <a:buFont typeface="Courier New" panose="02070309020205020404" pitchFamily="49" charset="0"/>
+              <a:buChar char="o"/>
+              <a:defRPr lang="en-US" sz="1350" b="0" kern="1200" baseline="0" dirty="0" smtClean="0">
+                <a:solidFill>
+                  <a:srgbClr val="1E2846"/>
+                </a:solidFill>
+                <a:latin typeface="Open Sans Light" panose="020B0306030504020204" pitchFamily="34" charset="0"/>
+                <a:ea typeface="Open Sans Light" panose="020B0306030504020204" pitchFamily="34" charset="0"/>
+                <a:cs typeface="Open Sans Light" panose="020B0306030504020204" pitchFamily="34" charset="0"/>
+              </a:defRPr>
+            </a:lvl3pPr>
+            <a:lvl4pPr marL="1200150" indent="-171450" algn="l" defTabSz="685800" rtl="0" eaLnBrk="1" latinLnBrk="0" hangingPunct="1">
+              <a:lnSpc>
+                <a:spcPct val="90000"/>
+              </a:lnSpc>
+              <a:buClr>
+                <a:srgbClr val="9600FF"/>
+              </a:buClr>
+              <a:buFont typeface="Courier New" panose="02070309020205020404" pitchFamily="49" charset="0"/>
+              <a:buChar char="o"/>
+              <a:defRPr lang="en-US" sz="1350" b="0" kern="1200" baseline="0" dirty="0" smtClean="0">
+                <a:solidFill>
+                  <a:srgbClr val="1E2846"/>
+                </a:solidFill>
+                <a:latin typeface="Open Sans Light" panose="020B0306030504020204" pitchFamily="34" charset="0"/>
+                <a:ea typeface="Open Sans Light" panose="020B0306030504020204" pitchFamily="34" charset="0"/>
+                <a:cs typeface="Open Sans Light" panose="020B0306030504020204" pitchFamily="34" charset="0"/>
+              </a:defRPr>
+            </a:lvl4pPr>
+            <a:lvl5pPr marL="1543050" indent="-171450" algn="l" defTabSz="685800" rtl="0" eaLnBrk="1" latinLnBrk="0" hangingPunct="1">
+              <a:lnSpc>
+                <a:spcPct val="90000"/>
+              </a:lnSpc>
+              <a:buClr>
+                <a:srgbClr val="9600FF"/>
+              </a:buClr>
+              <a:buFont typeface="Courier New" panose="02070309020205020404" pitchFamily="49" charset="0"/>
+              <a:buChar char="o"/>
+              <a:defRPr lang="en-US" sz="1350" b="0" kern="1200" baseline="0" dirty="0">
+                <a:solidFill>
+                  <a:srgbClr val="1E2846"/>
+                </a:solidFill>
+                <a:latin typeface="Open Sans Light" panose="020B0306030504020204" pitchFamily="34" charset="0"/>
+                <a:ea typeface="Open Sans Light" panose="020B0306030504020204" pitchFamily="34" charset="0"/>
+                <a:cs typeface="Open Sans Light" panose="020B0306030504020204" pitchFamily="34" charset="0"/>
+              </a:defRPr>
+            </a:lvl5pPr>
+          </a:lstStyle>
+          <a:p>
+            <a:pPr lvl="0"/>
+            <a:r>
+              <a:rPr lang="en-GB"/>
+              <a:t>Click to edit Master text styles</a:t>
+            </a:r>
+          </a:p>
+        </p:txBody>
+      </p:sp>
+      <p:sp>
+        <p:nvSpPr>
+          <p:cNvPr id="5" name="Slide Number Placeholder 5">
+            <a:extLst>
+              <a:ext uri="{FF2B5EF4-FFF2-40B4-BE49-F238E27FC236}">
+                <a16:creationId xmlns:a16="http://schemas.microsoft.com/office/drawing/2014/main" id="{6370B13A-601D-2141-81B9-08398F1C9740}"/>
+              </a:ext>
+            </a:extLst>
+          </p:cNvPr>
+          <p:cNvSpPr txBox="1">
+            <a:spLocks/>
+          </p:cNvSpPr>
+          <p:nvPr userDrawn="1"/>
+        </p:nvSpPr>
+        <p:spPr>
+          <a:xfrm>
+            <a:off x="340913" y="293812"/>
+            <a:ext cx="434340" cy="324446"/>
+          </a:xfrm>
+          <a:prstGeom prst="rect">
+            <a:avLst/>
+          </a:prstGeom>
+        </p:spPr>
+        <p:txBody>
+          <a:bodyPr vert="horz" lIns="68580" tIns="34290" rIns="68580" bIns="34290" rtlCol="0" anchor="ctr"/>
+          <a:lstStyle>
+            <a:defPPr>
+              <a:defRPr lang="en-US"/>
+            </a:defPPr>
+            <a:lvl1pPr marL="0" algn="r" defTabSz="457200" rtl="0" eaLnBrk="1" latinLnBrk="0" hangingPunct="1">
+              <a:defRPr sz="2000" b="1" i="0" kern="1200">
+                <a:solidFill>
+                  <a:srgbClr val="9601FF"/>
+                </a:solidFill>
+                <a:latin typeface="Montserrat" pitchFamily="2" charset="77"/>
+                <a:ea typeface="+mn-ea"/>
+                <a:cs typeface="+mn-cs"/>
+              </a:defRPr>
+            </a:lvl1pPr>
+            <a:lvl2pPr marL="457200" algn="l" defTabSz="457200" rtl="0" eaLnBrk="1" latinLnBrk="0" hangingPunct="1">
+              <a:defRPr sz="1800" kern="1200">
+                <a:solidFill>
+                  <a:schemeClr val="tx1"/>
+                </a:solidFill>
+                <a:latin typeface="+mn-lt"/>
+                <a:ea typeface="+mn-ea"/>
+                <a:cs typeface="+mn-cs"/>
+              </a:defRPr>
+            </a:lvl2pPr>
+            <a:lvl3pPr marL="914400" algn="l" defTabSz="457200" rtl="0" eaLnBrk="1" latinLnBrk="0" hangingPunct="1">
+              <a:defRPr sz="1800" kern="1200">
+                <a:solidFill>
+                  <a:schemeClr val="tx1"/>
+                </a:solidFill>
+                <a:latin typeface="+mn-lt"/>
+                <a:ea typeface="+mn-ea"/>
+                <a:cs typeface="+mn-cs"/>
+              </a:defRPr>
+            </a:lvl3pPr>
+            <a:lvl4pPr marL="1371600" algn="l" defTabSz="457200" rtl="0" eaLnBrk="1" latinLnBrk="0" hangingPunct="1">
+              <a:defRPr sz="1800" kern="1200">
+                <a:solidFill>
+                  <a:schemeClr val="tx1"/>
+                </a:solidFill>
+                <a:latin typeface="+mn-lt"/>
+                <a:ea typeface="+mn-ea"/>
+                <a:cs typeface="+mn-cs"/>
+              </a:defRPr>
+            </a:lvl4pPr>
+            <a:lvl5pPr marL="1828800" algn="l" defTabSz="457200" rtl="0" eaLnBrk="1" latinLnBrk="0" hangingPunct="1">
+              <a:defRPr sz="1800" kern="1200">
+                <a:solidFill>
+                  <a:schemeClr val="tx1"/>
+                </a:solidFill>
+                <a:latin typeface="+mn-lt"/>
+                <a:ea typeface="+mn-ea"/>
+                <a:cs typeface="+mn-cs"/>
+              </a:defRPr>
+            </a:lvl5pPr>
+            <a:lvl6pPr marL="2286000" algn="l" defTabSz="457200" rtl="0" eaLnBrk="1" latinLnBrk="0" hangingPunct="1">
+              <a:defRPr sz="1800" kern="1200">
+                <a:solidFill>
+                  <a:schemeClr val="tx1"/>
+                </a:solidFill>
+                <a:latin typeface="+mn-lt"/>
+                <a:ea typeface="+mn-ea"/>
+                <a:cs typeface="+mn-cs"/>
+              </a:defRPr>
+            </a:lvl6pPr>
+            <a:lvl7pPr marL="2743200" algn="l" defTabSz="457200" rtl="0" eaLnBrk="1" latinLnBrk="0" hangingPunct="1">
+              <a:defRPr sz="1800" kern="1200">
+                <a:solidFill>
+                  <a:schemeClr val="tx1"/>
+                </a:solidFill>
+                <a:latin typeface="+mn-lt"/>
+                <a:ea typeface="+mn-ea"/>
+                <a:cs typeface="+mn-cs"/>
+              </a:defRPr>
+            </a:lvl7pPr>
+            <a:lvl8pPr marL="3200400" algn="l" defTabSz="457200" rtl="0" eaLnBrk="1" latinLnBrk="0" hangingPunct="1">
+              <a:defRPr sz="1800" kern="1200">
+                <a:solidFill>
+                  <a:schemeClr val="tx1"/>
+                </a:solidFill>
+                <a:latin typeface="+mn-lt"/>
+                <a:ea typeface="+mn-ea"/>
+                <a:cs typeface="+mn-cs"/>
+              </a:defRPr>
+            </a:lvl8pPr>
+            <a:lvl9pPr marL="3657600" algn="l" defTabSz="457200" rtl="0" eaLnBrk="1" latinLnBrk="0" hangingPunct="1">
+              <a:defRPr sz="1800" kern="1200">
+                <a:solidFill>
+                  <a:schemeClr val="tx1"/>
+                </a:solidFill>
+                <a:latin typeface="+mn-lt"/>
+                <a:ea typeface="+mn-ea"/>
+                <a:cs typeface="+mn-cs"/>
+              </a:defRPr>
+            </a:lvl9pPr>
+          </a:lstStyle>
+          <a:p>
+            <a:fld id="{C5EF2332-01BF-834F-8236-50238282D533}" type="slidenum">
+              <a:rPr lang="en-US" sz="1500" smtClean="0"/>
+              <a:pPr/>
+              <a:t>‹#›</a:t>
+            </a:fld>
+            <a:endParaRPr lang="en-US" sz="1500" dirty="0"/>
+          </a:p>
+        </p:txBody>
+      </p:sp>
+      <p:pic>
+        <p:nvPicPr>
+          <p:cNvPr id="9" name="Bild 12">
+            <a:extLst>
+              <a:ext uri="{FF2B5EF4-FFF2-40B4-BE49-F238E27FC236}">
+                <a16:creationId xmlns:a16="http://schemas.microsoft.com/office/drawing/2014/main" id="{DA17B1D5-6FDF-124E-BAB8-4FC671330C9A}"/>
+              </a:ext>
+            </a:extLst>
+          </p:cNvPr>
+          <p:cNvPicPr>
+            <a:picLocks noChangeAspect="1"/>
+          </p:cNvPicPr>
+          <p:nvPr userDrawn="1"/>
+        </p:nvPicPr>
+        <p:blipFill>
+          <a:blip r:embed="rId2">
+            <a:extLst>
+              <a:ext uri="{28A0092B-C50C-407E-A947-70E740481C1C}">
+                <a14:useLocalDpi xmlns:a14="http://schemas.microsoft.com/office/drawing/2010/main" val="0"/>
+              </a:ext>
+            </a:extLst>
+          </a:blip>
+          <a:stretch>
+            <a:fillRect/>
+          </a:stretch>
+        </p:blipFill>
+        <p:spPr>
+          <a:xfrm>
+            <a:off x="6199531" y="4561185"/>
+            <a:ext cx="2646296" cy="295307"/>
+          </a:xfrm>
+          <a:prstGeom prst="rect">
+            <a:avLst/>
+          </a:prstGeom>
+        </p:spPr>
+      </p:pic>
+      <p:sp>
+        <p:nvSpPr>
+          <p:cNvPr id="10" name="Textfeld 24">
+            <a:hlinkClick r:id="rId3"/>
+            <a:extLst>
+              <a:ext uri="{FF2B5EF4-FFF2-40B4-BE49-F238E27FC236}">
+                <a16:creationId xmlns:a16="http://schemas.microsoft.com/office/drawing/2014/main" id="{6BA97247-CC03-E34A-BB9A-F424D705D3A4}"/>
+              </a:ext>
+            </a:extLst>
+          </p:cNvPr>
+          <p:cNvSpPr txBox="1"/>
+          <p:nvPr userDrawn="1"/>
+        </p:nvSpPr>
+        <p:spPr>
+          <a:xfrm>
+            <a:off x="7484338" y="4615234"/>
+            <a:ext cx="1207361" cy="248209"/>
+          </a:xfrm>
+          <a:prstGeom prst="rect">
+            <a:avLst/>
+          </a:prstGeom>
+          <a:noFill/>
+        </p:spPr>
+        <p:txBody>
+          <a:bodyPr wrap="square" rtlCol="0">
+            <a:spAutoFit/>
+          </a:bodyPr>
+          <a:lstStyle/>
+          <a:p>
+            <a:endParaRPr lang="en-US" sz="1013" noProof="0"/>
+          </a:p>
+        </p:txBody>
+      </p:sp>
+      <p:sp>
+        <p:nvSpPr>
+          <p:cNvPr id="12" name="Bildplatzhalter 30">
+            <a:extLst>
+              <a:ext uri="{FF2B5EF4-FFF2-40B4-BE49-F238E27FC236}">
+                <a16:creationId xmlns:a16="http://schemas.microsoft.com/office/drawing/2014/main" id="{85D9BFAE-4C96-D245-BE23-B4588990D01F}"/>
+              </a:ext>
+            </a:extLst>
+          </p:cNvPr>
+          <p:cNvSpPr>
+            <a:spLocks noGrp="1"/>
+          </p:cNvSpPr>
+          <p:nvPr>
+            <p:ph type="pic" sz="quarter" idx="15" hasCustomPrompt="1"/>
+          </p:nvPr>
+        </p:nvSpPr>
+        <p:spPr>
+          <a:xfrm>
+            <a:off x="298174" y="1302026"/>
+            <a:ext cx="2723321" cy="2773018"/>
+          </a:xfrm>
+          <a:prstGeom prst="flowChartConnector">
+            <a:avLst/>
+          </a:prstGeom>
+        </p:spPr>
+        <p:txBody>
+          <a:bodyPr/>
+          <a:lstStyle>
+            <a:lvl1pPr marL="0" indent="0">
+              <a:buNone/>
+              <a:defRPr lang="de-CH" sz="1350" b="1" kern="1200" baseline="0" dirty="0">
+                <a:solidFill>
+                  <a:schemeClr val="bg1"/>
+                </a:solidFill>
+                <a:latin typeface="Open Sans Light"/>
+                <a:ea typeface="Open Sans" panose="020B0606030504020204" pitchFamily="34" charset="0"/>
+                <a:cs typeface="Open Sans Light"/>
+              </a:defRPr>
+            </a:lvl1pPr>
+          </a:lstStyle>
+          <a:p>
+            <a:r>
+              <a:rPr lang="en-US" noProof="0" dirty="0"/>
+              <a:t>Bild</a:t>
+            </a:r>
+          </a:p>
+        </p:txBody>
+      </p:sp>
+      <p:sp>
+        <p:nvSpPr>
+          <p:cNvPr id="19" name="Inhaltsplatzhalter 19">
+            <a:extLst>
+              <a:ext uri="{FF2B5EF4-FFF2-40B4-BE49-F238E27FC236}">
+                <a16:creationId xmlns:a16="http://schemas.microsoft.com/office/drawing/2014/main" id="{60F18873-CF3B-5C4A-B416-5EE745E6B152}"/>
+              </a:ext>
+            </a:extLst>
+          </p:cNvPr>
+          <p:cNvSpPr>
+            <a:spLocks noGrp="1"/>
+          </p:cNvSpPr>
+          <p:nvPr>
+            <p:ph sz="quarter" idx="12" hasCustomPrompt="1"/>
+          </p:nvPr>
+        </p:nvSpPr>
+        <p:spPr>
+          <a:xfrm>
+            <a:off x="3210338" y="1303375"/>
+            <a:ext cx="5635487" cy="269789"/>
+          </a:xfrm>
+          <a:prstGeom prst="rect">
+            <a:avLst/>
+          </a:prstGeom>
+        </p:spPr>
+        <p:txBody>
+          <a:bodyPr>
+            <a:noAutofit/>
+          </a:bodyPr>
+          <a:lstStyle>
+            <a:lvl1pPr marL="0" indent="0">
+              <a:buNone/>
+              <a:defRPr lang="de-DE" sz="1800" b="1" kern="1200" cap="all" spc="75" baseline="0" dirty="0" smtClean="0">
+                <a:solidFill>
+                  <a:srgbClr val="1E2846"/>
+                </a:solidFill>
+                <a:latin typeface="Montserrat-SemiBold"/>
+                <a:ea typeface="+mn-ea"/>
+                <a:cs typeface="Montserrat-Light"/>
+              </a:defRPr>
+            </a:lvl1pPr>
+          </a:lstStyle>
+          <a:p>
+            <a:pPr lvl="0"/>
+            <a:r>
+              <a:rPr lang="en-US" noProof="0" dirty="0"/>
+              <a:t>Surname First name</a:t>
+            </a:r>
+          </a:p>
+        </p:txBody>
+      </p:sp>
+      <p:sp>
+        <p:nvSpPr>
+          <p:cNvPr id="20" name="Inhaltsplatzhalter 21">
+            <a:extLst>
+              <a:ext uri="{FF2B5EF4-FFF2-40B4-BE49-F238E27FC236}">
+                <a16:creationId xmlns:a16="http://schemas.microsoft.com/office/drawing/2014/main" id="{B1506356-8CB9-F14E-B412-556671230903}"/>
+              </a:ext>
+            </a:extLst>
+          </p:cNvPr>
+          <p:cNvSpPr>
+            <a:spLocks noGrp="1"/>
+          </p:cNvSpPr>
+          <p:nvPr>
+            <p:ph sz="quarter" idx="13" hasCustomPrompt="1"/>
+          </p:nvPr>
+        </p:nvSpPr>
+        <p:spPr>
+          <a:xfrm>
+            <a:off x="3209716" y="1598067"/>
+            <a:ext cx="5635487" cy="310754"/>
+          </a:xfrm>
+          <a:prstGeom prst="rect">
+            <a:avLst/>
+          </a:prstGeom>
+        </p:spPr>
+        <p:txBody>
+          <a:bodyPr>
+            <a:noAutofit/>
+          </a:bodyPr>
+          <a:lstStyle>
+            <a:lvl1pPr marL="0" indent="0">
+              <a:buNone/>
+              <a:defRPr lang="de-CH" sz="1800" b="0" kern="1200" cap="all" spc="75" baseline="0" dirty="0" smtClean="0">
+                <a:solidFill>
+                  <a:srgbClr val="1E2846"/>
+                </a:solidFill>
+                <a:latin typeface="Montserrat-SemiBold"/>
+                <a:ea typeface="+mn-ea"/>
+                <a:cs typeface="Montserrat-Light"/>
+              </a:defRPr>
+            </a:lvl1pPr>
+          </a:lstStyle>
+          <a:p>
+            <a:pPr lvl="0"/>
+            <a:r>
+              <a:rPr lang="en-US" noProof="0" dirty="0" err="1"/>
+              <a:t>Titel</a:t>
+            </a:r>
+            <a:endParaRPr lang="en-US" noProof="0" dirty="0"/>
+          </a:p>
+        </p:txBody>
+      </p:sp>
+      <p:pic>
+        <p:nvPicPr>
+          <p:cNvPr id="21" name="Bildplatzhalter 39">
+            <a:hlinkClick r:id="rId4"/>
+            <a:extLst>
+              <a:ext uri="{FF2B5EF4-FFF2-40B4-BE49-F238E27FC236}">
+                <a16:creationId xmlns:a16="http://schemas.microsoft.com/office/drawing/2014/main" id="{D6F9CEED-C555-D145-B5E6-FDD0C1773A41}"/>
+              </a:ext>
+            </a:extLst>
+          </p:cNvPr>
+          <p:cNvPicPr>
+            <a:picLocks noChangeAspect="1"/>
+          </p:cNvPicPr>
+          <p:nvPr userDrawn="1"/>
+        </p:nvPicPr>
+        <p:blipFill>
+          <a:blip r:embed="rId5">
+            <a:extLst>
+              <a:ext uri="{96DAC541-7B7A-43D3-8B79-37D633B846F1}">
+                <asvg:svgBlip xmlns:asvg="http://schemas.microsoft.com/office/drawing/2016/SVG/main" r:embed="rId6"/>
+              </a:ext>
+            </a:extLst>
+          </a:blip>
+          <a:srcRect l="735" r="735"/>
+          <a:stretch/>
+        </p:blipFill>
+        <p:spPr>
+          <a:xfrm>
+            <a:off x="2024711" y="4128466"/>
+            <a:ext cx="424967" cy="432719"/>
+          </a:xfrm>
+          <a:prstGeom prst="rect">
+            <a:avLst/>
+          </a:prstGeom>
+        </p:spPr>
+      </p:pic>
+      <p:pic>
+        <p:nvPicPr>
+          <p:cNvPr id="22" name="Bildplatzhalter 37">
+            <a:hlinkClick r:id="rId7"/>
+            <a:extLst>
+              <a:ext uri="{FF2B5EF4-FFF2-40B4-BE49-F238E27FC236}">
+                <a16:creationId xmlns:a16="http://schemas.microsoft.com/office/drawing/2014/main" id="{5AADB228-F981-4849-9BBB-422C5EB58425}"/>
+              </a:ext>
+            </a:extLst>
+          </p:cNvPr>
+          <p:cNvPicPr>
+            <a:picLocks noChangeAspect="1"/>
+          </p:cNvPicPr>
+          <p:nvPr userDrawn="1"/>
+        </p:nvPicPr>
+        <p:blipFill>
+          <a:blip r:embed="rId8">
+            <a:extLst>
+              <a:ext uri="{96DAC541-7B7A-43D3-8B79-37D633B846F1}">
+                <asvg:svgBlip xmlns:asvg="http://schemas.microsoft.com/office/drawing/2016/SVG/main" r:embed="rId9"/>
+              </a:ext>
+            </a:extLst>
+          </a:blip>
+          <a:srcRect l="919" r="919"/>
+          <a:stretch/>
+        </p:blipFill>
+        <p:spPr>
+          <a:xfrm>
+            <a:off x="1439667" y="4128466"/>
+            <a:ext cx="424967" cy="432719"/>
+          </a:xfrm>
+          <a:prstGeom prst="rect">
+            <a:avLst/>
+          </a:prstGeom>
+        </p:spPr>
+      </p:pic>
+      <p:pic>
+        <p:nvPicPr>
+          <p:cNvPr id="23" name="Bildplatzhalter 35">
+            <a:hlinkClick r:id="rId10"/>
+            <a:extLst>
+              <a:ext uri="{FF2B5EF4-FFF2-40B4-BE49-F238E27FC236}">
+                <a16:creationId xmlns:a16="http://schemas.microsoft.com/office/drawing/2014/main" id="{99D31C9B-7DA6-EF4C-A1FE-76F71D317FE9}"/>
+              </a:ext>
+            </a:extLst>
+          </p:cNvPr>
+          <p:cNvPicPr>
+            <a:picLocks noChangeAspect="1"/>
+          </p:cNvPicPr>
+          <p:nvPr userDrawn="1"/>
+        </p:nvPicPr>
+        <p:blipFill>
+          <a:blip r:embed="rId11">
+            <a:extLst>
+              <a:ext uri="{96DAC541-7B7A-43D3-8B79-37D633B846F1}">
+                <asvg:svgBlip xmlns:asvg="http://schemas.microsoft.com/office/drawing/2016/SVG/main" r:embed="rId12"/>
+              </a:ext>
+            </a:extLst>
+          </a:blip>
+          <a:srcRect l="735" r="735"/>
+          <a:stretch/>
+        </p:blipFill>
+        <p:spPr>
+          <a:xfrm>
+            <a:off x="854622" y="4122183"/>
+            <a:ext cx="424967" cy="432719"/>
+          </a:xfrm>
+          <a:prstGeom prst="rect">
+            <a:avLst/>
+          </a:prstGeom>
+        </p:spPr>
+      </p:pic>
+    </p:spTree>
+    <p:extLst>
+      <p:ext uri="{BB962C8B-B14F-4D97-AF65-F5344CB8AC3E}">
+        <p14:creationId xmlns:p14="http://schemas.microsoft.com/office/powerpoint/2010/main" val="985413279"/>
+      </p:ext>
+    </p:extLst>
+  </p:cSld>
+  <p:clrMapOvr>
+    <a:masterClrMapping/>
+  </p:clrMapOvr>
+</p:sldLayout>
+</file>
+
+<file path=ppt/slideLayouts/slideLayout5.xml><?xml version="1.0" encoding="utf-8"?>
+<p:sldLayout xmlns:a="http://schemas.openxmlformats.org/drawingml/2006/main" xmlns:r="http://schemas.openxmlformats.org/officeDocument/2006/relationships" xmlns:p="http://schemas.openxmlformats.org/presentationml/2006/main" type="obj" preserve="1">
+  <p:cSld name="Title and Content">
+    <p:spTree>
+      <p:nvGrpSpPr>
+        <p:cNvPr id="1" name=""/>
+        <p:cNvGrpSpPr/>
+        <p:nvPr/>
+      </p:nvGrpSpPr>
+      <p:grpSpPr>
+        <a:xfrm>
+          <a:off x="0" y="0"/>
+          <a:ext cx="0" cy="0"/>
+          <a:chOff x="0" y="0"/>
+          <a:chExt cx="0" cy="0"/>
+        </a:xfrm>
+      </p:grpSpPr>
+      <p:sp>
+        <p:nvSpPr>
+          <p:cNvPr id="2" name="Title 1"/>
+          <p:cNvSpPr>
+            <a:spLocks noGrp="1"/>
+          </p:cNvSpPr>
+          <p:nvPr>
+            <p:ph type="title"/>
+          </p:nvPr>
+        </p:nvSpPr>
+        <p:spPr>
+          <a:xfrm>
+            <a:off x="775253" y="293812"/>
+            <a:ext cx="8070574" cy="333361"/>
+          </a:xfrm>
+        </p:spPr>
+        <p:txBody>
+          <a:bodyPr/>
+          <a:lstStyle>
+            <a:lvl1pPr algn="l">
+              <a:defRPr/>
+            </a:lvl1pPr>
+          </a:lstStyle>
+          <a:p>
+            <a:r>
+              <a:rPr lang="en-GB"/>
+              <a:t>Click to edit Master title style</a:t>
+            </a:r>
+            <a:endParaRPr lang="en-US" dirty="0"/>
+          </a:p>
+        </p:txBody>
+      </p:sp>
+      <p:sp>
+        <p:nvSpPr>
+          <p:cNvPr id="3" name="Content Placeholder 2"/>
+          <p:cNvSpPr>
+            <a:spLocks noGrp="1"/>
+          </p:cNvSpPr>
+          <p:nvPr>
+            <p:ph idx="1"/>
+          </p:nvPr>
+        </p:nvSpPr>
+        <p:spPr/>
+        <p:txBody>
+          <a:bodyPr>
+            <a:normAutofit/>
+          </a:bodyPr>
+          <a:lstStyle>
+            <a:lvl1pPr marL="257175" indent="-171450" algn="l" defTabSz="685800" rtl="0" eaLnBrk="1" latinLnBrk="0" hangingPunct="1">
+              <a:lnSpc>
+                <a:spcPct val="90000"/>
+              </a:lnSpc>
+              <a:buClr>
+                <a:srgbClr val="9600FF"/>
+              </a:buClr>
+              <a:buFont typeface="Wingdings" pitchFamily="2" charset="2"/>
+              <a:buChar char="§"/>
+              <a:defRPr lang="en-US" sz="1350" b="0" kern="1200" baseline="0" dirty="0" smtClean="0">
+                <a:solidFill>
+                  <a:srgbClr val="1E2846"/>
+                </a:solidFill>
+                <a:latin typeface="Open Sans Light" panose="020B0306030504020204" pitchFamily="34" charset="0"/>
+                <a:ea typeface="Open Sans Light" panose="020B0306030504020204" pitchFamily="34" charset="0"/>
+                <a:cs typeface="Open Sans Light" panose="020B0306030504020204" pitchFamily="34" charset="0"/>
+              </a:defRPr>
+            </a:lvl1pPr>
+            <a:lvl2pPr marL="557213" indent="-171450" algn="l" defTabSz="685800" rtl="0" eaLnBrk="1" latinLnBrk="0" hangingPunct="1">
+              <a:lnSpc>
+                <a:spcPct val="90000"/>
+              </a:lnSpc>
+              <a:buClr>
+                <a:srgbClr val="9600FF"/>
+              </a:buClr>
+              <a:buFont typeface="Courier New" panose="02070309020205020404" pitchFamily="49" charset="0"/>
+              <a:buChar char="o"/>
+              <a:defRPr lang="en-US" sz="1350" b="0" kern="1200" baseline="0" dirty="0" smtClean="0">
+                <a:solidFill>
+                  <a:srgbClr val="1E2846"/>
+                </a:solidFill>
+                <a:latin typeface="Open Sans Light" panose="020B0306030504020204" pitchFamily="34" charset="0"/>
+                <a:ea typeface="Open Sans Light" panose="020B0306030504020204" pitchFamily="34" charset="0"/>
+                <a:cs typeface="Open Sans Light" panose="020B0306030504020204" pitchFamily="34" charset="0"/>
+              </a:defRPr>
+            </a:lvl2pPr>
+            <a:lvl3pPr marL="857250" indent="-171450" algn="l" defTabSz="685800" rtl="0" eaLnBrk="1" latinLnBrk="0" hangingPunct="1">
+              <a:lnSpc>
+                <a:spcPct val="90000"/>
+              </a:lnSpc>
+              <a:buClr>
+                <a:srgbClr val="9600FF"/>
+              </a:buClr>
+              <a:buFont typeface="Courier New" panose="02070309020205020404" pitchFamily="49" charset="0"/>
+              <a:buChar char="o"/>
+              <a:defRPr lang="en-US" sz="1350" b="0" kern="1200" baseline="0" dirty="0" smtClean="0">
+                <a:solidFill>
+                  <a:srgbClr val="1E2846"/>
+                </a:solidFill>
+                <a:latin typeface="Open Sans Light" panose="020B0306030504020204" pitchFamily="34" charset="0"/>
+                <a:ea typeface="Open Sans Light" panose="020B0306030504020204" pitchFamily="34" charset="0"/>
+                <a:cs typeface="Open Sans Light" panose="020B0306030504020204" pitchFamily="34" charset="0"/>
+              </a:defRPr>
+            </a:lvl3pPr>
+            <a:lvl4pPr marL="1200150" indent="-171450" algn="l" defTabSz="685800" rtl="0" eaLnBrk="1" latinLnBrk="0" hangingPunct="1">
+              <a:lnSpc>
+                <a:spcPct val="90000"/>
+              </a:lnSpc>
+              <a:buClr>
+                <a:srgbClr val="9600FF"/>
+              </a:buClr>
+              <a:buFont typeface="Courier New" panose="02070309020205020404" pitchFamily="49" charset="0"/>
+              <a:buChar char="o"/>
+              <a:defRPr lang="en-US" sz="1350" b="0" kern="1200" baseline="0" dirty="0" smtClean="0">
+                <a:solidFill>
+                  <a:srgbClr val="1E2846"/>
+                </a:solidFill>
+                <a:latin typeface="Open Sans Light" panose="020B0306030504020204" pitchFamily="34" charset="0"/>
+                <a:ea typeface="Open Sans Light" panose="020B0306030504020204" pitchFamily="34" charset="0"/>
+                <a:cs typeface="Open Sans Light" panose="020B0306030504020204" pitchFamily="34" charset="0"/>
+              </a:defRPr>
+            </a:lvl4pPr>
+            <a:lvl5pPr marL="1543050" indent="-171450" algn="l" defTabSz="685800" rtl="0" eaLnBrk="1" latinLnBrk="0" hangingPunct="1">
+              <a:lnSpc>
+                <a:spcPct val="90000"/>
+              </a:lnSpc>
+              <a:buClr>
+                <a:srgbClr val="9600FF"/>
+              </a:buClr>
+              <a:buFont typeface="Courier New" panose="02070309020205020404" pitchFamily="49" charset="0"/>
+              <a:buChar char="o"/>
+              <a:defRPr lang="en-US" sz="1350" b="0" kern="1200" baseline="0" dirty="0">
+                <a:solidFill>
+                  <a:srgbClr val="1E2846"/>
+                </a:solidFill>
+                <a:latin typeface="Open Sans Light" panose="020B0306030504020204" pitchFamily="34" charset="0"/>
+                <a:ea typeface="Open Sans Light" panose="020B0306030504020204" pitchFamily="34" charset="0"/>
+                <a:cs typeface="Open Sans Light" panose="020B0306030504020204" pitchFamily="34" charset="0"/>
+              </a:defRPr>
+            </a:lvl5pPr>
+          </a:lstStyle>
+          <a:p>
+            <a:pPr lvl="0"/>
+            <a:r>
+              <a:rPr lang="en-GB"/>
+              <a:t>Click to edit Master text styles</a:t>
+            </a:r>
+          </a:p>
+          <a:p>
+            <a:pPr lvl="1"/>
+            <a:r>
+              <a:rPr lang="en-GB"/>
+              <a:t>Second level</a:t>
+            </a:r>
+          </a:p>
+          <a:p>
+            <a:pPr lvl="2"/>
+            <a:r>
+              <a:rPr lang="en-GB"/>
+              <a:t>Third level</a:t>
+            </a:r>
+          </a:p>
+          <a:p>
+            <a:pPr lvl="3"/>
+            <a:r>
+              <a:rPr lang="en-GB"/>
+              <a:t>Fourth level</a:t>
+            </a:r>
+          </a:p>
+          <a:p>
+            <a:pPr lvl="4"/>
+            <a:r>
+              <a:rPr lang="en-GB"/>
+              <a:t>Fifth level</a:t>
+            </a:r>
+            <a:endParaRPr lang="en-US" dirty="0"/>
+          </a:p>
+        </p:txBody>
+      </p:sp>
+      <p:sp>
+        <p:nvSpPr>
+          <p:cNvPr id="5" name="Slide Number Placeholder 5">
+            <a:extLst>
+              <a:ext uri="{FF2B5EF4-FFF2-40B4-BE49-F238E27FC236}">
+                <a16:creationId xmlns:a16="http://schemas.microsoft.com/office/drawing/2014/main" id="{6370B13A-601D-2141-81B9-08398F1C9740}"/>
+              </a:ext>
+            </a:extLst>
+          </p:cNvPr>
+          <p:cNvSpPr txBox="1">
+            <a:spLocks/>
+          </p:cNvSpPr>
+          <p:nvPr userDrawn="1"/>
+        </p:nvSpPr>
+        <p:spPr>
+          <a:xfrm>
+            <a:off x="340913" y="293812"/>
+            <a:ext cx="434340" cy="324446"/>
+          </a:xfrm>
+          <a:prstGeom prst="rect">
+            <a:avLst/>
+          </a:prstGeom>
+        </p:spPr>
+        <p:txBody>
+          <a:bodyPr vert="horz" lIns="68580" tIns="34290" rIns="68580" bIns="34290" rtlCol="0" anchor="ctr"/>
+          <a:lstStyle>
+            <a:defPPr>
+              <a:defRPr lang="en-US"/>
+            </a:defPPr>
+            <a:lvl1pPr marL="0" algn="r" defTabSz="457200" rtl="0" eaLnBrk="1" latinLnBrk="0" hangingPunct="1">
+              <a:defRPr sz="2000" b="1" i="0" kern="1200">
+                <a:solidFill>
+                  <a:srgbClr val="9601FF"/>
+                </a:solidFill>
+                <a:latin typeface="Montserrat" pitchFamily="2" charset="77"/>
+                <a:ea typeface="+mn-ea"/>
+                <a:cs typeface="+mn-cs"/>
+              </a:defRPr>
+            </a:lvl1pPr>
+            <a:lvl2pPr marL="457200" algn="l" defTabSz="457200" rtl="0" eaLnBrk="1" latinLnBrk="0" hangingPunct="1">
+              <a:defRPr sz="1800" kern="1200">
+                <a:solidFill>
+                  <a:schemeClr val="tx1"/>
+                </a:solidFill>
+                <a:latin typeface="+mn-lt"/>
+                <a:ea typeface="+mn-ea"/>
+                <a:cs typeface="+mn-cs"/>
+              </a:defRPr>
+            </a:lvl2pPr>
+            <a:lvl3pPr marL="914400" algn="l" defTabSz="457200" rtl="0" eaLnBrk="1" latinLnBrk="0" hangingPunct="1">
+              <a:defRPr sz="1800" kern="1200">
+                <a:solidFill>
+                  <a:schemeClr val="tx1"/>
+                </a:solidFill>
+                <a:latin typeface="+mn-lt"/>
+                <a:ea typeface="+mn-ea"/>
+                <a:cs typeface="+mn-cs"/>
+              </a:defRPr>
+            </a:lvl3pPr>
+            <a:lvl4pPr marL="1371600" algn="l" defTabSz="457200" rtl="0" eaLnBrk="1" latinLnBrk="0" hangingPunct="1">
+              <a:defRPr sz="1800" kern="1200">
+                <a:solidFill>
+                  <a:schemeClr val="tx1"/>
+                </a:solidFill>
+                <a:latin typeface="+mn-lt"/>
+                <a:ea typeface="+mn-ea"/>
+                <a:cs typeface="+mn-cs"/>
+              </a:defRPr>
+            </a:lvl4pPr>
+            <a:lvl5pPr marL="1828800" algn="l" defTabSz="457200" rtl="0" eaLnBrk="1" latinLnBrk="0" hangingPunct="1">
+              <a:defRPr sz="1800" kern="1200">
+                <a:solidFill>
+                  <a:schemeClr val="tx1"/>
+                </a:solidFill>
+                <a:latin typeface="+mn-lt"/>
+                <a:ea typeface="+mn-ea"/>
+                <a:cs typeface="+mn-cs"/>
+              </a:defRPr>
+            </a:lvl5pPr>
+            <a:lvl6pPr marL="2286000" algn="l" defTabSz="457200" rtl="0" eaLnBrk="1" latinLnBrk="0" hangingPunct="1">
+              <a:defRPr sz="1800" kern="1200">
+                <a:solidFill>
+                  <a:schemeClr val="tx1"/>
+                </a:solidFill>
+                <a:latin typeface="+mn-lt"/>
+                <a:ea typeface="+mn-ea"/>
+                <a:cs typeface="+mn-cs"/>
+              </a:defRPr>
+            </a:lvl6pPr>
+            <a:lvl7pPr marL="2743200" algn="l" defTabSz="457200" rtl="0" eaLnBrk="1" latinLnBrk="0" hangingPunct="1">
+              <a:defRPr sz="1800" kern="1200">
+                <a:solidFill>
+                  <a:schemeClr val="tx1"/>
+                </a:solidFill>
+                <a:latin typeface="+mn-lt"/>
+                <a:ea typeface="+mn-ea"/>
+                <a:cs typeface="+mn-cs"/>
+              </a:defRPr>
+            </a:lvl7pPr>
+            <a:lvl8pPr marL="3200400" algn="l" defTabSz="457200" rtl="0" eaLnBrk="1" latinLnBrk="0" hangingPunct="1">
+              <a:defRPr sz="1800" kern="1200">
+                <a:solidFill>
+                  <a:schemeClr val="tx1"/>
+                </a:solidFill>
+                <a:latin typeface="+mn-lt"/>
+                <a:ea typeface="+mn-ea"/>
+                <a:cs typeface="+mn-cs"/>
+              </a:defRPr>
+            </a:lvl8pPr>
+            <a:lvl9pPr marL="3657600" algn="l" defTabSz="457200" rtl="0" eaLnBrk="1" latinLnBrk="0" hangingPunct="1">
+              <a:defRPr sz="1800" kern="1200">
+                <a:solidFill>
+                  <a:schemeClr val="tx1"/>
+                </a:solidFill>
+                <a:latin typeface="+mn-lt"/>
+                <a:ea typeface="+mn-ea"/>
+                <a:cs typeface="+mn-cs"/>
+              </a:defRPr>
+            </a:lvl9pPr>
+          </a:lstStyle>
+          <a:p>
+            <a:fld id="{C5EF2332-01BF-834F-8236-50238282D533}" type="slidenum">
+              <a:rPr lang="en-US" sz="1500" smtClean="0"/>
+              <a:pPr/>
+              <a:t>‹#›</a:t>
+            </a:fld>
+            <a:endParaRPr lang="en-US" sz="1500" dirty="0"/>
+          </a:p>
+        </p:txBody>
+      </p:sp>
+      <p:pic>
+        <p:nvPicPr>
+          <p:cNvPr id="6" name="Grafik 6">
+            <a:extLst>
+              <a:ext uri="{FF2B5EF4-FFF2-40B4-BE49-F238E27FC236}">
+                <a16:creationId xmlns:a16="http://schemas.microsoft.com/office/drawing/2014/main" id="{7D32D346-7AD6-D343-80E0-5A92C6B43FFB}"/>
+              </a:ext>
+            </a:extLst>
+          </p:cNvPr>
+          <p:cNvPicPr>
+            <a:picLocks noChangeAspect="1"/>
+          </p:cNvPicPr>
+          <p:nvPr userDrawn="1"/>
+        </p:nvPicPr>
+        <p:blipFill>
+          <a:blip r:embed="rId2">
+            <a:extLst>
+              <a:ext uri="{28A0092B-C50C-407E-A947-70E740481C1C}">
+                <a14:useLocalDpi xmlns:a14="http://schemas.microsoft.com/office/drawing/2010/main" val="0"/>
+              </a:ext>
+            </a:extLst>
+          </a:blip>
+          <a:stretch>
+            <a:fillRect/>
+          </a:stretch>
+        </p:blipFill>
+        <p:spPr>
+          <a:xfrm>
+            <a:off x="7835641" y="4626159"/>
+            <a:ext cx="851159" cy="282209"/>
+          </a:xfrm>
+          <a:prstGeom prst="rect">
+            <a:avLst/>
+          </a:prstGeom>
+        </p:spPr>
+      </p:pic>
+    </p:spTree>
+    <p:extLst>
+      <p:ext uri="{BB962C8B-B14F-4D97-AF65-F5344CB8AC3E}">
+        <p14:creationId xmlns:p14="http://schemas.microsoft.com/office/powerpoint/2010/main" val="338346009"/>
+      </p:ext>
+    </p:extLst>
+  </p:cSld>
+  <p:clrMapOvr>
+    <a:masterClrMapping/>
+  </p:clrMapOvr>
+</p:sldLayout>
+</file>
+
+<file path=ppt/slideLayouts/slideLayout6.xml><?xml version="1.0" encoding="utf-8"?>
+<p:sldLayout xmlns:a="http://schemas.openxmlformats.org/drawingml/2006/main" xmlns:r="http://schemas.openxmlformats.org/officeDocument/2006/relationships" xmlns:p="http://schemas.openxmlformats.org/presentationml/2006/main" type="obj" preserve="1">
+  <p:cSld name="Title, Subtitle and Content">
+    <p:spTree>
+      <p:nvGrpSpPr>
+        <p:cNvPr id="1" name=""/>
+        <p:cNvGrpSpPr/>
+        <p:nvPr/>
+      </p:nvGrpSpPr>
+      <p:grpSpPr>
+        <a:xfrm>
+          <a:off x="0" y="0"/>
+          <a:ext cx="0" cy="0"/>
+          <a:chOff x="0" y="0"/>
+          <a:chExt cx="0" cy="0"/>
+        </a:xfrm>
+      </p:grpSpPr>
+      <p:sp>
+        <p:nvSpPr>
+          <p:cNvPr id="2" name="Title 1"/>
+          <p:cNvSpPr>
+            <a:spLocks noGrp="1"/>
+          </p:cNvSpPr>
+          <p:nvPr>
+            <p:ph type="title"/>
+          </p:nvPr>
+        </p:nvSpPr>
+        <p:spPr>
+          <a:xfrm>
+            <a:off x="775253" y="293812"/>
+            <a:ext cx="8070574" cy="333361"/>
+          </a:xfrm>
+        </p:spPr>
+        <p:txBody>
+          <a:bodyPr/>
+          <a:lstStyle>
+            <a:lvl1pPr algn="l">
+              <a:defRPr/>
+            </a:lvl1pPr>
+          </a:lstStyle>
+          <a:p>
+            <a:r>
+              <a:rPr lang="en-GB"/>
+              <a:t>Click to edit Master title style</a:t>
+            </a:r>
+            <a:endParaRPr lang="en-US" dirty="0"/>
+          </a:p>
+        </p:txBody>
+      </p:sp>
+      <p:sp>
+        <p:nvSpPr>
+          <p:cNvPr id="3" name="Content Placeholder 2"/>
+          <p:cNvSpPr>
+            <a:spLocks noGrp="1"/>
+          </p:cNvSpPr>
+          <p:nvPr>
+            <p:ph idx="1"/>
+          </p:nvPr>
+        </p:nvSpPr>
+        <p:spPr/>
+        <p:txBody>
+          <a:bodyPr>
+            <a:normAutofit/>
+          </a:bodyPr>
+          <a:lstStyle>
+            <a:lvl1pPr marL="257175" indent="-171450" algn="l" defTabSz="685800" rtl="0" eaLnBrk="1" latinLnBrk="0" hangingPunct="1">
+              <a:lnSpc>
+                <a:spcPct val="90000"/>
+              </a:lnSpc>
+              <a:buClr>
+                <a:srgbClr val="9600FF"/>
+              </a:buClr>
+              <a:buFont typeface="Wingdings" pitchFamily="2" charset="2"/>
+              <a:buChar char="§"/>
+              <a:defRPr lang="en-US" sz="1350" b="0" kern="1200" baseline="0" dirty="0" smtClean="0">
+                <a:solidFill>
+                  <a:srgbClr val="1E2846"/>
+                </a:solidFill>
+                <a:latin typeface="Open Sans Light" panose="020B0306030504020204" pitchFamily="34" charset="0"/>
+                <a:ea typeface="Open Sans Light" panose="020B0306030504020204" pitchFamily="34" charset="0"/>
+                <a:cs typeface="Open Sans Light" panose="020B0306030504020204" pitchFamily="34" charset="0"/>
+              </a:defRPr>
+            </a:lvl1pPr>
+            <a:lvl2pPr marL="557213" indent="-171450" algn="l" defTabSz="685800" rtl="0" eaLnBrk="1" latinLnBrk="0" hangingPunct="1">
+              <a:lnSpc>
+                <a:spcPct val="90000"/>
+              </a:lnSpc>
+              <a:buClr>
+                <a:srgbClr val="9600FF"/>
+              </a:buClr>
+              <a:buFont typeface="Courier New" panose="02070309020205020404" pitchFamily="49" charset="0"/>
+              <a:buChar char="o"/>
+              <a:defRPr lang="en-US" sz="1350" b="0" kern="1200" baseline="0" dirty="0" smtClean="0">
+                <a:solidFill>
+                  <a:srgbClr val="1E2846"/>
+                </a:solidFill>
+                <a:latin typeface="Open Sans Light" panose="020B0306030504020204" pitchFamily="34" charset="0"/>
+                <a:ea typeface="Open Sans Light" panose="020B0306030504020204" pitchFamily="34" charset="0"/>
+                <a:cs typeface="Open Sans Light" panose="020B0306030504020204" pitchFamily="34" charset="0"/>
+              </a:defRPr>
+            </a:lvl2pPr>
+            <a:lvl3pPr marL="857250" indent="-171450" algn="l" defTabSz="685800" rtl="0" eaLnBrk="1" latinLnBrk="0" hangingPunct="1">
+              <a:lnSpc>
+                <a:spcPct val="90000"/>
+              </a:lnSpc>
+              <a:buClr>
+                <a:srgbClr val="9600FF"/>
+              </a:buClr>
+              <a:buFont typeface="Courier New" panose="02070309020205020404" pitchFamily="49" charset="0"/>
+              <a:buChar char="o"/>
+              <a:defRPr lang="en-US" sz="1350" b="0" kern="1200" baseline="0" dirty="0" smtClean="0">
+                <a:solidFill>
+                  <a:srgbClr val="1E2846"/>
+                </a:solidFill>
+                <a:latin typeface="Open Sans Light" panose="020B0306030504020204" pitchFamily="34" charset="0"/>
+                <a:ea typeface="Open Sans Light" panose="020B0306030504020204" pitchFamily="34" charset="0"/>
+                <a:cs typeface="Open Sans Light" panose="020B0306030504020204" pitchFamily="34" charset="0"/>
+              </a:defRPr>
+            </a:lvl3pPr>
+            <a:lvl4pPr marL="1200150" indent="-171450" algn="l" defTabSz="685800" rtl="0" eaLnBrk="1" latinLnBrk="0" hangingPunct="1">
+              <a:lnSpc>
+                <a:spcPct val="90000"/>
+              </a:lnSpc>
+              <a:buClr>
+                <a:srgbClr val="9600FF"/>
+              </a:buClr>
+              <a:buFont typeface="Courier New" panose="02070309020205020404" pitchFamily="49" charset="0"/>
+              <a:buChar char="o"/>
+              <a:defRPr lang="en-US" sz="1350" b="0" kern="1200" baseline="0" dirty="0" smtClean="0">
+                <a:solidFill>
+                  <a:srgbClr val="1E2846"/>
+                </a:solidFill>
+                <a:latin typeface="Open Sans Light" panose="020B0306030504020204" pitchFamily="34" charset="0"/>
+                <a:ea typeface="Open Sans Light" panose="020B0306030504020204" pitchFamily="34" charset="0"/>
+                <a:cs typeface="Open Sans Light" panose="020B0306030504020204" pitchFamily="34" charset="0"/>
+              </a:defRPr>
+            </a:lvl4pPr>
+            <a:lvl5pPr marL="1543050" indent="-171450" algn="l" defTabSz="685800" rtl="0" eaLnBrk="1" latinLnBrk="0" hangingPunct="1">
+              <a:lnSpc>
+                <a:spcPct val="90000"/>
+              </a:lnSpc>
+              <a:buClr>
+                <a:srgbClr val="9600FF"/>
+              </a:buClr>
+              <a:buFont typeface="Courier New" panose="02070309020205020404" pitchFamily="49" charset="0"/>
+              <a:buChar char="o"/>
+              <a:defRPr lang="en-US" sz="1350" b="0" kern="1200" baseline="0" dirty="0">
+                <a:solidFill>
+                  <a:srgbClr val="1E2846"/>
+                </a:solidFill>
+                <a:latin typeface="Open Sans Light" panose="020B0306030504020204" pitchFamily="34" charset="0"/>
+                <a:ea typeface="Open Sans Light" panose="020B0306030504020204" pitchFamily="34" charset="0"/>
+                <a:cs typeface="Open Sans Light" panose="020B0306030504020204" pitchFamily="34" charset="0"/>
+              </a:defRPr>
+            </a:lvl5pPr>
+          </a:lstStyle>
+          <a:p>
+            <a:pPr lvl="0"/>
+            <a:r>
+              <a:rPr lang="en-GB"/>
+              <a:t>Click to edit Master text styles</a:t>
+            </a:r>
+          </a:p>
+          <a:p>
+            <a:pPr lvl="1"/>
+            <a:r>
+              <a:rPr lang="en-GB"/>
+              <a:t>Second level</a:t>
+            </a:r>
+          </a:p>
+          <a:p>
+            <a:pPr lvl="2"/>
+            <a:r>
+              <a:rPr lang="en-GB"/>
+              <a:t>Third level</a:t>
+            </a:r>
+          </a:p>
+          <a:p>
+            <a:pPr lvl="3"/>
+            <a:r>
+              <a:rPr lang="en-GB"/>
+              <a:t>Fourth level</a:t>
+            </a:r>
+          </a:p>
+          <a:p>
+            <a:pPr lvl="4"/>
+            <a:r>
+              <a:rPr lang="en-GB"/>
+              <a:t>Fifth level</a:t>
+            </a:r>
+            <a:endParaRPr lang="en-US" dirty="0"/>
+          </a:p>
+        </p:txBody>
+      </p:sp>
+      <p:sp>
+        <p:nvSpPr>
+          <p:cNvPr id="5" name="Slide Number Placeholder 5">
+            <a:extLst>
+              <a:ext uri="{FF2B5EF4-FFF2-40B4-BE49-F238E27FC236}">
+                <a16:creationId xmlns:a16="http://schemas.microsoft.com/office/drawing/2014/main" id="{6370B13A-601D-2141-81B9-08398F1C9740}"/>
+              </a:ext>
+            </a:extLst>
+          </p:cNvPr>
+          <p:cNvSpPr txBox="1">
+            <a:spLocks/>
+          </p:cNvSpPr>
+          <p:nvPr userDrawn="1"/>
+        </p:nvSpPr>
+        <p:spPr>
+          <a:xfrm>
+            <a:off x="340913" y="293812"/>
+            <a:ext cx="434340" cy="324446"/>
+          </a:xfrm>
+          <a:prstGeom prst="rect">
+            <a:avLst/>
+          </a:prstGeom>
+        </p:spPr>
+        <p:txBody>
+          <a:bodyPr vert="horz" lIns="68580" tIns="34290" rIns="68580" bIns="34290" rtlCol="0" anchor="ctr"/>
+          <a:lstStyle>
+            <a:defPPr>
+              <a:defRPr lang="en-US"/>
+            </a:defPPr>
+            <a:lvl1pPr marL="0" algn="r" defTabSz="457200" rtl="0" eaLnBrk="1" latinLnBrk="0" hangingPunct="1">
+              <a:defRPr sz="2000" b="1" i="0" kern="1200">
+                <a:solidFill>
+                  <a:srgbClr val="9601FF"/>
+                </a:solidFill>
+                <a:latin typeface="Montserrat" pitchFamily="2" charset="77"/>
+                <a:ea typeface="+mn-ea"/>
+                <a:cs typeface="+mn-cs"/>
+              </a:defRPr>
+            </a:lvl1pPr>
+            <a:lvl2pPr marL="457200" algn="l" defTabSz="457200" rtl="0" eaLnBrk="1" latinLnBrk="0" hangingPunct="1">
+              <a:defRPr sz="1800" kern="1200">
+                <a:solidFill>
+                  <a:schemeClr val="tx1"/>
+                </a:solidFill>
+                <a:latin typeface="+mn-lt"/>
+                <a:ea typeface="+mn-ea"/>
+                <a:cs typeface="+mn-cs"/>
+              </a:defRPr>
+            </a:lvl2pPr>
+            <a:lvl3pPr marL="914400" algn="l" defTabSz="457200" rtl="0" eaLnBrk="1" latinLnBrk="0" hangingPunct="1">
+              <a:defRPr sz="1800" kern="1200">
+                <a:solidFill>
+                  <a:schemeClr val="tx1"/>
+                </a:solidFill>
+                <a:latin typeface="+mn-lt"/>
+                <a:ea typeface="+mn-ea"/>
+                <a:cs typeface="+mn-cs"/>
+              </a:defRPr>
+            </a:lvl3pPr>
+            <a:lvl4pPr marL="1371600" algn="l" defTabSz="457200" rtl="0" eaLnBrk="1" latinLnBrk="0" hangingPunct="1">
+              <a:defRPr sz="1800" kern="1200">
+                <a:solidFill>
+                  <a:schemeClr val="tx1"/>
+                </a:solidFill>
+                <a:latin typeface="+mn-lt"/>
+                <a:ea typeface="+mn-ea"/>
+                <a:cs typeface="+mn-cs"/>
+              </a:defRPr>
+            </a:lvl4pPr>
+            <a:lvl5pPr marL="1828800" algn="l" defTabSz="457200" rtl="0" eaLnBrk="1" latinLnBrk="0" hangingPunct="1">
+              <a:defRPr sz="1800" kern="1200">
+                <a:solidFill>
+                  <a:schemeClr val="tx1"/>
+                </a:solidFill>
+                <a:latin typeface="+mn-lt"/>
+                <a:ea typeface="+mn-ea"/>
+                <a:cs typeface="+mn-cs"/>
+              </a:defRPr>
+            </a:lvl5pPr>
+            <a:lvl6pPr marL="2286000" algn="l" defTabSz="457200" rtl="0" eaLnBrk="1" latinLnBrk="0" hangingPunct="1">
+              <a:defRPr sz="1800" kern="1200">
+                <a:solidFill>
+                  <a:schemeClr val="tx1"/>
+                </a:solidFill>
+                <a:latin typeface="+mn-lt"/>
+                <a:ea typeface="+mn-ea"/>
+                <a:cs typeface="+mn-cs"/>
+              </a:defRPr>
+            </a:lvl6pPr>
+            <a:lvl7pPr marL="2743200" algn="l" defTabSz="457200" rtl="0" eaLnBrk="1" latinLnBrk="0" hangingPunct="1">
+              <a:defRPr sz="1800" kern="1200">
+                <a:solidFill>
+                  <a:schemeClr val="tx1"/>
+                </a:solidFill>
+                <a:latin typeface="+mn-lt"/>
+                <a:ea typeface="+mn-ea"/>
+                <a:cs typeface="+mn-cs"/>
+              </a:defRPr>
+            </a:lvl7pPr>
+            <a:lvl8pPr marL="3200400" algn="l" defTabSz="457200" rtl="0" eaLnBrk="1" latinLnBrk="0" hangingPunct="1">
+              <a:defRPr sz="1800" kern="1200">
+                <a:solidFill>
+                  <a:schemeClr val="tx1"/>
+                </a:solidFill>
+                <a:latin typeface="+mn-lt"/>
+                <a:ea typeface="+mn-ea"/>
+                <a:cs typeface="+mn-cs"/>
+              </a:defRPr>
+            </a:lvl8pPr>
+            <a:lvl9pPr marL="3657600" algn="l" defTabSz="457200" rtl="0" eaLnBrk="1" latinLnBrk="0" hangingPunct="1">
+              <a:defRPr sz="1800" kern="1200">
+                <a:solidFill>
+                  <a:schemeClr val="tx1"/>
+                </a:solidFill>
+                <a:latin typeface="+mn-lt"/>
+                <a:ea typeface="+mn-ea"/>
+                <a:cs typeface="+mn-cs"/>
+              </a:defRPr>
+            </a:lvl9pPr>
+          </a:lstStyle>
+          <a:p>
+            <a:fld id="{C5EF2332-01BF-834F-8236-50238282D533}" type="slidenum">
+              <a:rPr lang="en-US" sz="1500" smtClean="0"/>
+              <a:pPr/>
+              <a:t>‹#›</a:t>
+            </a:fld>
+            <a:endParaRPr lang="en-US" sz="1500" dirty="0"/>
+          </a:p>
+        </p:txBody>
+      </p:sp>
+      <p:pic>
+        <p:nvPicPr>
+          <p:cNvPr id="6" name="Grafik 6">
+            <a:extLst>
+              <a:ext uri="{FF2B5EF4-FFF2-40B4-BE49-F238E27FC236}">
+                <a16:creationId xmlns:a16="http://schemas.microsoft.com/office/drawing/2014/main" id="{7D32D346-7AD6-D343-80E0-5A92C6B43FFB}"/>
+              </a:ext>
+            </a:extLst>
+          </p:cNvPr>
+          <p:cNvPicPr>
+            <a:picLocks noChangeAspect="1"/>
+          </p:cNvPicPr>
+          <p:nvPr userDrawn="1"/>
+        </p:nvPicPr>
+        <p:blipFill>
+          <a:blip r:embed="rId2">
+            <a:extLst>
+              <a:ext uri="{28A0092B-C50C-407E-A947-70E740481C1C}">
+                <a14:useLocalDpi xmlns:a14="http://schemas.microsoft.com/office/drawing/2010/main" val="0"/>
+              </a:ext>
+            </a:extLst>
+          </a:blip>
+          <a:stretch>
+            <a:fillRect/>
+          </a:stretch>
+        </p:blipFill>
+        <p:spPr>
+          <a:xfrm>
+            <a:off x="7835641" y="4626159"/>
+            <a:ext cx="851159" cy="282209"/>
+          </a:xfrm>
+          <a:prstGeom prst="rect">
+            <a:avLst/>
+          </a:prstGeom>
+        </p:spPr>
+      </p:pic>
+      <p:sp>
+        <p:nvSpPr>
+          <p:cNvPr id="7" name="Title 1">
+            <a:extLst>
+              <a:ext uri="{FF2B5EF4-FFF2-40B4-BE49-F238E27FC236}">
+                <a16:creationId xmlns:a16="http://schemas.microsoft.com/office/drawing/2014/main" id="{4152D5EF-9A26-4946-B8F2-5C2C7E8ACB75}"/>
+              </a:ext>
+            </a:extLst>
+          </p:cNvPr>
+          <p:cNvSpPr txBox="1">
+            <a:spLocks/>
+          </p:cNvSpPr>
+          <p:nvPr userDrawn="1"/>
+        </p:nvSpPr>
+        <p:spPr>
+          <a:xfrm>
+            <a:off x="775252" y="635696"/>
+            <a:ext cx="8070574" cy="333361"/>
+          </a:xfrm>
+          <a:prstGeom prst="rect">
+            <a:avLst/>
+          </a:prstGeom>
+        </p:spPr>
+        <p:txBody>
+          <a:bodyPr vert="horz" lIns="68580" tIns="34290" rIns="68580" bIns="34290" rtlCol="0" anchor="ctr">
+            <a:normAutofit lnSpcReduction="10000"/>
+          </a:bodyPr>
+          <a:lstStyle>
+            <a:lvl1pPr algn="l" defTabSz="457200" rtl="0" eaLnBrk="1" latinLnBrk="0" hangingPunct="1">
+              <a:spcBef>
+                <a:spcPct val="0"/>
+              </a:spcBef>
+              <a:buNone/>
+              <a:defRPr lang="en-US" sz="2400" b="1" i="0" kern="1200" cap="all" baseline="0">
+                <a:solidFill>
+                  <a:srgbClr val="1E2846"/>
+                </a:solidFill>
+                <a:latin typeface="Montserrat-SemiBold"/>
+                <a:ea typeface="+mn-ea"/>
+                <a:cs typeface="+mn-cs"/>
+              </a:defRPr>
+            </a:lvl1pPr>
+          </a:lstStyle>
+          <a:p>
+            <a:r>
+              <a:rPr lang="en-GB" sz="1800" b="0" i="0" dirty="0">
+                <a:latin typeface="Montserrat" pitchFamily="2" charset="77"/>
+              </a:rPr>
+              <a:t>Click to edit Master Subtitle</a:t>
+            </a:r>
+          </a:p>
+        </p:txBody>
+      </p:sp>
+    </p:spTree>
+    <p:extLst>
+      <p:ext uri="{BB962C8B-B14F-4D97-AF65-F5344CB8AC3E}">
+        <p14:creationId xmlns:p14="http://schemas.microsoft.com/office/powerpoint/2010/main" val="3078346560"/>
+      </p:ext>
+    </p:extLst>
+  </p:cSld>
+  <p:clrMapOvr>
+    <a:masterClrMapping/>
+  </p:clrMapOvr>
+</p:sldLayout>
+</file>
+
+<file path=ppt/slideLayouts/slideLayout7.xml><?xml version="1.0" encoding="utf-8"?>
+<p:sldLayout xmlns:a="http://schemas.openxmlformats.org/drawingml/2006/main" xmlns:r="http://schemas.openxmlformats.org/officeDocument/2006/relationships" xmlns:p="http://schemas.openxmlformats.org/presentationml/2006/main" preserve="1" userDrawn="1">
+  <p:cSld name="Code">
+    <p:spTree>
+      <p:nvGrpSpPr>
+        <p:cNvPr id="1" name=""/>
+        <p:cNvGrpSpPr/>
+        <p:nvPr/>
+      </p:nvGrpSpPr>
+      <p:grpSpPr>
+        <a:xfrm>
+          <a:off x="0" y="0"/>
+          <a:ext cx="0" cy="0"/>
+          <a:chOff x="0" y="0"/>
+          <a:chExt cx="0" cy="0"/>
+        </a:xfrm>
+      </p:grpSpPr>
+      <p:sp>
+        <p:nvSpPr>
+          <p:cNvPr id="2" name="Title 1"/>
+          <p:cNvSpPr>
+            <a:spLocks noGrp="1"/>
+          </p:cNvSpPr>
+          <p:nvPr>
+            <p:ph type="title"/>
+          </p:nvPr>
+        </p:nvSpPr>
+        <p:spPr/>
+        <p:txBody>
+          <a:bodyPr/>
+          <a:lstStyle>
+            <a:lvl1pPr algn="l">
+              <a:defRPr/>
+            </a:lvl1pPr>
+          </a:lstStyle>
+          <a:p>
+            <a:r>
+              <a:rPr lang="en-GB"/>
+              <a:t>Click to edit Master title style</a:t>
+            </a:r>
+            <a:endParaRPr lang="en-US" dirty="0"/>
+          </a:p>
+        </p:txBody>
+      </p:sp>
+      <p:sp>
+        <p:nvSpPr>
+          <p:cNvPr id="5" name="Text Placeholder 5">
+            <a:extLst>
+              <a:ext uri="{FF2B5EF4-FFF2-40B4-BE49-F238E27FC236}">
+                <a16:creationId xmlns:a16="http://schemas.microsoft.com/office/drawing/2014/main" id="{3A6339BD-CA73-F048-BA6C-9A00FA01DAB4}"/>
+              </a:ext>
+            </a:extLst>
+          </p:cNvPr>
+          <p:cNvSpPr>
+            <a:spLocks noGrp="1"/>
+          </p:cNvSpPr>
+          <p:nvPr>
+            <p:ph type="body" sz="quarter" idx="20" hasCustomPrompt="1"/>
+          </p:nvPr>
+        </p:nvSpPr>
+        <p:spPr>
+          <a:xfrm>
+            <a:off x="298173" y="3864413"/>
+            <a:ext cx="8547653" cy="603895"/>
+          </a:xfrm>
+          <a:prstGeom prst="rect">
+            <a:avLst/>
+          </a:prstGeom>
+          <a:solidFill>
+            <a:srgbClr val="F2F2F2"/>
+          </a:solidFill>
+          <a:ln>
+            <a:solidFill>
+              <a:srgbClr val="BFBFBF"/>
+            </a:solidFill>
+          </a:ln>
+        </p:spPr>
+        <p:txBody>
+          <a:bodyPr/>
+          <a:lstStyle>
+            <a:lvl1pPr marL="0" marR="0" indent="0" algn="l" defTabSz="685800" rtl="0" eaLnBrk="1" fontAlgn="auto" latinLnBrk="0" hangingPunct="1">
+              <a:lnSpc>
+                <a:spcPct val="90000"/>
+              </a:lnSpc>
+              <a:spcBef>
+                <a:spcPts val="750"/>
+              </a:spcBef>
+              <a:spcAft>
+                <a:spcPts val="0"/>
+              </a:spcAft>
+              <a:buClrTx/>
+              <a:buSzTx/>
+              <a:buFontTx/>
+              <a:buNone/>
+              <a:tabLst/>
+              <a:defRPr sz="1050">
+                <a:latin typeface="Courier New" panose="02070309020205020404" pitchFamily="49" charset="0"/>
+                <a:cs typeface="Courier New" panose="02070309020205020404" pitchFamily="49" charset="0"/>
+              </a:defRPr>
+            </a:lvl1pPr>
+          </a:lstStyle>
+          <a:p>
+            <a:pPr marL="0" marR="0" lvl="0" indent="0" algn="l" defTabSz="685800" rtl="0" eaLnBrk="1" fontAlgn="auto" latinLnBrk="0" hangingPunct="1">
+              <a:lnSpc>
+                <a:spcPct val="90000"/>
+              </a:lnSpc>
+              <a:spcBef>
+                <a:spcPts val="750"/>
+              </a:spcBef>
+              <a:spcAft>
+                <a:spcPts val="0"/>
+              </a:spcAft>
+              <a:buClrTx/>
+              <a:buSzTx/>
+              <a:buFontTx/>
+              <a:buNone/>
+              <a:tabLst/>
+              <a:defRPr/>
+            </a:pPr>
+            <a:r>
+              <a:rPr lang="en-US" noProof="0"/>
+              <a:t>Placeholder: font Courier New, not smaller than 14pt</a:t>
+            </a:r>
+          </a:p>
+        </p:txBody>
+      </p:sp>
+      <p:sp>
+        <p:nvSpPr>
+          <p:cNvPr id="6" name="Slide Number Placeholder 5">
+            <a:extLst>
+              <a:ext uri="{FF2B5EF4-FFF2-40B4-BE49-F238E27FC236}">
+                <a16:creationId xmlns:a16="http://schemas.microsoft.com/office/drawing/2014/main" id="{B179E377-D28D-B54E-A313-6C74A388AF01}"/>
+              </a:ext>
+            </a:extLst>
+          </p:cNvPr>
+          <p:cNvSpPr txBox="1">
+            <a:spLocks/>
+          </p:cNvSpPr>
+          <p:nvPr userDrawn="1"/>
+        </p:nvSpPr>
+        <p:spPr>
+          <a:xfrm>
+            <a:off x="340913" y="300458"/>
+            <a:ext cx="434340" cy="324446"/>
+          </a:xfrm>
+          <a:prstGeom prst="rect">
+            <a:avLst/>
+          </a:prstGeom>
+        </p:spPr>
+        <p:txBody>
+          <a:bodyPr vert="horz" lIns="68580" tIns="34290" rIns="68580" bIns="34290" rtlCol="0" anchor="ctr"/>
+          <a:lstStyle>
+            <a:defPPr>
+              <a:defRPr lang="en-US"/>
+            </a:defPPr>
+            <a:lvl1pPr marL="0" algn="r" defTabSz="457200" rtl="0" eaLnBrk="1" latinLnBrk="0" hangingPunct="1">
+              <a:defRPr sz="2000" b="1" i="0" kern="1200">
+                <a:solidFill>
+                  <a:srgbClr val="9601FF"/>
+                </a:solidFill>
+                <a:latin typeface="Montserrat" pitchFamily="2" charset="77"/>
+                <a:ea typeface="+mn-ea"/>
+                <a:cs typeface="+mn-cs"/>
+              </a:defRPr>
+            </a:lvl1pPr>
+            <a:lvl2pPr marL="457200" algn="l" defTabSz="457200" rtl="0" eaLnBrk="1" latinLnBrk="0" hangingPunct="1">
+              <a:defRPr sz="1800" kern="1200">
+                <a:solidFill>
+                  <a:schemeClr val="tx1"/>
+                </a:solidFill>
+                <a:latin typeface="+mn-lt"/>
+                <a:ea typeface="+mn-ea"/>
+                <a:cs typeface="+mn-cs"/>
+              </a:defRPr>
+            </a:lvl2pPr>
+            <a:lvl3pPr marL="914400" algn="l" defTabSz="457200" rtl="0" eaLnBrk="1" latinLnBrk="0" hangingPunct="1">
+              <a:defRPr sz="1800" kern="1200">
+                <a:solidFill>
+                  <a:schemeClr val="tx1"/>
+                </a:solidFill>
+                <a:latin typeface="+mn-lt"/>
+                <a:ea typeface="+mn-ea"/>
+                <a:cs typeface="+mn-cs"/>
+              </a:defRPr>
+            </a:lvl3pPr>
+            <a:lvl4pPr marL="1371600" algn="l" defTabSz="457200" rtl="0" eaLnBrk="1" latinLnBrk="0" hangingPunct="1">
+              <a:defRPr sz="1800" kern="1200">
+                <a:solidFill>
+                  <a:schemeClr val="tx1"/>
+                </a:solidFill>
+                <a:latin typeface="+mn-lt"/>
+                <a:ea typeface="+mn-ea"/>
+                <a:cs typeface="+mn-cs"/>
+              </a:defRPr>
+            </a:lvl4pPr>
+            <a:lvl5pPr marL="1828800" algn="l" defTabSz="457200" rtl="0" eaLnBrk="1" latinLnBrk="0" hangingPunct="1">
+              <a:defRPr sz="1800" kern="1200">
+                <a:solidFill>
+                  <a:schemeClr val="tx1"/>
+                </a:solidFill>
+                <a:latin typeface="+mn-lt"/>
+                <a:ea typeface="+mn-ea"/>
+                <a:cs typeface="+mn-cs"/>
+              </a:defRPr>
+            </a:lvl5pPr>
+            <a:lvl6pPr marL="2286000" algn="l" defTabSz="457200" rtl="0" eaLnBrk="1" latinLnBrk="0" hangingPunct="1">
+              <a:defRPr sz="1800" kern="1200">
+                <a:solidFill>
+                  <a:schemeClr val="tx1"/>
+                </a:solidFill>
+                <a:latin typeface="+mn-lt"/>
+                <a:ea typeface="+mn-ea"/>
+                <a:cs typeface="+mn-cs"/>
+              </a:defRPr>
+            </a:lvl6pPr>
+            <a:lvl7pPr marL="2743200" algn="l" defTabSz="457200" rtl="0" eaLnBrk="1" latinLnBrk="0" hangingPunct="1">
+              <a:defRPr sz="1800" kern="1200">
+                <a:solidFill>
+                  <a:schemeClr val="tx1"/>
+                </a:solidFill>
+                <a:latin typeface="+mn-lt"/>
+                <a:ea typeface="+mn-ea"/>
+                <a:cs typeface="+mn-cs"/>
+              </a:defRPr>
+            </a:lvl7pPr>
+            <a:lvl8pPr marL="3200400" algn="l" defTabSz="457200" rtl="0" eaLnBrk="1" latinLnBrk="0" hangingPunct="1">
+              <a:defRPr sz="1800" kern="1200">
+                <a:solidFill>
+                  <a:schemeClr val="tx1"/>
+                </a:solidFill>
+                <a:latin typeface="+mn-lt"/>
+                <a:ea typeface="+mn-ea"/>
+                <a:cs typeface="+mn-cs"/>
+              </a:defRPr>
+            </a:lvl8pPr>
+            <a:lvl9pPr marL="3657600" algn="l" defTabSz="457200" rtl="0" eaLnBrk="1" latinLnBrk="0" hangingPunct="1">
+              <a:defRPr sz="1800" kern="1200">
+                <a:solidFill>
+                  <a:schemeClr val="tx1"/>
+                </a:solidFill>
+                <a:latin typeface="+mn-lt"/>
+                <a:ea typeface="+mn-ea"/>
+                <a:cs typeface="+mn-cs"/>
+              </a:defRPr>
+            </a:lvl9pPr>
+          </a:lstStyle>
+          <a:p>
+            <a:fld id="{C5EF2332-01BF-834F-8236-50238282D533}" type="slidenum">
+              <a:rPr lang="en-US" sz="1500" smtClean="0"/>
+              <a:pPr/>
+              <a:t>‹#›</a:t>
+            </a:fld>
+            <a:endParaRPr lang="en-US" sz="1500" dirty="0"/>
+          </a:p>
+        </p:txBody>
+      </p:sp>
+      <p:pic>
+        <p:nvPicPr>
+          <p:cNvPr id="7" name="Grafik 6">
+            <a:extLst>
+              <a:ext uri="{FF2B5EF4-FFF2-40B4-BE49-F238E27FC236}">
+                <a16:creationId xmlns:a16="http://schemas.microsoft.com/office/drawing/2014/main" id="{47D6DE26-FEA0-B94F-B3E4-40499A72F2E1}"/>
+              </a:ext>
+            </a:extLst>
+          </p:cNvPr>
+          <p:cNvPicPr>
+            <a:picLocks noChangeAspect="1"/>
+          </p:cNvPicPr>
+          <p:nvPr userDrawn="1"/>
+        </p:nvPicPr>
+        <p:blipFill>
+          <a:blip r:embed="rId2">
+            <a:extLst>
+              <a:ext uri="{28A0092B-C50C-407E-A947-70E740481C1C}">
+                <a14:useLocalDpi xmlns:a14="http://schemas.microsoft.com/office/drawing/2010/main" val="0"/>
+              </a:ext>
+            </a:extLst>
+          </a:blip>
+          <a:stretch>
+            <a:fillRect/>
+          </a:stretch>
+        </p:blipFill>
+        <p:spPr>
+          <a:xfrm>
+            <a:off x="7835641" y="4626159"/>
+            <a:ext cx="851159" cy="282209"/>
+          </a:xfrm>
+          <a:prstGeom prst="rect">
+            <a:avLst/>
+          </a:prstGeom>
+        </p:spPr>
+      </p:pic>
+      <p:sp>
+        <p:nvSpPr>
+          <p:cNvPr id="10" name="Text Placeholder 2">
+            <a:extLst>
+              <a:ext uri="{FF2B5EF4-FFF2-40B4-BE49-F238E27FC236}">
+                <a16:creationId xmlns:a16="http://schemas.microsoft.com/office/drawing/2014/main" id="{0211EB2B-8EE2-764D-B32B-E194135840B1}"/>
+              </a:ext>
+            </a:extLst>
+          </p:cNvPr>
+          <p:cNvSpPr>
+            <a:spLocks noGrp="1"/>
+          </p:cNvSpPr>
+          <p:nvPr>
+            <p:ph idx="1"/>
+          </p:nvPr>
+        </p:nvSpPr>
+        <p:spPr>
+          <a:xfrm>
+            <a:off x="298174" y="1302026"/>
+            <a:ext cx="8547653" cy="2406191"/>
+          </a:xfrm>
+          <a:prstGeom prst="rect">
+            <a:avLst/>
+          </a:prstGeom>
+        </p:spPr>
+        <p:txBody>
+          <a:bodyPr vert="horz" lIns="91440" tIns="45720" rIns="91440" bIns="45720" rtlCol="0">
+            <a:normAutofit/>
+          </a:bodyPr>
+          <a:lstStyle/>
+          <a:p>
+            <a:pPr lvl="0"/>
+            <a:r>
+              <a:rPr lang="en-GB"/>
+              <a:t>Click to edit Master text styles</a:t>
+            </a:r>
+          </a:p>
+          <a:p>
+            <a:pPr lvl="1"/>
+            <a:r>
+              <a:rPr lang="en-GB"/>
+              <a:t>Second level</a:t>
+            </a:r>
+          </a:p>
+          <a:p>
+            <a:pPr lvl="2"/>
+            <a:r>
+              <a:rPr lang="en-GB"/>
+              <a:t>Third level</a:t>
+            </a:r>
+          </a:p>
+          <a:p>
+            <a:pPr lvl="3"/>
+            <a:r>
+              <a:rPr lang="en-GB"/>
+              <a:t>Fourth level</a:t>
+            </a:r>
+          </a:p>
+          <a:p>
+            <a:pPr lvl="4"/>
+            <a:r>
+              <a:rPr lang="en-GB"/>
+              <a:t>Fifth level</a:t>
+            </a:r>
+            <a:endParaRPr lang="en-US" dirty="0"/>
+          </a:p>
+        </p:txBody>
+      </p:sp>
+    </p:spTree>
+    <p:extLst>
+      <p:ext uri="{BB962C8B-B14F-4D97-AF65-F5344CB8AC3E}">
+        <p14:creationId xmlns:p14="http://schemas.microsoft.com/office/powerpoint/2010/main" val="2231867353"/>
+      </p:ext>
+    </p:extLst>
+  </p:cSld>
+  <p:clrMapOvr>
+    <a:masterClrMapping/>
+  </p:clrMapOvr>
+</p:sldLayout>
+</file>
+
+<file path=ppt/slideLayouts/slideLayout8.xml><?xml version="1.0" encoding="utf-8"?>
+<p:sldLayout xmlns:a="http://schemas.openxmlformats.org/drawingml/2006/main" xmlns:r="http://schemas.openxmlformats.org/officeDocument/2006/relationships" xmlns:p="http://schemas.openxmlformats.org/presentationml/2006/main" preserve="1" userDrawn="1">
+  <p:cSld name="Multiple Code">
+    <p:spTree>
+      <p:nvGrpSpPr>
+        <p:cNvPr id="1" name=""/>
+        <p:cNvGrpSpPr/>
+        <p:nvPr/>
+      </p:nvGrpSpPr>
+      <p:grpSpPr>
+        <a:xfrm>
+          <a:off x="0" y="0"/>
+          <a:ext cx="0" cy="0"/>
+          <a:chOff x="0" y="0"/>
+          <a:chExt cx="0" cy="0"/>
+        </a:xfrm>
+      </p:grpSpPr>
+      <p:sp>
+        <p:nvSpPr>
+          <p:cNvPr id="2" name="Title 1"/>
+          <p:cNvSpPr>
+            <a:spLocks noGrp="1"/>
+          </p:cNvSpPr>
+          <p:nvPr>
+            <p:ph type="title"/>
+          </p:nvPr>
+        </p:nvSpPr>
+        <p:spPr/>
+        <p:txBody>
+          <a:bodyPr/>
+          <a:lstStyle>
+            <a:lvl1pPr algn="l">
+              <a:defRPr/>
+            </a:lvl1pPr>
+          </a:lstStyle>
+          <a:p>
+            <a:r>
+              <a:rPr lang="en-GB"/>
+              <a:t>Click to edit Master title style</a:t>
+            </a:r>
+            <a:endParaRPr lang="en-US" dirty="0"/>
+          </a:p>
+        </p:txBody>
+      </p:sp>
+      <p:sp>
+        <p:nvSpPr>
+          <p:cNvPr id="5" name="Text Placeholder 5">
+            <a:extLst>
+              <a:ext uri="{FF2B5EF4-FFF2-40B4-BE49-F238E27FC236}">
+                <a16:creationId xmlns:a16="http://schemas.microsoft.com/office/drawing/2014/main" id="{3A6339BD-CA73-F048-BA6C-9A00FA01DAB4}"/>
+              </a:ext>
+            </a:extLst>
+          </p:cNvPr>
+          <p:cNvSpPr>
+            <a:spLocks noGrp="1"/>
+          </p:cNvSpPr>
+          <p:nvPr>
+            <p:ph type="body" sz="quarter" idx="20" hasCustomPrompt="1"/>
+          </p:nvPr>
+        </p:nvSpPr>
+        <p:spPr>
+          <a:xfrm>
+            <a:off x="298172" y="2109887"/>
+            <a:ext cx="8547652" cy="603895"/>
+          </a:xfrm>
+          <a:prstGeom prst="rect">
+            <a:avLst/>
+          </a:prstGeom>
+          <a:solidFill>
+            <a:srgbClr val="F2F2F2"/>
+          </a:solidFill>
+          <a:ln>
+            <a:solidFill>
+              <a:srgbClr val="BFBFBF"/>
+            </a:solidFill>
+          </a:ln>
+        </p:spPr>
+        <p:txBody>
+          <a:bodyPr/>
+          <a:lstStyle>
+            <a:lvl1pPr marL="0" marR="0" indent="0" algn="l" defTabSz="685800" rtl="0" eaLnBrk="1" fontAlgn="auto" latinLnBrk="0" hangingPunct="1">
+              <a:lnSpc>
+                <a:spcPct val="90000"/>
+              </a:lnSpc>
+              <a:spcBef>
+                <a:spcPts val="750"/>
+              </a:spcBef>
+              <a:spcAft>
+                <a:spcPts val="0"/>
+              </a:spcAft>
+              <a:buClrTx/>
+              <a:buSzTx/>
+              <a:buFontTx/>
+              <a:buNone/>
+              <a:tabLst/>
+              <a:defRPr sz="1050">
+                <a:latin typeface="Courier New" panose="02070309020205020404" pitchFamily="49" charset="0"/>
+                <a:cs typeface="Courier New" panose="02070309020205020404" pitchFamily="49" charset="0"/>
+              </a:defRPr>
+            </a:lvl1pPr>
+          </a:lstStyle>
+          <a:p>
+            <a:pPr marL="0" marR="0" lvl="0" indent="0" algn="l" defTabSz="685800" rtl="0" eaLnBrk="1" fontAlgn="auto" latinLnBrk="0" hangingPunct="1">
+              <a:lnSpc>
+                <a:spcPct val="90000"/>
+              </a:lnSpc>
+              <a:spcBef>
+                <a:spcPts val="750"/>
+              </a:spcBef>
+              <a:spcAft>
+                <a:spcPts val="0"/>
+              </a:spcAft>
+              <a:buClrTx/>
+              <a:buSzTx/>
+              <a:buFontTx/>
+              <a:buNone/>
+              <a:tabLst/>
+              <a:defRPr/>
+            </a:pPr>
+            <a:r>
+              <a:rPr lang="en-US" noProof="0"/>
+              <a:t>Placeholder: font Courier New, not smaller than 14pt</a:t>
+            </a:r>
+          </a:p>
+        </p:txBody>
+      </p:sp>
+      <p:sp>
+        <p:nvSpPr>
+          <p:cNvPr id="6" name="Slide Number Placeholder 5">
+            <a:extLst>
+              <a:ext uri="{FF2B5EF4-FFF2-40B4-BE49-F238E27FC236}">
+                <a16:creationId xmlns:a16="http://schemas.microsoft.com/office/drawing/2014/main" id="{B179E377-D28D-B54E-A313-6C74A388AF01}"/>
+              </a:ext>
+            </a:extLst>
+          </p:cNvPr>
+          <p:cNvSpPr txBox="1">
+            <a:spLocks/>
+          </p:cNvSpPr>
+          <p:nvPr userDrawn="1"/>
+        </p:nvSpPr>
+        <p:spPr>
+          <a:xfrm>
+            <a:off x="340913" y="300458"/>
+            <a:ext cx="434340" cy="324446"/>
+          </a:xfrm>
+          <a:prstGeom prst="rect">
+            <a:avLst/>
+          </a:prstGeom>
+        </p:spPr>
+        <p:txBody>
+          <a:bodyPr vert="horz" lIns="68580" tIns="34290" rIns="68580" bIns="34290" rtlCol="0" anchor="ctr"/>
+          <a:lstStyle>
+            <a:defPPr>
+              <a:defRPr lang="en-US"/>
+            </a:defPPr>
+            <a:lvl1pPr marL="0" algn="r" defTabSz="457200" rtl="0" eaLnBrk="1" latinLnBrk="0" hangingPunct="1">
+              <a:defRPr sz="2000" b="1" i="0" kern="1200">
+                <a:solidFill>
+                  <a:srgbClr val="9601FF"/>
+                </a:solidFill>
+                <a:latin typeface="Montserrat" pitchFamily="2" charset="77"/>
+                <a:ea typeface="+mn-ea"/>
+                <a:cs typeface="+mn-cs"/>
+              </a:defRPr>
+            </a:lvl1pPr>
+            <a:lvl2pPr marL="457200" algn="l" defTabSz="457200" rtl="0" eaLnBrk="1" latinLnBrk="0" hangingPunct="1">
+              <a:defRPr sz="1800" kern="1200">
+                <a:solidFill>
+                  <a:schemeClr val="tx1"/>
+                </a:solidFill>
+                <a:latin typeface="+mn-lt"/>
+                <a:ea typeface="+mn-ea"/>
+                <a:cs typeface="+mn-cs"/>
+              </a:defRPr>
+            </a:lvl2pPr>
+            <a:lvl3pPr marL="914400" algn="l" defTabSz="457200" rtl="0" eaLnBrk="1" latinLnBrk="0" hangingPunct="1">
+              <a:defRPr sz="1800" kern="1200">
+                <a:solidFill>
+                  <a:schemeClr val="tx1"/>
+                </a:solidFill>
+                <a:latin typeface="+mn-lt"/>
+                <a:ea typeface="+mn-ea"/>
+                <a:cs typeface="+mn-cs"/>
+              </a:defRPr>
+            </a:lvl3pPr>
+            <a:lvl4pPr marL="1371600" algn="l" defTabSz="457200" rtl="0" eaLnBrk="1" latinLnBrk="0" hangingPunct="1">
+              <a:defRPr sz="1800" kern="1200">
+                <a:solidFill>
+                  <a:schemeClr val="tx1"/>
+                </a:solidFill>
+                <a:latin typeface="+mn-lt"/>
+                <a:ea typeface="+mn-ea"/>
+                <a:cs typeface="+mn-cs"/>
+              </a:defRPr>
+            </a:lvl4pPr>
+            <a:lvl5pPr marL="1828800" algn="l" defTabSz="457200" rtl="0" eaLnBrk="1" latinLnBrk="0" hangingPunct="1">
+              <a:defRPr sz="1800" kern="1200">
+                <a:solidFill>
+                  <a:schemeClr val="tx1"/>
+                </a:solidFill>
+                <a:latin typeface="+mn-lt"/>
+                <a:ea typeface="+mn-ea"/>
+                <a:cs typeface="+mn-cs"/>
+              </a:defRPr>
+            </a:lvl5pPr>
+            <a:lvl6pPr marL="2286000" algn="l" defTabSz="457200" rtl="0" eaLnBrk="1" latinLnBrk="0" hangingPunct="1">
+              <a:defRPr sz="1800" kern="1200">
+                <a:solidFill>
+                  <a:schemeClr val="tx1"/>
+                </a:solidFill>
+                <a:latin typeface="+mn-lt"/>
+                <a:ea typeface="+mn-ea"/>
+                <a:cs typeface="+mn-cs"/>
+              </a:defRPr>
+            </a:lvl6pPr>
+            <a:lvl7pPr marL="2743200" algn="l" defTabSz="457200" rtl="0" eaLnBrk="1" latinLnBrk="0" hangingPunct="1">
+              <a:defRPr sz="1800" kern="1200">
+                <a:solidFill>
+                  <a:schemeClr val="tx1"/>
+                </a:solidFill>
+                <a:latin typeface="+mn-lt"/>
+                <a:ea typeface="+mn-ea"/>
+                <a:cs typeface="+mn-cs"/>
+              </a:defRPr>
+            </a:lvl7pPr>
+            <a:lvl8pPr marL="3200400" algn="l" defTabSz="457200" rtl="0" eaLnBrk="1" latinLnBrk="0" hangingPunct="1">
+              <a:defRPr sz="1800" kern="1200">
+                <a:solidFill>
+                  <a:schemeClr val="tx1"/>
+                </a:solidFill>
+                <a:latin typeface="+mn-lt"/>
+                <a:ea typeface="+mn-ea"/>
+                <a:cs typeface="+mn-cs"/>
+              </a:defRPr>
+            </a:lvl8pPr>
+            <a:lvl9pPr marL="3657600" algn="l" defTabSz="457200" rtl="0" eaLnBrk="1" latinLnBrk="0" hangingPunct="1">
+              <a:defRPr sz="1800" kern="1200">
+                <a:solidFill>
+                  <a:schemeClr val="tx1"/>
+                </a:solidFill>
+                <a:latin typeface="+mn-lt"/>
+                <a:ea typeface="+mn-ea"/>
+                <a:cs typeface="+mn-cs"/>
+              </a:defRPr>
+            </a:lvl9pPr>
+          </a:lstStyle>
+          <a:p>
+            <a:fld id="{C5EF2332-01BF-834F-8236-50238282D533}" type="slidenum">
+              <a:rPr lang="en-US" sz="1500" smtClean="0"/>
+              <a:pPr/>
+              <a:t>‹#›</a:t>
+            </a:fld>
+            <a:endParaRPr lang="en-US" sz="1500" dirty="0"/>
+          </a:p>
+        </p:txBody>
+      </p:sp>
+      <p:pic>
+        <p:nvPicPr>
+          <p:cNvPr id="7" name="Grafik 6">
+            <a:extLst>
+              <a:ext uri="{FF2B5EF4-FFF2-40B4-BE49-F238E27FC236}">
+                <a16:creationId xmlns:a16="http://schemas.microsoft.com/office/drawing/2014/main" id="{47D6DE26-FEA0-B94F-B3E4-40499A72F2E1}"/>
+              </a:ext>
+            </a:extLst>
+          </p:cNvPr>
+          <p:cNvPicPr>
+            <a:picLocks noChangeAspect="1"/>
+          </p:cNvPicPr>
+          <p:nvPr userDrawn="1"/>
+        </p:nvPicPr>
+        <p:blipFill>
+          <a:blip r:embed="rId2">
+            <a:extLst>
+              <a:ext uri="{28A0092B-C50C-407E-A947-70E740481C1C}">
+                <a14:useLocalDpi xmlns:a14="http://schemas.microsoft.com/office/drawing/2010/main" val="0"/>
+              </a:ext>
+            </a:extLst>
+          </a:blip>
+          <a:stretch>
+            <a:fillRect/>
+          </a:stretch>
+        </p:blipFill>
+        <p:spPr>
+          <a:xfrm>
+            <a:off x="7835641" y="4626159"/>
+            <a:ext cx="851159" cy="282209"/>
+          </a:xfrm>
+          <a:prstGeom prst="rect">
+            <a:avLst/>
+          </a:prstGeom>
+        </p:spPr>
+      </p:pic>
+      <p:sp>
+        <p:nvSpPr>
+          <p:cNvPr id="10" name="Text Placeholder 2">
+            <a:extLst>
+              <a:ext uri="{FF2B5EF4-FFF2-40B4-BE49-F238E27FC236}">
+                <a16:creationId xmlns:a16="http://schemas.microsoft.com/office/drawing/2014/main" id="{0211EB2B-8EE2-764D-B32B-E194135840B1}"/>
+              </a:ext>
+            </a:extLst>
+          </p:cNvPr>
+          <p:cNvSpPr>
+            <a:spLocks noGrp="1"/>
+          </p:cNvSpPr>
+          <p:nvPr>
+            <p:ph idx="1"/>
+          </p:nvPr>
+        </p:nvSpPr>
+        <p:spPr>
+          <a:xfrm>
+            <a:off x="298174" y="1302027"/>
+            <a:ext cx="8547653" cy="685800"/>
+          </a:xfrm>
+          <a:prstGeom prst="rect">
+            <a:avLst/>
+          </a:prstGeom>
+        </p:spPr>
+        <p:txBody>
+          <a:bodyPr vert="horz" lIns="91440" tIns="45720" rIns="91440" bIns="45720" rtlCol="0">
+            <a:normAutofit/>
+          </a:bodyPr>
+          <a:lstStyle>
+            <a:lvl2pPr marL="385763" indent="0">
+              <a:buNone/>
+              <a:defRPr/>
+            </a:lvl2pPr>
+          </a:lstStyle>
+          <a:p>
+            <a:pPr lvl="0"/>
+            <a:r>
+              <a:rPr lang="en-GB"/>
+              <a:t>Click to edit Master text styles</a:t>
+            </a:r>
+          </a:p>
+        </p:txBody>
+      </p:sp>
+      <p:sp>
+        <p:nvSpPr>
+          <p:cNvPr id="8" name="Text Placeholder 5">
+            <a:extLst>
+              <a:ext uri="{FF2B5EF4-FFF2-40B4-BE49-F238E27FC236}">
+                <a16:creationId xmlns:a16="http://schemas.microsoft.com/office/drawing/2014/main" id="{8BDAF8E5-BB6B-B84E-A0C8-6A953B5410AE}"/>
+              </a:ext>
+            </a:extLst>
+          </p:cNvPr>
+          <p:cNvSpPr>
+            <a:spLocks noGrp="1"/>
+          </p:cNvSpPr>
+          <p:nvPr>
+            <p:ph type="body" sz="quarter" idx="21" hasCustomPrompt="1"/>
+          </p:nvPr>
+        </p:nvSpPr>
+        <p:spPr>
+          <a:xfrm>
+            <a:off x="298171" y="3639211"/>
+            <a:ext cx="8547651" cy="603895"/>
+          </a:xfrm>
+          <a:prstGeom prst="rect">
+            <a:avLst/>
+          </a:prstGeom>
+          <a:solidFill>
+            <a:srgbClr val="F2F2F2"/>
+          </a:solidFill>
+          <a:ln>
+            <a:solidFill>
+              <a:srgbClr val="BFBFBF"/>
+            </a:solidFill>
+          </a:ln>
+        </p:spPr>
+        <p:txBody>
+          <a:bodyPr/>
+          <a:lstStyle>
+            <a:lvl1pPr marL="0" marR="0" indent="0" algn="l" defTabSz="685800" rtl="0" eaLnBrk="1" fontAlgn="auto" latinLnBrk="0" hangingPunct="1">
+              <a:lnSpc>
+                <a:spcPct val="90000"/>
+              </a:lnSpc>
+              <a:spcBef>
+                <a:spcPts val="750"/>
+              </a:spcBef>
+              <a:spcAft>
+                <a:spcPts val="0"/>
+              </a:spcAft>
+              <a:buClrTx/>
+              <a:buSzTx/>
+              <a:buFontTx/>
+              <a:buNone/>
+              <a:tabLst/>
+              <a:defRPr sz="1050">
+                <a:latin typeface="Courier New" panose="02070309020205020404" pitchFamily="49" charset="0"/>
+                <a:cs typeface="Courier New" panose="02070309020205020404" pitchFamily="49" charset="0"/>
+              </a:defRPr>
+            </a:lvl1pPr>
+          </a:lstStyle>
+          <a:p>
+            <a:pPr marL="0" marR="0" lvl="0" indent="0" algn="l" defTabSz="685800" rtl="0" eaLnBrk="1" fontAlgn="auto" latinLnBrk="0" hangingPunct="1">
+              <a:lnSpc>
+                <a:spcPct val="90000"/>
+              </a:lnSpc>
+              <a:spcBef>
+                <a:spcPts val="750"/>
+              </a:spcBef>
+              <a:spcAft>
+                <a:spcPts val="0"/>
+              </a:spcAft>
+              <a:buClrTx/>
+              <a:buSzTx/>
+              <a:buFontTx/>
+              <a:buNone/>
+              <a:tabLst/>
+              <a:defRPr/>
+            </a:pPr>
+            <a:r>
+              <a:rPr lang="en-US" noProof="0"/>
+              <a:t>Placeholder: font Courier New, not smaller than 14pt</a:t>
+            </a:r>
+          </a:p>
+        </p:txBody>
+      </p:sp>
+      <p:sp>
+        <p:nvSpPr>
+          <p:cNvPr id="9" name="Text Placeholder 2">
+            <a:extLst>
+              <a:ext uri="{FF2B5EF4-FFF2-40B4-BE49-F238E27FC236}">
+                <a16:creationId xmlns:a16="http://schemas.microsoft.com/office/drawing/2014/main" id="{0A0A7466-36F7-734A-BA22-18F77EADBCBE}"/>
+              </a:ext>
+            </a:extLst>
+          </p:cNvPr>
+          <p:cNvSpPr>
+            <a:spLocks noGrp="1"/>
+          </p:cNvSpPr>
+          <p:nvPr>
+            <p:ph idx="22"/>
+          </p:nvPr>
+        </p:nvSpPr>
+        <p:spPr>
+          <a:xfrm>
+            <a:off x="298171" y="2833596"/>
+            <a:ext cx="8547652" cy="685800"/>
+          </a:xfrm>
+          <a:prstGeom prst="rect">
+            <a:avLst/>
+          </a:prstGeom>
+        </p:spPr>
+        <p:txBody>
+          <a:bodyPr vert="horz" lIns="91440" tIns="45720" rIns="91440" bIns="45720" rtlCol="0">
+            <a:normAutofit/>
+          </a:bodyPr>
+          <a:lstStyle>
+            <a:lvl2pPr marL="385763" indent="0">
+              <a:buNone/>
+              <a:defRPr/>
+            </a:lvl2pPr>
+          </a:lstStyle>
+          <a:p>
+            <a:pPr lvl="0"/>
+            <a:r>
+              <a:rPr lang="en-GB"/>
+              <a:t>Click to edit Master text styles</a:t>
+            </a:r>
+          </a:p>
+        </p:txBody>
+      </p:sp>
+    </p:spTree>
+    <p:extLst>
+      <p:ext uri="{BB962C8B-B14F-4D97-AF65-F5344CB8AC3E}">
+        <p14:creationId xmlns:p14="http://schemas.microsoft.com/office/powerpoint/2010/main" val="3988839080"/>
+      </p:ext>
+    </p:extLst>
+  </p:cSld>
+  <p:clrMapOvr>
+    <a:masterClrMapping/>
+  </p:clrMapOvr>
+</p:sldLayout>
+</file>
+
+<file path=ppt/slideLayouts/slideLayout9.xml><?xml version="1.0" encoding="utf-8"?>
+<p:sldLayout xmlns:a="http://schemas.openxmlformats.org/drawingml/2006/main" xmlns:r="http://schemas.openxmlformats.org/officeDocument/2006/relationships" xmlns:p="http://schemas.openxmlformats.org/presentationml/2006/main" preserve="1" userDrawn="1">
+  <p:cSld name="Two Content">
+    <p:spTree>
+      <p:nvGrpSpPr>
+        <p:cNvPr id="1" name=""/>
+        <p:cNvGrpSpPr/>
+        <p:nvPr/>
+      </p:nvGrpSpPr>
+      <p:grpSpPr>
+        <a:xfrm>
+          <a:off x="0" y="0"/>
+          <a:ext cx="0" cy="0"/>
+          <a:chOff x="0" y="0"/>
+          <a:chExt cx="0" cy="0"/>
+        </a:xfrm>
+      </p:grpSpPr>
+      <p:sp>
+        <p:nvSpPr>
+          <p:cNvPr id="13" name="Content Placeholder 2">
+            <a:extLst>
+              <a:ext uri="{FF2B5EF4-FFF2-40B4-BE49-F238E27FC236}">
+                <a16:creationId xmlns:a16="http://schemas.microsoft.com/office/drawing/2014/main" id="{E2EB2FFC-66FE-7645-920C-E8E0DB726771}"/>
+              </a:ext>
+            </a:extLst>
+          </p:cNvPr>
+          <p:cNvSpPr>
+            <a:spLocks noGrp="1"/>
+          </p:cNvSpPr>
+          <p:nvPr>
+            <p:ph idx="12"/>
+          </p:nvPr>
+        </p:nvSpPr>
+        <p:spPr>
+          <a:xfrm>
+            <a:off x="4661454" y="1302026"/>
+            <a:ext cx="4184373" cy="3538331"/>
+          </a:xfrm>
+        </p:spPr>
+        <p:txBody>
+          <a:bodyPr>
+            <a:normAutofit/>
+          </a:bodyPr>
+          <a:lstStyle>
+            <a:lvl1pPr marL="257175" indent="-171450" algn="l" defTabSz="685800" rtl="0" eaLnBrk="1" latinLnBrk="0" hangingPunct="1">
+              <a:lnSpc>
+                <a:spcPct val="90000"/>
+              </a:lnSpc>
+              <a:buClr>
+                <a:srgbClr val="9600FF"/>
+              </a:buClr>
+              <a:buFont typeface="Wingdings" pitchFamily="2" charset="2"/>
+              <a:buChar char="§"/>
+              <a:defRPr lang="en-US" sz="1350" b="0" kern="1200" baseline="0" dirty="0" smtClean="0">
+                <a:solidFill>
+                  <a:srgbClr val="1E2846"/>
+                </a:solidFill>
+                <a:latin typeface="Open Sans Light" panose="020B0306030504020204" pitchFamily="34" charset="0"/>
+                <a:ea typeface="Open Sans Light" panose="020B0306030504020204" pitchFamily="34" charset="0"/>
+                <a:cs typeface="Open Sans Light" panose="020B0306030504020204" pitchFamily="34" charset="0"/>
+              </a:defRPr>
+            </a:lvl1pPr>
+            <a:lvl2pPr marL="557213" indent="-171450" algn="l" defTabSz="685800" rtl="0" eaLnBrk="1" latinLnBrk="0" hangingPunct="1">
+              <a:lnSpc>
+                <a:spcPct val="90000"/>
+              </a:lnSpc>
+              <a:buClr>
+                <a:srgbClr val="9600FF"/>
+              </a:buClr>
+              <a:buFont typeface="Courier New" panose="02070309020205020404" pitchFamily="49" charset="0"/>
+              <a:buChar char="o"/>
+              <a:defRPr lang="en-US" sz="1350" b="0" kern="1200" baseline="0" dirty="0" smtClean="0">
+                <a:solidFill>
+                  <a:srgbClr val="1E2846"/>
+                </a:solidFill>
+                <a:latin typeface="Open Sans Light" panose="020B0306030504020204" pitchFamily="34" charset="0"/>
+                <a:ea typeface="Open Sans Light" panose="020B0306030504020204" pitchFamily="34" charset="0"/>
+                <a:cs typeface="Open Sans Light" panose="020B0306030504020204" pitchFamily="34" charset="0"/>
+              </a:defRPr>
+            </a:lvl2pPr>
+            <a:lvl3pPr marL="857250" indent="-171450" algn="l" defTabSz="685800" rtl="0" eaLnBrk="1" latinLnBrk="0" hangingPunct="1">
+              <a:lnSpc>
+                <a:spcPct val="90000"/>
+              </a:lnSpc>
+              <a:buClr>
+                <a:srgbClr val="9600FF"/>
+              </a:buClr>
+              <a:buFont typeface="Courier New" panose="02070309020205020404" pitchFamily="49" charset="0"/>
+              <a:buChar char="o"/>
+              <a:defRPr lang="en-US" sz="1350" b="0" kern="1200" baseline="0" dirty="0" smtClean="0">
+                <a:solidFill>
+                  <a:srgbClr val="1E2846"/>
+                </a:solidFill>
+                <a:latin typeface="Open Sans Light" panose="020B0306030504020204" pitchFamily="34" charset="0"/>
+                <a:ea typeface="Open Sans Light" panose="020B0306030504020204" pitchFamily="34" charset="0"/>
+                <a:cs typeface="Open Sans Light" panose="020B0306030504020204" pitchFamily="34" charset="0"/>
+              </a:defRPr>
+            </a:lvl3pPr>
+            <a:lvl4pPr marL="1200150" indent="-171450" algn="l" defTabSz="685800" rtl="0" eaLnBrk="1" latinLnBrk="0" hangingPunct="1">
+              <a:lnSpc>
+                <a:spcPct val="90000"/>
+              </a:lnSpc>
+              <a:buClr>
+                <a:srgbClr val="9600FF"/>
+              </a:buClr>
+              <a:buFont typeface="Courier New" panose="02070309020205020404" pitchFamily="49" charset="0"/>
+              <a:buChar char="o"/>
+              <a:defRPr lang="en-US" sz="1350" b="0" kern="1200" baseline="0" dirty="0" smtClean="0">
+                <a:solidFill>
+                  <a:srgbClr val="1E2846"/>
+                </a:solidFill>
+                <a:latin typeface="Open Sans Light" panose="020B0306030504020204" pitchFamily="34" charset="0"/>
+                <a:ea typeface="Open Sans Light" panose="020B0306030504020204" pitchFamily="34" charset="0"/>
+                <a:cs typeface="Open Sans Light" panose="020B0306030504020204" pitchFamily="34" charset="0"/>
+              </a:defRPr>
+            </a:lvl4pPr>
+            <a:lvl5pPr marL="1543050" indent="-171450" algn="l" defTabSz="685800" rtl="0" eaLnBrk="1" latinLnBrk="0" hangingPunct="1">
+              <a:lnSpc>
+                <a:spcPct val="90000"/>
+              </a:lnSpc>
+              <a:buClr>
+                <a:srgbClr val="9600FF"/>
+              </a:buClr>
+              <a:buFont typeface="Courier New" panose="02070309020205020404" pitchFamily="49" charset="0"/>
+              <a:buChar char="o"/>
+              <a:defRPr lang="en-US" sz="1350" b="0" kern="1200" baseline="0" dirty="0">
+                <a:solidFill>
+                  <a:srgbClr val="1E2846"/>
+                </a:solidFill>
+                <a:latin typeface="Open Sans Light" panose="020B0306030504020204" pitchFamily="34" charset="0"/>
+                <a:ea typeface="Open Sans Light" panose="020B0306030504020204" pitchFamily="34" charset="0"/>
+                <a:cs typeface="Open Sans Light" panose="020B0306030504020204" pitchFamily="34" charset="0"/>
+              </a:defRPr>
+            </a:lvl5pPr>
+          </a:lstStyle>
+          <a:p>
+            <a:pPr lvl="0"/>
+            <a:r>
+              <a:rPr lang="en-GB"/>
+              <a:t>Click to edit Master text styles</a:t>
+            </a:r>
+          </a:p>
+          <a:p>
+            <a:pPr lvl="1"/>
+            <a:r>
+              <a:rPr lang="en-GB"/>
+              <a:t>Second level</a:t>
+            </a:r>
+          </a:p>
+          <a:p>
+            <a:pPr lvl="2"/>
+            <a:r>
+              <a:rPr lang="en-GB"/>
+              <a:t>Third level</a:t>
+            </a:r>
+          </a:p>
+          <a:p>
+            <a:pPr lvl="3"/>
+            <a:r>
+              <a:rPr lang="en-GB"/>
+              <a:t>Fourth level</a:t>
+            </a:r>
+          </a:p>
+          <a:p>
+            <a:pPr lvl="4"/>
+            <a:r>
+              <a:rPr lang="en-GB"/>
+              <a:t>Fifth level</a:t>
+            </a:r>
+            <a:endParaRPr lang="en-US" dirty="0"/>
+          </a:p>
+        </p:txBody>
+      </p:sp>
+      <p:sp>
+        <p:nvSpPr>
+          <p:cNvPr id="2" name="Title 1"/>
+          <p:cNvSpPr>
+            <a:spLocks noGrp="1"/>
+          </p:cNvSpPr>
+          <p:nvPr>
+            <p:ph type="title"/>
+          </p:nvPr>
+        </p:nvSpPr>
+        <p:spPr/>
+        <p:txBody>
+          <a:bodyPr/>
+          <a:lstStyle>
+            <a:lvl1pPr algn="l">
+              <a:defRPr/>
+            </a:lvl1pPr>
+          </a:lstStyle>
+          <a:p>
+            <a:r>
+              <a:rPr lang="en-GB"/>
+              <a:t>Click to edit Master title style</a:t>
+            </a:r>
+            <a:endParaRPr lang="en-US" dirty="0"/>
+          </a:p>
+        </p:txBody>
+      </p:sp>
+      <p:sp>
+        <p:nvSpPr>
+          <p:cNvPr id="8" name="Slide Number Placeholder 5">
+            <a:extLst>
+              <a:ext uri="{FF2B5EF4-FFF2-40B4-BE49-F238E27FC236}">
+                <a16:creationId xmlns:a16="http://schemas.microsoft.com/office/drawing/2014/main" id="{DE32C557-44D6-2048-B960-D9CB2DE4D077}"/>
+              </a:ext>
+            </a:extLst>
+          </p:cNvPr>
+          <p:cNvSpPr txBox="1">
+            <a:spLocks/>
+          </p:cNvSpPr>
+          <p:nvPr userDrawn="1"/>
+        </p:nvSpPr>
+        <p:spPr>
+          <a:xfrm>
+            <a:off x="340913" y="300458"/>
+            <a:ext cx="434340" cy="324446"/>
+          </a:xfrm>
+          <a:prstGeom prst="rect">
+            <a:avLst/>
+          </a:prstGeom>
+        </p:spPr>
+        <p:txBody>
+          <a:bodyPr vert="horz" lIns="68580" tIns="34290" rIns="68580" bIns="34290" rtlCol="0" anchor="ctr"/>
+          <a:lstStyle>
+            <a:defPPr>
+              <a:defRPr lang="en-US"/>
+            </a:defPPr>
+            <a:lvl1pPr marL="0" algn="r" defTabSz="457200" rtl="0" eaLnBrk="1" latinLnBrk="0" hangingPunct="1">
+              <a:defRPr sz="2000" b="1" i="0" kern="1200">
+                <a:solidFill>
+                  <a:srgbClr val="9601FF"/>
+                </a:solidFill>
+                <a:latin typeface="Montserrat" pitchFamily="2" charset="77"/>
+                <a:ea typeface="+mn-ea"/>
+                <a:cs typeface="+mn-cs"/>
+              </a:defRPr>
+            </a:lvl1pPr>
+            <a:lvl2pPr marL="457200" algn="l" defTabSz="457200" rtl="0" eaLnBrk="1" latinLnBrk="0" hangingPunct="1">
+              <a:defRPr sz="1800" kern="1200">
+                <a:solidFill>
+                  <a:schemeClr val="tx1"/>
+                </a:solidFill>
+                <a:latin typeface="+mn-lt"/>
+                <a:ea typeface="+mn-ea"/>
+                <a:cs typeface="+mn-cs"/>
+              </a:defRPr>
+            </a:lvl2pPr>
+            <a:lvl3pPr marL="914400" algn="l" defTabSz="457200" rtl="0" eaLnBrk="1" latinLnBrk="0" hangingPunct="1">
+              <a:defRPr sz="1800" kern="1200">
+                <a:solidFill>
+                  <a:schemeClr val="tx1"/>
+                </a:solidFill>
+                <a:latin typeface="+mn-lt"/>
+                <a:ea typeface="+mn-ea"/>
+                <a:cs typeface="+mn-cs"/>
+              </a:defRPr>
+            </a:lvl3pPr>
+            <a:lvl4pPr marL="1371600" algn="l" defTabSz="457200" rtl="0" eaLnBrk="1" latinLnBrk="0" hangingPunct="1">
+              <a:defRPr sz="1800" kern="1200">
+                <a:solidFill>
+                  <a:schemeClr val="tx1"/>
+                </a:solidFill>
+                <a:latin typeface="+mn-lt"/>
+                <a:ea typeface="+mn-ea"/>
+                <a:cs typeface="+mn-cs"/>
+              </a:defRPr>
+            </a:lvl4pPr>
+            <a:lvl5pPr marL="1828800" algn="l" defTabSz="457200" rtl="0" eaLnBrk="1" latinLnBrk="0" hangingPunct="1">
+              <a:defRPr sz="1800" kern="1200">
+                <a:solidFill>
+                  <a:schemeClr val="tx1"/>
+                </a:solidFill>
+                <a:latin typeface="+mn-lt"/>
+                <a:ea typeface="+mn-ea"/>
+                <a:cs typeface="+mn-cs"/>
+              </a:defRPr>
+            </a:lvl5pPr>
+            <a:lvl6pPr marL="2286000" algn="l" defTabSz="457200" rtl="0" eaLnBrk="1" latinLnBrk="0" hangingPunct="1">
+              <a:defRPr sz="1800" kern="1200">
+                <a:solidFill>
+                  <a:schemeClr val="tx1"/>
+                </a:solidFill>
+                <a:latin typeface="+mn-lt"/>
+                <a:ea typeface="+mn-ea"/>
+                <a:cs typeface="+mn-cs"/>
+              </a:defRPr>
+            </a:lvl6pPr>
+            <a:lvl7pPr marL="2743200" algn="l" defTabSz="457200" rtl="0" eaLnBrk="1" latinLnBrk="0" hangingPunct="1">
+              <a:defRPr sz="1800" kern="1200">
+                <a:solidFill>
+                  <a:schemeClr val="tx1"/>
+                </a:solidFill>
+                <a:latin typeface="+mn-lt"/>
+                <a:ea typeface="+mn-ea"/>
+                <a:cs typeface="+mn-cs"/>
+              </a:defRPr>
+            </a:lvl7pPr>
+            <a:lvl8pPr marL="3200400" algn="l" defTabSz="457200" rtl="0" eaLnBrk="1" latinLnBrk="0" hangingPunct="1">
+              <a:defRPr sz="1800" kern="1200">
+                <a:solidFill>
+                  <a:schemeClr val="tx1"/>
+                </a:solidFill>
+                <a:latin typeface="+mn-lt"/>
+                <a:ea typeface="+mn-ea"/>
+                <a:cs typeface="+mn-cs"/>
+              </a:defRPr>
+            </a:lvl8pPr>
+            <a:lvl9pPr marL="3657600" algn="l" defTabSz="457200" rtl="0" eaLnBrk="1" latinLnBrk="0" hangingPunct="1">
+              <a:defRPr sz="1800" kern="1200">
+                <a:solidFill>
+                  <a:schemeClr val="tx1"/>
+                </a:solidFill>
+                <a:latin typeface="+mn-lt"/>
+                <a:ea typeface="+mn-ea"/>
+                <a:cs typeface="+mn-cs"/>
+              </a:defRPr>
+            </a:lvl9pPr>
+          </a:lstStyle>
+          <a:p>
+            <a:fld id="{C5EF2332-01BF-834F-8236-50238282D533}" type="slidenum">
+              <a:rPr lang="en-US" sz="1500" smtClean="0"/>
+              <a:pPr/>
+              <a:t>‹#›</a:t>
+            </a:fld>
+            <a:endParaRPr lang="en-US" sz="1500" dirty="0"/>
+          </a:p>
+        </p:txBody>
+      </p:sp>
+      <p:pic>
+        <p:nvPicPr>
+          <p:cNvPr id="6" name="Grafik 6">
+            <a:extLst>
+              <a:ext uri="{FF2B5EF4-FFF2-40B4-BE49-F238E27FC236}">
+                <a16:creationId xmlns:a16="http://schemas.microsoft.com/office/drawing/2014/main" id="{5D0532B0-7B97-F943-8F75-FFD570A7A171}"/>
+              </a:ext>
+            </a:extLst>
+          </p:cNvPr>
+          <p:cNvPicPr>
+            <a:picLocks noChangeAspect="1"/>
+          </p:cNvPicPr>
+          <p:nvPr userDrawn="1"/>
+        </p:nvPicPr>
+        <p:blipFill>
+          <a:blip r:embed="rId2">
+            <a:extLst>
+              <a:ext uri="{28A0092B-C50C-407E-A947-70E740481C1C}">
+                <a14:useLocalDpi xmlns:a14="http://schemas.microsoft.com/office/drawing/2010/main" val="0"/>
+              </a:ext>
+            </a:extLst>
+          </a:blip>
+          <a:stretch>
+            <a:fillRect/>
+          </a:stretch>
+        </p:blipFill>
+        <p:spPr>
+          <a:xfrm>
+            <a:off x="7835641" y="4626159"/>
+            <a:ext cx="851159" cy="282209"/>
+          </a:xfrm>
+          <a:prstGeom prst="rect">
+            <a:avLst/>
+          </a:prstGeom>
+        </p:spPr>
+      </p:pic>
+      <p:sp>
+        <p:nvSpPr>
+          <p:cNvPr id="12" name="Content Placeholder 2">
+            <a:extLst>
+              <a:ext uri="{FF2B5EF4-FFF2-40B4-BE49-F238E27FC236}">
+                <a16:creationId xmlns:a16="http://schemas.microsoft.com/office/drawing/2014/main" id="{030F73DC-8E5A-5B4C-B435-6DE4F1A44F68}"/>
+              </a:ext>
+            </a:extLst>
+          </p:cNvPr>
+          <p:cNvSpPr>
+            <a:spLocks noGrp="1"/>
+          </p:cNvSpPr>
+          <p:nvPr>
+            <p:ph idx="11"/>
+          </p:nvPr>
+        </p:nvSpPr>
+        <p:spPr>
+          <a:xfrm>
+            <a:off x="298175" y="1302026"/>
+            <a:ext cx="4184373" cy="3538331"/>
+          </a:xfrm>
+        </p:spPr>
+        <p:txBody>
+          <a:bodyPr>
+            <a:normAutofit/>
+          </a:bodyPr>
+          <a:lstStyle>
+            <a:lvl1pPr marL="257175" indent="-171450" algn="l" defTabSz="685800" rtl="0" eaLnBrk="1" latinLnBrk="0" hangingPunct="1">
+              <a:lnSpc>
+                <a:spcPct val="90000"/>
+              </a:lnSpc>
+              <a:buClr>
+                <a:srgbClr val="9600FF"/>
+              </a:buClr>
+              <a:buFont typeface="Wingdings" pitchFamily="2" charset="2"/>
+              <a:buChar char="§"/>
+              <a:defRPr lang="en-US" sz="1350" b="0" kern="1200" baseline="0" dirty="0" smtClean="0">
+                <a:solidFill>
+                  <a:srgbClr val="1E2846"/>
+                </a:solidFill>
+                <a:latin typeface="Open Sans Light" panose="020B0306030504020204" pitchFamily="34" charset="0"/>
+                <a:ea typeface="Open Sans Light" panose="020B0306030504020204" pitchFamily="34" charset="0"/>
+                <a:cs typeface="Open Sans Light" panose="020B0306030504020204" pitchFamily="34" charset="0"/>
+              </a:defRPr>
+            </a:lvl1pPr>
+            <a:lvl2pPr marL="557213" indent="-171450" algn="l" defTabSz="685800" rtl="0" eaLnBrk="1" latinLnBrk="0" hangingPunct="1">
+              <a:lnSpc>
+                <a:spcPct val="90000"/>
+              </a:lnSpc>
+              <a:buClr>
+                <a:srgbClr val="9600FF"/>
+              </a:buClr>
+              <a:buFont typeface="Courier New" panose="02070309020205020404" pitchFamily="49" charset="0"/>
+              <a:buChar char="o"/>
+              <a:defRPr lang="en-US" sz="1350" b="0" kern="1200" baseline="0" dirty="0" smtClean="0">
+                <a:solidFill>
+                  <a:srgbClr val="1E2846"/>
+                </a:solidFill>
+                <a:latin typeface="Open Sans Light" panose="020B0306030504020204" pitchFamily="34" charset="0"/>
+                <a:ea typeface="Open Sans Light" panose="020B0306030504020204" pitchFamily="34" charset="0"/>
+                <a:cs typeface="Open Sans Light" panose="020B0306030504020204" pitchFamily="34" charset="0"/>
+              </a:defRPr>
+            </a:lvl2pPr>
+            <a:lvl3pPr marL="857250" indent="-171450" algn="l" defTabSz="685800" rtl="0" eaLnBrk="1" latinLnBrk="0" hangingPunct="1">
+              <a:lnSpc>
+                <a:spcPct val="90000"/>
+              </a:lnSpc>
+              <a:buClr>
+                <a:srgbClr val="9600FF"/>
+              </a:buClr>
+              <a:buFont typeface="Courier New" panose="02070309020205020404" pitchFamily="49" charset="0"/>
+              <a:buChar char="o"/>
+              <a:defRPr lang="en-US" sz="1350" b="0" kern="1200" baseline="0" dirty="0" smtClean="0">
+                <a:solidFill>
+                  <a:srgbClr val="1E2846"/>
+                </a:solidFill>
+                <a:latin typeface="Open Sans Light" panose="020B0306030504020204" pitchFamily="34" charset="0"/>
+                <a:ea typeface="Open Sans Light" panose="020B0306030504020204" pitchFamily="34" charset="0"/>
+                <a:cs typeface="Open Sans Light" panose="020B0306030504020204" pitchFamily="34" charset="0"/>
+              </a:defRPr>
+            </a:lvl3pPr>
+            <a:lvl4pPr marL="1200150" indent="-171450" algn="l" defTabSz="685800" rtl="0" eaLnBrk="1" latinLnBrk="0" hangingPunct="1">
+              <a:lnSpc>
+                <a:spcPct val="90000"/>
+              </a:lnSpc>
+              <a:buClr>
+                <a:srgbClr val="9600FF"/>
+              </a:buClr>
+              <a:buFont typeface="Courier New" panose="02070309020205020404" pitchFamily="49" charset="0"/>
+              <a:buChar char="o"/>
+              <a:defRPr lang="en-US" sz="1350" b="0" kern="1200" baseline="0" dirty="0" smtClean="0">
+                <a:solidFill>
+                  <a:srgbClr val="1E2846"/>
+                </a:solidFill>
+                <a:latin typeface="Open Sans Light" panose="020B0306030504020204" pitchFamily="34" charset="0"/>
+                <a:ea typeface="Open Sans Light" panose="020B0306030504020204" pitchFamily="34" charset="0"/>
+                <a:cs typeface="Open Sans Light" panose="020B0306030504020204" pitchFamily="34" charset="0"/>
+              </a:defRPr>
+            </a:lvl4pPr>
+            <a:lvl5pPr marL="1543050" indent="-171450" algn="l" defTabSz="685800" rtl="0" eaLnBrk="1" latinLnBrk="0" hangingPunct="1">
+              <a:lnSpc>
+                <a:spcPct val="90000"/>
+              </a:lnSpc>
+              <a:buClr>
+                <a:srgbClr val="9600FF"/>
+              </a:buClr>
+              <a:buFont typeface="Courier New" panose="02070309020205020404" pitchFamily="49" charset="0"/>
+              <a:buChar char="o"/>
+              <a:defRPr lang="en-US" sz="1350" b="0" kern="1200" baseline="0" dirty="0">
+                <a:solidFill>
+                  <a:srgbClr val="1E2846"/>
+                </a:solidFill>
+                <a:latin typeface="Open Sans Light" panose="020B0306030504020204" pitchFamily="34" charset="0"/>
+                <a:ea typeface="Open Sans Light" panose="020B0306030504020204" pitchFamily="34" charset="0"/>
+                <a:cs typeface="Open Sans Light" panose="020B0306030504020204" pitchFamily="34" charset="0"/>
+              </a:defRPr>
+            </a:lvl5pPr>
+          </a:lstStyle>
+          <a:p>
+            <a:pPr lvl="0"/>
+            <a:r>
+              <a:rPr lang="en-GB"/>
+              <a:t>Click to edit Master text styles</a:t>
+            </a:r>
+          </a:p>
+          <a:p>
+            <a:pPr lvl="1"/>
+            <a:r>
+              <a:rPr lang="en-GB"/>
+              <a:t>Second level</a:t>
+            </a:r>
+          </a:p>
+          <a:p>
+            <a:pPr lvl="2"/>
+            <a:r>
+              <a:rPr lang="en-GB"/>
+              <a:t>Third level</a:t>
+            </a:r>
+          </a:p>
+          <a:p>
+            <a:pPr lvl="3"/>
+            <a:r>
+              <a:rPr lang="en-GB"/>
+              <a:t>Fourth level</a:t>
+            </a:r>
+          </a:p>
+          <a:p>
+            <a:pPr lvl="4"/>
+            <a:r>
+              <a:rPr lang="en-GB"/>
+              <a:t>Fifth level</a:t>
+            </a:r>
+            <a:endParaRPr lang="en-US" dirty="0"/>
+          </a:p>
+        </p:txBody>
+      </p:sp>
+    </p:spTree>
+    <p:extLst>
+      <p:ext uri="{BB962C8B-B14F-4D97-AF65-F5344CB8AC3E}">
+        <p14:creationId xmlns:p14="http://schemas.microsoft.com/office/powerpoint/2010/main" val="2619886245"/>
       </p:ext>
     </p:extLst>
   </p:cSld>
@@ -2786,22 +6515,32 @@
         </p:nvSpPr>
         <p:spPr>
           <a:xfrm>
-            <a:off x="266400" y="154800"/>
-            <a:ext cx="7163999" cy="381600"/>
+            <a:off x="775253" y="300459"/>
+            <a:ext cx="8070574" cy="333361"/>
           </a:xfrm>
           <a:prstGeom prst="rect">
             <a:avLst/>
           </a:prstGeom>
         </p:spPr>
         <p:txBody>
-          <a:bodyPr anchor="ctr" bIns="45720" lIns="90000" rIns="91440" rtlCol="0" tIns="45720" vert="horz">
-            <a:noAutofit/>
+          <a:bodyPr anchor="ctr" bIns="45720" lIns="91440" rIns="91440" rtlCol="0" tIns="45720" vert="horz">
+            <a:normAutofit/>
           </a:bodyPr>
           <a:lstStyle/>
           <a:p>
+            <a:pPr algn="l" defTabSz="685800" eaLnBrk="1" hangingPunct="1" indent="0" latinLnBrk="0" lvl="0" marL="0" rtl="0">
+              <a:lnSpc>
+                <a:spcPct val="90000"/>
+              </a:lnSpc>
+              <a:spcBef>
+                <a:spcPts val="750"/>
+              </a:spcBef>
+              <a:buFont charset="0" panose="020B0604020202020204" pitchFamily="34" typeface="Arial"/>
+              <a:buNone/>
+            </a:pPr>
             <a:r>
               <a:rPr dirty="0" lang="en-US"/>
-              <a:t>Click to edit Master title style</a:t>
+              <a:t>Click to edit Master title</a:t>
             </a:r>
           </a:p>
         </p:txBody>
@@ -2818,8 +6557,8 @@
         </p:nvSpPr>
         <p:spPr>
           <a:xfrm>
-            <a:off x="266400" y="673200"/>
-            <a:ext cx="8690400" cy="3967200"/>
+            <a:off x="298174" y="1302026"/>
+            <a:ext cx="8547653" cy="3538331"/>
           </a:xfrm>
           <a:prstGeom prst="rect">
             <a:avLst/>
@@ -2833,227 +6572,41 @@
           <a:p>
             <a:pPr lvl="0"/>
             <a:r>
-              <a:rPr dirty="0" lang="en-US"/>
+              <a:rPr lang="en-GB"/>
               <a:t>Click to edit Master text styles</a:t>
             </a:r>
           </a:p>
           <a:p>
             <a:pPr lvl="1"/>
             <a:r>
-              <a:rPr dirty="0" lang="en-US"/>
+              <a:rPr lang="en-GB"/>
               <a:t>Second level</a:t>
             </a:r>
           </a:p>
           <a:p>
             <a:pPr lvl="2"/>
             <a:r>
-              <a:rPr dirty="0" lang="en-US"/>
+              <a:rPr lang="en-GB"/>
               <a:t>Third level</a:t>
             </a:r>
           </a:p>
           <a:p>
             <a:pPr lvl="3"/>
             <a:r>
-              <a:rPr dirty="0" lang="en-US"/>
+              <a:rPr lang="en-GB"/>
               <a:t>Fourth level</a:t>
             </a:r>
           </a:p>
           <a:p>
             <a:pPr lvl="4"/>
             <a:r>
-              <a:rPr dirty="0" lang="en-US"/>
+              <a:rPr lang="en-GB"/>
               <a:t>Fifth level</a:t>
             </a:r>
-          </a:p>
-          <a:p>
-            <a:pPr lvl="5"/>
-            <a:r>
-              <a:rPr dirty="0" lang="en-US"/>
-              <a:t>Sixth level</a:t>
-            </a:r>
-          </a:p>
-          <a:p>
-            <a:pPr lvl="6"/>
-            <a:r>
-              <a:rPr dirty="0" lang="en-US"/>
-              <a:t>Seventh level</a:t>
-            </a:r>
-          </a:p>
-          <a:p>
-            <a:pPr lvl="7"/>
-            <a:r>
-              <a:rPr dirty="0" lang="en-US"/>
-              <a:t>Eighth level</a:t>
-            </a:r>
-          </a:p>
-          <a:p>
-            <a:pPr lvl="8"/>
-            <a:r>
-              <a:rPr dirty="0" lang="en-US"/>
-              <a:t>Ninth level</a:t>
-            </a:r>
+            <a:endParaRPr dirty="0" lang="en-US"/>
           </a:p>
         </p:txBody>
       </p:sp>
-      <p:sp>
-        <p:nvSpPr>
-          <p:cNvPr id="4" name="Date Placeholder 3"/>
-          <p:cNvSpPr>
-            <a:spLocks noGrp="1"/>
-          </p:cNvSpPr>
-          <p:nvPr>
-            <p:ph idx="2" sz="half" type="dt"/>
-          </p:nvPr>
-        </p:nvSpPr>
-        <p:spPr>
-          <a:xfrm>
-            <a:off x="932400" y="4712400"/>
-            <a:ext cx="889200" cy="273844"/>
-          </a:xfrm>
-          <a:prstGeom prst="rect">
-            <a:avLst/>
-          </a:prstGeom>
-        </p:spPr>
-        <p:txBody>
-          <a:bodyPr anchor="ctr" bIns="45720" lIns="91440" rIns="91440" rtlCol="0" tIns="45720" vert="horz"/>
-          <a:lstStyle>
-            <a:lvl1pPr algn="l">
-              <a:defRPr sz="1200">
-                <a:solidFill>
-                  <a:schemeClr val="tx1">
-                    <a:tint val="75000"/>
-                  </a:schemeClr>
-                </a:solidFill>
-              </a:defRPr>
-            </a:lvl1pPr>
-          </a:lstStyle>
-          <a:p>
-            <a:fld id="{4DC8F4E5-F6D1-D74A-8C39-BBFE9EBFB1A6}" type="datetime1">
-              <a:rPr lang="de-CH" smtClean="0"/>
-              <a:t>01.03.21</a:t>
-            </a:fld>
-            <a:endParaRPr dirty="0" lang="en-US"/>
-          </a:p>
-        </p:txBody>
-      </p:sp>
-      <p:sp>
-        <p:nvSpPr>
-          <p:cNvPr id="5" name="Footer Placeholder 4"/>
-          <p:cNvSpPr>
-            <a:spLocks noGrp="1"/>
-          </p:cNvSpPr>
-          <p:nvPr>
-            <p:ph idx="3" sz="quarter" type="ftr"/>
-          </p:nvPr>
-        </p:nvSpPr>
-        <p:spPr>
-          <a:xfrm>
-            <a:off x="1911600" y="4716000"/>
-            <a:ext cx="5595701" cy="273844"/>
-          </a:xfrm>
-          <a:prstGeom prst="rect">
-            <a:avLst/>
-          </a:prstGeom>
-        </p:spPr>
-        <p:txBody>
-          <a:bodyPr anchor="ctr" bIns="45720" lIns="91440" rIns="91440" rtlCol="0" tIns="45720" vert="horz"/>
-          <a:lstStyle>
-            <a:lvl1pPr algn="l">
-              <a:defRPr sz="1200">
-                <a:solidFill>
-                  <a:schemeClr val="tx1">
-                    <a:tint val="75000"/>
-                  </a:schemeClr>
-                </a:solidFill>
-              </a:defRPr>
-            </a:lvl1pPr>
-          </a:lstStyle>
-          <a:p>
-            <a:endParaRPr dirty="0" lang="en-US"/>
-          </a:p>
-        </p:txBody>
-      </p:sp>
-      <p:sp>
-        <p:nvSpPr>
-          <p:cNvPr id="6" name="Slide Number Placeholder 5"/>
-          <p:cNvSpPr>
-            <a:spLocks noGrp="1"/>
-          </p:cNvSpPr>
-          <p:nvPr>
-            <p:ph idx="4" sz="quarter" type="sldNum"/>
-          </p:nvPr>
-        </p:nvSpPr>
-        <p:spPr>
-          <a:xfrm>
-            <a:off x="266400" y="4712400"/>
-            <a:ext cx="576000" cy="273600"/>
-          </a:xfrm>
-          <a:prstGeom prst="rect">
-            <a:avLst/>
-          </a:prstGeom>
-        </p:spPr>
-        <p:txBody>
-          <a:bodyPr anchor="ctr" bIns="45720" lIns="91440" rIns="91440" rtlCol="0" tIns="45720" vert="horz"/>
-          <a:lstStyle>
-            <a:lvl1pPr algn="r">
-              <a:defRPr sz="1200">
-                <a:solidFill>
-                  <a:schemeClr val="tx1">
-                    <a:tint val="75000"/>
-                  </a:schemeClr>
-                </a:solidFill>
-              </a:defRPr>
-            </a:lvl1pPr>
-          </a:lstStyle>
-          <a:p>
-            <a:fld id="{C5EF2332-01BF-834F-8236-50238282D533}" type="slidenum">
-              <a:rPr lang="en-US" smtClean="0"/>
-              <a:pPr/>
-              <a:t>‹#›</a:t>
-            </a:fld>
-            <a:endParaRPr dirty="0" lang="en-US"/>
-          </a:p>
-        </p:txBody>
-      </p:sp>
-      <p:pic>
-        <p:nvPicPr>
-          <p:cNvPr id="13" name="Grafik 6">
-            <a:extLst>
-              <a:ext uri="{FF2B5EF4-FFF2-40B4-BE49-F238E27FC236}">
-                <a16:creationId xmlns:a16="http://schemas.microsoft.com/office/drawing/2014/main" id="{03E75D96-F889-5346-9C9E-263A527FF9B9}"/>
-              </a:ext>
-            </a:extLst>
-          </p:cNvPr>
-          <p:cNvPicPr>
-            <a:picLocks noChangeAspect="1"/>
-          </p:cNvPicPr>
-          <p:nvPr userDrawn="1"/>
-        </p:nvPicPr>
-        <p:blipFill>
-          <a:blip r:embed="rId13">
-            <a:extLst>
-              <a:ext uri="{28A0092B-C50C-407E-A947-70E740481C1C}">
-                <a14:useLocalDpi xmlns:a14="http://schemas.microsoft.com/office/drawing/2010/main"/>
-              </a:ext>
-              <a:ext uri="{96DAC541-7B7A-43D3-8B79-37D633B846F1}">
-                <asvg:svgBlip xmlns:asvg="http://schemas.microsoft.com/office/drawing/2016/SVG/main" r:embed="rId14"/>
-              </a:ext>
-            </a:extLst>
-          </a:blip>
-          <a:stretch>
-            <a:fillRect/>
-          </a:stretch>
-        </p:blipFill>
-        <p:spPr>
-          <a:xfrm>
-            <a:off x="7576290" y="4721439"/>
-            <a:ext cx="1380510" cy="274332"/>
-          </a:xfrm>
-          <a:prstGeom prst="rect">
-            <a:avLst/>
-          </a:prstGeom>
-        </p:spPr>
-      </p:pic>
     </p:spTree>
     <p:extLst>
       <p:ext uri="{BB962C8B-B14F-4D97-AF65-F5344CB8AC3E}">
@@ -3064,139 +6617,156 @@
   <p:clrMap accent1="accent1" accent2="accent2" accent3="accent3" accent4="accent4" accent5="accent5" accent6="accent6" bg1="lt1" bg2="lt2" folHlink="folHlink" hlink="hlink" tx1="dk1" tx2="dk2"/>
   <p:sldLayoutIdLst>
     <p:sldLayoutId id="2147483649" r:id="rId1"/>
-    <p:sldLayoutId id="2147483650" r:id="rId2"/>
-    <p:sldLayoutId id="2147483651" r:id="rId3"/>
-    <p:sldLayoutId id="2147483652" r:id="rId4"/>
-    <p:sldLayoutId id="2147483653" r:id="rId5"/>
-    <p:sldLayoutId id="2147483654" r:id="rId6"/>
-    <p:sldLayoutId id="2147483655" r:id="rId7"/>
-    <p:sldLayoutId id="2147483656" r:id="rId8"/>
-    <p:sldLayoutId id="2147483657" r:id="rId9"/>
-    <p:sldLayoutId id="2147483658" r:id="rId10"/>
-    <p:sldLayoutId id="2147483659" r:id="rId11"/>
+    <p:sldLayoutId id="2147483651" r:id="rId2"/>
+    <p:sldLayoutId id="2147483669" r:id="rId3"/>
+    <p:sldLayoutId id="2147483671" r:id="rId4"/>
+    <p:sldLayoutId id="2147483650" r:id="rId5"/>
+    <p:sldLayoutId id="2147483673" r:id="rId6"/>
+    <p:sldLayoutId id="2147483660" r:id="rId7"/>
+    <p:sldLayoutId id="2147483668" r:id="rId8"/>
+    <p:sldLayoutId id="2147483652" r:id="rId9"/>
+    <p:sldLayoutId id="2147483653" r:id="rId10"/>
+    <p:sldLayoutId id="2147483654" r:id="rId11"/>
+    <p:sldLayoutId id="2147483655" r:id="rId12"/>
+    <p:sldLayoutId id="2147483670" r:id="rId13"/>
+    <p:sldLayoutId id="2147483657" r:id="rId14"/>
+    <p:sldLayoutId id="2147483658" r:id="rId15"/>
+    <p:sldLayoutId id="2147483659" r:id="rId16"/>
+    <p:sldLayoutId id="2147483665" r:id="rId17"/>
+    <p:sldLayoutId id="2147483667" r:id="rId18"/>
+    <p:sldLayoutId id="2147483666" r:id="rId19"/>
+    <p:sldLayoutId id="2147483664" r:id="rId20"/>
   </p:sldLayoutIdLst>
-  <p:hf ftr="0" hdr="0"/>
   <p:txStyles>
     <p:titleStyle>
-      <a:lvl1pPr algn="l" defTabSz="342900" eaLnBrk="1" hangingPunct="1" latinLnBrk="0" rtl="0">
+      <a:lvl1pPr algn="ctr" defTabSz="342900" eaLnBrk="1" hangingPunct="1" latinLnBrk="0" rtl="0">
+        <a:spcBef>
+          <a:spcPct val="0"/>
+        </a:spcBef>
+        <a:buNone/>
+        <a:defRPr b="1" baseline="0" cap="all" dirty="0" i="0" kern="1200" lang="en-US" sz="1800">
+          <a:solidFill>
+            <a:srgbClr val="1E2846"/>
+          </a:solidFill>
+          <a:latin typeface="Montserrat-SemiBold"/>
+          <a:ea typeface="+mn-ea"/>
+          <a:cs typeface="+mn-cs"/>
+        </a:defRPr>
+      </a:lvl1pPr>
+    </p:titleStyle>
+    <p:bodyStyle>
+      <a:lvl1pPr algn="l" defTabSz="685800" eaLnBrk="1" hangingPunct="1" indent="-171450" latinLnBrk="0" marL="257175" rtl="0">
         <a:lnSpc>
           <a:spcPct val="90000"/>
         </a:lnSpc>
         <a:spcBef>
-          <a:spcPct val="0"/>
+          <a:spcPct val="20000"/>
         </a:spcBef>
-        <a:buNone/>
-        <a:defRPr kern="1200" sz="2100">
+        <a:buClr>
+          <a:srgbClr val="9600FF"/>
+        </a:buClr>
+        <a:buFont charset="2" pitchFamily="2" typeface="Wingdings"/>
+        <a:buChar char="§"/>
+        <a:defRPr b="0" baseline="0" dirty="0" kern="1200" lang="en-US" smtClean="0" sz="1350">
           <a:solidFill>
-            <a:schemeClr val="tx1"/>
+            <a:srgbClr val="1E2846"/>
           </a:solidFill>
-          <a:latin typeface="+mn-lt"/>
-          <a:ea typeface="+mj-ea"/>
-          <a:cs typeface="+mj-cs"/>
+          <a:latin charset="0" panose="020B0306030504020204" pitchFamily="34" typeface="Open Sans Light"/>
+          <a:ea charset="0" panose="020B0306030504020204" pitchFamily="34" typeface="Open Sans Light"/>
+          <a:cs charset="0" panose="020B0306030504020204" pitchFamily="34" typeface="Open Sans Light"/>
         </a:defRPr>
       </a:lvl1pPr>
-    </p:titleStyle>
-    <p:bodyStyle>
-      <a:lvl1pPr algn="l" defTabSz="342900" eaLnBrk="1" hangingPunct="1" indent="-172800" latinLnBrk="0" marL="172800" rtl="0">
+      <a:lvl2pPr algn="l" defTabSz="685800" eaLnBrk="1" hangingPunct="1" indent="-171450" latinLnBrk="0" marL="557213" rtl="0">
         <a:lnSpc>
           <a:spcPct val="90000"/>
         </a:lnSpc>
         <a:spcBef>
-          <a:spcPts val="750"/>
+          <a:spcPct val="20000"/>
         </a:spcBef>
-        <a:buFont charset="0" panose="020B0604020202020204" pitchFamily="34" typeface="Arial"/>
-        <a:buChar char="•"/>
-        <a:defRPr kern="1200" sz="1600">
+        <a:buClr>
+          <a:srgbClr val="9600FF"/>
+        </a:buClr>
+        <a:buFont charset="0" panose="02070309020205020404" pitchFamily="49" typeface="Courier New"/>
+        <a:buChar char="o"/>
+        <a:defRPr b="0" baseline="0" dirty="0" kern="1200" lang="en-US" smtClean="0" sz="1350">
           <a:solidFill>
-            <a:schemeClr val="tx1"/>
+            <a:srgbClr val="1E2846"/>
           </a:solidFill>
-          <a:latin typeface="+mn-lt"/>
-          <a:ea typeface="+mn-ea"/>
-          <a:cs typeface="+mn-cs"/>
+          <a:latin charset="0" panose="020B0306030504020204" pitchFamily="34" typeface="Open Sans Light"/>
+          <a:ea charset="0" panose="020B0306030504020204" pitchFamily="34" typeface="Open Sans Light"/>
+          <a:cs charset="0" panose="020B0306030504020204" pitchFamily="34" typeface="Open Sans Light"/>
         </a:defRPr>
-      </a:lvl1pPr>
-      <a:lvl2pPr algn="l" defTabSz="342900" eaLnBrk="1" hangingPunct="1" indent="-172800" latinLnBrk="0" marL="513000" rtl="0">
+      </a:lvl2pPr>
+      <a:lvl3pPr algn="l" defTabSz="685800" eaLnBrk="1" hangingPunct="1" indent="-171450" latinLnBrk="0" marL="857250" rtl="0">
         <a:lnSpc>
           <a:spcPct val="90000"/>
         </a:lnSpc>
         <a:spcBef>
-          <a:spcPts val="375"/>
+          <a:spcPct val="20000"/>
         </a:spcBef>
-        <a:buFont charset="0" panose="020B0604020202020204" pitchFamily="34" typeface="Arial"/>
-        <a:buChar char="•"/>
-        <a:defRPr kern="1200" sz="1600">
+        <a:buClr>
+          <a:srgbClr val="9600FF"/>
+        </a:buClr>
+        <a:buFont charset="0" panose="02070309020205020404" pitchFamily="49" typeface="Courier New"/>
+        <a:buChar char="o"/>
+        <a:defRPr b="0" baseline="0" dirty="0" kern="1200" lang="en-US" smtClean="0" sz="1350">
           <a:solidFill>
-            <a:schemeClr val="tx1"/>
+            <a:srgbClr val="1E2846"/>
           </a:solidFill>
-          <a:latin typeface="+mn-lt"/>
-          <a:ea typeface="+mn-ea"/>
-          <a:cs typeface="+mn-cs"/>
+          <a:latin charset="0" panose="020B0306030504020204" pitchFamily="34" typeface="Open Sans Light"/>
+          <a:ea charset="0" panose="020B0306030504020204" pitchFamily="34" typeface="Open Sans Light"/>
+          <a:cs charset="0" panose="020B0306030504020204" pitchFamily="34" typeface="Open Sans Light"/>
         </a:defRPr>
-      </a:lvl2pPr>
-      <a:lvl3pPr algn="l" defTabSz="342900" eaLnBrk="1" hangingPunct="1" indent="-172800" latinLnBrk="0" marL="858600" rtl="0">
+      </a:lvl3pPr>
+      <a:lvl4pPr algn="l" defTabSz="685800" eaLnBrk="1" hangingPunct="1" indent="-171450" latinLnBrk="0" marL="1200150" rtl="0">
         <a:lnSpc>
           <a:spcPct val="90000"/>
         </a:lnSpc>
         <a:spcBef>
-          <a:spcPts val="375"/>
+          <a:spcPct val="20000"/>
         </a:spcBef>
-        <a:buFont charset="0" panose="020B0604020202020204" pitchFamily="34" typeface="Arial"/>
-        <a:buChar char="•"/>
-        <a:defRPr kern="1200" sz="1600">
+        <a:buClr>
+          <a:srgbClr val="9600FF"/>
+        </a:buClr>
+        <a:buFont charset="0" panose="02070309020205020404" pitchFamily="49" typeface="Courier New"/>
+        <a:buChar char="o"/>
+        <a:defRPr b="0" baseline="0" dirty="0" kern="1200" lang="en-US" smtClean="0" sz="1350">
           <a:solidFill>
-            <a:schemeClr val="tx1"/>
+            <a:srgbClr val="1E2846"/>
           </a:solidFill>
-          <a:latin typeface="+mn-lt"/>
-          <a:ea typeface="+mn-ea"/>
-          <a:cs typeface="+mn-cs"/>
+          <a:latin charset="0" panose="020B0306030504020204" pitchFamily="34" typeface="Open Sans Light"/>
+          <a:ea charset="0" panose="020B0306030504020204" pitchFamily="34" typeface="Open Sans Light"/>
+          <a:cs charset="0" panose="020B0306030504020204" pitchFamily="34" typeface="Open Sans Light"/>
         </a:defRPr>
-      </a:lvl3pPr>
-      <a:lvl4pPr algn="l" defTabSz="342900" eaLnBrk="1" hangingPunct="1" indent="-172800" latinLnBrk="0" marL="1200150" rtl="0">
+      </a:lvl4pPr>
+      <a:lvl5pPr algn="l" defTabSz="685800" eaLnBrk="1" hangingPunct="1" indent="-171450" latinLnBrk="0" marL="1543050" rtl="0">
         <a:lnSpc>
           <a:spcPct val="90000"/>
         </a:lnSpc>
         <a:spcBef>
-          <a:spcPts val="375"/>
+          <a:spcPct val="20000"/>
         </a:spcBef>
-        <a:buFont charset="0" panose="020B0604020202020204" pitchFamily="34" typeface="Arial"/>
-        <a:buChar char="•"/>
-        <a:defRPr kern="1200" sz="1600">
+        <a:buClr>
+          <a:srgbClr val="9600FF"/>
+        </a:buClr>
+        <a:buFont charset="0" panose="02070309020205020404" pitchFamily="49" typeface="Courier New"/>
+        <a:buChar char="o"/>
+        <a:defRPr b="0" baseline="0" dirty="0" kern="1200" lang="en-US" sz="1350">
           <a:solidFill>
-            <a:schemeClr val="tx1"/>
+            <a:srgbClr val="1E2846"/>
           </a:solidFill>
-          <a:latin typeface="+mn-lt"/>
-          <a:ea typeface="+mn-ea"/>
-          <a:cs typeface="+mn-cs"/>
-        </a:defRPr>
-      </a:lvl4pPr>
-      <a:lvl5pPr algn="l" defTabSz="342900" eaLnBrk="1" hangingPunct="1" indent="-172800" latinLnBrk="0" marL="1543050" rtl="0">
-        <a:lnSpc>
-          <a:spcPct val="90000"/>
-        </a:lnSpc>
-        <a:spcBef>
-          <a:spcPts val="375"/>
-        </a:spcBef>
-        <a:buFont charset="0" panose="020B0604020202020204" pitchFamily="34" typeface="Arial"/>
-        <a:buChar char="•"/>
-        <a:defRPr kern="1200" sz="1600">
-          <a:solidFill>
-            <a:schemeClr val="tx1"/>
-          </a:solidFill>
-          <a:latin typeface="+mn-lt"/>
-          <a:ea typeface="+mn-ea"/>
-          <a:cs typeface="+mn-cs"/>
+          <a:latin charset="0" panose="020B0306030504020204" pitchFamily="34" typeface="Open Sans Light"/>
+          <a:ea charset="0" panose="020B0306030504020204" pitchFamily="34" typeface="Open Sans Light"/>
+          <a:cs charset="0" panose="020B0306030504020204" pitchFamily="34" typeface="Open Sans Light"/>
         </a:defRPr>
       </a:lvl5pPr>
-      <a:lvl6pPr algn="l" defTabSz="342900" eaLnBrk="1" hangingPunct="1" indent="-172800" latinLnBrk="0" marL="1885950" rtl="0">
-        <a:lnSpc>
-          <a:spcPct val="90000"/>
-        </a:lnSpc>
+      <a:lvl6pPr algn="l" defTabSz="342900" eaLnBrk="1" hangingPunct="1" indent="-171450" latinLnBrk="0" marL="1885950" rtl="0">
         <a:spcBef>
-          <a:spcPts val="375"/>
+          <a:spcPct val="20000"/>
         </a:spcBef>
         <a:buFont typeface="Arial"/>
         <a:buChar char="•"/>
-        <a:defRPr kern="1200" sz="1600">
+        <a:defRPr kern="1200" sz="1500">
           <a:solidFill>
             <a:schemeClr val="tx1"/>
           </a:solidFill>
@@ -3205,16 +6775,13 @@
           <a:cs typeface="+mn-cs"/>
         </a:defRPr>
       </a:lvl6pPr>
-      <a:lvl7pPr algn="l" defTabSz="342900" eaLnBrk="1" hangingPunct="1" indent="-172800" latinLnBrk="0" marL="2228850" rtl="0">
-        <a:lnSpc>
-          <a:spcPct val="90000"/>
-        </a:lnSpc>
+      <a:lvl7pPr algn="l" defTabSz="342900" eaLnBrk="1" hangingPunct="1" indent="-171450" latinLnBrk="0" marL="2228850" rtl="0">
         <a:spcBef>
-          <a:spcPts val="375"/>
+          <a:spcPct val="20000"/>
         </a:spcBef>
         <a:buFont typeface="Arial"/>
         <a:buChar char="•"/>
-        <a:defRPr kern="1200" sz="1600">
+        <a:defRPr kern="1200" sz="1500">
           <a:solidFill>
             <a:schemeClr val="tx1"/>
           </a:solidFill>
@@ -3223,16 +6790,13 @@
           <a:cs typeface="+mn-cs"/>
         </a:defRPr>
       </a:lvl7pPr>
-      <a:lvl8pPr algn="l" defTabSz="342900" eaLnBrk="1" hangingPunct="1" indent="-172800" latinLnBrk="0" marL="2571750" rtl="0">
-        <a:lnSpc>
-          <a:spcPct val="90000"/>
-        </a:lnSpc>
+      <a:lvl8pPr algn="l" defTabSz="342900" eaLnBrk="1" hangingPunct="1" indent="-171450" latinLnBrk="0" marL="2571750" rtl="0">
         <a:spcBef>
-          <a:spcPts val="375"/>
+          <a:spcPct val="20000"/>
         </a:spcBef>
         <a:buFont typeface="Arial"/>
         <a:buChar char="•"/>
-        <a:defRPr kern="1200" sz="1600">
+        <a:defRPr kern="1200" sz="1500">
           <a:solidFill>
             <a:schemeClr val="tx1"/>
           </a:solidFill>
@@ -3241,16 +6805,13 @@
           <a:cs typeface="+mn-cs"/>
         </a:defRPr>
       </a:lvl8pPr>
-      <a:lvl9pPr algn="l" defTabSz="342900" eaLnBrk="1" hangingPunct="1" indent="-172800" latinLnBrk="0" marL="2914650" rtl="0">
-        <a:lnSpc>
-          <a:spcPct val="90000"/>
-        </a:lnSpc>
+      <a:lvl9pPr algn="l" defTabSz="342900" eaLnBrk="1" hangingPunct="1" indent="-171450" latinLnBrk="0" marL="2914650" rtl="0">
         <a:spcBef>
-          <a:spcPts val="375"/>
+          <a:spcPct val="20000"/>
         </a:spcBef>
         <a:buFont typeface="Arial"/>
         <a:buChar char="•"/>
-        <a:defRPr kern="1200" sz="1600">
+        <a:defRPr kern="1200" sz="1500">
           <a:solidFill>
             <a:schemeClr val="tx1"/>
           </a:solidFill>
@@ -3388,8 +6949,8 @@
         </p:nvSpPr>
         <p:spPr>
           <a:xfrm>
-            <a:off x="389023" y="233153"/>
-            <a:ext cx="8568905" cy="581828"/>
+            <a:off x="685800" y="1597820"/>
+            <a:ext cx="7772400" cy="1102519"/>
           </a:xfrm>
         </p:spPr>
         <p:txBody>
@@ -3437,13 +6998,13 @@
             <a:spLocks noGrp="1"/>
           </p:cNvSpPr>
           <p:nvPr>
-            <p:ph hasCustomPrompt="1" idx="1" type="subTitle"/>
+            <p:ph idx="1" type="subTitle"/>
           </p:nvPr>
         </p:nvSpPr>
         <p:spPr>
           <a:xfrm>
-            <a:off x="389024" y="875215"/>
-            <a:ext cx="8696654" cy="396008"/>
+            <a:off x="685800" y="2914650"/>
+            <a:ext cx="7772400" cy="428625"/>
           </a:xfrm>
         </p:spPr>
         <p:txBody>
@@ -3548,8 +7109,8 @@
         </p:nvSpPr>
         <p:spPr>
           <a:xfrm>
-            <a:off x="266399" y="122400"/>
-            <a:ext cx="7236000" cy="586800"/>
+            <a:off x="775253" y="293812"/>
+            <a:ext cx="8070574" cy="333361"/>
           </a:xfrm>
         </p:spPr>
         <p:txBody>
@@ -4043,8 +7604,8 @@
         </p:blipFill>
         <p:spPr bwMode="auto">
           <a:xfrm>
-            <a:off x="254000" y="1066800"/>
-            <a:ext cx="8686800" cy="2755900"/>
+            <a:off x="292100" y="1447800"/>
+            <a:ext cx="8547100" cy="2717800"/>
           </a:xfrm>
           <a:prstGeom prst="rect">
             <a:avLst/>
@@ -4065,8 +7626,8 @@
         </p:nvSpPr>
         <p:spPr>
           <a:xfrm>
-            <a:off x="254000" y="4102100"/>
-            <a:ext cx="8686800" cy="508000"/>
+            <a:off x="292100" y="4318000"/>
+            <a:ext cx="8547100" cy="508000"/>
           </a:xfrm>
           <a:prstGeom prst="rect">
             <a:avLst/>
@@ -4231,18 +7792,18 @@
           </p:nvPr>
         </p:nvGraphicFramePr>
         <p:xfrm>
-          <a:off x="254000" y="800100"/>
-          <a:ext cx="8686800" cy="3810000"/>
+          <a:off x="292100" y="1295400"/>
+          <a:ext cx="8547100" cy="3530600"/>
         </p:xfrm>
         <a:graphic>
           <a:graphicData uri="http://schemas.openxmlformats.org/drawingml/2006/table">
             <a:tbl>
               <a:tblPr firstRow="1" bandRow="1">
-                <a:tableStyleId>{5C22544A-7EE6-4342-B048-85BDC9FD1C3A}</a:tableStyleId>
+                <a:tableStyleId>{9D7B26C5-4107-4FEC-AEDC-1716B250A1EF}</a:tableStyleId>
               </a:tblPr>
               <a:tblGrid>
-                <a:gridCol w="4343400"/>
-                <a:gridCol w="4343400"/>
+                <a:gridCol w="4267200"/>
+                <a:gridCol w="4267200"/>
               </a:tblGrid>
               <a:tr h="0">
                 <a:tc>
@@ -5250,8 +8811,8 @@
         </p:nvSpPr>
         <p:spPr>
           <a:xfrm>
-            <a:off x="266399" y="122400"/>
-            <a:ext cx="7236000" cy="586800"/>
+            <a:off x="775253" y="293812"/>
+            <a:ext cx="8070574" cy="333361"/>
           </a:xfrm>
         </p:spPr>
         <p:txBody>
@@ -5301,12 +8862,12 @@
 <file path=ppt/theme/theme1.xml><?xml version="1.0" encoding="utf-8"?>
 <a:theme xmlns:a="http://schemas.openxmlformats.org/drawingml/2006/main" name="Office Theme">
   <a:themeElements>
-    <a:clrScheme name="Office">
+    <a:clrScheme name="Custom 1">
       <a:dk1>
-        <a:sysClr val="windowText" lastClr="000000"/>
+        <a:srgbClr val="000000"/>
       </a:dk1>
       <a:lt1>
-        <a:sysClr val="window" lastClr="FFFFFF"/>
+        <a:srgbClr val="FFFFFF"/>
       </a:lt1>
       <a:dk2>
         <a:srgbClr val="1F497D"/>
@@ -5333,10 +8894,10 @@
         <a:srgbClr val="F79646"/>
       </a:accent6>
       <a:hlink>
-        <a:srgbClr val="0000FF"/>
+        <a:srgbClr val="9500FF"/>
       </a:hlink>
       <a:folHlink>
-        <a:srgbClr val="800080"/>
+        <a:srgbClr val="9500FF"/>
       </a:folHlink>
     </a:clrScheme>
     <a:fontScheme name="Office">
@@ -5615,5 +9176,10 @@
     </a:lnDef>
   </a:objectDefaults>
   <a:extraClrSchemeLst/>
+  <a:extLst>
+    <a:ext uri="{05A4C25C-085E-4340-85A3-A5531E510DB2}">
+      <thm15:themeFamily xmlns:thm15="http://schemas.microsoft.com/office/thememl/2012/main" name="Presentation11" id="{06ADA738-7FBA-0748-A630-949143178798}" vid="{7AD57152-DF9E-1045-8008-860DD038D19B}"/>
+    </a:ext>
+  </a:extLst>
 </a:theme>
 </file>
--- a/sample/sample.pptx
+++ b/sample/sample.pptx
@@ -10,7 +10,6 @@
     <p:sldId id="258" r:id="rId4"/>
     <p:sldId id="259" r:id="rId5"/>
     <p:sldId id="260" r:id="rId6"/>
-    <p:sldId id="261" r:id="rId7"/>
   </p:sldIdLst>
   <p:sldSz cx="9144000" cy="5143500" type="screen16x9"/>
   <p:notesSz cx="6858000" cy="9144000"/>
@@ -3120,7 +3119,7 @@
             </a:pPr>
             <a:r>
               <a:rPr/>
-              <a:t>Trivadis Markdown Doc Template</a:t>
+              <a:t>OraDBA Markdown Doc Template</a:t>
             </a:r>
           </a:p>
         </p:txBody>
@@ -3641,7 +3640,7 @@
       </p:sp>
       <p:pic>
         <p:nvPicPr>
-          <p:cNvPr descr="fig:  CMU_overview.png" id="0" name="Picture 1"/>
+          <p:cNvPr descr="CMU_overview.png" id="0" name="Picture 1"/>
           <p:cNvPicPr>
             <a:picLocks noGrp="1" noChangeAspect="1"/>
           </p:cNvPicPr>
@@ -3655,8 +3654,8 @@
         </p:blipFill>
         <p:spPr bwMode="auto">
           <a:xfrm>
-            <a:off x="3568700" y="1333500"/>
-            <a:ext cx="5105400" cy="1625600"/>
+            <a:off x="457200" y="2095500"/>
+            <a:ext cx="2997200" cy="952500"/>
           </a:xfrm>
           <a:prstGeom prst="rect">
             <a:avLst/>
@@ -3677,8 +3676,8 @@
         </p:nvSpPr>
         <p:spPr>
           <a:xfrm>
-            <a:off x="3568700" y="4076700"/>
-            <a:ext cx="5105400" cy="508000"/>
+            <a:off x="457200" y="4076700"/>
+            <a:ext cx="2997200" cy="508000"/>
           </a:xfrm>
           <a:prstGeom prst="rect">
             <a:avLst/>
@@ -3699,28 +3698,6 @@
           </a:p>
         </p:txBody>
       </p:sp>
-    </p:spTree>
-  </p:cSld>
-</p:sld>
-</file>
-
-<file path=ppt/slides/slide4.xml><?xml version="1.0" encoding="utf-8"?>
-<p:sld xmlns:a="http://schemas.openxmlformats.org/drawingml/2006/main" xmlns:r="http://schemas.openxmlformats.org/officeDocument/2006/relationships" xmlns:p="http://schemas.openxmlformats.org/presentationml/2006/main">
-  <p:cSld>
-    <p:spTree>
-      <p:nvGrpSpPr>
-        <p:cNvPr id="1" name=""/>
-        <p:cNvGrpSpPr/>
-        <p:nvPr/>
-      </p:nvGrpSpPr>
-      <p:grpSpPr>
-        <a:xfrm>
-          <a:off x="0" y="0"/>
-          <a:ext cx="0" cy="0"/>
-          <a:chOff x="0" y="0"/>
-          <a:chExt cx="0" cy="0"/>
-        </a:xfrm>
-      </p:grpSpPr>
       <p:sp>
         <p:nvSpPr>
           <p:cNvPr id="4" name="Text Placeholder 3"/>
@@ -3901,7 +3878,7 @@
 </p:sld>
 </file>
 
-<file path=ppt/slides/slide5.xml><?xml version="1.0" encoding="utf-8"?>
+<file path=ppt/slides/slide4.xml><?xml version="1.0" encoding="utf-8"?>
 <p:sld xmlns:a="http://schemas.openxmlformats.org/drawingml/2006/main" xmlns:r="http://schemas.openxmlformats.org/officeDocument/2006/relationships" xmlns:p="http://schemas.openxmlformats.org/presentationml/2006/main">
   <p:cSld>
     <p:spTree>
@@ -4735,7 +4712,7 @@
             </a:pPr>
             <a:r>
               <a:rPr b="1"/>
-              <a:t>Trivadis</a:t>
+              <a:t>OraDBA</a:t>
             </a:r>
             <a:r>
               <a:rPr/>
@@ -4757,7 +4734,7 @@
             </a:pPr>
             <a:r>
               <a:rPr b="1"/>
-              <a:t>Trivadis</a:t>
+              <a:t>OraDBA</a:t>
             </a:r>
             <a:r>
               <a:rPr/>
@@ -4780,7 +4757,7 @@
 </p:sld>
 </file>
 
-<file path=ppt/slides/slide6.xml><?xml version="1.0" encoding="utf-8"?>
+<file path=ppt/slides/slide5.xml><?xml version="1.0" encoding="utf-8"?>
 <p:sld xmlns:a="http://schemas.openxmlformats.org/drawingml/2006/main" xmlns:r="http://schemas.openxmlformats.org/officeDocument/2006/relationships" xmlns:p="http://schemas.openxmlformats.org/presentationml/2006/main">
   <p:cSld>
     <p:spTree>

--- a/sample/sample.pptx
+++ b/sample/sample.pptx
@@ -10,6 +10,7 @@
     <p:sldId id="258" r:id="rId4"/>
     <p:sldId id="259" r:id="rId5"/>
     <p:sldId id="260" r:id="rId6"/>
+    <p:sldId id="261" r:id="rId7"/>
   </p:sldIdLst>
   <p:sldSz cx="9144000" cy="5143500" type="screen16x9"/>
   <p:notesSz cx="6858000" cy="9144000"/>
@@ -3654,8 +3655,8 @@
         </p:blipFill>
         <p:spPr bwMode="auto">
           <a:xfrm>
-            <a:off x="457200" y="2095500"/>
-            <a:ext cx="2997200" cy="952500"/>
+            <a:off x="3568700" y="1333500"/>
+            <a:ext cx="5105400" cy="1625600"/>
           </a:xfrm>
           <a:prstGeom prst="rect">
             <a:avLst/>
@@ -3676,8 +3677,8 @@
         </p:nvSpPr>
         <p:spPr>
           <a:xfrm>
-            <a:off x="457200" y="4076700"/>
-            <a:ext cx="2997200" cy="508000"/>
+            <a:off x="3568700" y="4076700"/>
+            <a:ext cx="5105400" cy="508000"/>
           </a:xfrm>
           <a:prstGeom prst="rect">
             <a:avLst/>
@@ -3700,12 +3701,12 @@
       </p:sp>
       <p:sp>
         <p:nvSpPr>
-          <p:cNvPr id="4" name="Text Placeholder 3"/>
-          <p:cNvSpPr>
-            <a:spLocks noGrp="1"/>
-          </p:cNvSpPr>
-          <p:nvPr>
-            <p:ph idx="2" sz="half" type="body"/>
+          <p:cNvPr id="3" name="Content Placeholder 2"/>
+          <p:cNvSpPr>
+            <a:spLocks noGrp="1"/>
+          </p:cNvSpPr>
+          <p:nvPr>
+            <p:ph idx="1"/>
           </p:nvPr>
         </p:nvSpPr>
         <p:spPr/>
@@ -3747,6 +3748,28 @@
           </a:p>
         </p:txBody>
       </p:sp>
+    </p:spTree>
+  </p:cSld>
+</p:sld>
+</file>
+
+<file path=ppt/slides/slide4.xml><?xml version="1.0" encoding="utf-8"?>
+<p:sld xmlns:a="http://schemas.openxmlformats.org/drawingml/2006/main" xmlns:r="http://schemas.openxmlformats.org/officeDocument/2006/relationships" xmlns:p="http://schemas.openxmlformats.org/presentationml/2006/main">
+  <p:cSld>
+    <p:spTree>
+      <p:nvGrpSpPr>
+        <p:cNvPr id="1" name=""/>
+        <p:cNvGrpSpPr/>
+        <p:nvPr/>
+      </p:nvGrpSpPr>
+      <p:grpSpPr>
+        <a:xfrm>
+          <a:off x="0" y="0"/>
+          <a:ext cx="0" cy="0"/>
+          <a:chOff x="0" y="0"/>
+          <a:chExt cx="0" cy="0"/>
+        </a:xfrm>
+      </p:grpSpPr>
       <p:graphicFrame>
         <p:nvGraphicFramePr>
           <p:cNvPr id="6" name="Content Placeholder 5"/>
@@ -3758,8 +3781,8 @@
           </p:nvPr>
         </p:nvGraphicFramePr>
         <p:xfrm>
-          <a:off x="3568700" y="203200"/>
-          <a:ext cx="5105400" cy="4381500"/>
+          <a:off x="457200" y="1193800"/>
+          <a:ext cx="8229600" cy="3390900"/>
         </p:xfrm>
         <a:graphic>
           <a:graphicData uri="http://schemas.openxmlformats.org/drawingml/2006/table">
@@ -3768,8 +3791,8 @@
                 <a:tableStyleId>{5C22544A-7EE6-4342-B048-85BDC9FD1C3A}</a:tableStyleId>
               </a:tblPr>
               <a:tblGrid>
-                <a:gridCol w="2552700"/>
-                <a:gridCol w="2552700"/>
+                <a:gridCol w="4114800"/>
+                <a:gridCol w="4114800"/>
               </a:tblGrid>
               <a:tr h="0">
                 <a:tc>
@@ -3878,7 +3901,7 @@
 </p:sld>
 </file>
 
-<file path=ppt/slides/slide4.xml><?xml version="1.0" encoding="utf-8"?>
+<file path=ppt/slides/slide5.xml><?xml version="1.0" encoding="utf-8"?>
 <p:sld xmlns:a="http://schemas.openxmlformats.org/drawingml/2006/main" xmlns:r="http://schemas.openxmlformats.org/officeDocument/2006/relationships" xmlns:p="http://schemas.openxmlformats.org/presentationml/2006/main">
   <p:cSld>
     <p:spTree>
@@ -4757,7 +4780,7 @@
 </p:sld>
 </file>
 
-<file path=ppt/slides/slide5.xml><?xml version="1.0" encoding="utf-8"?>
+<file path=ppt/slides/slide6.xml><?xml version="1.0" encoding="utf-8"?>
 <p:sld xmlns:a="http://schemas.openxmlformats.org/drawingml/2006/main" xmlns:r="http://schemas.openxmlformats.org/officeDocument/2006/relationships" xmlns:p="http://schemas.openxmlformats.org/presentationml/2006/main">
   <p:cSld>
     <p:spTree>

--- a/sample/sample.pptx
+++ b/sample/sample.pptx
@@ -3673,7 +3673,9 @@
         <p:nvSpPr>
           <p:cNvPr id="1" name="TextBox 3"/>
           <p:cNvSpPr txBox="1"/>
-          <p:nvPr/>
+          <p:nvPr>
+            <p:ph idx="1"/>
+          </p:nvPr>
         </p:nvSpPr>
         <p:spPr>
           <a:xfrm>
